--- a/communication/pre_0724.pptx
+++ b/communication/pre_0724.pptx
@@ -7,6 +7,7 @@
   <p:sldIdLst>
     <p:sldId id="256" r:id="rId2"/>
     <p:sldId id="257" r:id="rId3"/>
+    <p:sldId id="258" r:id="rId4"/>
   </p:sldIdLst>
   <p:sldSz cx="12192000" cy="6858000"/>
   <p:notesSz cx="6858000" cy="9144000"/>
@@ -134,7 +135,7 @@
           <p:cNvPr id="2" name="Title 1">
             <a:extLst>
               <a:ext uri="{FF2B5EF4-FFF2-40B4-BE49-F238E27FC236}">
-                <a16:creationId xmlns:a16="http://schemas.microsoft.com/office/drawing/2014/main" xmlns="" id="{E82B0C58-685F-4E04-A21B-9668CA5EF742}"/>
+                <a16:creationId xmlns="" xmlns:a16="http://schemas.microsoft.com/office/drawing/2014/main" id="{E82B0C58-685F-4E04-A21B-9668CA5EF742}"/>
               </a:ext>
             </a:extLst>
           </p:cNvPr>
@@ -172,7 +173,7 @@
           <p:cNvPr id="3" name="Subtitle 2">
             <a:extLst>
               <a:ext uri="{FF2B5EF4-FFF2-40B4-BE49-F238E27FC236}">
-                <a16:creationId xmlns:a16="http://schemas.microsoft.com/office/drawing/2014/main" xmlns="" id="{B11A4717-B2C0-4174-B071-49547222BE02}"/>
+                <a16:creationId xmlns="" xmlns:a16="http://schemas.microsoft.com/office/drawing/2014/main" id="{B11A4717-B2C0-4174-B071-49547222BE02}"/>
               </a:ext>
             </a:extLst>
           </p:cNvPr>
@@ -243,7 +244,7 @@
           <p:cNvPr id="4" name="Date Placeholder 3">
             <a:extLst>
               <a:ext uri="{FF2B5EF4-FFF2-40B4-BE49-F238E27FC236}">
-                <a16:creationId xmlns:a16="http://schemas.microsoft.com/office/drawing/2014/main" xmlns="" id="{27E9B1DA-FF8C-49E5-BF5B-B5A187CF2FD1}"/>
+                <a16:creationId xmlns="" xmlns:a16="http://schemas.microsoft.com/office/drawing/2014/main" id="{27E9B1DA-FF8C-49E5-BF5B-B5A187CF2FD1}"/>
               </a:ext>
             </a:extLst>
           </p:cNvPr>
@@ -272,7 +273,7 @@
           <p:cNvPr id="5" name="Footer Placeholder 4">
             <a:extLst>
               <a:ext uri="{FF2B5EF4-FFF2-40B4-BE49-F238E27FC236}">
-                <a16:creationId xmlns:a16="http://schemas.microsoft.com/office/drawing/2014/main" xmlns="" id="{EE57919F-B315-4B40-BA69-58D96B7F7598}"/>
+                <a16:creationId xmlns="" xmlns:a16="http://schemas.microsoft.com/office/drawing/2014/main" id="{EE57919F-B315-4B40-BA69-58D96B7F7598}"/>
               </a:ext>
             </a:extLst>
           </p:cNvPr>
@@ -297,7 +298,7 @@
           <p:cNvPr id="6" name="Slide Number Placeholder 5">
             <a:extLst>
               <a:ext uri="{FF2B5EF4-FFF2-40B4-BE49-F238E27FC236}">
-                <a16:creationId xmlns:a16="http://schemas.microsoft.com/office/drawing/2014/main" xmlns="" id="{99426AD7-F523-4BFE-A021-C8DD58E34398}"/>
+                <a16:creationId xmlns="" xmlns:a16="http://schemas.microsoft.com/office/drawing/2014/main" id="{99426AD7-F523-4BFE-A021-C8DD58E34398}"/>
               </a:ext>
             </a:extLst>
           </p:cNvPr>
@@ -356,7 +357,7 @@
           <p:cNvPr id="2" name="Title 1">
             <a:extLst>
               <a:ext uri="{FF2B5EF4-FFF2-40B4-BE49-F238E27FC236}">
-                <a16:creationId xmlns:a16="http://schemas.microsoft.com/office/drawing/2014/main" xmlns="" id="{8E03D62A-9869-450F-9CD5-D236DB6830F9}"/>
+                <a16:creationId xmlns="" xmlns:a16="http://schemas.microsoft.com/office/drawing/2014/main" id="{8E03D62A-9869-450F-9CD5-D236DB6830F9}"/>
               </a:ext>
             </a:extLst>
           </p:cNvPr>
@@ -385,7 +386,7 @@
           <p:cNvPr id="3" name="Vertical Text Placeholder 2">
             <a:extLst>
               <a:ext uri="{FF2B5EF4-FFF2-40B4-BE49-F238E27FC236}">
-                <a16:creationId xmlns:a16="http://schemas.microsoft.com/office/drawing/2014/main" xmlns="" id="{45850CA9-90C2-48AF-88D2-2A2C7C2FFA6F}"/>
+                <a16:creationId xmlns="" xmlns:a16="http://schemas.microsoft.com/office/drawing/2014/main" id="{45850CA9-90C2-48AF-88D2-2A2C7C2FFA6F}"/>
               </a:ext>
             </a:extLst>
           </p:cNvPr>
@@ -443,7 +444,7 @@
           <p:cNvPr id="4" name="Date Placeholder 3">
             <a:extLst>
               <a:ext uri="{FF2B5EF4-FFF2-40B4-BE49-F238E27FC236}">
-                <a16:creationId xmlns:a16="http://schemas.microsoft.com/office/drawing/2014/main" xmlns="" id="{61C42B10-AF4C-4914-922E-DAB7C990313F}"/>
+                <a16:creationId xmlns="" xmlns:a16="http://schemas.microsoft.com/office/drawing/2014/main" id="{61C42B10-AF4C-4914-922E-DAB7C990313F}"/>
               </a:ext>
             </a:extLst>
           </p:cNvPr>
@@ -472,7 +473,7 @@
           <p:cNvPr id="5" name="Footer Placeholder 4">
             <a:extLst>
               <a:ext uri="{FF2B5EF4-FFF2-40B4-BE49-F238E27FC236}">
-                <a16:creationId xmlns:a16="http://schemas.microsoft.com/office/drawing/2014/main" xmlns="" id="{380CBC57-50EF-4DC3-B3C4-9C51FB1A21B1}"/>
+                <a16:creationId xmlns="" xmlns:a16="http://schemas.microsoft.com/office/drawing/2014/main" id="{380CBC57-50EF-4DC3-B3C4-9C51FB1A21B1}"/>
               </a:ext>
             </a:extLst>
           </p:cNvPr>
@@ -497,7 +498,7 @@
           <p:cNvPr id="6" name="Slide Number Placeholder 5">
             <a:extLst>
               <a:ext uri="{FF2B5EF4-FFF2-40B4-BE49-F238E27FC236}">
-                <a16:creationId xmlns:a16="http://schemas.microsoft.com/office/drawing/2014/main" xmlns="" id="{4BE185E3-661A-497A-A857-7E0C3848E2FC}"/>
+                <a16:creationId xmlns="" xmlns:a16="http://schemas.microsoft.com/office/drawing/2014/main" id="{4BE185E3-661A-497A-A857-7E0C3848E2FC}"/>
               </a:ext>
             </a:extLst>
           </p:cNvPr>
@@ -556,7 +557,7 @@
           <p:cNvPr id="2" name="Vertical Title 1">
             <a:extLst>
               <a:ext uri="{FF2B5EF4-FFF2-40B4-BE49-F238E27FC236}">
-                <a16:creationId xmlns:a16="http://schemas.microsoft.com/office/drawing/2014/main" xmlns="" id="{38185D8B-4092-485C-A08D-F4C4BB7C4BE5}"/>
+                <a16:creationId xmlns="" xmlns:a16="http://schemas.microsoft.com/office/drawing/2014/main" id="{38185D8B-4092-485C-A08D-F4C4BB7C4BE5}"/>
               </a:ext>
             </a:extLst>
           </p:cNvPr>
@@ -590,7 +591,7 @@
           <p:cNvPr id="3" name="Vertical Text Placeholder 2">
             <a:extLst>
               <a:ext uri="{FF2B5EF4-FFF2-40B4-BE49-F238E27FC236}">
-                <a16:creationId xmlns:a16="http://schemas.microsoft.com/office/drawing/2014/main" xmlns="" id="{1E858840-306C-4E3C-A6A3-562C68355730}"/>
+                <a16:creationId xmlns="" xmlns:a16="http://schemas.microsoft.com/office/drawing/2014/main" id="{1E858840-306C-4E3C-A6A3-562C68355730}"/>
               </a:ext>
             </a:extLst>
           </p:cNvPr>
@@ -653,7 +654,7 @@
           <p:cNvPr id="4" name="Date Placeholder 3">
             <a:extLst>
               <a:ext uri="{FF2B5EF4-FFF2-40B4-BE49-F238E27FC236}">
-                <a16:creationId xmlns:a16="http://schemas.microsoft.com/office/drawing/2014/main" xmlns="" id="{77BEC104-511F-44EE-8C78-166766C0D7D6}"/>
+                <a16:creationId xmlns="" xmlns:a16="http://schemas.microsoft.com/office/drawing/2014/main" id="{77BEC104-511F-44EE-8C78-166766C0D7D6}"/>
               </a:ext>
             </a:extLst>
           </p:cNvPr>
@@ -682,7 +683,7 @@
           <p:cNvPr id="5" name="Footer Placeholder 4">
             <a:extLst>
               <a:ext uri="{FF2B5EF4-FFF2-40B4-BE49-F238E27FC236}">
-                <a16:creationId xmlns:a16="http://schemas.microsoft.com/office/drawing/2014/main" xmlns="" id="{92A85BD9-7A63-4458-85CD-0C5E834CAB08}"/>
+                <a16:creationId xmlns="" xmlns:a16="http://schemas.microsoft.com/office/drawing/2014/main" id="{92A85BD9-7A63-4458-85CD-0C5E834CAB08}"/>
               </a:ext>
             </a:extLst>
           </p:cNvPr>
@@ -707,7 +708,7 @@
           <p:cNvPr id="6" name="Slide Number Placeholder 5">
             <a:extLst>
               <a:ext uri="{FF2B5EF4-FFF2-40B4-BE49-F238E27FC236}">
-                <a16:creationId xmlns:a16="http://schemas.microsoft.com/office/drawing/2014/main" xmlns="" id="{40A3B400-2265-457A-A573-D92D2B6C5A00}"/>
+                <a16:creationId xmlns="" xmlns:a16="http://schemas.microsoft.com/office/drawing/2014/main" id="{40A3B400-2265-457A-A573-D92D2B6C5A00}"/>
               </a:ext>
             </a:extLst>
           </p:cNvPr>
@@ -766,7 +767,7 @@
           <p:cNvPr id="2" name="Title 1">
             <a:extLst>
               <a:ext uri="{FF2B5EF4-FFF2-40B4-BE49-F238E27FC236}">
-                <a16:creationId xmlns:a16="http://schemas.microsoft.com/office/drawing/2014/main" xmlns="" id="{F5421E64-D888-436A-9D27-22CBA88D8407}"/>
+                <a16:creationId xmlns="" xmlns:a16="http://schemas.microsoft.com/office/drawing/2014/main" id="{F5421E64-D888-436A-9D27-22CBA88D8407}"/>
               </a:ext>
             </a:extLst>
           </p:cNvPr>
@@ -795,7 +796,7 @@
           <p:cNvPr id="3" name="Content Placeholder 2">
             <a:extLst>
               <a:ext uri="{FF2B5EF4-FFF2-40B4-BE49-F238E27FC236}">
-                <a16:creationId xmlns:a16="http://schemas.microsoft.com/office/drawing/2014/main" xmlns="" id="{7AD1B751-8DD9-4978-A827-596A57E95954}"/>
+                <a16:creationId xmlns="" xmlns:a16="http://schemas.microsoft.com/office/drawing/2014/main" id="{7AD1B751-8DD9-4978-A827-596A57E95954}"/>
               </a:ext>
             </a:extLst>
           </p:cNvPr>
@@ -853,7 +854,7 @@
           <p:cNvPr id="4" name="Date Placeholder 3">
             <a:extLst>
               <a:ext uri="{FF2B5EF4-FFF2-40B4-BE49-F238E27FC236}">
-                <a16:creationId xmlns:a16="http://schemas.microsoft.com/office/drawing/2014/main" xmlns="" id="{C97A56F8-1BFC-4287-ADE5-BE823EA25727}"/>
+                <a16:creationId xmlns="" xmlns:a16="http://schemas.microsoft.com/office/drawing/2014/main" id="{C97A56F8-1BFC-4287-ADE5-BE823EA25727}"/>
               </a:ext>
             </a:extLst>
           </p:cNvPr>
@@ -882,7 +883,7 @@
           <p:cNvPr id="5" name="Footer Placeholder 4">
             <a:extLst>
               <a:ext uri="{FF2B5EF4-FFF2-40B4-BE49-F238E27FC236}">
-                <a16:creationId xmlns:a16="http://schemas.microsoft.com/office/drawing/2014/main" xmlns="" id="{24817AF5-80AF-4857-B545-52ABDA4E9F7E}"/>
+                <a16:creationId xmlns="" xmlns:a16="http://schemas.microsoft.com/office/drawing/2014/main" id="{24817AF5-80AF-4857-B545-52ABDA4E9F7E}"/>
               </a:ext>
             </a:extLst>
           </p:cNvPr>
@@ -907,7 +908,7 @@
           <p:cNvPr id="6" name="Slide Number Placeholder 5">
             <a:extLst>
               <a:ext uri="{FF2B5EF4-FFF2-40B4-BE49-F238E27FC236}">
-                <a16:creationId xmlns:a16="http://schemas.microsoft.com/office/drawing/2014/main" xmlns="" id="{A8969CB4-B22B-4FA8-B5CB-C506BD060641}"/>
+                <a16:creationId xmlns="" xmlns:a16="http://schemas.microsoft.com/office/drawing/2014/main" id="{A8969CB4-B22B-4FA8-B5CB-C506BD060641}"/>
               </a:ext>
             </a:extLst>
           </p:cNvPr>
@@ -966,7 +967,7 @@
           <p:cNvPr id="2" name="Title 1">
             <a:extLst>
               <a:ext uri="{FF2B5EF4-FFF2-40B4-BE49-F238E27FC236}">
-                <a16:creationId xmlns:a16="http://schemas.microsoft.com/office/drawing/2014/main" xmlns="" id="{95F84119-15D8-457B-B0FB-5E018423BCF2}"/>
+                <a16:creationId xmlns="" xmlns:a16="http://schemas.microsoft.com/office/drawing/2014/main" id="{95F84119-15D8-457B-B0FB-5E018423BCF2}"/>
               </a:ext>
             </a:extLst>
           </p:cNvPr>
@@ -1004,7 +1005,7 @@
           <p:cNvPr id="3" name="Text Placeholder 2">
             <a:extLst>
               <a:ext uri="{FF2B5EF4-FFF2-40B4-BE49-F238E27FC236}">
-                <a16:creationId xmlns:a16="http://schemas.microsoft.com/office/drawing/2014/main" xmlns="" id="{923E3244-8424-4475-B6B0-178B0593CC71}"/>
+                <a16:creationId xmlns="" xmlns:a16="http://schemas.microsoft.com/office/drawing/2014/main" id="{923E3244-8424-4475-B6B0-178B0593CC71}"/>
               </a:ext>
             </a:extLst>
           </p:cNvPr>
@@ -1129,7 +1130,7 @@
           <p:cNvPr id="4" name="Date Placeholder 3">
             <a:extLst>
               <a:ext uri="{FF2B5EF4-FFF2-40B4-BE49-F238E27FC236}">
-                <a16:creationId xmlns:a16="http://schemas.microsoft.com/office/drawing/2014/main" xmlns="" id="{A705FDA2-F3E9-4692-8383-40DFC177FC91}"/>
+                <a16:creationId xmlns="" xmlns:a16="http://schemas.microsoft.com/office/drawing/2014/main" id="{A705FDA2-F3E9-4692-8383-40DFC177FC91}"/>
               </a:ext>
             </a:extLst>
           </p:cNvPr>
@@ -1158,7 +1159,7 @@
           <p:cNvPr id="5" name="Footer Placeholder 4">
             <a:extLst>
               <a:ext uri="{FF2B5EF4-FFF2-40B4-BE49-F238E27FC236}">
-                <a16:creationId xmlns:a16="http://schemas.microsoft.com/office/drawing/2014/main" xmlns="" id="{036C04AA-71B6-4B82-B1D6-A5460948956D}"/>
+                <a16:creationId xmlns="" xmlns:a16="http://schemas.microsoft.com/office/drawing/2014/main" id="{036C04AA-71B6-4B82-B1D6-A5460948956D}"/>
               </a:ext>
             </a:extLst>
           </p:cNvPr>
@@ -1183,7 +1184,7 @@
           <p:cNvPr id="6" name="Slide Number Placeholder 5">
             <a:extLst>
               <a:ext uri="{FF2B5EF4-FFF2-40B4-BE49-F238E27FC236}">
-                <a16:creationId xmlns:a16="http://schemas.microsoft.com/office/drawing/2014/main" xmlns="" id="{2BC555BD-7DB8-4409-AB78-6600583EBD0A}"/>
+                <a16:creationId xmlns="" xmlns:a16="http://schemas.microsoft.com/office/drawing/2014/main" id="{2BC555BD-7DB8-4409-AB78-6600583EBD0A}"/>
               </a:ext>
             </a:extLst>
           </p:cNvPr>
@@ -1242,7 +1243,7 @@
           <p:cNvPr id="2" name="Title 1">
             <a:extLst>
               <a:ext uri="{FF2B5EF4-FFF2-40B4-BE49-F238E27FC236}">
-                <a16:creationId xmlns:a16="http://schemas.microsoft.com/office/drawing/2014/main" xmlns="" id="{CFDE51A8-D135-4C23-98BF-0A58CDAD1AD8}"/>
+                <a16:creationId xmlns="" xmlns:a16="http://schemas.microsoft.com/office/drawing/2014/main" id="{CFDE51A8-D135-4C23-98BF-0A58CDAD1AD8}"/>
               </a:ext>
             </a:extLst>
           </p:cNvPr>
@@ -1271,7 +1272,7 @@
           <p:cNvPr id="3" name="Content Placeholder 2">
             <a:extLst>
               <a:ext uri="{FF2B5EF4-FFF2-40B4-BE49-F238E27FC236}">
-                <a16:creationId xmlns:a16="http://schemas.microsoft.com/office/drawing/2014/main" xmlns="" id="{43DE1461-A68F-48B9-AEF8-2B7A0475B5F5}"/>
+                <a16:creationId xmlns="" xmlns:a16="http://schemas.microsoft.com/office/drawing/2014/main" id="{43DE1461-A68F-48B9-AEF8-2B7A0475B5F5}"/>
               </a:ext>
             </a:extLst>
           </p:cNvPr>
@@ -1334,7 +1335,7 @@
           <p:cNvPr id="4" name="Content Placeholder 3">
             <a:extLst>
               <a:ext uri="{FF2B5EF4-FFF2-40B4-BE49-F238E27FC236}">
-                <a16:creationId xmlns:a16="http://schemas.microsoft.com/office/drawing/2014/main" xmlns="" id="{AFAEB23E-2CF7-44DD-ABA5-3C201C584D35}"/>
+                <a16:creationId xmlns="" xmlns:a16="http://schemas.microsoft.com/office/drawing/2014/main" id="{AFAEB23E-2CF7-44DD-ABA5-3C201C584D35}"/>
               </a:ext>
             </a:extLst>
           </p:cNvPr>
@@ -1397,7 +1398,7 @@
           <p:cNvPr id="5" name="Date Placeholder 4">
             <a:extLst>
               <a:ext uri="{FF2B5EF4-FFF2-40B4-BE49-F238E27FC236}">
-                <a16:creationId xmlns:a16="http://schemas.microsoft.com/office/drawing/2014/main" xmlns="" id="{AE2D1C40-EAA6-4829-B21D-C47218C3A0B9}"/>
+                <a16:creationId xmlns="" xmlns:a16="http://schemas.microsoft.com/office/drawing/2014/main" id="{AE2D1C40-EAA6-4829-B21D-C47218C3A0B9}"/>
               </a:ext>
             </a:extLst>
           </p:cNvPr>
@@ -1426,7 +1427,7 @@
           <p:cNvPr id="6" name="Footer Placeholder 5">
             <a:extLst>
               <a:ext uri="{FF2B5EF4-FFF2-40B4-BE49-F238E27FC236}">
-                <a16:creationId xmlns:a16="http://schemas.microsoft.com/office/drawing/2014/main" xmlns="" id="{48A2C480-D165-473B-8D22-A8E8D16B0F00}"/>
+                <a16:creationId xmlns="" xmlns:a16="http://schemas.microsoft.com/office/drawing/2014/main" id="{48A2C480-D165-473B-8D22-A8E8D16B0F00}"/>
               </a:ext>
             </a:extLst>
           </p:cNvPr>
@@ -1451,7 +1452,7 @@
           <p:cNvPr id="7" name="Slide Number Placeholder 6">
             <a:extLst>
               <a:ext uri="{FF2B5EF4-FFF2-40B4-BE49-F238E27FC236}">
-                <a16:creationId xmlns:a16="http://schemas.microsoft.com/office/drawing/2014/main" xmlns="" id="{1D9957FE-AB03-4695-87C4-22BF3344F359}"/>
+                <a16:creationId xmlns="" xmlns:a16="http://schemas.microsoft.com/office/drawing/2014/main" id="{1D9957FE-AB03-4695-87C4-22BF3344F359}"/>
               </a:ext>
             </a:extLst>
           </p:cNvPr>
@@ -1510,7 +1511,7 @@
           <p:cNvPr id="2" name="Title 1">
             <a:extLst>
               <a:ext uri="{FF2B5EF4-FFF2-40B4-BE49-F238E27FC236}">
-                <a16:creationId xmlns:a16="http://schemas.microsoft.com/office/drawing/2014/main" xmlns="" id="{516E8653-AE2C-42C4-85BF-9E22A32355F2}"/>
+                <a16:creationId xmlns="" xmlns:a16="http://schemas.microsoft.com/office/drawing/2014/main" id="{516E8653-AE2C-42C4-85BF-9E22A32355F2}"/>
               </a:ext>
             </a:extLst>
           </p:cNvPr>
@@ -1544,7 +1545,7 @@
           <p:cNvPr id="3" name="Text Placeholder 2">
             <a:extLst>
               <a:ext uri="{FF2B5EF4-FFF2-40B4-BE49-F238E27FC236}">
-                <a16:creationId xmlns:a16="http://schemas.microsoft.com/office/drawing/2014/main" xmlns="" id="{51F7B730-C8A7-4335-8EC3-052F0D8AF7AC}"/>
+                <a16:creationId xmlns="" xmlns:a16="http://schemas.microsoft.com/office/drawing/2014/main" id="{51F7B730-C8A7-4335-8EC3-052F0D8AF7AC}"/>
               </a:ext>
             </a:extLst>
           </p:cNvPr>
@@ -1615,7 +1616,7 @@
           <p:cNvPr id="4" name="Content Placeholder 3">
             <a:extLst>
               <a:ext uri="{FF2B5EF4-FFF2-40B4-BE49-F238E27FC236}">
-                <a16:creationId xmlns:a16="http://schemas.microsoft.com/office/drawing/2014/main" xmlns="" id="{68C41B95-CA52-43B0-B719-0FB363D6DEB1}"/>
+                <a16:creationId xmlns="" xmlns:a16="http://schemas.microsoft.com/office/drawing/2014/main" id="{68C41B95-CA52-43B0-B719-0FB363D6DEB1}"/>
               </a:ext>
             </a:extLst>
           </p:cNvPr>
@@ -1678,7 +1679,7 @@
           <p:cNvPr id="5" name="Text Placeholder 4">
             <a:extLst>
               <a:ext uri="{FF2B5EF4-FFF2-40B4-BE49-F238E27FC236}">
-                <a16:creationId xmlns:a16="http://schemas.microsoft.com/office/drawing/2014/main" xmlns="" id="{A37E900C-BB72-4C7B-B7D1-F885DF92A38C}"/>
+                <a16:creationId xmlns="" xmlns:a16="http://schemas.microsoft.com/office/drawing/2014/main" id="{A37E900C-BB72-4C7B-B7D1-F885DF92A38C}"/>
               </a:ext>
             </a:extLst>
           </p:cNvPr>
@@ -1749,7 +1750,7 @@
           <p:cNvPr id="6" name="Content Placeholder 5">
             <a:extLst>
               <a:ext uri="{FF2B5EF4-FFF2-40B4-BE49-F238E27FC236}">
-                <a16:creationId xmlns:a16="http://schemas.microsoft.com/office/drawing/2014/main" xmlns="" id="{5ABCD83F-C802-48A3-8F38-F86432A22D4A}"/>
+                <a16:creationId xmlns="" xmlns:a16="http://schemas.microsoft.com/office/drawing/2014/main" id="{5ABCD83F-C802-48A3-8F38-F86432A22D4A}"/>
               </a:ext>
             </a:extLst>
           </p:cNvPr>
@@ -1812,7 +1813,7 @@
           <p:cNvPr id="7" name="Date Placeholder 6">
             <a:extLst>
               <a:ext uri="{FF2B5EF4-FFF2-40B4-BE49-F238E27FC236}">
-                <a16:creationId xmlns:a16="http://schemas.microsoft.com/office/drawing/2014/main" xmlns="" id="{6FDCEAD7-6F64-4CAE-B2FC-AD92C81B5A4C}"/>
+                <a16:creationId xmlns="" xmlns:a16="http://schemas.microsoft.com/office/drawing/2014/main" id="{6FDCEAD7-6F64-4CAE-B2FC-AD92C81B5A4C}"/>
               </a:ext>
             </a:extLst>
           </p:cNvPr>
@@ -1841,7 +1842,7 @@
           <p:cNvPr id="8" name="Footer Placeholder 7">
             <a:extLst>
               <a:ext uri="{FF2B5EF4-FFF2-40B4-BE49-F238E27FC236}">
-                <a16:creationId xmlns:a16="http://schemas.microsoft.com/office/drawing/2014/main" xmlns="" id="{C2B6EA69-744D-4098-A256-5337A6838D65}"/>
+                <a16:creationId xmlns="" xmlns:a16="http://schemas.microsoft.com/office/drawing/2014/main" id="{C2B6EA69-744D-4098-A256-5337A6838D65}"/>
               </a:ext>
             </a:extLst>
           </p:cNvPr>
@@ -1866,7 +1867,7 @@
           <p:cNvPr id="9" name="Slide Number Placeholder 8">
             <a:extLst>
               <a:ext uri="{FF2B5EF4-FFF2-40B4-BE49-F238E27FC236}">
-                <a16:creationId xmlns:a16="http://schemas.microsoft.com/office/drawing/2014/main" xmlns="" id="{0D5EE82F-A90B-491E-B122-B57E32B8D7EF}"/>
+                <a16:creationId xmlns="" xmlns:a16="http://schemas.microsoft.com/office/drawing/2014/main" id="{0D5EE82F-A90B-491E-B122-B57E32B8D7EF}"/>
               </a:ext>
             </a:extLst>
           </p:cNvPr>
@@ -1925,7 +1926,7 @@
           <p:cNvPr id="2" name="Title 1">
             <a:extLst>
               <a:ext uri="{FF2B5EF4-FFF2-40B4-BE49-F238E27FC236}">
-                <a16:creationId xmlns:a16="http://schemas.microsoft.com/office/drawing/2014/main" xmlns="" id="{B51E28B3-BC3E-46E9-A58D-09F613B1B889}"/>
+                <a16:creationId xmlns="" xmlns:a16="http://schemas.microsoft.com/office/drawing/2014/main" id="{B51E28B3-BC3E-46E9-A58D-09F613B1B889}"/>
               </a:ext>
             </a:extLst>
           </p:cNvPr>
@@ -1954,7 +1955,7 @@
           <p:cNvPr id="3" name="Date Placeholder 2">
             <a:extLst>
               <a:ext uri="{FF2B5EF4-FFF2-40B4-BE49-F238E27FC236}">
-                <a16:creationId xmlns:a16="http://schemas.microsoft.com/office/drawing/2014/main" xmlns="" id="{2F3181C9-D3CC-4858-AFD6-432E6825C8B7}"/>
+                <a16:creationId xmlns="" xmlns:a16="http://schemas.microsoft.com/office/drawing/2014/main" id="{2F3181C9-D3CC-4858-AFD6-432E6825C8B7}"/>
               </a:ext>
             </a:extLst>
           </p:cNvPr>
@@ -1983,7 +1984,7 @@
           <p:cNvPr id="4" name="Footer Placeholder 3">
             <a:extLst>
               <a:ext uri="{FF2B5EF4-FFF2-40B4-BE49-F238E27FC236}">
-                <a16:creationId xmlns:a16="http://schemas.microsoft.com/office/drawing/2014/main" xmlns="" id="{57F4266B-084A-477B-A7E2-13DCF8B7F104}"/>
+                <a16:creationId xmlns="" xmlns:a16="http://schemas.microsoft.com/office/drawing/2014/main" id="{57F4266B-084A-477B-A7E2-13DCF8B7F104}"/>
               </a:ext>
             </a:extLst>
           </p:cNvPr>
@@ -2008,7 +2009,7 @@
           <p:cNvPr id="5" name="Slide Number Placeholder 4">
             <a:extLst>
               <a:ext uri="{FF2B5EF4-FFF2-40B4-BE49-F238E27FC236}">
-                <a16:creationId xmlns:a16="http://schemas.microsoft.com/office/drawing/2014/main" xmlns="" id="{1DDB911C-24AF-4C68-8FE7-1792C03B83AA}"/>
+                <a16:creationId xmlns="" xmlns:a16="http://schemas.microsoft.com/office/drawing/2014/main" id="{1DDB911C-24AF-4C68-8FE7-1792C03B83AA}"/>
               </a:ext>
             </a:extLst>
           </p:cNvPr>
@@ -2067,7 +2068,7 @@
           <p:cNvPr id="2" name="Date Placeholder 1">
             <a:extLst>
               <a:ext uri="{FF2B5EF4-FFF2-40B4-BE49-F238E27FC236}">
-                <a16:creationId xmlns:a16="http://schemas.microsoft.com/office/drawing/2014/main" xmlns="" id="{A18EF031-625B-498D-B8D4-242062790169}"/>
+                <a16:creationId xmlns="" xmlns:a16="http://schemas.microsoft.com/office/drawing/2014/main" id="{A18EF031-625B-498D-B8D4-242062790169}"/>
               </a:ext>
             </a:extLst>
           </p:cNvPr>
@@ -2096,7 +2097,7 @@
           <p:cNvPr id="3" name="Footer Placeholder 2">
             <a:extLst>
               <a:ext uri="{FF2B5EF4-FFF2-40B4-BE49-F238E27FC236}">
-                <a16:creationId xmlns:a16="http://schemas.microsoft.com/office/drawing/2014/main" xmlns="" id="{3EAF3BB1-84A7-4F0C-B50D-FC13C4E7D915}"/>
+                <a16:creationId xmlns="" xmlns:a16="http://schemas.microsoft.com/office/drawing/2014/main" id="{3EAF3BB1-84A7-4F0C-B50D-FC13C4E7D915}"/>
               </a:ext>
             </a:extLst>
           </p:cNvPr>
@@ -2121,7 +2122,7 @@
           <p:cNvPr id="4" name="Slide Number Placeholder 3">
             <a:extLst>
               <a:ext uri="{FF2B5EF4-FFF2-40B4-BE49-F238E27FC236}">
-                <a16:creationId xmlns:a16="http://schemas.microsoft.com/office/drawing/2014/main" xmlns="" id="{18AB711B-8084-47FD-9F26-E0CF9F5DC2F0}"/>
+                <a16:creationId xmlns="" xmlns:a16="http://schemas.microsoft.com/office/drawing/2014/main" id="{18AB711B-8084-47FD-9F26-E0CF9F5DC2F0}"/>
               </a:ext>
             </a:extLst>
           </p:cNvPr>
@@ -2180,7 +2181,7 @@
           <p:cNvPr id="2" name="Title 1">
             <a:extLst>
               <a:ext uri="{FF2B5EF4-FFF2-40B4-BE49-F238E27FC236}">
-                <a16:creationId xmlns:a16="http://schemas.microsoft.com/office/drawing/2014/main" xmlns="" id="{79C16187-5F6E-48F4-B590-D577FE88F923}"/>
+                <a16:creationId xmlns="" xmlns:a16="http://schemas.microsoft.com/office/drawing/2014/main" id="{79C16187-5F6E-48F4-B590-D577FE88F923}"/>
               </a:ext>
             </a:extLst>
           </p:cNvPr>
@@ -2218,7 +2219,7 @@
           <p:cNvPr id="3" name="Content Placeholder 2">
             <a:extLst>
               <a:ext uri="{FF2B5EF4-FFF2-40B4-BE49-F238E27FC236}">
-                <a16:creationId xmlns:a16="http://schemas.microsoft.com/office/drawing/2014/main" xmlns="" id="{2BE10C2D-53F1-449A-9835-541780F73B08}"/>
+                <a16:creationId xmlns="" xmlns:a16="http://schemas.microsoft.com/office/drawing/2014/main" id="{2BE10C2D-53F1-449A-9835-541780F73B08}"/>
               </a:ext>
             </a:extLst>
           </p:cNvPr>
@@ -2309,7 +2310,7 @@
           <p:cNvPr id="4" name="Text Placeholder 3">
             <a:extLst>
               <a:ext uri="{FF2B5EF4-FFF2-40B4-BE49-F238E27FC236}">
-                <a16:creationId xmlns:a16="http://schemas.microsoft.com/office/drawing/2014/main" xmlns="" id="{B3019F80-3DE6-4987-889E-21F002ADE6E3}"/>
+                <a16:creationId xmlns="" xmlns:a16="http://schemas.microsoft.com/office/drawing/2014/main" id="{B3019F80-3DE6-4987-889E-21F002ADE6E3}"/>
               </a:ext>
             </a:extLst>
           </p:cNvPr>
@@ -2380,7 +2381,7 @@
           <p:cNvPr id="5" name="Date Placeholder 4">
             <a:extLst>
               <a:ext uri="{FF2B5EF4-FFF2-40B4-BE49-F238E27FC236}">
-                <a16:creationId xmlns:a16="http://schemas.microsoft.com/office/drawing/2014/main" xmlns="" id="{EA6C3599-3C8D-48AB-B3C7-7E74004E6E22}"/>
+                <a16:creationId xmlns="" xmlns:a16="http://schemas.microsoft.com/office/drawing/2014/main" id="{EA6C3599-3C8D-48AB-B3C7-7E74004E6E22}"/>
               </a:ext>
             </a:extLst>
           </p:cNvPr>
@@ -2409,7 +2410,7 @@
           <p:cNvPr id="6" name="Footer Placeholder 5">
             <a:extLst>
               <a:ext uri="{FF2B5EF4-FFF2-40B4-BE49-F238E27FC236}">
-                <a16:creationId xmlns:a16="http://schemas.microsoft.com/office/drawing/2014/main" xmlns="" id="{3C617F1B-ACAB-4A10-9B6B-746B956BDC2B}"/>
+                <a16:creationId xmlns="" xmlns:a16="http://schemas.microsoft.com/office/drawing/2014/main" id="{3C617F1B-ACAB-4A10-9B6B-746B956BDC2B}"/>
               </a:ext>
             </a:extLst>
           </p:cNvPr>
@@ -2434,7 +2435,7 @@
           <p:cNvPr id="7" name="Slide Number Placeholder 6">
             <a:extLst>
               <a:ext uri="{FF2B5EF4-FFF2-40B4-BE49-F238E27FC236}">
-                <a16:creationId xmlns:a16="http://schemas.microsoft.com/office/drawing/2014/main" xmlns="" id="{9503C266-CF03-4ECD-AD20-8126374375E8}"/>
+                <a16:creationId xmlns="" xmlns:a16="http://schemas.microsoft.com/office/drawing/2014/main" id="{9503C266-CF03-4ECD-AD20-8126374375E8}"/>
               </a:ext>
             </a:extLst>
           </p:cNvPr>
@@ -2493,7 +2494,7 @@
           <p:cNvPr id="2" name="Title 1">
             <a:extLst>
               <a:ext uri="{FF2B5EF4-FFF2-40B4-BE49-F238E27FC236}">
-                <a16:creationId xmlns:a16="http://schemas.microsoft.com/office/drawing/2014/main" xmlns="" id="{4DCB0060-CA18-49B0-A373-386C29015D97}"/>
+                <a16:creationId xmlns="" xmlns:a16="http://schemas.microsoft.com/office/drawing/2014/main" id="{4DCB0060-CA18-49B0-A373-386C29015D97}"/>
               </a:ext>
             </a:extLst>
           </p:cNvPr>
@@ -2531,7 +2532,7 @@
           <p:cNvPr id="3" name="Picture Placeholder 2">
             <a:extLst>
               <a:ext uri="{FF2B5EF4-FFF2-40B4-BE49-F238E27FC236}">
-                <a16:creationId xmlns:a16="http://schemas.microsoft.com/office/drawing/2014/main" xmlns="" id="{33966810-DEEC-4E4C-A2BA-04EAAC133F1B}"/>
+                <a16:creationId xmlns="" xmlns:a16="http://schemas.microsoft.com/office/drawing/2014/main" id="{33966810-DEEC-4E4C-A2BA-04EAAC133F1B}"/>
               </a:ext>
             </a:extLst>
           </p:cNvPr>
@@ -2598,7 +2599,7 @@
           <p:cNvPr id="4" name="Text Placeholder 3">
             <a:extLst>
               <a:ext uri="{FF2B5EF4-FFF2-40B4-BE49-F238E27FC236}">
-                <a16:creationId xmlns:a16="http://schemas.microsoft.com/office/drawing/2014/main" xmlns="" id="{58D35E9D-D682-4F66-91F4-B5B96D8E4284}"/>
+                <a16:creationId xmlns="" xmlns:a16="http://schemas.microsoft.com/office/drawing/2014/main" id="{58D35E9D-D682-4F66-91F4-B5B96D8E4284}"/>
               </a:ext>
             </a:extLst>
           </p:cNvPr>
@@ -2669,7 +2670,7 @@
           <p:cNvPr id="5" name="Date Placeholder 4">
             <a:extLst>
               <a:ext uri="{FF2B5EF4-FFF2-40B4-BE49-F238E27FC236}">
-                <a16:creationId xmlns:a16="http://schemas.microsoft.com/office/drawing/2014/main" xmlns="" id="{EDB7CFBE-6EBD-4530-AFB3-B3DF2998E61B}"/>
+                <a16:creationId xmlns="" xmlns:a16="http://schemas.microsoft.com/office/drawing/2014/main" id="{EDB7CFBE-6EBD-4530-AFB3-B3DF2998E61B}"/>
               </a:ext>
             </a:extLst>
           </p:cNvPr>
@@ -2698,7 +2699,7 @@
           <p:cNvPr id="6" name="Footer Placeholder 5">
             <a:extLst>
               <a:ext uri="{FF2B5EF4-FFF2-40B4-BE49-F238E27FC236}">
-                <a16:creationId xmlns:a16="http://schemas.microsoft.com/office/drawing/2014/main" xmlns="" id="{632A8B2F-2D6F-4AA1-BF43-E613C5A15C4B}"/>
+                <a16:creationId xmlns="" xmlns:a16="http://schemas.microsoft.com/office/drawing/2014/main" id="{632A8B2F-2D6F-4AA1-BF43-E613C5A15C4B}"/>
               </a:ext>
             </a:extLst>
           </p:cNvPr>
@@ -2723,7 +2724,7 @@
           <p:cNvPr id="7" name="Slide Number Placeholder 6">
             <a:extLst>
               <a:ext uri="{FF2B5EF4-FFF2-40B4-BE49-F238E27FC236}">
-                <a16:creationId xmlns:a16="http://schemas.microsoft.com/office/drawing/2014/main" xmlns="" id="{19A9C0F2-6FD7-41DF-8B45-BF65BFC8B829}"/>
+                <a16:creationId xmlns="" xmlns:a16="http://schemas.microsoft.com/office/drawing/2014/main" id="{19A9C0F2-6FD7-41DF-8B45-BF65BFC8B829}"/>
               </a:ext>
             </a:extLst>
           </p:cNvPr>
@@ -2764,9 +2765,12 @@
 <p:sldMaster xmlns:a="http://schemas.openxmlformats.org/drawingml/2006/main" xmlns:r="http://schemas.openxmlformats.org/officeDocument/2006/relationships" xmlns:p="http://schemas.openxmlformats.org/presentationml/2006/main">
   <p:cSld>
     <p:bg>
-      <p:bgRef idx="1001">
-        <a:schemeClr val="bg1"/>
-      </p:bgRef>
+      <p:bgPr>
+        <a:solidFill>
+          <a:schemeClr val="tx1"/>
+        </a:solidFill>
+        <a:effectLst/>
+      </p:bgPr>
     </p:bg>
     <p:spTree>
       <p:nvGrpSpPr>
@@ -2787,7 +2791,7 @@
           <p:cNvPr id="2" name="Title Placeholder 1">
             <a:extLst>
               <a:ext uri="{FF2B5EF4-FFF2-40B4-BE49-F238E27FC236}">
-                <a16:creationId xmlns:a16="http://schemas.microsoft.com/office/drawing/2014/main" xmlns="" id="{ADE0F7D7-6830-466A-A518-C8756616D96E}"/>
+                <a16:creationId xmlns="" xmlns:a16="http://schemas.microsoft.com/office/drawing/2014/main" id="{ADE0F7D7-6830-466A-A518-C8756616D96E}"/>
               </a:ext>
             </a:extLst>
           </p:cNvPr>
@@ -2826,7 +2830,7 @@
           <p:cNvPr id="3" name="Text Placeholder 2">
             <a:extLst>
               <a:ext uri="{FF2B5EF4-FFF2-40B4-BE49-F238E27FC236}">
-                <a16:creationId xmlns:a16="http://schemas.microsoft.com/office/drawing/2014/main" xmlns="" id="{590EFAC6-59A7-46E4-B345-2E5B3E1ECFD0}"/>
+                <a16:creationId xmlns="" xmlns:a16="http://schemas.microsoft.com/office/drawing/2014/main" id="{590EFAC6-59A7-46E4-B345-2E5B3E1ECFD0}"/>
               </a:ext>
             </a:extLst>
           </p:cNvPr>
@@ -2894,7 +2898,7 @@
           <p:cNvPr id="4" name="Date Placeholder 3">
             <a:extLst>
               <a:ext uri="{FF2B5EF4-FFF2-40B4-BE49-F238E27FC236}">
-                <a16:creationId xmlns:a16="http://schemas.microsoft.com/office/drawing/2014/main" xmlns="" id="{3E48ED92-83DD-4CCB-9DD1-05EC20BA5F3D}"/>
+                <a16:creationId xmlns="" xmlns:a16="http://schemas.microsoft.com/office/drawing/2014/main" id="{3E48ED92-83DD-4CCB-9DD1-05EC20BA5F3D}"/>
               </a:ext>
             </a:extLst>
           </p:cNvPr>
@@ -2941,7 +2945,7 @@
           <p:cNvPr id="5" name="Footer Placeholder 4">
             <a:extLst>
               <a:ext uri="{FF2B5EF4-FFF2-40B4-BE49-F238E27FC236}">
-                <a16:creationId xmlns:a16="http://schemas.microsoft.com/office/drawing/2014/main" xmlns="" id="{E6DA5770-D0E8-4987-9A7C-808B0AE49C76}"/>
+                <a16:creationId xmlns="" xmlns:a16="http://schemas.microsoft.com/office/drawing/2014/main" id="{E6DA5770-D0E8-4987-9A7C-808B0AE49C76}"/>
               </a:ext>
             </a:extLst>
           </p:cNvPr>
@@ -2984,7 +2988,7 @@
           <p:cNvPr id="6" name="Slide Number Placeholder 5">
             <a:extLst>
               <a:ext uri="{FF2B5EF4-FFF2-40B4-BE49-F238E27FC236}">
-                <a16:creationId xmlns:a16="http://schemas.microsoft.com/office/drawing/2014/main" xmlns="" id="{23B941C0-5A80-4820-8DEC-2B85AC8D6556}"/>
+                <a16:creationId xmlns="" xmlns:a16="http://schemas.microsoft.com/office/drawing/2014/main" id="{23B941C0-5A80-4820-8DEC-2B85AC8D6556}"/>
               </a:ext>
             </a:extLst>
           </p:cNvPr>
@@ -3333,14 +3337,6 @@
 <file path=ppt/slides/slide1.xml><?xml version="1.0" encoding="utf-8"?>
 <p:sld xmlns:a="http://schemas.openxmlformats.org/drawingml/2006/main" xmlns:r="http://schemas.openxmlformats.org/officeDocument/2006/relationships" xmlns:p="http://schemas.openxmlformats.org/presentationml/2006/main">
   <p:cSld>
-    <p:bg>
-      <p:bgPr>
-        <a:solidFill>
-          <a:schemeClr val="tx1"/>
-        </a:solidFill>
-        <a:effectLst/>
-      </p:bgPr>
-    </p:bg>
     <p:spTree>
       <p:nvGrpSpPr>
         <p:cNvPr id="1" name=""/>
@@ -3360,7 +3356,7 @@
           <p:cNvPr id="2" name="Title 1">
             <a:extLst>
               <a:ext uri="{FF2B5EF4-FFF2-40B4-BE49-F238E27FC236}">
-                <a16:creationId xmlns:a16="http://schemas.microsoft.com/office/drawing/2014/main" xmlns="" id="{ADDC5375-CE02-4A6D-BDEB-689CA3A31589}"/>
+                <a16:creationId xmlns="" xmlns:a16="http://schemas.microsoft.com/office/drawing/2014/main" id="{ADDC5375-CE02-4A6D-BDEB-689CA3A31589}"/>
               </a:ext>
             </a:extLst>
           </p:cNvPr>
@@ -3424,7 +3420,7 @@
           <p:cNvPr id="3" name="Subtitle 2">
             <a:extLst>
               <a:ext uri="{FF2B5EF4-FFF2-40B4-BE49-F238E27FC236}">
-                <a16:creationId xmlns:a16="http://schemas.microsoft.com/office/drawing/2014/main" xmlns="" id="{3966C0AA-F93A-490B-AE55-FFB8DD74C254}"/>
+                <a16:creationId xmlns="" xmlns:a16="http://schemas.microsoft.com/office/drawing/2014/main" id="{3966C0AA-F93A-490B-AE55-FFB8DD74C254}"/>
               </a:ext>
             </a:extLst>
           </p:cNvPr>
@@ -3460,14 +3456,6 @@
 <file path=ppt/slides/slide2.xml><?xml version="1.0" encoding="utf-8"?>
 <p:sld xmlns:a="http://schemas.openxmlformats.org/drawingml/2006/main" xmlns:r="http://schemas.openxmlformats.org/officeDocument/2006/relationships" xmlns:p="http://schemas.openxmlformats.org/presentationml/2006/main">
   <p:cSld>
-    <p:bg>
-      <p:bgPr>
-        <a:solidFill>
-          <a:schemeClr val="tx1"/>
-        </a:solidFill>
-        <a:effectLst/>
-      </p:bgPr>
-    </p:bg>
     <p:spTree>
       <p:nvGrpSpPr>
         <p:cNvPr id="1" name=""/>
@@ -3487,7 +3475,7 @@
           <p:cNvPr id="4" name="Rectangle: Rounded Corners 3">
             <a:extLst>
               <a:ext uri="{FF2B5EF4-FFF2-40B4-BE49-F238E27FC236}">
-                <a16:creationId xmlns:a16="http://schemas.microsoft.com/office/drawing/2014/main" xmlns="" id="{7AE6D3E8-429A-4DBC-8186-66C97006A05C}"/>
+                <a16:creationId xmlns="" xmlns:a16="http://schemas.microsoft.com/office/drawing/2014/main" id="{7AE6D3E8-429A-4DBC-8186-66C97006A05C}"/>
               </a:ext>
             </a:extLst>
           </p:cNvPr>
@@ -3549,7 +3537,7 @@
           <p:cNvPr id="5" name="Rectangle: Rounded Corners 4">
             <a:extLst>
               <a:ext uri="{FF2B5EF4-FFF2-40B4-BE49-F238E27FC236}">
-                <a16:creationId xmlns:a16="http://schemas.microsoft.com/office/drawing/2014/main" xmlns="" id="{1C29E29A-B106-4624-8F79-E2513BCDB066}"/>
+                <a16:creationId xmlns="" xmlns:a16="http://schemas.microsoft.com/office/drawing/2014/main" id="{1C29E29A-B106-4624-8F79-E2513BCDB066}"/>
               </a:ext>
             </a:extLst>
           </p:cNvPr>
@@ -3611,7 +3599,7 @@
           <p:cNvPr id="8" name="Straight Connector 7">
             <a:extLst>
               <a:ext uri="{FF2B5EF4-FFF2-40B4-BE49-F238E27FC236}">
-                <a16:creationId xmlns:a16="http://schemas.microsoft.com/office/drawing/2014/main" xmlns="" id="{8AB7AB37-5E71-4790-9163-6E2D8F06C5D2}"/>
+                <a16:creationId xmlns="" xmlns:a16="http://schemas.microsoft.com/office/drawing/2014/main" id="{8AB7AB37-5E71-4790-9163-6E2D8F06C5D2}"/>
               </a:ext>
             </a:extLst>
           </p:cNvPr>
@@ -3658,7 +3646,7 @@
           <p:cNvPr id="9" name="Rectangle: Rounded Corners 8">
             <a:extLst>
               <a:ext uri="{FF2B5EF4-FFF2-40B4-BE49-F238E27FC236}">
-                <a16:creationId xmlns:a16="http://schemas.microsoft.com/office/drawing/2014/main" xmlns="" id="{34D76A11-4FE5-4354-AC0D-0B4C5928A35D}"/>
+                <a16:creationId xmlns="" xmlns:a16="http://schemas.microsoft.com/office/drawing/2014/main" id="{34D76A11-4FE5-4354-AC0D-0B4C5928A35D}"/>
               </a:ext>
             </a:extLst>
           </p:cNvPr>
@@ -3726,7 +3714,7 @@
           <p:cNvPr id="11" name="Title 1">
             <a:extLst>
               <a:ext uri="{FF2B5EF4-FFF2-40B4-BE49-F238E27FC236}">
-                <a16:creationId xmlns:a16="http://schemas.microsoft.com/office/drawing/2014/main" xmlns="" id="{19349C77-5D66-4769-8D49-C3950C04267F}"/>
+                <a16:creationId xmlns="" xmlns:a16="http://schemas.microsoft.com/office/drawing/2014/main" id="{19349C77-5D66-4769-8D49-C3950C04267F}"/>
               </a:ext>
             </a:extLst>
           </p:cNvPr>
@@ -3794,7 +3782,7 @@
           <p:cNvPr id="13" name="Rectangle: Rounded Corners 12">
             <a:extLst>
               <a:ext uri="{FF2B5EF4-FFF2-40B4-BE49-F238E27FC236}">
-                <a16:creationId xmlns:a16="http://schemas.microsoft.com/office/drawing/2014/main" xmlns="" id="{A4384464-3997-4DC6-B88B-C88D7ECD0F93}"/>
+                <a16:creationId xmlns="" xmlns:a16="http://schemas.microsoft.com/office/drawing/2014/main" id="{A4384464-3997-4DC6-B88B-C88D7ECD0F93}"/>
               </a:ext>
             </a:extLst>
           </p:cNvPr>
@@ -3856,7 +3844,7 @@
           <p:cNvPr id="14" name="Rectangle: Rounded Corners 13">
             <a:extLst>
               <a:ext uri="{FF2B5EF4-FFF2-40B4-BE49-F238E27FC236}">
-                <a16:creationId xmlns:a16="http://schemas.microsoft.com/office/drawing/2014/main" xmlns="" id="{5AB64382-4D54-4A20-985E-F85D6B4A85F3}"/>
+                <a16:creationId xmlns="" xmlns:a16="http://schemas.microsoft.com/office/drawing/2014/main" id="{5AB64382-4D54-4A20-985E-F85D6B4A85F3}"/>
               </a:ext>
             </a:extLst>
           </p:cNvPr>
@@ -3919,7 +3907,7 @@
           <p:cNvPr id="15" name="Rectangle: Rounded Corners 14">
             <a:extLst>
               <a:ext uri="{FF2B5EF4-FFF2-40B4-BE49-F238E27FC236}">
-                <a16:creationId xmlns:a16="http://schemas.microsoft.com/office/drawing/2014/main" xmlns="" id="{955330A8-4B39-4E27-9FE5-32642B1CCDDB}"/>
+                <a16:creationId xmlns="" xmlns:a16="http://schemas.microsoft.com/office/drawing/2014/main" id="{955330A8-4B39-4E27-9FE5-32642B1CCDDB}"/>
               </a:ext>
             </a:extLst>
           </p:cNvPr>
@@ -3981,7 +3969,7 @@
           <p:cNvPr id="18" name="Straight Connector 17">
             <a:extLst>
               <a:ext uri="{FF2B5EF4-FFF2-40B4-BE49-F238E27FC236}">
-                <a16:creationId xmlns:a16="http://schemas.microsoft.com/office/drawing/2014/main" xmlns="" id="{EA42D686-110F-4639-A0AB-2E0A96A5365C}"/>
+                <a16:creationId xmlns="" xmlns:a16="http://schemas.microsoft.com/office/drawing/2014/main" id="{EA42D686-110F-4639-A0AB-2E0A96A5365C}"/>
               </a:ext>
             </a:extLst>
           </p:cNvPr>
@@ -4028,7 +4016,7 @@
           <p:cNvPr id="20" name="Title 1">
             <a:extLst>
               <a:ext uri="{FF2B5EF4-FFF2-40B4-BE49-F238E27FC236}">
-                <a16:creationId xmlns:a16="http://schemas.microsoft.com/office/drawing/2014/main" xmlns="" id="{2C468AAE-A447-49A8-8C28-230BDAE26D13}"/>
+                <a16:creationId xmlns="" xmlns:a16="http://schemas.microsoft.com/office/drawing/2014/main" id="{2C468AAE-A447-49A8-8C28-230BDAE26D13}"/>
               </a:ext>
             </a:extLst>
           </p:cNvPr>
@@ -4112,7 +4100,7 @@
           <p:cNvPr id="23" name="Straight Connector 22">
             <a:extLst>
               <a:ext uri="{FF2B5EF4-FFF2-40B4-BE49-F238E27FC236}">
-                <a16:creationId xmlns:a16="http://schemas.microsoft.com/office/drawing/2014/main" xmlns="" id="{7E10A8ED-5CF3-44AA-93B0-6083B56F5BCE}"/>
+                <a16:creationId xmlns="" xmlns:a16="http://schemas.microsoft.com/office/drawing/2014/main" id="{7E10A8ED-5CF3-44AA-93B0-6083B56F5BCE}"/>
               </a:ext>
             </a:extLst>
           </p:cNvPr>
@@ -4159,7 +4147,7 @@
           <p:cNvPr id="25" name="Title 1">
             <a:extLst>
               <a:ext uri="{FF2B5EF4-FFF2-40B4-BE49-F238E27FC236}">
-                <a16:creationId xmlns:a16="http://schemas.microsoft.com/office/drawing/2014/main" xmlns="" id="{110E16D8-6FC5-4D1B-B102-30F7497A62EE}"/>
+                <a16:creationId xmlns="" xmlns:a16="http://schemas.microsoft.com/office/drawing/2014/main" id="{110E16D8-6FC5-4D1B-B102-30F7497A62EE}"/>
               </a:ext>
             </a:extLst>
           </p:cNvPr>
@@ -4239,7 +4227,7 @@
           <p:cNvPr id="42" name="Straight Connector 41">
             <a:extLst>
               <a:ext uri="{FF2B5EF4-FFF2-40B4-BE49-F238E27FC236}">
-                <a16:creationId xmlns:a16="http://schemas.microsoft.com/office/drawing/2014/main" xmlns="" id="{3375B066-8289-4792-B281-6D9D7ACE5F6D}"/>
+                <a16:creationId xmlns="" xmlns:a16="http://schemas.microsoft.com/office/drawing/2014/main" id="{3375B066-8289-4792-B281-6D9D7ACE5F6D}"/>
               </a:ext>
             </a:extLst>
           </p:cNvPr>
@@ -4286,7 +4274,7 @@
           <p:cNvPr id="46" name="Straight Connector 45">
             <a:extLst>
               <a:ext uri="{FF2B5EF4-FFF2-40B4-BE49-F238E27FC236}">
-                <a16:creationId xmlns:a16="http://schemas.microsoft.com/office/drawing/2014/main" xmlns="" id="{D223C2CE-78B5-4C3C-86AD-E0953AD4A1AD}"/>
+                <a16:creationId xmlns="" xmlns:a16="http://schemas.microsoft.com/office/drawing/2014/main" id="{D223C2CE-78B5-4C3C-86AD-E0953AD4A1AD}"/>
               </a:ext>
             </a:extLst>
           </p:cNvPr>
@@ -4333,7 +4321,7 @@
           <p:cNvPr id="62" name="Rectangle: Rounded Corners 61">
             <a:extLst>
               <a:ext uri="{FF2B5EF4-FFF2-40B4-BE49-F238E27FC236}">
-                <a16:creationId xmlns:a16="http://schemas.microsoft.com/office/drawing/2014/main" xmlns="" id="{E3D4FE25-5F4C-4FF5-A3AB-5D9E0304B0EB}"/>
+                <a16:creationId xmlns="" xmlns:a16="http://schemas.microsoft.com/office/drawing/2014/main" id="{E3D4FE25-5F4C-4FF5-A3AB-5D9E0304B0EB}"/>
               </a:ext>
             </a:extLst>
           </p:cNvPr>
@@ -4395,7 +4383,7 @@
           <p:cNvPr id="63" name="Straight Connector 62">
             <a:extLst>
               <a:ext uri="{FF2B5EF4-FFF2-40B4-BE49-F238E27FC236}">
-                <a16:creationId xmlns:a16="http://schemas.microsoft.com/office/drawing/2014/main" xmlns="" id="{B0BFD3EA-DDF7-4CA9-8296-3A4C72115579}"/>
+                <a16:creationId xmlns="" xmlns:a16="http://schemas.microsoft.com/office/drawing/2014/main" id="{B0BFD3EA-DDF7-4CA9-8296-3A4C72115579}"/>
               </a:ext>
             </a:extLst>
           </p:cNvPr>
@@ -4441,6 +4429,844 @@
     <p:extLst>
       <p:ext uri="{BB962C8B-B14F-4D97-AF65-F5344CB8AC3E}">
         <p14:creationId xmlns:p14="http://schemas.microsoft.com/office/powerpoint/2010/main" val="3852584097"/>
+      </p:ext>
+    </p:extLst>
+  </p:cSld>
+  <p:clrMapOvr>
+    <a:masterClrMapping/>
+  </p:clrMapOvr>
+</p:sld>
+</file>
+
+<file path=ppt/slides/slide3.xml><?xml version="1.0" encoding="utf-8"?>
+<p:sld xmlns:a="http://schemas.openxmlformats.org/drawingml/2006/main" xmlns:r="http://schemas.openxmlformats.org/officeDocument/2006/relationships" xmlns:p="http://schemas.openxmlformats.org/presentationml/2006/main">
+  <p:cSld>
+    <p:spTree>
+      <p:nvGrpSpPr>
+        <p:cNvPr id="1" name=""/>
+        <p:cNvGrpSpPr/>
+        <p:nvPr/>
+      </p:nvGrpSpPr>
+      <p:grpSpPr>
+        <a:xfrm>
+          <a:off x="0" y="0"/>
+          <a:ext cx="0" cy="0"/>
+          <a:chOff x="0" y="0"/>
+          <a:chExt cx="0" cy="0"/>
+        </a:xfrm>
+      </p:grpSpPr>
+      <p:sp>
+        <p:nvSpPr>
+          <p:cNvPr id="4" name="Rectangle: Rounded Corners 3">
+            <a:extLst>
+              <a:ext uri="{FF2B5EF4-FFF2-40B4-BE49-F238E27FC236}">
+                <a16:creationId xmlns="" xmlns:a16="http://schemas.microsoft.com/office/drawing/2014/main" id="{7AE6D3E8-429A-4DBC-8186-66C97006A05C}"/>
+              </a:ext>
+            </a:extLst>
+          </p:cNvPr>
+          <p:cNvSpPr/>
+          <p:nvPr/>
+        </p:nvSpPr>
+        <p:spPr>
+          <a:xfrm>
+            <a:off x="2580654" y="2778928"/>
+            <a:ext cx="1037510" cy="1039091"/>
+          </a:xfrm>
+          <a:prstGeom prst="roundRect">
+            <a:avLst/>
+          </a:prstGeom>
+          <a:noFill/>
+          <a:ln w="19050">
+            <a:solidFill>
+              <a:schemeClr val="bg1"/>
+            </a:solidFill>
+          </a:ln>
+        </p:spPr>
+        <p:style>
+          <a:lnRef idx="2">
+            <a:schemeClr val="accent1">
+              <a:shade val="50000"/>
+            </a:schemeClr>
+          </a:lnRef>
+          <a:fillRef idx="1">
+            <a:schemeClr val="accent1"/>
+          </a:fillRef>
+          <a:effectRef idx="0">
+            <a:schemeClr val="accent1"/>
+          </a:effectRef>
+          <a:fontRef idx="minor">
+            <a:schemeClr val="lt1"/>
+          </a:fontRef>
+        </p:style>
+        <p:txBody>
+          <a:bodyPr rtlCol="0" anchor="ctr"/>
+          <a:lstStyle/>
+          <a:p>
+            <a:pPr algn="ctr"/>
+            <a:r>
+              <a:rPr lang="en-US" altLang="zh-CN" sz="1600" b="1" dirty="0" smtClean="0">
+                <a:solidFill>
+                  <a:srgbClr val="FF0000"/>
+                </a:solidFill>
+                <a:latin typeface="Roboto Light" panose="02000000000000000000" pitchFamily="2" charset="0"/>
+                <a:ea typeface="Roboto Light" panose="02000000000000000000" pitchFamily="2" charset="0"/>
+              </a:rPr>
+              <a:t>WEB</a:t>
+            </a:r>
+            <a:endParaRPr lang="zh-CN" altLang="en-US" sz="1600" b="1" dirty="0">
+              <a:solidFill>
+                <a:srgbClr val="FF0000"/>
+              </a:solidFill>
+              <a:latin typeface="Roboto Light" panose="02000000000000000000" pitchFamily="2" charset="0"/>
+              <a:ea typeface="Roboto Light" panose="02000000000000000000" pitchFamily="2" charset="0"/>
+            </a:endParaRPr>
+          </a:p>
+        </p:txBody>
+      </p:sp>
+      <p:cxnSp>
+        <p:nvCxnSpPr>
+          <p:cNvPr id="5" name="Straight Connector 4">
+            <a:extLst>
+              <a:ext uri="{FF2B5EF4-FFF2-40B4-BE49-F238E27FC236}">
+                <a16:creationId xmlns="" xmlns:a16="http://schemas.microsoft.com/office/drawing/2014/main" id="{8AB7AB37-5E71-4790-9163-6E2D8F06C5D2}"/>
+              </a:ext>
+            </a:extLst>
+          </p:cNvPr>
+          <p:cNvCxnSpPr>
+            <a:cxnSpLocks/>
+          </p:cNvCxnSpPr>
+          <p:nvPr/>
+        </p:nvCxnSpPr>
+        <p:spPr>
+          <a:xfrm flipV="1">
+            <a:off x="3618164" y="3281217"/>
+            <a:ext cx="1362515" cy="5"/>
+          </a:xfrm>
+          <a:prstGeom prst="line">
+            <a:avLst/>
+          </a:prstGeom>
+          <a:ln w="12700">
+            <a:solidFill>
+              <a:schemeClr val="bg1"/>
+            </a:solidFill>
+            <a:prstDash val="dash"/>
+            <a:tailEnd type="triangle" w="med" len="lg"/>
+          </a:ln>
+        </p:spPr>
+        <p:style>
+          <a:lnRef idx="1">
+            <a:schemeClr val="accent1"/>
+          </a:lnRef>
+          <a:fillRef idx="0">
+            <a:schemeClr val="accent1"/>
+          </a:fillRef>
+          <a:effectRef idx="0">
+            <a:schemeClr val="accent1"/>
+          </a:effectRef>
+          <a:fontRef idx="minor">
+            <a:schemeClr val="tx1"/>
+          </a:fontRef>
+        </p:style>
+      </p:cxnSp>
+      <p:sp>
+        <p:nvSpPr>
+          <p:cNvPr id="7" name="Rectangle 6"/>
+          <p:cNvSpPr/>
+          <p:nvPr/>
+        </p:nvSpPr>
+        <p:spPr>
+          <a:xfrm>
+            <a:off x="809349" y="380364"/>
+            <a:ext cx="1414170" cy="369332"/>
+          </a:xfrm>
+          <a:prstGeom prst="rect">
+            <a:avLst/>
+          </a:prstGeom>
+        </p:spPr>
+        <p:txBody>
+          <a:bodyPr wrap="none">
+            <a:spAutoFit/>
+          </a:bodyPr>
+          <a:lstStyle/>
+          <a:p>
+            <a:pPr algn="ctr"/>
+            <a:r>
+              <a:rPr lang="en-US" altLang="zh-CN" b="1" dirty="0" smtClean="0">
+                <a:solidFill>
+                  <a:schemeClr val="bg1"/>
+                </a:solidFill>
+                <a:latin typeface="Roboto Light" panose="02000000000000000000" pitchFamily="2" charset="0"/>
+                <a:ea typeface="Roboto Light" panose="02000000000000000000" pitchFamily="2" charset="0"/>
+              </a:rPr>
+              <a:t>FUNCTIONS</a:t>
+            </a:r>
+            <a:endParaRPr lang="zh-CN" altLang="en-US" b="1" dirty="0">
+              <a:solidFill>
+                <a:schemeClr val="bg1"/>
+              </a:solidFill>
+              <a:latin typeface="Roboto Light" panose="02000000000000000000" pitchFamily="2" charset="0"/>
+              <a:ea typeface="Roboto Light" panose="02000000000000000000" pitchFamily="2" charset="0"/>
+            </a:endParaRPr>
+          </a:p>
+        </p:txBody>
+      </p:sp>
+      <p:cxnSp>
+        <p:nvCxnSpPr>
+          <p:cNvPr id="9" name="Straight Connector 8">
+            <a:extLst>
+              <a:ext uri="{FF2B5EF4-FFF2-40B4-BE49-F238E27FC236}">
+                <a16:creationId xmlns="" xmlns:a16="http://schemas.microsoft.com/office/drawing/2014/main" id="{8AB7AB37-5E71-4790-9163-6E2D8F06C5D2}"/>
+              </a:ext>
+            </a:extLst>
+          </p:cNvPr>
+          <p:cNvCxnSpPr>
+            <a:cxnSpLocks/>
+            <a:endCxn id="14" idx="1"/>
+          </p:cNvCxnSpPr>
+          <p:nvPr/>
+        </p:nvCxnSpPr>
+        <p:spPr>
+          <a:xfrm flipV="1">
+            <a:off x="3618163" y="2013783"/>
+            <a:ext cx="1362514" cy="919508"/>
+          </a:xfrm>
+          <a:prstGeom prst="line">
+            <a:avLst/>
+          </a:prstGeom>
+          <a:ln w="12700">
+            <a:solidFill>
+              <a:schemeClr val="bg1"/>
+            </a:solidFill>
+            <a:prstDash val="dash"/>
+            <a:tailEnd type="triangle" w="med" len="lg"/>
+          </a:ln>
+        </p:spPr>
+        <p:style>
+          <a:lnRef idx="1">
+            <a:schemeClr val="accent1"/>
+          </a:lnRef>
+          <a:fillRef idx="0">
+            <a:schemeClr val="accent1"/>
+          </a:fillRef>
+          <a:effectRef idx="0">
+            <a:schemeClr val="accent1"/>
+          </a:effectRef>
+          <a:fontRef idx="minor">
+            <a:schemeClr val="tx1"/>
+          </a:fontRef>
+        </p:style>
+      </p:cxnSp>
+      <p:cxnSp>
+        <p:nvCxnSpPr>
+          <p:cNvPr id="11" name="Straight Connector 10">
+            <a:extLst>
+              <a:ext uri="{FF2B5EF4-FFF2-40B4-BE49-F238E27FC236}">
+                <a16:creationId xmlns="" xmlns:a16="http://schemas.microsoft.com/office/drawing/2014/main" id="{8AB7AB37-5E71-4790-9163-6E2D8F06C5D2}"/>
+              </a:ext>
+            </a:extLst>
+          </p:cNvPr>
+          <p:cNvCxnSpPr>
+            <a:cxnSpLocks/>
+            <a:endCxn id="16" idx="1"/>
+          </p:cNvCxnSpPr>
+          <p:nvPr/>
+        </p:nvCxnSpPr>
+        <p:spPr>
+          <a:xfrm>
+            <a:off x="3598579" y="3748946"/>
+            <a:ext cx="1382100" cy="751638"/>
+          </a:xfrm>
+          <a:prstGeom prst="line">
+            <a:avLst/>
+          </a:prstGeom>
+          <a:ln w="12700">
+            <a:solidFill>
+              <a:schemeClr val="bg1"/>
+            </a:solidFill>
+            <a:prstDash val="dash"/>
+            <a:tailEnd type="triangle" w="med" len="lg"/>
+          </a:ln>
+        </p:spPr>
+        <p:style>
+          <a:lnRef idx="1">
+            <a:schemeClr val="accent1"/>
+          </a:lnRef>
+          <a:fillRef idx="0">
+            <a:schemeClr val="accent1"/>
+          </a:fillRef>
+          <a:effectRef idx="0">
+            <a:schemeClr val="accent1"/>
+          </a:effectRef>
+          <a:fontRef idx="minor">
+            <a:schemeClr val="tx1"/>
+          </a:fontRef>
+        </p:style>
+      </p:cxnSp>
+      <p:sp>
+        <p:nvSpPr>
+          <p:cNvPr id="14" name="Rectangle: Rounded Corners 3">
+            <a:extLst>
+              <a:ext uri="{FF2B5EF4-FFF2-40B4-BE49-F238E27FC236}">
+                <a16:creationId xmlns="" xmlns:a16="http://schemas.microsoft.com/office/drawing/2014/main" id="{7AE6D3E8-429A-4DBC-8186-66C97006A05C}"/>
+              </a:ext>
+            </a:extLst>
+          </p:cNvPr>
+          <p:cNvSpPr/>
+          <p:nvPr/>
+        </p:nvSpPr>
+        <p:spPr>
+          <a:xfrm>
+            <a:off x="4980677" y="1767440"/>
+            <a:ext cx="1359653" cy="492686"/>
+          </a:xfrm>
+          <a:prstGeom prst="roundRect">
+            <a:avLst/>
+          </a:prstGeom>
+          <a:noFill/>
+          <a:ln w="19050">
+            <a:solidFill>
+              <a:schemeClr val="bg1"/>
+            </a:solidFill>
+          </a:ln>
+        </p:spPr>
+        <p:style>
+          <a:lnRef idx="2">
+            <a:schemeClr val="accent1">
+              <a:shade val="50000"/>
+            </a:schemeClr>
+          </a:lnRef>
+          <a:fillRef idx="1">
+            <a:schemeClr val="accent1"/>
+          </a:fillRef>
+          <a:effectRef idx="0">
+            <a:schemeClr val="accent1"/>
+          </a:effectRef>
+          <a:fontRef idx="minor">
+            <a:schemeClr val="lt1"/>
+          </a:fontRef>
+        </p:style>
+        <p:txBody>
+          <a:bodyPr rtlCol="0" anchor="ctr"/>
+          <a:lstStyle/>
+          <a:p>
+            <a:pPr algn="ctr"/>
+            <a:r>
+              <a:rPr lang="en-US" altLang="zh-CN" sz="1400" dirty="0" smtClean="0">
+                <a:latin typeface="Roboto Light" panose="02000000000000000000" pitchFamily="2" charset="0"/>
+                <a:ea typeface="Roboto Light" panose="02000000000000000000" pitchFamily="2" charset="0"/>
+              </a:rPr>
+              <a:t>Data Profile</a:t>
+            </a:r>
+            <a:endParaRPr lang="zh-CN" altLang="en-US" sz="1400" dirty="0">
+              <a:latin typeface="Roboto Light" panose="02000000000000000000" pitchFamily="2" charset="0"/>
+              <a:ea typeface="Roboto Light" panose="02000000000000000000" pitchFamily="2" charset="0"/>
+            </a:endParaRPr>
+          </a:p>
+        </p:txBody>
+      </p:sp>
+      <p:sp>
+        <p:nvSpPr>
+          <p:cNvPr id="15" name="Rectangle: Rounded Corners 3">
+            <a:extLst>
+              <a:ext uri="{FF2B5EF4-FFF2-40B4-BE49-F238E27FC236}">
+                <a16:creationId xmlns="" xmlns:a16="http://schemas.microsoft.com/office/drawing/2014/main" id="{7AE6D3E8-429A-4DBC-8186-66C97006A05C}"/>
+              </a:ext>
+            </a:extLst>
+          </p:cNvPr>
+          <p:cNvSpPr/>
+          <p:nvPr/>
+        </p:nvSpPr>
+        <p:spPr>
+          <a:xfrm>
+            <a:off x="4980676" y="2903580"/>
+            <a:ext cx="1359653" cy="720769"/>
+          </a:xfrm>
+          <a:prstGeom prst="roundRect">
+            <a:avLst/>
+          </a:prstGeom>
+          <a:noFill/>
+          <a:ln w="19050">
+            <a:solidFill>
+              <a:schemeClr val="bg1"/>
+            </a:solidFill>
+          </a:ln>
+        </p:spPr>
+        <p:style>
+          <a:lnRef idx="2">
+            <a:schemeClr val="accent1">
+              <a:shade val="50000"/>
+            </a:schemeClr>
+          </a:lnRef>
+          <a:fillRef idx="1">
+            <a:schemeClr val="accent1"/>
+          </a:fillRef>
+          <a:effectRef idx="0">
+            <a:schemeClr val="accent1"/>
+          </a:effectRef>
+          <a:fontRef idx="minor">
+            <a:schemeClr val="lt1"/>
+          </a:fontRef>
+        </p:style>
+        <p:txBody>
+          <a:bodyPr rtlCol="0" anchor="ctr"/>
+          <a:lstStyle/>
+          <a:p>
+            <a:pPr algn="ctr"/>
+            <a:r>
+              <a:rPr lang="en-US" altLang="zh-CN" sz="1400" dirty="0" smtClean="0">
+                <a:latin typeface="Roboto Light" panose="02000000000000000000" pitchFamily="2" charset="0"/>
+                <a:ea typeface="Roboto Light" panose="02000000000000000000" pitchFamily="2" charset="0"/>
+              </a:rPr>
+              <a:t>Quick Analysis</a:t>
+            </a:r>
+            <a:endParaRPr lang="zh-CN" altLang="en-US" sz="1400" dirty="0">
+              <a:latin typeface="Roboto Light" panose="02000000000000000000" pitchFamily="2" charset="0"/>
+              <a:ea typeface="Roboto Light" panose="02000000000000000000" pitchFamily="2" charset="0"/>
+            </a:endParaRPr>
+          </a:p>
+        </p:txBody>
+      </p:sp>
+      <p:sp>
+        <p:nvSpPr>
+          <p:cNvPr id="16" name="Rectangle: Rounded Corners 3">
+            <a:extLst>
+              <a:ext uri="{FF2B5EF4-FFF2-40B4-BE49-F238E27FC236}">
+                <a16:creationId xmlns="" xmlns:a16="http://schemas.microsoft.com/office/drawing/2014/main" id="{7AE6D3E8-429A-4DBC-8186-66C97006A05C}"/>
+              </a:ext>
+            </a:extLst>
+          </p:cNvPr>
+          <p:cNvSpPr/>
+          <p:nvPr/>
+        </p:nvSpPr>
+        <p:spPr>
+          <a:xfrm>
+            <a:off x="4980679" y="4135873"/>
+            <a:ext cx="1359653" cy="729422"/>
+          </a:xfrm>
+          <a:prstGeom prst="roundRect">
+            <a:avLst/>
+          </a:prstGeom>
+          <a:noFill/>
+          <a:ln w="19050">
+            <a:solidFill>
+              <a:schemeClr val="bg1"/>
+            </a:solidFill>
+          </a:ln>
+        </p:spPr>
+        <p:style>
+          <a:lnRef idx="2">
+            <a:schemeClr val="accent1">
+              <a:shade val="50000"/>
+            </a:schemeClr>
+          </a:lnRef>
+          <a:fillRef idx="1">
+            <a:schemeClr val="accent1"/>
+          </a:fillRef>
+          <a:effectRef idx="0">
+            <a:schemeClr val="accent1"/>
+          </a:effectRef>
+          <a:fontRef idx="minor">
+            <a:schemeClr val="lt1"/>
+          </a:fontRef>
+        </p:style>
+        <p:txBody>
+          <a:bodyPr rtlCol="0" anchor="ctr"/>
+          <a:lstStyle/>
+          <a:p>
+            <a:pPr algn="ctr"/>
+            <a:r>
+              <a:rPr lang="en-US" altLang="zh-CN" sz="1400" dirty="0" smtClean="0">
+                <a:latin typeface="Roboto Light" panose="02000000000000000000" pitchFamily="2" charset="0"/>
+                <a:ea typeface="Roboto Light" panose="02000000000000000000" pitchFamily="2" charset="0"/>
+              </a:rPr>
+              <a:t>Customized Web-app</a:t>
+            </a:r>
+            <a:endParaRPr lang="zh-CN" altLang="en-US" sz="1400" dirty="0">
+              <a:latin typeface="Roboto Light" panose="02000000000000000000" pitchFamily="2" charset="0"/>
+              <a:ea typeface="Roboto Light" panose="02000000000000000000" pitchFamily="2" charset="0"/>
+            </a:endParaRPr>
+          </a:p>
+        </p:txBody>
+      </p:sp>
+      <p:sp>
+        <p:nvSpPr>
+          <p:cNvPr id="17" name="Rectangle: Rounded Corners 3">
+            <a:extLst>
+              <a:ext uri="{FF2B5EF4-FFF2-40B4-BE49-F238E27FC236}">
+                <a16:creationId xmlns="" xmlns:a16="http://schemas.microsoft.com/office/drawing/2014/main" id="{7AE6D3E8-429A-4DBC-8186-66C97006A05C}"/>
+              </a:ext>
+            </a:extLst>
+          </p:cNvPr>
+          <p:cNvSpPr/>
+          <p:nvPr/>
+        </p:nvSpPr>
+        <p:spPr>
+          <a:xfrm>
+            <a:off x="7358693" y="1509612"/>
+            <a:ext cx="1103736" cy="1000669"/>
+          </a:xfrm>
+          <a:prstGeom prst="roundRect">
+            <a:avLst/>
+          </a:prstGeom>
+          <a:noFill/>
+          <a:ln w="19050">
+            <a:solidFill>
+              <a:schemeClr val="bg1"/>
+            </a:solidFill>
+          </a:ln>
+        </p:spPr>
+        <p:style>
+          <a:lnRef idx="2">
+            <a:schemeClr val="accent1">
+              <a:shade val="50000"/>
+            </a:schemeClr>
+          </a:lnRef>
+          <a:fillRef idx="1">
+            <a:schemeClr val="accent1"/>
+          </a:fillRef>
+          <a:effectRef idx="0">
+            <a:schemeClr val="accent1"/>
+          </a:effectRef>
+          <a:fontRef idx="minor">
+            <a:schemeClr val="lt1"/>
+          </a:fontRef>
+        </p:style>
+        <p:txBody>
+          <a:bodyPr rtlCol="0" anchor="ctr"/>
+          <a:lstStyle/>
+          <a:p>
+            <a:pPr algn="ctr"/>
+            <a:r>
+              <a:rPr lang="en-US" altLang="zh-CN" sz="1000" i="1" dirty="0" smtClean="0">
+                <a:latin typeface="Roboto Light" panose="02000000000000000000" pitchFamily="2" charset="0"/>
+                <a:ea typeface="Roboto Light" panose="02000000000000000000" pitchFamily="2" charset="0"/>
+              </a:rPr>
+              <a:t>PDF r</a:t>
+            </a:r>
+            <a:r>
+              <a:rPr lang="en-US" altLang="zh-CN" sz="1000" i="1" dirty="0" smtClean="0">
+                <a:latin typeface="Roboto Light" panose="02000000000000000000" pitchFamily="2" charset="0"/>
+                <a:ea typeface="Roboto Light" panose="02000000000000000000" pitchFamily="2" charset="0"/>
+              </a:rPr>
+              <a:t>eports, excel sheets, maps, etc.</a:t>
+            </a:r>
+            <a:endParaRPr lang="zh-CN" altLang="en-US" sz="1000" i="1" dirty="0">
+              <a:latin typeface="Roboto Light" panose="02000000000000000000" pitchFamily="2" charset="0"/>
+              <a:ea typeface="Roboto Light" panose="02000000000000000000" pitchFamily="2" charset="0"/>
+            </a:endParaRPr>
+          </a:p>
+        </p:txBody>
+      </p:sp>
+      <p:sp>
+        <p:nvSpPr>
+          <p:cNvPr id="18" name="Rectangle: Rounded Corners 3">
+            <a:extLst>
+              <a:ext uri="{FF2B5EF4-FFF2-40B4-BE49-F238E27FC236}">
+                <a16:creationId xmlns="" xmlns:a16="http://schemas.microsoft.com/office/drawing/2014/main" id="{7AE6D3E8-429A-4DBC-8186-66C97006A05C}"/>
+              </a:ext>
+            </a:extLst>
+          </p:cNvPr>
+          <p:cNvSpPr/>
+          <p:nvPr/>
+        </p:nvSpPr>
+        <p:spPr>
+          <a:xfrm>
+            <a:off x="7198881" y="2763005"/>
+            <a:ext cx="1423359" cy="1001917"/>
+          </a:xfrm>
+          <a:prstGeom prst="roundRect">
+            <a:avLst/>
+          </a:prstGeom>
+          <a:noFill/>
+          <a:ln w="19050">
+            <a:solidFill>
+              <a:schemeClr val="bg1"/>
+            </a:solidFill>
+          </a:ln>
+        </p:spPr>
+        <p:style>
+          <a:lnRef idx="2">
+            <a:schemeClr val="accent1">
+              <a:shade val="50000"/>
+            </a:schemeClr>
+          </a:lnRef>
+          <a:fillRef idx="1">
+            <a:schemeClr val="accent1"/>
+          </a:fillRef>
+          <a:effectRef idx="0">
+            <a:schemeClr val="accent1"/>
+          </a:effectRef>
+          <a:fontRef idx="minor">
+            <a:schemeClr val="lt1"/>
+          </a:fontRef>
+        </p:style>
+        <p:txBody>
+          <a:bodyPr rtlCol="0" anchor="ctr"/>
+          <a:lstStyle/>
+          <a:p>
+            <a:pPr algn="ctr"/>
+            <a:r>
+              <a:rPr lang="en-US" altLang="zh-CN" sz="1000" i="1" dirty="0" smtClean="0">
+                <a:latin typeface="Roboto Light" panose="02000000000000000000" pitchFamily="2" charset="0"/>
+                <a:ea typeface="Roboto Light" panose="02000000000000000000" pitchFamily="2" charset="0"/>
+              </a:rPr>
+              <a:t>search </a:t>
+            </a:r>
+            <a:r>
+              <a:rPr lang="en-US" altLang="zh-CN" sz="1000" i="1" dirty="0">
+                <a:latin typeface="Roboto Light" panose="02000000000000000000" pitchFamily="2" charset="0"/>
+                <a:ea typeface="Roboto Light" panose="02000000000000000000" pitchFamily="2" charset="0"/>
+              </a:rPr>
+              <a:t>location,</a:t>
+            </a:r>
+          </a:p>
+          <a:p>
+            <a:pPr algn="ctr"/>
+            <a:r>
+              <a:rPr lang="en-US" altLang="zh-CN" sz="1000" i="1" dirty="0" smtClean="0">
+                <a:latin typeface="Roboto Light" panose="02000000000000000000" pitchFamily="2" charset="0"/>
+                <a:ea typeface="Roboto Light" panose="02000000000000000000" pitchFamily="2" charset="0"/>
+              </a:rPr>
+              <a:t>simple </a:t>
+            </a:r>
+            <a:r>
+              <a:rPr lang="en-US" altLang="zh-CN" sz="1000" i="1" dirty="0">
+                <a:latin typeface="Roboto Light" panose="02000000000000000000" pitchFamily="2" charset="0"/>
+                <a:ea typeface="Roboto Light" panose="02000000000000000000" pitchFamily="2" charset="0"/>
+              </a:rPr>
+              <a:t>routing,</a:t>
+            </a:r>
+          </a:p>
+          <a:p>
+            <a:pPr algn="ctr"/>
+            <a:r>
+              <a:rPr lang="en-US" altLang="zh-CN" sz="1000" i="1" dirty="0">
+                <a:latin typeface="Roboto Light" panose="02000000000000000000" pitchFamily="2" charset="0"/>
+                <a:ea typeface="Roboto Light" panose="02000000000000000000" pitchFamily="2" charset="0"/>
+              </a:rPr>
+              <a:t>Buffer, etc</a:t>
+            </a:r>
+            <a:r>
+              <a:rPr lang="en-US" altLang="zh-CN" sz="1050" i="1" dirty="0" smtClean="0">
+                <a:latin typeface="Roboto Light" panose="02000000000000000000" pitchFamily="2" charset="0"/>
+                <a:ea typeface="Roboto Light" panose="02000000000000000000" pitchFamily="2" charset="0"/>
+              </a:rPr>
+              <a:t>.</a:t>
+            </a:r>
+            <a:endParaRPr lang="zh-CN" altLang="en-US" sz="1050" i="1" dirty="0">
+              <a:latin typeface="Roboto Light" panose="02000000000000000000" pitchFamily="2" charset="0"/>
+              <a:ea typeface="Roboto Light" panose="02000000000000000000" pitchFamily="2" charset="0"/>
+            </a:endParaRPr>
+          </a:p>
+        </p:txBody>
+      </p:sp>
+      <p:sp>
+        <p:nvSpPr>
+          <p:cNvPr id="19" name="Rectangle: Rounded Corners 3">
+            <a:extLst>
+              <a:ext uri="{FF2B5EF4-FFF2-40B4-BE49-F238E27FC236}">
+                <a16:creationId xmlns="" xmlns:a16="http://schemas.microsoft.com/office/drawing/2014/main" id="{7AE6D3E8-429A-4DBC-8186-66C97006A05C}"/>
+              </a:ext>
+            </a:extLst>
+          </p:cNvPr>
+          <p:cNvSpPr/>
+          <p:nvPr/>
+        </p:nvSpPr>
+        <p:spPr>
+          <a:xfrm>
+            <a:off x="7358693" y="3962872"/>
+            <a:ext cx="1103736" cy="1100307"/>
+          </a:xfrm>
+          <a:prstGeom prst="roundRect">
+            <a:avLst/>
+          </a:prstGeom>
+          <a:noFill/>
+          <a:ln w="19050">
+            <a:solidFill>
+              <a:schemeClr val="bg1"/>
+            </a:solidFill>
+          </a:ln>
+        </p:spPr>
+        <p:style>
+          <a:lnRef idx="2">
+            <a:schemeClr val="accent1">
+              <a:shade val="50000"/>
+            </a:schemeClr>
+          </a:lnRef>
+          <a:fillRef idx="1">
+            <a:schemeClr val="accent1"/>
+          </a:fillRef>
+          <a:effectRef idx="0">
+            <a:schemeClr val="accent1"/>
+          </a:effectRef>
+          <a:fontRef idx="minor">
+            <a:schemeClr val="lt1"/>
+          </a:fontRef>
+        </p:style>
+        <p:txBody>
+          <a:bodyPr rtlCol="0" anchor="ctr"/>
+          <a:lstStyle/>
+          <a:p>
+            <a:pPr algn="ctr"/>
+            <a:r>
+              <a:rPr lang="en-US" altLang="zh-CN" sz="1000" i="1" dirty="0" smtClean="0">
+                <a:latin typeface="Roboto Light" panose="02000000000000000000" pitchFamily="2" charset="0"/>
+                <a:ea typeface="Roboto Light" panose="02000000000000000000" pitchFamily="2" charset="0"/>
+              </a:rPr>
+              <a:t>Combined interactive story-maps.</a:t>
+            </a:r>
+            <a:endParaRPr lang="zh-CN" altLang="en-US" sz="1000" i="1" dirty="0">
+              <a:latin typeface="Roboto Light" panose="02000000000000000000" pitchFamily="2" charset="0"/>
+              <a:ea typeface="Roboto Light" panose="02000000000000000000" pitchFamily="2" charset="0"/>
+            </a:endParaRPr>
+          </a:p>
+        </p:txBody>
+      </p:sp>
+      <p:cxnSp>
+        <p:nvCxnSpPr>
+          <p:cNvPr id="20" name="Straight Connector 19">
+            <a:extLst>
+              <a:ext uri="{FF2B5EF4-FFF2-40B4-BE49-F238E27FC236}">
+                <a16:creationId xmlns="" xmlns:a16="http://schemas.microsoft.com/office/drawing/2014/main" id="{8AB7AB37-5E71-4790-9163-6E2D8F06C5D2}"/>
+              </a:ext>
+            </a:extLst>
+          </p:cNvPr>
+          <p:cNvCxnSpPr>
+            <a:cxnSpLocks/>
+            <a:stCxn id="14" idx="3"/>
+            <a:endCxn id="17" idx="1"/>
+          </p:cNvCxnSpPr>
+          <p:nvPr/>
+        </p:nvCxnSpPr>
+        <p:spPr>
+          <a:xfrm flipV="1">
+            <a:off x="6340330" y="2009947"/>
+            <a:ext cx="1018363" cy="3836"/>
+          </a:xfrm>
+          <a:prstGeom prst="line">
+            <a:avLst/>
+          </a:prstGeom>
+          <a:ln w="12700">
+            <a:solidFill>
+              <a:schemeClr val="bg1"/>
+            </a:solidFill>
+            <a:prstDash val="dash"/>
+            <a:tailEnd type="triangle" w="med" len="lg"/>
+          </a:ln>
+        </p:spPr>
+        <p:style>
+          <a:lnRef idx="1">
+            <a:schemeClr val="accent1"/>
+          </a:lnRef>
+          <a:fillRef idx="0">
+            <a:schemeClr val="accent1"/>
+          </a:fillRef>
+          <a:effectRef idx="0">
+            <a:schemeClr val="accent1"/>
+          </a:effectRef>
+          <a:fontRef idx="minor">
+            <a:schemeClr val="tx1"/>
+          </a:fontRef>
+        </p:style>
+      </p:cxnSp>
+      <p:cxnSp>
+        <p:nvCxnSpPr>
+          <p:cNvPr id="24" name="Straight Connector 23">
+            <a:extLst>
+              <a:ext uri="{FF2B5EF4-FFF2-40B4-BE49-F238E27FC236}">
+                <a16:creationId xmlns="" xmlns:a16="http://schemas.microsoft.com/office/drawing/2014/main" id="{8AB7AB37-5E71-4790-9163-6E2D8F06C5D2}"/>
+              </a:ext>
+            </a:extLst>
+          </p:cNvPr>
+          <p:cNvCxnSpPr>
+            <a:cxnSpLocks/>
+            <a:stCxn id="16" idx="3"/>
+            <a:endCxn id="19" idx="1"/>
+          </p:cNvCxnSpPr>
+          <p:nvPr/>
+        </p:nvCxnSpPr>
+        <p:spPr>
+          <a:xfrm>
+            <a:off x="6340332" y="4500584"/>
+            <a:ext cx="1018361" cy="12442"/>
+          </a:xfrm>
+          <a:prstGeom prst="line">
+            <a:avLst/>
+          </a:prstGeom>
+          <a:ln w="12700">
+            <a:solidFill>
+              <a:schemeClr val="bg1"/>
+            </a:solidFill>
+            <a:prstDash val="dash"/>
+            <a:tailEnd type="triangle" w="med" len="lg"/>
+          </a:ln>
+        </p:spPr>
+        <p:style>
+          <a:lnRef idx="1">
+            <a:schemeClr val="accent1"/>
+          </a:lnRef>
+          <a:fillRef idx="0">
+            <a:schemeClr val="accent1"/>
+          </a:fillRef>
+          <a:effectRef idx="0">
+            <a:schemeClr val="accent1"/>
+          </a:effectRef>
+          <a:fontRef idx="minor">
+            <a:schemeClr val="tx1"/>
+          </a:fontRef>
+        </p:style>
+      </p:cxnSp>
+      <p:cxnSp>
+        <p:nvCxnSpPr>
+          <p:cNvPr id="27" name="Straight Connector 26">
+            <a:extLst>
+              <a:ext uri="{FF2B5EF4-FFF2-40B4-BE49-F238E27FC236}">
+                <a16:creationId xmlns="" xmlns:a16="http://schemas.microsoft.com/office/drawing/2014/main" id="{8AB7AB37-5E71-4790-9163-6E2D8F06C5D2}"/>
+              </a:ext>
+            </a:extLst>
+          </p:cNvPr>
+          <p:cNvCxnSpPr>
+            <a:cxnSpLocks/>
+            <a:stCxn id="15" idx="3"/>
+            <a:endCxn id="18" idx="1"/>
+          </p:cNvCxnSpPr>
+          <p:nvPr/>
+        </p:nvCxnSpPr>
+        <p:spPr>
+          <a:xfrm flipV="1">
+            <a:off x="6340329" y="3263964"/>
+            <a:ext cx="858552" cy="1"/>
+          </a:xfrm>
+          <a:prstGeom prst="line">
+            <a:avLst/>
+          </a:prstGeom>
+          <a:ln w="12700">
+            <a:solidFill>
+              <a:schemeClr val="bg1"/>
+            </a:solidFill>
+            <a:prstDash val="dash"/>
+            <a:tailEnd type="triangle" w="med" len="lg"/>
+          </a:ln>
+        </p:spPr>
+        <p:style>
+          <a:lnRef idx="1">
+            <a:schemeClr val="accent1"/>
+          </a:lnRef>
+          <a:fillRef idx="0">
+            <a:schemeClr val="accent1"/>
+          </a:fillRef>
+          <a:effectRef idx="0">
+            <a:schemeClr val="accent1"/>
+          </a:effectRef>
+          <a:fontRef idx="minor">
+            <a:schemeClr val="tx1"/>
+          </a:fontRef>
+        </p:style>
+      </p:cxnSp>
+    </p:spTree>
+    <p:extLst>
+      <p:ext uri="{BB962C8B-B14F-4D97-AF65-F5344CB8AC3E}">
+        <p14:creationId xmlns:p14="http://schemas.microsoft.com/office/powerpoint/2010/main" val="10100237"/>
       </p:ext>
     </p:extLst>
   </p:cSld>
@@ -4739,7 +5565,7 @@
   <a:extraClrSchemeLst/>
   <a:extLst>
     <a:ext uri="{05A4C25C-085E-4340-85A3-A5531E510DB2}">
-      <thm15:themeFamily xmlns:thm15="http://schemas.microsoft.com/office/thememl/2012/main" xmlns="" name="Office Theme" id="{62F939B6-93AF-4DB8-9C6B-D6C7DFDC589F}" vid="{4A3C46E8-61CC-4603-A589-7422A47A8E4A}"/>
+      <thm15:themeFamily xmlns="" xmlns:thm15="http://schemas.microsoft.com/office/thememl/2012/main" name="Office Theme" id="{62F939B6-93AF-4DB8-9C6B-D6C7DFDC589F}" vid="{4A3C46E8-61CC-4603-A589-7422A47A8E4A}"/>
     </a:ext>
   </a:extLst>
 </a:theme>

--- a/communication/pre_0724.pptx
+++ b/communication/pre_0724.pptx
@@ -8,6 +8,11 @@
     <p:sldId id="256" r:id="rId2"/>
     <p:sldId id="257" r:id="rId3"/>
     <p:sldId id="258" r:id="rId4"/>
+    <p:sldId id="259" r:id="rId5"/>
+    <p:sldId id="260" r:id="rId6"/>
+    <p:sldId id="261" r:id="rId7"/>
+    <p:sldId id="262" r:id="rId8"/>
+    <p:sldId id="263" r:id="rId9"/>
   </p:sldIdLst>
   <p:sldSz cx="12192000" cy="6858000"/>
   <p:notesSz cx="6858000" cy="9144000"/>
@@ -135,7 +140,7 @@
           <p:cNvPr id="2" name="Title 1">
             <a:extLst>
               <a:ext uri="{FF2B5EF4-FFF2-40B4-BE49-F238E27FC236}">
-                <a16:creationId xmlns="" xmlns:a16="http://schemas.microsoft.com/office/drawing/2014/main" id="{E82B0C58-685F-4E04-A21B-9668CA5EF742}"/>
+                <a16:creationId xmlns:a16="http://schemas.microsoft.com/office/drawing/2014/main" xmlns="" id="{E82B0C58-685F-4E04-A21B-9668CA5EF742}"/>
               </a:ext>
             </a:extLst>
           </p:cNvPr>
@@ -173,7 +178,7 @@
           <p:cNvPr id="3" name="Subtitle 2">
             <a:extLst>
               <a:ext uri="{FF2B5EF4-FFF2-40B4-BE49-F238E27FC236}">
-                <a16:creationId xmlns="" xmlns:a16="http://schemas.microsoft.com/office/drawing/2014/main" id="{B11A4717-B2C0-4174-B071-49547222BE02}"/>
+                <a16:creationId xmlns:a16="http://schemas.microsoft.com/office/drawing/2014/main" xmlns="" id="{B11A4717-B2C0-4174-B071-49547222BE02}"/>
               </a:ext>
             </a:extLst>
           </p:cNvPr>
@@ -244,7 +249,7 @@
           <p:cNvPr id="4" name="Date Placeholder 3">
             <a:extLst>
               <a:ext uri="{FF2B5EF4-FFF2-40B4-BE49-F238E27FC236}">
-                <a16:creationId xmlns="" xmlns:a16="http://schemas.microsoft.com/office/drawing/2014/main" id="{27E9B1DA-FF8C-49E5-BF5B-B5A187CF2FD1}"/>
+                <a16:creationId xmlns:a16="http://schemas.microsoft.com/office/drawing/2014/main" xmlns="" id="{27E9B1DA-FF8C-49E5-BF5B-B5A187CF2FD1}"/>
               </a:ext>
             </a:extLst>
           </p:cNvPr>
@@ -262,7 +267,7 @@
           <a:p>
             <a:fld id="{28CEC29F-4B23-4B58-A511-B488B9A97879}" type="datetimeFigureOut">
               <a:rPr lang="zh-CN" altLang="en-US" smtClean="0"/>
-              <a:t>2017/7/24</a:t>
+              <a:t>2017/7/27</a:t>
             </a:fld>
             <a:endParaRPr lang="zh-CN" altLang="en-US"/>
           </a:p>
@@ -273,7 +278,7 @@
           <p:cNvPr id="5" name="Footer Placeholder 4">
             <a:extLst>
               <a:ext uri="{FF2B5EF4-FFF2-40B4-BE49-F238E27FC236}">
-                <a16:creationId xmlns="" xmlns:a16="http://schemas.microsoft.com/office/drawing/2014/main" id="{EE57919F-B315-4B40-BA69-58D96B7F7598}"/>
+                <a16:creationId xmlns:a16="http://schemas.microsoft.com/office/drawing/2014/main" xmlns="" id="{EE57919F-B315-4B40-BA69-58D96B7F7598}"/>
               </a:ext>
             </a:extLst>
           </p:cNvPr>
@@ -298,7 +303,7 @@
           <p:cNvPr id="6" name="Slide Number Placeholder 5">
             <a:extLst>
               <a:ext uri="{FF2B5EF4-FFF2-40B4-BE49-F238E27FC236}">
-                <a16:creationId xmlns="" xmlns:a16="http://schemas.microsoft.com/office/drawing/2014/main" id="{99426AD7-F523-4BFE-A021-C8DD58E34398}"/>
+                <a16:creationId xmlns:a16="http://schemas.microsoft.com/office/drawing/2014/main" xmlns="" id="{99426AD7-F523-4BFE-A021-C8DD58E34398}"/>
               </a:ext>
             </a:extLst>
           </p:cNvPr>
@@ -357,7 +362,7 @@
           <p:cNvPr id="2" name="Title 1">
             <a:extLst>
               <a:ext uri="{FF2B5EF4-FFF2-40B4-BE49-F238E27FC236}">
-                <a16:creationId xmlns="" xmlns:a16="http://schemas.microsoft.com/office/drawing/2014/main" id="{8E03D62A-9869-450F-9CD5-D236DB6830F9}"/>
+                <a16:creationId xmlns:a16="http://schemas.microsoft.com/office/drawing/2014/main" xmlns="" id="{8E03D62A-9869-450F-9CD5-D236DB6830F9}"/>
               </a:ext>
             </a:extLst>
           </p:cNvPr>
@@ -386,7 +391,7 @@
           <p:cNvPr id="3" name="Vertical Text Placeholder 2">
             <a:extLst>
               <a:ext uri="{FF2B5EF4-FFF2-40B4-BE49-F238E27FC236}">
-                <a16:creationId xmlns="" xmlns:a16="http://schemas.microsoft.com/office/drawing/2014/main" id="{45850CA9-90C2-48AF-88D2-2A2C7C2FFA6F}"/>
+                <a16:creationId xmlns:a16="http://schemas.microsoft.com/office/drawing/2014/main" xmlns="" id="{45850CA9-90C2-48AF-88D2-2A2C7C2FFA6F}"/>
               </a:ext>
             </a:extLst>
           </p:cNvPr>
@@ -444,7 +449,7 @@
           <p:cNvPr id="4" name="Date Placeholder 3">
             <a:extLst>
               <a:ext uri="{FF2B5EF4-FFF2-40B4-BE49-F238E27FC236}">
-                <a16:creationId xmlns="" xmlns:a16="http://schemas.microsoft.com/office/drawing/2014/main" id="{61C42B10-AF4C-4914-922E-DAB7C990313F}"/>
+                <a16:creationId xmlns:a16="http://schemas.microsoft.com/office/drawing/2014/main" xmlns="" id="{61C42B10-AF4C-4914-922E-DAB7C990313F}"/>
               </a:ext>
             </a:extLst>
           </p:cNvPr>
@@ -462,7 +467,7 @@
           <a:p>
             <a:fld id="{28CEC29F-4B23-4B58-A511-B488B9A97879}" type="datetimeFigureOut">
               <a:rPr lang="zh-CN" altLang="en-US" smtClean="0"/>
-              <a:t>2017/7/24</a:t>
+              <a:t>2017/7/27</a:t>
             </a:fld>
             <a:endParaRPr lang="zh-CN" altLang="en-US"/>
           </a:p>
@@ -473,7 +478,7 @@
           <p:cNvPr id="5" name="Footer Placeholder 4">
             <a:extLst>
               <a:ext uri="{FF2B5EF4-FFF2-40B4-BE49-F238E27FC236}">
-                <a16:creationId xmlns="" xmlns:a16="http://schemas.microsoft.com/office/drawing/2014/main" id="{380CBC57-50EF-4DC3-B3C4-9C51FB1A21B1}"/>
+                <a16:creationId xmlns:a16="http://schemas.microsoft.com/office/drawing/2014/main" xmlns="" id="{380CBC57-50EF-4DC3-B3C4-9C51FB1A21B1}"/>
               </a:ext>
             </a:extLst>
           </p:cNvPr>
@@ -498,7 +503,7 @@
           <p:cNvPr id="6" name="Slide Number Placeholder 5">
             <a:extLst>
               <a:ext uri="{FF2B5EF4-FFF2-40B4-BE49-F238E27FC236}">
-                <a16:creationId xmlns="" xmlns:a16="http://schemas.microsoft.com/office/drawing/2014/main" id="{4BE185E3-661A-497A-A857-7E0C3848E2FC}"/>
+                <a16:creationId xmlns:a16="http://schemas.microsoft.com/office/drawing/2014/main" xmlns="" id="{4BE185E3-661A-497A-A857-7E0C3848E2FC}"/>
               </a:ext>
             </a:extLst>
           </p:cNvPr>
@@ -557,7 +562,7 @@
           <p:cNvPr id="2" name="Vertical Title 1">
             <a:extLst>
               <a:ext uri="{FF2B5EF4-FFF2-40B4-BE49-F238E27FC236}">
-                <a16:creationId xmlns="" xmlns:a16="http://schemas.microsoft.com/office/drawing/2014/main" id="{38185D8B-4092-485C-A08D-F4C4BB7C4BE5}"/>
+                <a16:creationId xmlns:a16="http://schemas.microsoft.com/office/drawing/2014/main" xmlns="" id="{38185D8B-4092-485C-A08D-F4C4BB7C4BE5}"/>
               </a:ext>
             </a:extLst>
           </p:cNvPr>
@@ -591,7 +596,7 @@
           <p:cNvPr id="3" name="Vertical Text Placeholder 2">
             <a:extLst>
               <a:ext uri="{FF2B5EF4-FFF2-40B4-BE49-F238E27FC236}">
-                <a16:creationId xmlns="" xmlns:a16="http://schemas.microsoft.com/office/drawing/2014/main" id="{1E858840-306C-4E3C-A6A3-562C68355730}"/>
+                <a16:creationId xmlns:a16="http://schemas.microsoft.com/office/drawing/2014/main" xmlns="" id="{1E858840-306C-4E3C-A6A3-562C68355730}"/>
               </a:ext>
             </a:extLst>
           </p:cNvPr>
@@ -654,7 +659,7 @@
           <p:cNvPr id="4" name="Date Placeholder 3">
             <a:extLst>
               <a:ext uri="{FF2B5EF4-FFF2-40B4-BE49-F238E27FC236}">
-                <a16:creationId xmlns="" xmlns:a16="http://schemas.microsoft.com/office/drawing/2014/main" id="{77BEC104-511F-44EE-8C78-166766C0D7D6}"/>
+                <a16:creationId xmlns:a16="http://schemas.microsoft.com/office/drawing/2014/main" xmlns="" id="{77BEC104-511F-44EE-8C78-166766C0D7D6}"/>
               </a:ext>
             </a:extLst>
           </p:cNvPr>
@@ -672,7 +677,7 @@
           <a:p>
             <a:fld id="{28CEC29F-4B23-4B58-A511-B488B9A97879}" type="datetimeFigureOut">
               <a:rPr lang="zh-CN" altLang="en-US" smtClean="0"/>
-              <a:t>2017/7/24</a:t>
+              <a:t>2017/7/27</a:t>
             </a:fld>
             <a:endParaRPr lang="zh-CN" altLang="en-US"/>
           </a:p>
@@ -683,7 +688,7 @@
           <p:cNvPr id="5" name="Footer Placeholder 4">
             <a:extLst>
               <a:ext uri="{FF2B5EF4-FFF2-40B4-BE49-F238E27FC236}">
-                <a16:creationId xmlns="" xmlns:a16="http://schemas.microsoft.com/office/drawing/2014/main" id="{92A85BD9-7A63-4458-85CD-0C5E834CAB08}"/>
+                <a16:creationId xmlns:a16="http://schemas.microsoft.com/office/drawing/2014/main" xmlns="" id="{92A85BD9-7A63-4458-85CD-0C5E834CAB08}"/>
               </a:ext>
             </a:extLst>
           </p:cNvPr>
@@ -708,7 +713,7 @@
           <p:cNvPr id="6" name="Slide Number Placeholder 5">
             <a:extLst>
               <a:ext uri="{FF2B5EF4-FFF2-40B4-BE49-F238E27FC236}">
-                <a16:creationId xmlns="" xmlns:a16="http://schemas.microsoft.com/office/drawing/2014/main" id="{40A3B400-2265-457A-A573-D92D2B6C5A00}"/>
+                <a16:creationId xmlns:a16="http://schemas.microsoft.com/office/drawing/2014/main" xmlns="" id="{40A3B400-2265-457A-A573-D92D2B6C5A00}"/>
               </a:ext>
             </a:extLst>
           </p:cNvPr>
@@ -767,7 +772,7 @@
           <p:cNvPr id="2" name="Title 1">
             <a:extLst>
               <a:ext uri="{FF2B5EF4-FFF2-40B4-BE49-F238E27FC236}">
-                <a16:creationId xmlns="" xmlns:a16="http://schemas.microsoft.com/office/drawing/2014/main" id="{F5421E64-D888-436A-9D27-22CBA88D8407}"/>
+                <a16:creationId xmlns:a16="http://schemas.microsoft.com/office/drawing/2014/main" xmlns="" id="{F5421E64-D888-436A-9D27-22CBA88D8407}"/>
               </a:ext>
             </a:extLst>
           </p:cNvPr>
@@ -796,7 +801,7 @@
           <p:cNvPr id="3" name="Content Placeholder 2">
             <a:extLst>
               <a:ext uri="{FF2B5EF4-FFF2-40B4-BE49-F238E27FC236}">
-                <a16:creationId xmlns="" xmlns:a16="http://schemas.microsoft.com/office/drawing/2014/main" id="{7AD1B751-8DD9-4978-A827-596A57E95954}"/>
+                <a16:creationId xmlns:a16="http://schemas.microsoft.com/office/drawing/2014/main" xmlns="" id="{7AD1B751-8DD9-4978-A827-596A57E95954}"/>
               </a:ext>
             </a:extLst>
           </p:cNvPr>
@@ -854,7 +859,7 @@
           <p:cNvPr id="4" name="Date Placeholder 3">
             <a:extLst>
               <a:ext uri="{FF2B5EF4-FFF2-40B4-BE49-F238E27FC236}">
-                <a16:creationId xmlns="" xmlns:a16="http://schemas.microsoft.com/office/drawing/2014/main" id="{C97A56F8-1BFC-4287-ADE5-BE823EA25727}"/>
+                <a16:creationId xmlns:a16="http://schemas.microsoft.com/office/drawing/2014/main" xmlns="" id="{C97A56F8-1BFC-4287-ADE5-BE823EA25727}"/>
               </a:ext>
             </a:extLst>
           </p:cNvPr>
@@ -872,7 +877,7 @@
           <a:p>
             <a:fld id="{28CEC29F-4B23-4B58-A511-B488B9A97879}" type="datetimeFigureOut">
               <a:rPr lang="zh-CN" altLang="en-US" smtClean="0"/>
-              <a:t>2017/7/24</a:t>
+              <a:t>2017/7/27</a:t>
             </a:fld>
             <a:endParaRPr lang="zh-CN" altLang="en-US"/>
           </a:p>
@@ -883,7 +888,7 @@
           <p:cNvPr id="5" name="Footer Placeholder 4">
             <a:extLst>
               <a:ext uri="{FF2B5EF4-FFF2-40B4-BE49-F238E27FC236}">
-                <a16:creationId xmlns="" xmlns:a16="http://schemas.microsoft.com/office/drawing/2014/main" id="{24817AF5-80AF-4857-B545-52ABDA4E9F7E}"/>
+                <a16:creationId xmlns:a16="http://schemas.microsoft.com/office/drawing/2014/main" xmlns="" id="{24817AF5-80AF-4857-B545-52ABDA4E9F7E}"/>
               </a:ext>
             </a:extLst>
           </p:cNvPr>
@@ -908,7 +913,7 @@
           <p:cNvPr id="6" name="Slide Number Placeholder 5">
             <a:extLst>
               <a:ext uri="{FF2B5EF4-FFF2-40B4-BE49-F238E27FC236}">
-                <a16:creationId xmlns="" xmlns:a16="http://schemas.microsoft.com/office/drawing/2014/main" id="{A8969CB4-B22B-4FA8-B5CB-C506BD060641}"/>
+                <a16:creationId xmlns:a16="http://schemas.microsoft.com/office/drawing/2014/main" xmlns="" id="{A8969CB4-B22B-4FA8-B5CB-C506BD060641}"/>
               </a:ext>
             </a:extLst>
           </p:cNvPr>
@@ -967,7 +972,7 @@
           <p:cNvPr id="2" name="Title 1">
             <a:extLst>
               <a:ext uri="{FF2B5EF4-FFF2-40B4-BE49-F238E27FC236}">
-                <a16:creationId xmlns="" xmlns:a16="http://schemas.microsoft.com/office/drawing/2014/main" id="{95F84119-15D8-457B-B0FB-5E018423BCF2}"/>
+                <a16:creationId xmlns:a16="http://schemas.microsoft.com/office/drawing/2014/main" xmlns="" id="{95F84119-15D8-457B-B0FB-5E018423BCF2}"/>
               </a:ext>
             </a:extLst>
           </p:cNvPr>
@@ -1005,7 +1010,7 @@
           <p:cNvPr id="3" name="Text Placeholder 2">
             <a:extLst>
               <a:ext uri="{FF2B5EF4-FFF2-40B4-BE49-F238E27FC236}">
-                <a16:creationId xmlns="" xmlns:a16="http://schemas.microsoft.com/office/drawing/2014/main" id="{923E3244-8424-4475-B6B0-178B0593CC71}"/>
+                <a16:creationId xmlns:a16="http://schemas.microsoft.com/office/drawing/2014/main" xmlns="" id="{923E3244-8424-4475-B6B0-178B0593CC71}"/>
               </a:ext>
             </a:extLst>
           </p:cNvPr>
@@ -1130,7 +1135,7 @@
           <p:cNvPr id="4" name="Date Placeholder 3">
             <a:extLst>
               <a:ext uri="{FF2B5EF4-FFF2-40B4-BE49-F238E27FC236}">
-                <a16:creationId xmlns="" xmlns:a16="http://schemas.microsoft.com/office/drawing/2014/main" id="{A705FDA2-F3E9-4692-8383-40DFC177FC91}"/>
+                <a16:creationId xmlns:a16="http://schemas.microsoft.com/office/drawing/2014/main" xmlns="" id="{A705FDA2-F3E9-4692-8383-40DFC177FC91}"/>
               </a:ext>
             </a:extLst>
           </p:cNvPr>
@@ -1148,7 +1153,7 @@
           <a:p>
             <a:fld id="{28CEC29F-4B23-4B58-A511-B488B9A97879}" type="datetimeFigureOut">
               <a:rPr lang="zh-CN" altLang="en-US" smtClean="0"/>
-              <a:t>2017/7/24</a:t>
+              <a:t>2017/7/27</a:t>
             </a:fld>
             <a:endParaRPr lang="zh-CN" altLang="en-US"/>
           </a:p>
@@ -1159,7 +1164,7 @@
           <p:cNvPr id="5" name="Footer Placeholder 4">
             <a:extLst>
               <a:ext uri="{FF2B5EF4-FFF2-40B4-BE49-F238E27FC236}">
-                <a16:creationId xmlns="" xmlns:a16="http://schemas.microsoft.com/office/drawing/2014/main" id="{036C04AA-71B6-4B82-B1D6-A5460948956D}"/>
+                <a16:creationId xmlns:a16="http://schemas.microsoft.com/office/drawing/2014/main" xmlns="" id="{036C04AA-71B6-4B82-B1D6-A5460948956D}"/>
               </a:ext>
             </a:extLst>
           </p:cNvPr>
@@ -1184,7 +1189,7 @@
           <p:cNvPr id="6" name="Slide Number Placeholder 5">
             <a:extLst>
               <a:ext uri="{FF2B5EF4-FFF2-40B4-BE49-F238E27FC236}">
-                <a16:creationId xmlns="" xmlns:a16="http://schemas.microsoft.com/office/drawing/2014/main" id="{2BC555BD-7DB8-4409-AB78-6600583EBD0A}"/>
+                <a16:creationId xmlns:a16="http://schemas.microsoft.com/office/drawing/2014/main" xmlns="" id="{2BC555BD-7DB8-4409-AB78-6600583EBD0A}"/>
               </a:ext>
             </a:extLst>
           </p:cNvPr>
@@ -1243,7 +1248,7 @@
           <p:cNvPr id="2" name="Title 1">
             <a:extLst>
               <a:ext uri="{FF2B5EF4-FFF2-40B4-BE49-F238E27FC236}">
-                <a16:creationId xmlns="" xmlns:a16="http://schemas.microsoft.com/office/drawing/2014/main" id="{CFDE51A8-D135-4C23-98BF-0A58CDAD1AD8}"/>
+                <a16:creationId xmlns:a16="http://schemas.microsoft.com/office/drawing/2014/main" xmlns="" id="{CFDE51A8-D135-4C23-98BF-0A58CDAD1AD8}"/>
               </a:ext>
             </a:extLst>
           </p:cNvPr>
@@ -1272,7 +1277,7 @@
           <p:cNvPr id="3" name="Content Placeholder 2">
             <a:extLst>
               <a:ext uri="{FF2B5EF4-FFF2-40B4-BE49-F238E27FC236}">
-                <a16:creationId xmlns="" xmlns:a16="http://schemas.microsoft.com/office/drawing/2014/main" id="{43DE1461-A68F-48B9-AEF8-2B7A0475B5F5}"/>
+                <a16:creationId xmlns:a16="http://schemas.microsoft.com/office/drawing/2014/main" xmlns="" id="{43DE1461-A68F-48B9-AEF8-2B7A0475B5F5}"/>
               </a:ext>
             </a:extLst>
           </p:cNvPr>
@@ -1335,7 +1340,7 @@
           <p:cNvPr id="4" name="Content Placeholder 3">
             <a:extLst>
               <a:ext uri="{FF2B5EF4-FFF2-40B4-BE49-F238E27FC236}">
-                <a16:creationId xmlns="" xmlns:a16="http://schemas.microsoft.com/office/drawing/2014/main" id="{AFAEB23E-2CF7-44DD-ABA5-3C201C584D35}"/>
+                <a16:creationId xmlns:a16="http://schemas.microsoft.com/office/drawing/2014/main" xmlns="" id="{AFAEB23E-2CF7-44DD-ABA5-3C201C584D35}"/>
               </a:ext>
             </a:extLst>
           </p:cNvPr>
@@ -1398,7 +1403,7 @@
           <p:cNvPr id="5" name="Date Placeholder 4">
             <a:extLst>
               <a:ext uri="{FF2B5EF4-FFF2-40B4-BE49-F238E27FC236}">
-                <a16:creationId xmlns="" xmlns:a16="http://schemas.microsoft.com/office/drawing/2014/main" id="{AE2D1C40-EAA6-4829-B21D-C47218C3A0B9}"/>
+                <a16:creationId xmlns:a16="http://schemas.microsoft.com/office/drawing/2014/main" xmlns="" id="{AE2D1C40-EAA6-4829-B21D-C47218C3A0B9}"/>
               </a:ext>
             </a:extLst>
           </p:cNvPr>
@@ -1416,7 +1421,7 @@
           <a:p>
             <a:fld id="{28CEC29F-4B23-4B58-A511-B488B9A97879}" type="datetimeFigureOut">
               <a:rPr lang="zh-CN" altLang="en-US" smtClean="0"/>
-              <a:t>2017/7/24</a:t>
+              <a:t>2017/7/27</a:t>
             </a:fld>
             <a:endParaRPr lang="zh-CN" altLang="en-US"/>
           </a:p>
@@ -1427,7 +1432,7 @@
           <p:cNvPr id="6" name="Footer Placeholder 5">
             <a:extLst>
               <a:ext uri="{FF2B5EF4-FFF2-40B4-BE49-F238E27FC236}">
-                <a16:creationId xmlns="" xmlns:a16="http://schemas.microsoft.com/office/drawing/2014/main" id="{48A2C480-D165-473B-8D22-A8E8D16B0F00}"/>
+                <a16:creationId xmlns:a16="http://schemas.microsoft.com/office/drawing/2014/main" xmlns="" id="{48A2C480-D165-473B-8D22-A8E8D16B0F00}"/>
               </a:ext>
             </a:extLst>
           </p:cNvPr>
@@ -1452,7 +1457,7 @@
           <p:cNvPr id="7" name="Slide Number Placeholder 6">
             <a:extLst>
               <a:ext uri="{FF2B5EF4-FFF2-40B4-BE49-F238E27FC236}">
-                <a16:creationId xmlns="" xmlns:a16="http://schemas.microsoft.com/office/drawing/2014/main" id="{1D9957FE-AB03-4695-87C4-22BF3344F359}"/>
+                <a16:creationId xmlns:a16="http://schemas.microsoft.com/office/drawing/2014/main" xmlns="" id="{1D9957FE-AB03-4695-87C4-22BF3344F359}"/>
               </a:ext>
             </a:extLst>
           </p:cNvPr>
@@ -1511,7 +1516,7 @@
           <p:cNvPr id="2" name="Title 1">
             <a:extLst>
               <a:ext uri="{FF2B5EF4-FFF2-40B4-BE49-F238E27FC236}">
-                <a16:creationId xmlns="" xmlns:a16="http://schemas.microsoft.com/office/drawing/2014/main" id="{516E8653-AE2C-42C4-85BF-9E22A32355F2}"/>
+                <a16:creationId xmlns:a16="http://schemas.microsoft.com/office/drawing/2014/main" xmlns="" id="{516E8653-AE2C-42C4-85BF-9E22A32355F2}"/>
               </a:ext>
             </a:extLst>
           </p:cNvPr>
@@ -1545,7 +1550,7 @@
           <p:cNvPr id="3" name="Text Placeholder 2">
             <a:extLst>
               <a:ext uri="{FF2B5EF4-FFF2-40B4-BE49-F238E27FC236}">
-                <a16:creationId xmlns="" xmlns:a16="http://schemas.microsoft.com/office/drawing/2014/main" id="{51F7B730-C8A7-4335-8EC3-052F0D8AF7AC}"/>
+                <a16:creationId xmlns:a16="http://schemas.microsoft.com/office/drawing/2014/main" xmlns="" id="{51F7B730-C8A7-4335-8EC3-052F0D8AF7AC}"/>
               </a:ext>
             </a:extLst>
           </p:cNvPr>
@@ -1616,7 +1621,7 @@
           <p:cNvPr id="4" name="Content Placeholder 3">
             <a:extLst>
               <a:ext uri="{FF2B5EF4-FFF2-40B4-BE49-F238E27FC236}">
-                <a16:creationId xmlns="" xmlns:a16="http://schemas.microsoft.com/office/drawing/2014/main" id="{68C41B95-CA52-43B0-B719-0FB363D6DEB1}"/>
+                <a16:creationId xmlns:a16="http://schemas.microsoft.com/office/drawing/2014/main" xmlns="" id="{68C41B95-CA52-43B0-B719-0FB363D6DEB1}"/>
               </a:ext>
             </a:extLst>
           </p:cNvPr>
@@ -1679,7 +1684,7 @@
           <p:cNvPr id="5" name="Text Placeholder 4">
             <a:extLst>
               <a:ext uri="{FF2B5EF4-FFF2-40B4-BE49-F238E27FC236}">
-                <a16:creationId xmlns="" xmlns:a16="http://schemas.microsoft.com/office/drawing/2014/main" id="{A37E900C-BB72-4C7B-B7D1-F885DF92A38C}"/>
+                <a16:creationId xmlns:a16="http://schemas.microsoft.com/office/drawing/2014/main" xmlns="" id="{A37E900C-BB72-4C7B-B7D1-F885DF92A38C}"/>
               </a:ext>
             </a:extLst>
           </p:cNvPr>
@@ -1750,7 +1755,7 @@
           <p:cNvPr id="6" name="Content Placeholder 5">
             <a:extLst>
               <a:ext uri="{FF2B5EF4-FFF2-40B4-BE49-F238E27FC236}">
-                <a16:creationId xmlns="" xmlns:a16="http://schemas.microsoft.com/office/drawing/2014/main" id="{5ABCD83F-C802-48A3-8F38-F86432A22D4A}"/>
+                <a16:creationId xmlns:a16="http://schemas.microsoft.com/office/drawing/2014/main" xmlns="" id="{5ABCD83F-C802-48A3-8F38-F86432A22D4A}"/>
               </a:ext>
             </a:extLst>
           </p:cNvPr>
@@ -1813,7 +1818,7 @@
           <p:cNvPr id="7" name="Date Placeholder 6">
             <a:extLst>
               <a:ext uri="{FF2B5EF4-FFF2-40B4-BE49-F238E27FC236}">
-                <a16:creationId xmlns="" xmlns:a16="http://schemas.microsoft.com/office/drawing/2014/main" id="{6FDCEAD7-6F64-4CAE-B2FC-AD92C81B5A4C}"/>
+                <a16:creationId xmlns:a16="http://schemas.microsoft.com/office/drawing/2014/main" xmlns="" id="{6FDCEAD7-6F64-4CAE-B2FC-AD92C81B5A4C}"/>
               </a:ext>
             </a:extLst>
           </p:cNvPr>
@@ -1831,7 +1836,7 @@
           <a:p>
             <a:fld id="{28CEC29F-4B23-4B58-A511-B488B9A97879}" type="datetimeFigureOut">
               <a:rPr lang="zh-CN" altLang="en-US" smtClean="0"/>
-              <a:t>2017/7/24</a:t>
+              <a:t>2017/7/27</a:t>
             </a:fld>
             <a:endParaRPr lang="zh-CN" altLang="en-US"/>
           </a:p>
@@ -1842,7 +1847,7 @@
           <p:cNvPr id="8" name="Footer Placeholder 7">
             <a:extLst>
               <a:ext uri="{FF2B5EF4-FFF2-40B4-BE49-F238E27FC236}">
-                <a16:creationId xmlns="" xmlns:a16="http://schemas.microsoft.com/office/drawing/2014/main" id="{C2B6EA69-744D-4098-A256-5337A6838D65}"/>
+                <a16:creationId xmlns:a16="http://schemas.microsoft.com/office/drawing/2014/main" xmlns="" id="{C2B6EA69-744D-4098-A256-5337A6838D65}"/>
               </a:ext>
             </a:extLst>
           </p:cNvPr>
@@ -1867,7 +1872,7 @@
           <p:cNvPr id="9" name="Slide Number Placeholder 8">
             <a:extLst>
               <a:ext uri="{FF2B5EF4-FFF2-40B4-BE49-F238E27FC236}">
-                <a16:creationId xmlns="" xmlns:a16="http://schemas.microsoft.com/office/drawing/2014/main" id="{0D5EE82F-A90B-491E-B122-B57E32B8D7EF}"/>
+                <a16:creationId xmlns:a16="http://schemas.microsoft.com/office/drawing/2014/main" xmlns="" id="{0D5EE82F-A90B-491E-B122-B57E32B8D7EF}"/>
               </a:ext>
             </a:extLst>
           </p:cNvPr>
@@ -1926,7 +1931,7 @@
           <p:cNvPr id="2" name="Title 1">
             <a:extLst>
               <a:ext uri="{FF2B5EF4-FFF2-40B4-BE49-F238E27FC236}">
-                <a16:creationId xmlns="" xmlns:a16="http://schemas.microsoft.com/office/drawing/2014/main" id="{B51E28B3-BC3E-46E9-A58D-09F613B1B889}"/>
+                <a16:creationId xmlns:a16="http://schemas.microsoft.com/office/drawing/2014/main" xmlns="" id="{B51E28B3-BC3E-46E9-A58D-09F613B1B889}"/>
               </a:ext>
             </a:extLst>
           </p:cNvPr>
@@ -1955,7 +1960,7 @@
           <p:cNvPr id="3" name="Date Placeholder 2">
             <a:extLst>
               <a:ext uri="{FF2B5EF4-FFF2-40B4-BE49-F238E27FC236}">
-                <a16:creationId xmlns="" xmlns:a16="http://schemas.microsoft.com/office/drawing/2014/main" id="{2F3181C9-D3CC-4858-AFD6-432E6825C8B7}"/>
+                <a16:creationId xmlns:a16="http://schemas.microsoft.com/office/drawing/2014/main" xmlns="" id="{2F3181C9-D3CC-4858-AFD6-432E6825C8B7}"/>
               </a:ext>
             </a:extLst>
           </p:cNvPr>
@@ -1973,7 +1978,7 @@
           <a:p>
             <a:fld id="{28CEC29F-4B23-4B58-A511-B488B9A97879}" type="datetimeFigureOut">
               <a:rPr lang="zh-CN" altLang="en-US" smtClean="0"/>
-              <a:t>2017/7/24</a:t>
+              <a:t>2017/7/27</a:t>
             </a:fld>
             <a:endParaRPr lang="zh-CN" altLang="en-US"/>
           </a:p>
@@ -1984,7 +1989,7 @@
           <p:cNvPr id="4" name="Footer Placeholder 3">
             <a:extLst>
               <a:ext uri="{FF2B5EF4-FFF2-40B4-BE49-F238E27FC236}">
-                <a16:creationId xmlns="" xmlns:a16="http://schemas.microsoft.com/office/drawing/2014/main" id="{57F4266B-084A-477B-A7E2-13DCF8B7F104}"/>
+                <a16:creationId xmlns:a16="http://schemas.microsoft.com/office/drawing/2014/main" xmlns="" id="{57F4266B-084A-477B-A7E2-13DCF8B7F104}"/>
               </a:ext>
             </a:extLst>
           </p:cNvPr>
@@ -2009,7 +2014,7 @@
           <p:cNvPr id="5" name="Slide Number Placeholder 4">
             <a:extLst>
               <a:ext uri="{FF2B5EF4-FFF2-40B4-BE49-F238E27FC236}">
-                <a16:creationId xmlns="" xmlns:a16="http://schemas.microsoft.com/office/drawing/2014/main" id="{1DDB911C-24AF-4C68-8FE7-1792C03B83AA}"/>
+                <a16:creationId xmlns:a16="http://schemas.microsoft.com/office/drawing/2014/main" xmlns="" id="{1DDB911C-24AF-4C68-8FE7-1792C03B83AA}"/>
               </a:ext>
             </a:extLst>
           </p:cNvPr>
@@ -2068,7 +2073,7 @@
           <p:cNvPr id="2" name="Date Placeholder 1">
             <a:extLst>
               <a:ext uri="{FF2B5EF4-FFF2-40B4-BE49-F238E27FC236}">
-                <a16:creationId xmlns="" xmlns:a16="http://schemas.microsoft.com/office/drawing/2014/main" id="{A18EF031-625B-498D-B8D4-242062790169}"/>
+                <a16:creationId xmlns:a16="http://schemas.microsoft.com/office/drawing/2014/main" xmlns="" id="{A18EF031-625B-498D-B8D4-242062790169}"/>
               </a:ext>
             </a:extLst>
           </p:cNvPr>
@@ -2086,7 +2091,7 @@
           <a:p>
             <a:fld id="{28CEC29F-4B23-4B58-A511-B488B9A97879}" type="datetimeFigureOut">
               <a:rPr lang="zh-CN" altLang="en-US" smtClean="0"/>
-              <a:t>2017/7/24</a:t>
+              <a:t>2017/7/27</a:t>
             </a:fld>
             <a:endParaRPr lang="zh-CN" altLang="en-US"/>
           </a:p>
@@ -2097,7 +2102,7 @@
           <p:cNvPr id="3" name="Footer Placeholder 2">
             <a:extLst>
               <a:ext uri="{FF2B5EF4-FFF2-40B4-BE49-F238E27FC236}">
-                <a16:creationId xmlns="" xmlns:a16="http://schemas.microsoft.com/office/drawing/2014/main" id="{3EAF3BB1-84A7-4F0C-B50D-FC13C4E7D915}"/>
+                <a16:creationId xmlns:a16="http://schemas.microsoft.com/office/drawing/2014/main" xmlns="" id="{3EAF3BB1-84A7-4F0C-B50D-FC13C4E7D915}"/>
               </a:ext>
             </a:extLst>
           </p:cNvPr>
@@ -2122,7 +2127,7 @@
           <p:cNvPr id="4" name="Slide Number Placeholder 3">
             <a:extLst>
               <a:ext uri="{FF2B5EF4-FFF2-40B4-BE49-F238E27FC236}">
-                <a16:creationId xmlns="" xmlns:a16="http://schemas.microsoft.com/office/drawing/2014/main" id="{18AB711B-8084-47FD-9F26-E0CF9F5DC2F0}"/>
+                <a16:creationId xmlns:a16="http://schemas.microsoft.com/office/drawing/2014/main" xmlns="" id="{18AB711B-8084-47FD-9F26-E0CF9F5DC2F0}"/>
               </a:ext>
             </a:extLst>
           </p:cNvPr>
@@ -2181,7 +2186,7 @@
           <p:cNvPr id="2" name="Title 1">
             <a:extLst>
               <a:ext uri="{FF2B5EF4-FFF2-40B4-BE49-F238E27FC236}">
-                <a16:creationId xmlns="" xmlns:a16="http://schemas.microsoft.com/office/drawing/2014/main" id="{79C16187-5F6E-48F4-B590-D577FE88F923}"/>
+                <a16:creationId xmlns:a16="http://schemas.microsoft.com/office/drawing/2014/main" xmlns="" id="{79C16187-5F6E-48F4-B590-D577FE88F923}"/>
               </a:ext>
             </a:extLst>
           </p:cNvPr>
@@ -2219,7 +2224,7 @@
           <p:cNvPr id="3" name="Content Placeholder 2">
             <a:extLst>
               <a:ext uri="{FF2B5EF4-FFF2-40B4-BE49-F238E27FC236}">
-                <a16:creationId xmlns="" xmlns:a16="http://schemas.microsoft.com/office/drawing/2014/main" id="{2BE10C2D-53F1-449A-9835-541780F73B08}"/>
+                <a16:creationId xmlns:a16="http://schemas.microsoft.com/office/drawing/2014/main" xmlns="" id="{2BE10C2D-53F1-449A-9835-541780F73B08}"/>
               </a:ext>
             </a:extLst>
           </p:cNvPr>
@@ -2310,7 +2315,7 @@
           <p:cNvPr id="4" name="Text Placeholder 3">
             <a:extLst>
               <a:ext uri="{FF2B5EF4-FFF2-40B4-BE49-F238E27FC236}">
-                <a16:creationId xmlns="" xmlns:a16="http://schemas.microsoft.com/office/drawing/2014/main" id="{B3019F80-3DE6-4987-889E-21F002ADE6E3}"/>
+                <a16:creationId xmlns:a16="http://schemas.microsoft.com/office/drawing/2014/main" xmlns="" id="{B3019F80-3DE6-4987-889E-21F002ADE6E3}"/>
               </a:ext>
             </a:extLst>
           </p:cNvPr>
@@ -2381,7 +2386,7 @@
           <p:cNvPr id="5" name="Date Placeholder 4">
             <a:extLst>
               <a:ext uri="{FF2B5EF4-FFF2-40B4-BE49-F238E27FC236}">
-                <a16:creationId xmlns="" xmlns:a16="http://schemas.microsoft.com/office/drawing/2014/main" id="{EA6C3599-3C8D-48AB-B3C7-7E74004E6E22}"/>
+                <a16:creationId xmlns:a16="http://schemas.microsoft.com/office/drawing/2014/main" xmlns="" id="{EA6C3599-3C8D-48AB-B3C7-7E74004E6E22}"/>
               </a:ext>
             </a:extLst>
           </p:cNvPr>
@@ -2399,7 +2404,7 @@
           <a:p>
             <a:fld id="{28CEC29F-4B23-4B58-A511-B488B9A97879}" type="datetimeFigureOut">
               <a:rPr lang="zh-CN" altLang="en-US" smtClean="0"/>
-              <a:t>2017/7/24</a:t>
+              <a:t>2017/7/27</a:t>
             </a:fld>
             <a:endParaRPr lang="zh-CN" altLang="en-US"/>
           </a:p>
@@ -2410,7 +2415,7 @@
           <p:cNvPr id="6" name="Footer Placeholder 5">
             <a:extLst>
               <a:ext uri="{FF2B5EF4-FFF2-40B4-BE49-F238E27FC236}">
-                <a16:creationId xmlns="" xmlns:a16="http://schemas.microsoft.com/office/drawing/2014/main" id="{3C617F1B-ACAB-4A10-9B6B-746B956BDC2B}"/>
+                <a16:creationId xmlns:a16="http://schemas.microsoft.com/office/drawing/2014/main" xmlns="" id="{3C617F1B-ACAB-4A10-9B6B-746B956BDC2B}"/>
               </a:ext>
             </a:extLst>
           </p:cNvPr>
@@ -2435,7 +2440,7 @@
           <p:cNvPr id="7" name="Slide Number Placeholder 6">
             <a:extLst>
               <a:ext uri="{FF2B5EF4-FFF2-40B4-BE49-F238E27FC236}">
-                <a16:creationId xmlns="" xmlns:a16="http://schemas.microsoft.com/office/drawing/2014/main" id="{9503C266-CF03-4ECD-AD20-8126374375E8}"/>
+                <a16:creationId xmlns:a16="http://schemas.microsoft.com/office/drawing/2014/main" xmlns="" id="{9503C266-CF03-4ECD-AD20-8126374375E8}"/>
               </a:ext>
             </a:extLst>
           </p:cNvPr>
@@ -2494,7 +2499,7 @@
           <p:cNvPr id="2" name="Title 1">
             <a:extLst>
               <a:ext uri="{FF2B5EF4-FFF2-40B4-BE49-F238E27FC236}">
-                <a16:creationId xmlns="" xmlns:a16="http://schemas.microsoft.com/office/drawing/2014/main" id="{4DCB0060-CA18-49B0-A373-386C29015D97}"/>
+                <a16:creationId xmlns:a16="http://schemas.microsoft.com/office/drawing/2014/main" xmlns="" id="{4DCB0060-CA18-49B0-A373-386C29015D97}"/>
               </a:ext>
             </a:extLst>
           </p:cNvPr>
@@ -2532,7 +2537,7 @@
           <p:cNvPr id="3" name="Picture Placeholder 2">
             <a:extLst>
               <a:ext uri="{FF2B5EF4-FFF2-40B4-BE49-F238E27FC236}">
-                <a16:creationId xmlns="" xmlns:a16="http://schemas.microsoft.com/office/drawing/2014/main" id="{33966810-DEEC-4E4C-A2BA-04EAAC133F1B}"/>
+                <a16:creationId xmlns:a16="http://schemas.microsoft.com/office/drawing/2014/main" xmlns="" id="{33966810-DEEC-4E4C-A2BA-04EAAC133F1B}"/>
               </a:ext>
             </a:extLst>
           </p:cNvPr>
@@ -2599,7 +2604,7 @@
           <p:cNvPr id="4" name="Text Placeholder 3">
             <a:extLst>
               <a:ext uri="{FF2B5EF4-FFF2-40B4-BE49-F238E27FC236}">
-                <a16:creationId xmlns="" xmlns:a16="http://schemas.microsoft.com/office/drawing/2014/main" id="{58D35E9D-D682-4F66-91F4-B5B96D8E4284}"/>
+                <a16:creationId xmlns:a16="http://schemas.microsoft.com/office/drawing/2014/main" xmlns="" id="{58D35E9D-D682-4F66-91F4-B5B96D8E4284}"/>
               </a:ext>
             </a:extLst>
           </p:cNvPr>
@@ -2670,7 +2675,7 @@
           <p:cNvPr id="5" name="Date Placeholder 4">
             <a:extLst>
               <a:ext uri="{FF2B5EF4-FFF2-40B4-BE49-F238E27FC236}">
-                <a16:creationId xmlns="" xmlns:a16="http://schemas.microsoft.com/office/drawing/2014/main" id="{EDB7CFBE-6EBD-4530-AFB3-B3DF2998E61B}"/>
+                <a16:creationId xmlns:a16="http://schemas.microsoft.com/office/drawing/2014/main" xmlns="" id="{EDB7CFBE-6EBD-4530-AFB3-B3DF2998E61B}"/>
               </a:ext>
             </a:extLst>
           </p:cNvPr>
@@ -2688,7 +2693,7 @@
           <a:p>
             <a:fld id="{28CEC29F-4B23-4B58-A511-B488B9A97879}" type="datetimeFigureOut">
               <a:rPr lang="zh-CN" altLang="en-US" smtClean="0"/>
-              <a:t>2017/7/24</a:t>
+              <a:t>2017/7/27</a:t>
             </a:fld>
             <a:endParaRPr lang="zh-CN" altLang="en-US"/>
           </a:p>
@@ -2699,7 +2704,7 @@
           <p:cNvPr id="6" name="Footer Placeholder 5">
             <a:extLst>
               <a:ext uri="{FF2B5EF4-FFF2-40B4-BE49-F238E27FC236}">
-                <a16:creationId xmlns="" xmlns:a16="http://schemas.microsoft.com/office/drawing/2014/main" id="{632A8B2F-2D6F-4AA1-BF43-E613C5A15C4B}"/>
+                <a16:creationId xmlns:a16="http://schemas.microsoft.com/office/drawing/2014/main" xmlns="" id="{632A8B2F-2D6F-4AA1-BF43-E613C5A15C4B}"/>
               </a:ext>
             </a:extLst>
           </p:cNvPr>
@@ -2724,7 +2729,7 @@
           <p:cNvPr id="7" name="Slide Number Placeholder 6">
             <a:extLst>
               <a:ext uri="{FF2B5EF4-FFF2-40B4-BE49-F238E27FC236}">
-                <a16:creationId xmlns="" xmlns:a16="http://schemas.microsoft.com/office/drawing/2014/main" id="{19A9C0F2-6FD7-41DF-8B45-BF65BFC8B829}"/>
+                <a16:creationId xmlns:a16="http://schemas.microsoft.com/office/drawing/2014/main" xmlns="" id="{19A9C0F2-6FD7-41DF-8B45-BF65BFC8B829}"/>
               </a:ext>
             </a:extLst>
           </p:cNvPr>
@@ -2791,7 +2796,7 @@
           <p:cNvPr id="2" name="Title Placeholder 1">
             <a:extLst>
               <a:ext uri="{FF2B5EF4-FFF2-40B4-BE49-F238E27FC236}">
-                <a16:creationId xmlns="" xmlns:a16="http://schemas.microsoft.com/office/drawing/2014/main" id="{ADE0F7D7-6830-466A-A518-C8756616D96E}"/>
+                <a16:creationId xmlns:a16="http://schemas.microsoft.com/office/drawing/2014/main" xmlns="" id="{ADE0F7D7-6830-466A-A518-C8756616D96E}"/>
               </a:ext>
             </a:extLst>
           </p:cNvPr>
@@ -2830,7 +2835,7 @@
           <p:cNvPr id="3" name="Text Placeholder 2">
             <a:extLst>
               <a:ext uri="{FF2B5EF4-FFF2-40B4-BE49-F238E27FC236}">
-                <a16:creationId xmlns="" xmlns:a16="http://schemas.microsoft.com/office/drawing/2014/main" id="{590EFAC6-59A7-46E4-B345-2E5B3E1ECFD0}"/>
+                <a16:creationId xmlns:a16="http://schemas.microsoft.com/office/drawing/2014/main" xmlns="" id="{590EFAC6-59A7-46E4-B345-2E5B3E1ECFD0}"/>
               </a:ext>
             </a:extLst>
           </p:cNvPr>
@@ -2898,7 +2903,7 @@
           <p:cNvPr id="4" name="Date Placeholder 3">
             <a:extLst>
               <a:ext uri="{FF2B5EF4-FFF2-40B4-BE49-F238E27FC236}">
-                <a16:creationId xmlns="" xmlns:a16="http://schemas.microsoft.com/office/drawing/2014/main" id="{3E48ED92-83DD-4CCB-9DD1-05EC20BA5F3D}"/>
+                <a16:creationId xmlns:a16="http://schemas.microsoft.com/office/drawing/2014/main" xmlns="" id="{3E48ED92-83DD-4CCB-9DD1-05EC20BA5F3D}"/>
               </a:ext>
             </a:extLst>
           </p:cNvPr>
@@ -2934,7 +2939,7 @@
           <a:p>
             <a:fld id="{28CEC29F-4B23-4B58-A511-B488B9A97879}" type="datetimeFigureOut">
               <a:rPr lang="zh-CN" altLang="en-US" smtClean="0"/>
-              <a:t>2017/7/24</a:t>
+              <a:t>2017/7/27</a:t>
             </a:fld>
             <a:endParaRPr lang="zh-CN" altLang="en-US"/>
           </a:p>
@@ -2945,7 +2950,7 @@
           <p:cNvPr id="5" name="Footer Placeholder 4">
             <a:extLst>
               <a:ext uri="{FF2B5EF4-FFF2-40B4-BE49-F238E27FC236}">
-                <a16:creationId xmlns="" xmlns:a16="http://schemas.microsoft.com/office/drawing/2014/main" id="{E6DA5770-D0E8-4987-9A7C-808B0AE49C76}"/>
+                <a16:creationId xmlns:a16="http://schemas.microsoft.com/office/drawing/2014/main" xmlns="" id="{E6DA5770-D0E8-4987-9A7C-808B0AE49C76}"/>
               </a:ext>
             </a:extLst>
           </p:cNvPr>
@@ -2988,7 +2993,7 @@
           <p:cNvPr id="6" name="Slide Number Placeholder 5">
             <a:extLst>
               <a:ext uri="{FF2B5EF4-FFF2-40B4-BE49-F238E27FC236}">
-                <a16:creationId xmlns="" xmlns:a16="http://schemas.microsoft.com/office/drawing/2014/main" id="{23B941C0-5A80-4820-8DEC-2B85AC8D6556}"/>
+                <a16:creationId xmlns:a16="http://schemas.microsoft.com/office/drawing/2014/main" xmlns="" id="{23B941C0-5A80-4820-8DEC-2B85AC8D6556}"/>
               </a:ext>
             </a:extLst>
           </p:cNvPr>
@@ -3356,7 +3361,7 @@
           <p:cNvPr id="2" name="Title 1">
             <a:extLst>
               <a:ext uri="{FF2B5EF4-FFF2-40B4-BE49-F238E27FC236}">
-                <a16:creationId xmlns="" xmlns:a16="http://schemas.microsoft.com/office/drawing/2014/main" id="{ADDC5375-CE02-4A6D-BDEB-689CA3A31589}"/>
+                <a16:creationId xmlns:a16="http://schemas.microsoft.com/office/drawing/2014/main" xmlns="" id="{ADDC5375-CE02-4A6D-BDEB-689CA3A31589}"/>
               </a:ext>
             </a:extLst>
           </p:cNvPr>
@@ -3420,7 +3425,7 @@
           <p:cNvPr id="3" name="Subtitle 2">
             <a:extLst>
               <a:ext uri="{FF2B5EF4-FFF2-40B4-BE49-F238E27FC236}">
-                <a16:creationId xmlns="" xmlns:a16="http://schemas.microsoft.com/office/drawing/2014/main" id="{3966C0AA-F93A-490B-AE55-FFB8DD74C254}"/>
+                <a16:creationId xmlns:a16="http://schemas.microsoft.com/office/drawing/2014/main" xmlns="" id="{3966C0AA-F93A-490B-AE55-FFB8DD74C254}"/>
               </a:ext>
             </a:extLst>
           </p:cNvPr>
@@ -3475,7 +3480,7 @@
           <p:cNvPr id="4" name="Rectangle: Rounded Corners 3">
             <a:extLst>
               <a:ext uri="{FF2B5EF4-FFF2-40B4-BE49-F238E27FC236}">
-                <a16:creationId xmlns="" xmlns:a16="http://schemas.microsoft.com/office/drawing/2014/main" id="{7AE6D3E8-429A-4DBC-8186-66C97006A05C}"/>
+                <a16:creationId xmlns:a16="http://schemas.microsoft.com/office/drawing/2014/main" xmlns="" id="{7AE6D3E8-429A-4DBC-8186-66C97006A05C}"/>
               </a:ext>
             </a:extLst>
           </p:cNvPr>
@@ -3537,7 +3542,7 @@
           <p:cNvPr id="5" name="Rectangle: Rounded Corners 4">
             <a:extLst>
               <a:ext uri="{FF2B5EF4-FFF2-40B4-BE49-F238E27FC236}">
-                <a16:creationId xmlns="" xmlns:a16="http://schemas.microsoft.com/office/drawing/2014/main" id="{1C29E29A-B106-4624-8F79-E2513BCDB066}"/>
+                <a16:creationId xmlns:a16="http://schemas.microsoft.com/office/drawing/2014/main" xmlns="" id="{1C29E29A-B106-4624-8F79-E2513BCDB066}"/>
               </a:ext>
             </a:extLst>
           </p:cNvPr>
@@ -3599,7 +3604,7 @@
           <p:cNvPr id="8" name="Straight Connector 7">
             <a:extLst>
               <a:ext uri="{FF2B5EF4-FFF2-40B4-BE49-F238E27FC236}">
-                <a16:creationId xmlns="" xmlns:a16="http://schemas.microsoft.com/office/drawing/2014/main" id="{8AB7AB37-5E71-4790-9163-6E2D8F06C5D2}"/>
+                <a16:creationId xmlns:a16="http://schemas.microsoft.com/office/drawing/2014/main" xmlns="" id="{8AB7AB37-5E71-4790-9163-6E2D8F06C5D2}"/>
               </a:ext>
             </a:extLst>
           </p:cNvPr>
@@ -3646,7 +3651,7 @@
           <p:cNvPr id="9" name="Rectangle: Rounded Corners 8">
             <a:extLst>
               <a:ext uri="{FF2B5EF4-FFF2-40B4-BE49-F238E27FC236}">
-                <a16:creationId xmlns="" xmlns:a16="http://schemas.microsoft.com/office/drawing/2014/main" id="{34D76A11-4FE5-4354-AC0D-0B4C5928A35D}"/>
+                <a16:creationId xmlns:a16="http://schemas.microsoft.com/office/drawing/2014/main" xmlns="" id="{34D76A11-4FE5-4354-AC0D-0B4C5928A35D}"/>
               </a:ext>
             </a:extLst>
           </p:cNvPr>
@@ -3714,7 +3719,7 @@
           <p:cNvPr id="11" name="Title 1">
             <a:extLst>
               <a:ext uri="{FF2B5EF4-FFF2-40B4-BE49-F238E27FC236}">
-                <a16:creationId xmlns="" xmlns:a16="http://schemas.microsoft.com/office/drawing/2014/main" id="{19349C77-5D66-4769-8D49-C3950C04267F}"/>
+                <a16:creationId xmlns:a16="http://schemas.microsoft.com/office/drawing/2014/main" xmlns="" id="{19349C77-5D66-4769-8D49-C3950C04267F}"/>
               </a:ext>
             </a:extLst>
           </p:cNvPr>
@@ -3782,7 +3787,7 @@
           <p:cNvPr id="13" name="Rectangle: Rounded Corners 12">
             <a:extLst>
               <a:ext uri="{FF2B5EF4-FFF2-40B4-BE49-F238E27FC236}">
-                <a16:creationId xmlns="" xmlns:a16="http://schemas.microsoft.com/office/drawing/2014/main" id="{A4384464-3997-4DC6-B88B-C88D7ECD0F93}"/>
+                <a16:creationId xmlns:a16="http://schemas.microsoft.com/office/drawing/2014/main" xmlns="" id="{A4384464-3997-4DC6-B88B-C88D7ECD0F93}"/>
               </a:ext>
             </a:extLst>
           </p:cNvPr>
@@ -3844,7 +3849,7 @@
           <p:cNvPr id="14" name="Rectangle: Rounded Corners 13">
             <a:extLst>
               <a:ext uri="{FF2B5EF4-FFF2-40B4-BE49-F238E27FC236}">
-                <a16:creationId xmlns="" xmlns:a16="http://schemas.microsoft.com/office/drawing/2014/main" id="{5AB64382-4D54-4A20-985E-F85D6B4A85F3}"/>
+                <a16:creationId xmlns:a16="http://schemas.microsoft.com/office/drawing/2014/main" xmlns="" id="{5AB64382-4D54-4A20-985E-F85D6B4A85F3}"/>
               </a:ext>
             </a:extLst>
           </p:cNvPr>
@@ -3907,7 +3912,7 @@
           <p:cNvPr id="15" name="Rectangle: Rounded Corners 14">
             <a:extLst>
               <a:ext uri="{FF2B5EF4-FFF2-40B4-BE49-F238E27FC236}">
-                <a16:creationId xmlns="" xmlns:a16="http://schemas.microsoft.com/office/drawing/2014/main" id="{955330A8-4B39-4E27-9FE5-32642B1CCDDB}"/>
+                <a16:creationId xmlns:a16="http://schemas.microsoft.com/office/drawing/2014/main" xmlns="" id="{955330A8-4B39-4E27-9FE5-32642B1CCDDB}"/>
               </a:ext>
             </a:extLst>
           </p:cNvPr>
@@ -3969,7 +3974,7 @@
           <p:cNvPr id="18" name="Straight Connector 17">
             <a:extLst>
               <a:ext uri="{FF2B5EF4-FFF2-40B4-BE49-F238E27FC236}">
-                <a16:creationId xmlns="" xmlns:a16="http://schemas.microsoft.com/office/drawing/2014/main" id="{EA42D686-110F-4639-A0AB-2E0A96A5365C}"/>
+                <a16:creationId xmlns:a16="http://schemas.microsoft.com/office/drawing/2014/main" xmlns="" id="{EA42D686-110F-4639-A0AB-2E0A96A5365C}"/>
               </a:ext>
             </a:extLst>
           </p:cNvPr>
@@ -4016,7 +4021,7 @@
           <p:cNvPr id="20" name="Title 1">
             <a:extLst>
               <a:ext uri="{FF2B5EF4-FFF2-40B4-BE49-F238E27FC236}">
-                <a16:creationId xmlns="" xmlns:a16="http://schemas.microsoft.com/office/drawing/2014/main" id="{2C468AAE-A447-49A8-8C28-230BDAE26D13}"/>
+                <a16:creationId xmlns:a16="http://schemas.microsoft.com/office/drawing/2014/main" xmlns="" id="{2C468AAE-A447-49A8-8C28-230BDAE26D13}"/>
               </a:ext>
             </a:extLst>
           </p:cNvPr>
@@ -4100,7 +4105,7 @@
           <p:cNvPr id="23" name="Straight Connector 22">
             <a:extLst>
               <a:ext uri="{FF2B5EF4-FFF2-40B4-BE49-F238E27FC236}">
-                <a16:creationId xmlns="" xmlns:a16="http://schemas.microsoft.com/office/drawing/2014/main" id="{7E10A8ED-5CF3-44AA-93B0-6083B56F5BCE}"/>
+                <a16:creationId xmlns:a16="http://schemas.microsoft.com/office/drawing/2014/main" xmlns="" id="{7E10A8ED-5CF3-44AA-93B0-6083B56F5BCE}"/>
               </a:ext>
             </a:extLst>
           </p:cNvPr>
@@ -4147,7 +4152,7 @@
           <p:cNvPr id="25" name="Title 1">
             <a:extLst>
               <a:ext uri="{FF2B5EF4-FFF2-40B4-BE49-F238E27FC236}">
-                <a16:creationId xmlns="" xmlns:a16="http://schemas.microsoft.com/office/drawing/2014/main" id="{110E16D8-6FC5-4D1B-B102-30F7497A62EE}"/>
+                <a16:creationId xmlns:a16="http://schemas.microsoft.com/office/drawing/2014/main" xmlns="" id="{110E16D8-6FC5-4D1B-B102-30F7497A62EE}"/>
               </a:ext>
             </a:extLst>
           </p:cNvPr>
@@ -4227,7 +4232,7 @@
           <p:cNvPr id="42" name="Straight Connector 41">
             <a:extLst>
               <a:ext uri="{FF2B5EF4-FFF2-40B4-BE49-F238E27FC236}">
-                <a16:creationId xmlns="" xmlns:a16="http://schemas.microsoft.com/office/drawing/2014/main" id="{3375B066-8289-4792-B281-6D9D7ACE5F6D}"/>
+                <a16:creationId xmlns:a16="http://schemas.microsoft.com/office/drawing/2014/main" xmlns="" id="{3375B066-8289-4792-B281-6D9D7ACE5F6D}"/>
               </a:ext>
             </a:extLst>
           </p:cNvPr>
@@ -4274,7 +4279,7 @@
           <p:cNvPr id="46" name="Straight Connector 45">
             <a:extLst>
               <a:ext uri="{FF2B5EF4-FFF2-40B4-BE49-F238E27FC236}">
-                <a16:creationId xmlns="" xmlns:a16="http://schemas.microsoft.com/office/drawing/2014/main" id="{D223C2CE-78B5-4C3C-86AD-E0953AD4A1AD}"/>
+                <a16:creationId xmlns:a16="http://schemas.microsoft.com/office/drawing/2014/main" xmlns="" id="{D223C2CE-78B5-4C3C-86AD-E0953AD4A1AD}"/>
               </a:ext>
             </a:extLst>
           </p:cNvPr>
@@ -4321,7 +4326,7 @@
           <p:cNvPr id="62" name="Rectangle: Rounded Corners 61">
             <a:extLst>
               <a:ext uri="{FF2B5EF4-FFF2-40B4-BE49-F238E27FC236}">
-                <a16:creationId xmlns="" xmlns:a16="http://schemas.microsoft.com/office/drawing/2014/main" id="{E3D4FE25-5F4C-4FF5-A3AB-5D9E0304B0EB}"/>
+                <a16:creationId xmlns:a16="http://schemas.microsoft.com/office/drawing/2014/main" xmlns="" id="{E3D4FE25-5F4C-4FF5-A3AB-5D9E0304B0EB}"/>
               </a:ext>
             </a:extLst>
           </p:cNvPr>
@@ -4383,7 +4388,7 @@
           <p:cNvPr id="63" name="Straight Connector 62">
             <a:extLst>
               <a:ext uri="{FF2B5EF4-FFF2-40B4-BE49-F238E27FC236}">
-                <a16:creationId xmlns="" xmlns:a16="http://schemas.microsoft.com/office/drawing/2014/main" id="{B0BFD3EA-DDF7-4CA9-8296-3A4C72115579}"/>
+                <a16:creationId xmlns:a16="http://schemas.microsoft.com/office/drawing/2014/main" xmlns="" id="{B0BFD3EA-DDF7-4CA9-8296-3A4C72115579}"/>
               </a:ext>
             </a:extLst>
           </p:cNvPr>
@@ -4460,7 +4465,7 @@
           <p:cNvPr id="4" name="Rectangle: Rounded Corners 3">
             <a:extLst>
               <a:ext uri="{FF2B5EF4-FFF2-40B4-BE49-F238E27FC236}">
-                <a16:creationId xmlns="" xmlns:a16="http://schemas.microsoft.com/office/drawing/2014/main" id="{7AE6D3E8-429A-4DBC-8186-66C97006A05C}"/>
+                <a16:creationId xmlns:a16="http://schemas.microsoft.com/office/drawing/2014/main" xmlns="" id="{7AE6D3E8-429A-4DBC-8186-66C97006A05C}"/>
               </a:ext>
             </a:extLst>
           </p:cNvPr>
@@ -4528,7 +4533,7 @@
           <p:cNvPr id="5" name="Straight Connector 4">
             <a:extLst>
               <a:ext uri="{FF2B5EF4-FFF2-40B4-BE49-F238E27FC236}">
-                <a16:creationId xmlns="" xmlns:a16="http://schemas.microsoft.com/office/drawing/2014/main" id="{8AB7AB37-5E71-4790-9163-6E2D8F06C5D2}"/>
+                <a16:creationId xmlns:a16="http://schemas.microsoft.com/office/drawing/2014/main" xmlns="" id="{8AB7AB37-5E71-4790-9163-6E2D8F06C5D2}"/>
               </a:ext>
             </a:extLst>
           </p:cNvPr>
@@ -4615,7 +4620,7 @@
           <p:cNvPr id="9" name="Straight Connector 8">
             <a:extLst>
               <a:ext uri="{FF2B5EF4-FFF2-40B4-BE49-F238E27FC236}">
-                <a16:creationId xmlns="" xmlns:a16="http://schemas.microsoft.com/office/drawing/2014/main" id="{8AB7AB37-5E71-4790-9163-6E2D8F06C5D2}"/>
+                <a16:creationId xmlns:a16="http://schemas.microsoft.com/office/drawing/2014/main" xmlns="" id="{8AB7AB37-5E71-4790-9163-6E2D8F06C5D2}"/>
               </a:ext>
             </a:extLst>
           </p:cNvPr>
@@ -4661,7 +4666,7 @@
           <p:cNvPr id="11" name="Straight Connector 10">
             <a:extLst>
               <a:ext uri="{FF2B5EF4-FFF2-40B4-BE49-F238E27FC236}">
-                <a16:creationId xmlns="" xmlns:a16="http://schemas.microsoft.com/office/drawing/2014/main" id="{8AB7AB37-5E71-4790-9163-6E2D8F06C5D2}"/>
+                <a16:creationId xmlns:a16="http://schemas.microsoft.com/office/drawing/2014/main" xmlns="" id="{8AB7AB37-5E71-4790-9163-6E2D8F06C5D2}"/>
               </a:ext>
             </a:extLst>
           </p:cNvPr>
@@ -4707,7 +4712,7 @@
           <p:cNvPr id="14" name="Rectangle: Rounded Corners 3">
             <a:extLst>
               <a:ext uri="{FF2B5EF4-FFF2-40B4-BE49-F238E27FC236}">
-                <a16:creationId xmlns="" xmlns:a16="http://schemas.microsoft.com/office/drawing/2014/main" id="{7AE6D3E8-429A-4DBC-8186-66C97006A05C}"/>
+                <a16:creationId xmlns:a16="http://schemas.microsoft.com/office/drawing/2014/main" xmlns="" id="{7AE6D3E8-429A-4DBC-8186-66C97006A05C}"/>
               </a:ext>
             </a:extLst>
           </p:cNvPr>
@@ -4769,7 +4774,7 @@
           <p:cNvPr id="15" name="Rectangle: Rounded Corners 3">
             <a:extLst>
               <a:ext uri="{FF2B5EF4-FFF2-40B4-BE49-F238E27FC236}">
-                <a16:creationId xmlns="" xmlns:a16="http://schemas.microsoft.com/office/drawing/2014/main" id="{7AE6D3E8-429A-4DBC-8186-66C97006A05C}"/>
+                <a16:creationId xmlns:a16="http://schemas.microsoft.com/office/drawing/2014/main" xmlns="" id="{7AE6D3E8-429A-4DBC-8186-66C97006A05C}"/>
               </a:ext>
             </a:extLst>
           </p:cNvPr>
@@ -4831,7 +4836,7 @@
           <p:cNvPr id="16" name="Rectangle: Rounded Corners 3">
             <a:extLst>
               <a:ext uri="{FF2B5EF4-FFF2-40B4-BE49-F238E27FC236}">
-                <a16:creationId xmlns="" xmlns:a16="http://schemas.microsoft.com/office/drawing/2014/main" id="{7AE6D3E8-429A-4DBC-8186-66C97006A05C}"/>
+                <a16:creationId xmlns:a16="http://schemas.microsoft.com/office/drawing/2014/main" xmlns="" id="{7AE6D3E8-429A-4DBC-8186-66C97006A05C}"/>
               </a:ext>
             </a:extLst>
           </p:cNvPr>
@@ -4893,7 +4898,7 @@
           <p:cNvPr id="17" name="Rectangle: Rounded Corners 3">
             <a:extLst>
               <a:ext uri="{FF2B5EF4-FFF2-40B4-BE49-F238E27FC236}">
-                <a16:creationId xmlns="" xmlns:a16="http://schemas.microsoft.com/office/drawing/2014/main" id="{7AE6D3E8-429A-4DBC-8186-66C97006A05C}"/>
+                <a16:creationId xmlns:a16="http://schemas.microsoft.com/office/drawing/2014/main" xmlns="" id="{7AE6D3E8-429A-4DBC-8186-66C97006A05C}"/>
               </a:ext>
             </a:extLst>
           </p:cNvPr>
@@ -4941,14 +4946,7 @@
                 <a:latin typeface="Roboto Light" panose="02000000000000000000" pitchFamily="2" charset="0"/>
                 <a:ea typeface="Roboto Light" panose="02000000000000000000" pitchFamily="2" charset="0"/>
               </a:rPr>
-              <a:t>PDF r</a:t>
-            </a:r>
-            <a:r>
-              <a:rPr lang="en-US" altLang="zh-CN" sz="1000" i="1" dirty="0" smtClean="0">
-                <a:latin typeface="Roboto Light" panose="02000000000000000000" pitchFamily="2" charset="0"/>
-                <a:ea typeface="Roboto Light" panose="02000000000000000000" pitchFamily="2" charset="0"/>
-              </a:rPr>
-              <a:t>eports, excel sheets, maps, etc.</a:t>
+              <a:t>PDF reports, excel sheets, maps, etc.</a:t>
             </a:r>
             <a:endParaRPr lang="zh-CN" altLang="en-US" sz="1000" i="1" dirty="0">
               <a:latin typeface="Roboto Light" panose="02000000000000000000" pitchFamily="2" charset="0"/>
@@ -4962,7 +4960,7 @@
           <p:cNvPr id="18" name="Rectangle: Rounded Corners 3">
             <a:extLst>
               <a:ext uri="{FF2B5EF4-FFF2-40B4-BE49-F238E27FC236}">
-                <a16:creationId xmlns="" xmlns:a16="http://schemas.microsoft.com/office/drawing/2014/main" id="{7AE6D3E8-429A-4DBC-8186-66C97006A05C}"/>
+                <a16:creationId xmlns:a16="http://schemas.microsoft.com/office/drawing/2014/main" xmlns="" id="{7AE6D3E8-429A-4DBC-8186-66C97006A05C}"/>
               </a:ext>
             </a:extLst>
           </p:cNvPr>
@@ -5065,7 +5063,7 @@
           <p:cNvPr id="19" name="Rectangle: Rounded Corners 3">
             <a:extLst>
               <a:ext uri="{FF2B5EF4-FFF2-40B4-BE49-F238E27FC236}">
-                <a16:creationId xmlns="" xmlns:a16="http://schemas.microsoft.com/office/drawing/2014/main" id="{7AE6D3E8-429A-4DBC-8186-66C97006A05C}"/>
+                <a16:creationId xmlns:a16="http://schemas.microsoft.com/office/drawing/2014/main" xmlns="" id="{7AE6D3E8-429A-4DBC-8186-66C97006A05C}"/>
               </a:ext>
             </a:extLst>
           </p:cNvPr>
@@ -5127,7 +5125,7 @@
           <p:cNvPr id="20" name="Straight Connector 19">
             <a:extLst>
               <a:ext uri="{FF2B5EF4-FFF2-40B4-BE49-F238E27FC236}">
-                <a16:creationId xmlns="" xmlns:a16="http://schemas.microsoft.com/office/drawing/2014/main" id="{8AB7AB37-5E71-4790-9163-6E2D8F06C5D2}"/>
+                <a16:creationId xmlns:a16="http://schemas.microsoft.com/office/drawing/2014/main" xmlns="" id="{8AB7AB37-5E71-4790-9163-6E2D8F06C5D2}"/>
               </a:ext>
             </a:extLst>
           </p:cNvPr>
@@ -5174,7 +5172,7 @@
           <p:cNvPr id="24" name="Straight Connector 23">
             <a:extLst>
               <a:ext uri="{FF2B5EF4-FFF2-40B4-BE49-F238E27FC236}">
-                <a16:creationId xmlns="" xmlns:a16="http://schemas.microsoft.com/office/drawing/2014/main" id="{8AB7AB37-5E71-4790-9163-6E2D8F06C5D2}"/>
+                <a16:creationId xmlns:a16="http://schemas.microsoft.com/office/drawing/2014/main" xmlns="" id="{8AB7AB37-5E71-4790-9163-6E2D8F06C5D2}"/>
               </a:ext>
             </a:extLst>
           </p:cNvPr>
@@ -5221,7 +5219,7 @@
           <p:cNvPr id="27" name="Straight Connector 26">
             <a:extLst>
               <a:ext uri="{FF2B5EF4-FFF2-40B4-BE49-F238E27FC236}">
-                <a16:creationId xmlns="" xmlns:a16="http://schemas.microsoft.com/office/drawing/2014/main" id="{8AB7AB37-5E71-4790-9163-6E2D8F06C5D2}"/>
+                <a16:creationId xmlns:a16="http://schemas.microsoft.com/office/drawing/2014/main" xmlns="" id="{8AB7AB37-5E71-4790-9163-6E2D8F06C5D2}"/>
               </a:ext>
             </a:extLst>
           </p:cNvPr>
@@ -5267,6 +5265,564 @@
     <p:extLst>
       <p:ext uri="{BB962C8B-B14F-4D97-AF65-F5344CB8AC3E}">
         <p14:creationId xmlns:p14="http://schemas.microsoft.com/office/powerpoint/2010/main" val="10100237"/>
+      </p:ext>
+    </p:extLst>
+  </p:cSld>
+  <p:clrMapOvr>
+    <a:masterClrMapping/>
+  </p:clrMapOvr>
+</p:sld>
+</file>
+
+<file path=ppt/slides/slide4.xml><?xml version="1.0" encoding="utf-8"?>
+<p:sld xmlns:a="http://schemas.openxmlformats.org/drawingml/2006/main" xmlns:r="http://schemas.openxmlformats.org/officeDocument/2006/relationships" xmlns:p="http://schemas.openxmlformats.org/presentationml/2006/main">
+  <p:cSld>
+    <p:spTree>
+      <p:nvGrpSpPr>
+        <p:cNvPr id="1" name=""/>
+        <p:cNvGrpSpPr/>
+        <p:nvPr/>
+      </p:nvGrpSpPr>
+      <p:grpSpPr>
+        <a:xfrm>
+          <a:off x="0" y="0"/>
+          <a:ext cx="0" cy="0"/>
+          <a:chOff x="0" y="0"/>
+          <a:chExt cx="0" cy="0"/>
+        </a:xfrm>
+      </p:grpSpPr>
+      <p:sp>
+        <p:nvSpPr>
+          <p:cNvPr id="2" name="Title 1"/>
+          <p:cNvSpPr>
+            <a:spLocks noGrp="1"/>
+          </p:cNvSpPr>
+          <p:nvPr>
+            <p:ph type="title"/>
+          </p:nvPr>
+        </p:nvSpPr>
+        <p:spPr/>
+        <p:txBody>
+          <a:bodyPr/>
+          <a:lstStyle/>
+          <a:p>
+            <a:endParaRPr lang="en-US"/>
+          </a:p>
+        </p:txBody>
+      </p:sp>
+      <p:sp>
+        <p:nvSpPr>
+          <p:cNvPr id="3" name="Content Placeholder 2"/>
+          <p:cNvSpPr>
+            <a:spLocks noGrp="1"/>
+          </p:cNvSpPr>
+          <p:nvPr>
+            <p:ph idx="1"/>
+          </p:nvPr>
+        </p:nvSpPr>
+        <p:spPr/>
+        <p:txBody>
+          <a:bodyPr/>
+          <a:lstStyle/>
+          <a:p>
+            <a:endParaRPr lang="en-US"/>
+          </a:p>
+        </p:txBody>
+      </p:sp>
+      <p:pic>
+        <p:nvPicPr>
+          <p:cNvPr id="1026" name="Picture 2" descr="C:\Users\Wenhao\Dropbox (GeoAdaptive)\2017_042_GA_DATAXLAT\2017_042_GA_DATAXLAT-GIS\WEB\JAVASCRIPT\ProjectDataX\communication\github_account_1.JPG"/>
+          <p:cNvPicPr>
+            <a:picLocks noChangeAspect="1" noChangeArrowheads="1"/>
+          </p:cNvPicPr>
+          <p:nvPr/>
+        </p:nvPicPr>
+        <p:blipFill>
+          <a:blip r:embed="rId2">
+            <a:extLst>
+              <a:ext uri="{28A0092B-C50C-407E-A947-70E740481C1C}">
+                <a14:useLocalDpi xmlns:a14="http://schemas.microsoft.com/office/drawing/2010/main" val="0"/>
+              </a:ext>
+            </a:extLst>
+          </a:blip>
+          <a:srcRect/>
+          <a:stretch>
+            <a:fillRect/>
+          </a:stretch>
+        </p:blipFill>
+        <p:spPr bwMode="auto">
+          <a:xfrm>
+            <a:off x="-11151" y="66906"/>
+            <a:ext cx="12192000" cy="6713813"/>
+          </a:xfrm>
+          <a:prstGeom prst="rect">
+            <a:avLst/>
+          </a:prstGeom>
+          <a:noFill/>
+          <a:extLst>
+            <a:ext uri="{909E8E84-426E-40DD-AFC4-6F175D3DCCD1}">
+              <a14:hiddenFill xmlns:a14="http://schemas.microsoft.com/office/drawing/2010/main">
+                <a:solidFill>
+                  <a:srgbClr val="FFFFFF"/>
+                </a:solidFill>
+              </a14:hiddenFill>
+            </a:ext>
+          </a:extLst>
+        </p:spPr>
+      </p:pic>
+    </p:spTree>
+    <p:extLst>
+      <p:ext uri="{BB962C8B-B14F-4D97-AF65-F5344CB8AC3E}">
+        <p14:creationId xmlns:p14="http://schemas.microsoft.com/office/powerpoint/2010/main" val="1836583689"/>
+      </p:ext>
+    </p:extLst>
+  </p:cSld>
+  <p:clrMapOvr>
+    <a:masterClrMapping/>
+  </p:clrMapOvr>
+</p:sld>
+</file>
+
+<file path=ppt/slides/slide5.xml><?xml version="1.0" encoding="utf-8"?>
+<p:sld xmlns:a="http://schemas.openxmlformats.org/drawingml/2006/main" xmlns:r="http://schemas.openxmlformats.org/officeDocument/2006/relationships" xmlns:p="http://schemas.openxmlformats.org/presentationml/2006/main">
+  <p:cSld>
+    <p:spTree>
+      <p:nvGrpSpPr>
+        <p:cNvPr id="1" name=""/>
+        <p:cNvGrpSpPr/>
+        <p:nvPr/>
+      </p:nvGrpSpPr>
+      <p:grpSpPr>
+        <a:xfrm>
+          <a:off x="0" y="0"/>
+          <a:ext cx="0" cy="0"/>
+          <a:chOff x="0" y="0"/>
+          <a:chExt cx="0" cy="0"/>
+        </a:xfrm>
+      </p:grpSpPr>
+      <p:sp>
+        <p:nvSpPr>
+          <p:cNvPr id="2" name="Title 1"/>
+          <p:cNvSpPr>
+            <a:spLocks noGrp="1"/>
+          </p:cNvSpPr>
+          <p:nvPr>
+            <p:ph type="title"/>
+          </p:nvPr>
+        </p:nvSpPr>
+        <p:spPr/>
+        <p:txBody>
+          <a:bodyPr/>
+          <a:lstStyle/>
+          <a:p>
+            <a:endParaRPr lang="en-US"/>
+          </a:p>
+        </p:txBody>
+      </p:sp>
+      <p:sp>
+        <p:nvSpPr>
+          <p:cNvPr id="3" name="Content Placeholder 2"/>
+          <p:cNvSpPr>
+            <a:spLocks noGrp="1"/>
+          </p:cNvSpPr>
+          <p:nvPr>
+            <p:ph idx="1"/>
+          </p:nvPr>
+        </p:nvSpPr>
+        <p:spPr/>
+        <p:txBody>
+          <a:bodyPr/>
+          <a:lstStyle/>
+          <a:p>
+            <a:endParaRPr lang="en-US"/>
+          </a:p>
+        </p:txBody>
+      </p:sp>
+      <p:pic>
+        <p:nvPicPr>
+          <p:cNvPr id="2050" name="Picture 2" descr="C:\Users\Wenhao\Dropbox (GeoAdaptive)\2017_042_GA_DATAXLAT\2017_042_GA_DATAXLAT-GIS\WEB\JAVASCRIPT\ProjectDataX\communication\github_account_2.JPG"/>
+          <p:cNvPicPr>
+            <a:picLocks noChangeAspect="1" noChangeArrowheads="1"/>
+          </p:cNvPicPr>
+          <p:nvPr/>
+        </p:nvPicPr>
+        <p:blipFill>
+          <a:blip r:embed="rId2">
+            <a:extLst>
+              <a:ext uri="{28A0092B-C50C-407E-A947-70E740481C1C}">
+                <a14:useLocalDpi xmlns:a14="http://schemas.microsoft.com/office/drawing/2010/main" val="0"/>
+              </a:ext>
+            </a:extLst>
+          </a:blip>
+          <a:srcRect/>
+          <a:stretch>
+            <a:fillRect/>
+          </a:stretch>
+        </p:blipFill>
+        <p:spPr bwMode="auto">
+          <a:xfrm>
+            <a:off x="594836" y="44606"/>
+            <a:ext cx="11019158" cy="6779941"/>
+          </a:xfrm>
+          <a:prstGeom prst="rect">
+            <a:avLst/>
+          </a:prstGeom>
+          <a:noFill/>
+          <a:extLst>
+            <a:ext uri="{909E8E84-426E-40DD-AFC4-6F175D3DCCD1}">
+              <a14:hiddenFill xmlns:a14="http://schemas.microsoft.com/office/drawing/2010/main">
+                <a:solidFill>
+                  <a:srgbClr val="FFFFFF"/>
+                </a:solidFill>
+              </a14:hiddenFill>
+            </a:ext>
+          </a:extLst>
+        </p:spPr>
+      </p:pic>
+    </p:spTree>
+    <p:extLst>
+      <p:ext uri="{BB962C8B-B14F-4D97-AF65-F5344CB8AC3E}">
+        <p14:creationId xmlns:p14="http://schemas.microsoft.com/office/powerpoint/2010/main" val="3083273190"/>
+      </p:ext>
+    </p:extLst>
+  </p:cSld>
+  <p:clrMapOvr>
+    <a:masterClrMapping/>
+  </p:clrMapOvr>
+</p:sld>
+</file>
+
+<file path=ppt/slides/slide6.xml><?xml version="1.0" encoding="utf-8"?>
+<p:sld xmlns:a="http://schemas.openxmlformats.org/drawingml/2006/main" xmlns:r="http://schemas.openxmlformats.org/officeDocument/2006/relationships" xmlns:p="http://schemas.openxmlformats.org/presentationml/2006/main">
+  <p:cSld>
+    <p:spTree>
+      <p:nvGrpSpPr>
+        <p:cNvPr id="1" name=""/>
+        <p:cNvGrpSpPr/>
+        <p:nvPr/>
+      </p:nvGrpSpPr>
+      <p:grpSpPr>
+        <a:xfrm>
+          <a:off x="0" y="0"/>
+          <a:ext cx="0" cy="0"/>
+          <a:chOff x="0" y="0"/>
+          <a:chExt cx="0" cy="0"/>
+        </a:xfrm>
+      </p:grpSpPr>
+      <p:sp>
+        <p:nvSpPr>
+          <p:cNvPr id="2" name="Title 1"/>
+          <p:cNvSpPr>
+            <a:spLocks noGrp="1"/>
+          </p:cNvSpPr>
+          <p:nvPr>
+            <p:ph type="title"/>
+          </p:nvPr>
+        </p:nvSpPr>
+        <p:spPr/>
+        <p:txBody>
+          <a:bodyPr/>
+          <a:lstStyle/>
+          <a:p>
+            <a:endParaRPr lang="en-US"/>
+          </a:p>
+        </p:txBody>
+      </p:sp>
+      <p:sp>
+        <p:nvSpPr>
+          <p:cNvPr id="3" name="Content Placeholder 2"/>
+          <p:cNvSpPr>
+            <a:spLocks noGrp="1"/>
+          </p:cNvSpPr>
+          <p:nvPr>
+            <p:ph idx="1"/>
+          </p:nvPr>
+        </p:nvSpPr>
+        <p:spPr/>
+        <p:txBody>
+          <a:bodyPr/>
+          <a:lstStyle/>
+          <a:p>
+            <a:endParaRPr lang="en-US"/>
+          </a:p>
+        </p:txBody>
+      </p:sp>
+      <p:pic>
+        <p:nvPicPr>
+          <p:cNvPr id="3074" name="Picture 2" descr="C:\Users\Wenhao\Dropbox (GeoAdaptive)\2017_042_GA_DATAXLAT\2017_042_GA_DATAXLAT-GIS\WEB\JAVASCRIPT\ProjectDataX\communication\github_account_3.JPG"/>
+          <p:cNvPicPr>
+            <a:picLocks noChangeAspect="1" noChangeArrowheads="1"/>
+          </p:cNvPicPr>
+          <p:nvPr/>
+        </p:nvPicPr>
+        <p:blipFill>
+          <a:blip r:embed="rId2">
+            <a:extLst>
+              <a:ext uri="{28A0092B-C50C-407E-A947-70E740481C1C}">
+                <a14:useLocalDpi xmlns:a14="http://schemas.microsoft.com/office/drawing/2010/main" val="0"/>
+              </a:ext>
+            </a:extLst>
+          </a:blip>
+          <a:srcRect/>
+          <a:stretch>
+            <a:fillRect/>
+          </a:stretch>
+        </p:blipFill>
+        <p:spPr bwMode="auto">
+          <a:xfrm>
+            <a:off x="847495" y="0"/>
+            <a:ext cx="10495846" cy="6853710"/>
+          </a:xfrm>
+          <a:prstGeom prst="rect">
+            <a:avLst/>
+          </a:prstGeom>
+          <a:noFill/>
+          <a:extLst>
+            <a:ext uri="{909E8E84-426E-40DD-AFC4-6F175D3DCCD1}">
+              <a14:hiddenFill xmlns:a14="http://schemas.microsoft.com/office/drawing/2010/main">
+                <a:solidFill>
+                  <a:srgbClr val="FFFFFF"/>
+                </a:solidFill>
+              </a14:hiddenFill>
+            </a:ext>
+          </a:extLst>
+        </p:spPr>
+      </p:pic>
+    </p:spTree>
+    <p:extLst>
+      <p:ext uri="{BB962C8B-B14F-4D97-AF65-F5344CB8AC3E}">
+        <p14:creationId xmlns:p14="http://schemas.microsoft.com/office/powerpoint/2010/main" val="3422103997"/>
+      </p:ext>
+    </p:extLst>
+  </p:cSld>
+  <p:clrMapOvr>
+    <a:masterClrMapping/>
+  </p:clrMapOvr>
+</p:sld>
+</file>
+
+<file path=ppt/slides/slide7.xml><?xml version="1.0" encoding="utf-8"?>
+<p:sld xmlns:a="http://schemas.openxmlformats.org/drawingml/2006/main" xmlns:r="http://schemas.openxmlformats.org/officeDocument/2006/relationships" xmlns:p="http://schemas.openxmlformats.org/presentationml/2006/main">
+  <p:cSld>
+    <p:spTree>
+      <p:nvGrpSpPr>
+        <p:cNvPr id="1" name=""/>
+        <p:cNvGrpSpPr/>
+        <p:nvPr/>
+      </p:nvGrpSpPr>
+      <p:grpSpPr>
+        <a:xfrm>
+          <a:off x="0" y="0"/>
+          <a:ext cx="0" cy="0"/>
+          <a:chOff x="0" y="0"/>
+          <a:chExt cx="0" cy="0"/>
+        </a:xfrm>
+      </p:grpSpPr>
+      <p:sp>
+        <p:nvSpPr>
+          <p:cNvPr id="2" name="Title 1"/>
+          <p:cNvSpPr>
+            <a:spLocks noGrp="1"/>
+          </p:cNvSpPr>
+          <p:nvPr>
+            <p:ph type="title"/>
+          </p:nvPr>
+        </p:nvSpPr>
+        <p:spPr/>
+        <p:txBody>
+          <a:bodyPr/>
+          <a:lstStyle/>
+          <a:p>
+            <a:endParaRPr lang="en-US"/>
+          </a:p>
+        </p:txBody>
+      </p:sp>
+      <p:sp>
+        <p:nvSpPr>
+          <p:cNvPr id="3" name="Content Placeholder 2"/>
+          <p:cNvSpPr>
+            <a:spLocks noGrp="1"/>
+          </p:cNvSpPr>
+          <p:nvPr>
+            <p:ph idx="1"/>
+          </p:nvPr>
+        </p:nvSpPr>
+        <p:spPr/>
+        <p:txBody>
+          <a:bodyPr/>
+          <a:lstStyle/>
+          <a:p>
+            <a:endParaRPr lang="en-US"/>
+          </a:p>
+        </p:txBody>
+      </p:sp>
+      <p:pic>
+        <p:nvPicPr>
+          <p:cNvPr id="4098" name="Picture 2" descr="C:\Users\Wenhao\Dropbox (GeoAdaptive)\2017_042_GA_DATAXLAT\2017_042_GA_DATAXLAT-GIS\WEB\JAVASCRIPT\ProjectDataX\communication\example_1.JPG"/>
+          <p:cNvPicPr>
+            <a:picLocks noChangeAspect="1" noChangeArrowheads="1"/>
+          </p:cNvPicPr>
+          <p:nvPr/>
+        </p:nvPicPr>
+        <p:blipFill>
+          <a:blip r:embed="rId2">
+            <a:extLst>
+              <a:ext uri="{28A0092B-C50C-407E-A947-70E740481C1C}">
+                <a14:useLocalDpi xmlns:a14="http://schemas.microsoft.com/office/drawing/2010/main" val="0"/>
+              </a:ext>
+            </a:extLst>
+          </a:blip>
+          <a:srcRect/>
+          <a:stretch>
+            <a:fillRect/>
+          </a:stretch>
+        </p:blipFill>
+        <p:spPr bwMode="auto">
+          <a:xfrm>
+            <a:off x="122662" y="278779"/>
+            <a:ext cx="11964376" cy="6088566"/>
+          </a:xfrm>
+          <a:prstGeom prst="rect">
+            <a:avLst/>
+          </a:prstGeom>
+          <a:noFill/>
+          <a:extLst>
+            <a:ext uri="{909E8E84-426E-40DD-AFC4-6F175D3DCCD1}">
+              <a14:hiddenFill xmlns:a14="http://schemas.microsoft.com/office/drawing/2010/main">
+                <a:solidFill>
+                  <a:srgbClr val="FFFFFF"/>
+                </a:solidFill>
+              </a14:hiddenFill>
+            </a:ext>
+          </a:extLst>
+        </p:spPr>
+      </p:pic>
+    </p:spTree>
+    <p:extLst>
+      <p:ext uri="{BB962C8B-B14F-4D97-AF65-F5344CB8AC3E}">
+        <p14:creationId xmlns:p14="http://schemas.microsoft.com/office/powerpoint/2010/main" val="3609247770"/>
+      </p:ext>
+    </p:extLst>
+  </p:cSld>
+  <p:clrMapOvr>
+    <a:masterClrMapping/>
+  </p:clrMapOvr>
+</p:sld>
+</file>
+
+<file path=ppt/slides/slide8.xml><?xml version="1.0" encoding="utf-8"?>
+<p:sld xmlns:a="http://schemas.openxmlformats.org/drawingml/2006/main" xmlns:r="http://schemas.openxmlformats.org/officeDocument/2006/relationships" xmlns:p="http://schemas.openxmlformats.org/presentationml/2006/main">
+  <p:cSld>
+    <p:spTree>
+      <p:nvGrpSpPr>
+        <p:cNvPr id="1" name=""/>
+        <p:cNvGrpSpPr/>
+        <p:nvPr/>
+      </p:nvGrpSpPr>
+      <p:grpSpPr>
+        <a:xfrm>
+          <a:off x="0" y="0"/>
+          <a:ext cx="0" cy="0"/>
+          <a:chOff x="0" y="0"/>
+          <a:chExt cx="0" cy="0"/>
+        </a:xfrm>
+      </p:grpSpPr>
+      <p:sp>
+        <p:nvSpPr>
+          <p:cNvPr id="2" name="Title 1"/>
+          <p:cNvSpPr>
+            <a:spLocks noGrp="1"/>
+          </p:cNvSpPr>
+          <p:nvPr>
+            <p:ph type="title"/>
+          </p:nvPr>
+        </p:nvSpPr>
+        <p:spPr/>
+        <p:txBody>
+          <a:bodyPr/>
+          <a:lstStyle/>
+          <a:p>
+            <a:endParaRPr lang="en-US"/>
+          </a:p>
+        </p:txBody>
+      </p:sp>
+      <p:sp>
+        <p:nvSpPr>
+          <p:cNvPr id="3" name="Content Placeholder 2"/>
+          <p:cNvSpPr>
+            <a:spLocks noGrp="1"/>
+          </p:cNvSpPr>
+          <p:nvPr>
+            <p:ph idx="1"/>
+          </p:nvPr>
+        </p:nvSpPr>
+        <p:spPr/>
+        <p:txBody>
+          <a:bodyPr/>
+          <a:lstStyle/>
+          <a:p>
+            <a:endParaRPr lang="en-US"/>
+          </a:p>
+        </p:txBody>
+      </p:sp>
+      <p:pic>
+        <p:nvPicPr>
+          <p:cNvPr id="5122" name="Picture 2"/>
+          <p:cNvPicPr>
+            <a:picLocks noChangeAspect="1" noChangeArrowheads="1"/>
+          </p:cNvPicPr>
+          <p:nvPr/>
+        </p:nvPicPr>
+        <p:blipFill>
+          <a:blip r:embed="rId2">
+            <a:extLst>
+              <a:ext uri="{28A0092B-C50C-407E-A947-70E740481C1C}">
+                <a14:useLocalDpi xmlns:a14="http://schemas.microsoft.com/office/drawing/2010/main" val="0"/>
+              </a:ext>
+            </a:extLst>
+          </a:blip>
+          <a:srcRect/>
+          <a:stretch>
+            <a:fillRect/>
+          </a:stretch>
+        </p:blipFill>
+        <p:spPr bwMode="auto">
+          <a:xfrm>
+            <a:off x="289930" y="58230"/>
+            <a:ext cx="11641874" cy="6740964"/>
+          </a:xfrm>
+          <a:prstGeom prst="rect">
+            <a:avLst/>
+          </a:prstGeom>
+          <a:noFill/>
+          <a:ln>
+            <a:noFill/>
+          </a:ln>
+          <a:extLst>
+            <a:ext uri="{909E8E84-426E-40DD-AFC4-6F175D3DCCD1}">
+              <a14:hiddenFill xmlns:a14="http://schemas.microsoft.com/office/drawing/2010/main">
+                <a:solidFill>
+                  <a:schemeClr val="accent1"/>
+                </a:solidFill>
+              </a14:hiddenFill>
+            </a:ext>
+            <a:ext uri="{91240B29-F687-4F45-9708-019B960494DF}">
+              <a14:hiddenLine xmlns:a14="http://schemas.microsoft.com/office/drawing/2010/main" w="9525">
+                <a:solidFill>
+                  <a:schemeClr val="tx1"/>
+                </a:solidFill>
+                <a:miter lim="800000"/>
+                <a:headEnd/>
+                <a:tailEnd/>
+              </a14:hiddenLine>
+            </a:ext>
+          </a:extLst>
+        </p:spPr>
+      </p:pic>
+    </p:spTree>
+    <p:extLst>
+      <p:ext uri="{BB962C8B-B14F-4D97-AF65-F5344CB8AC3E}">
+        <p14:creationId xmlns:p14="http://schemas.microsoft.com/office/powerpoint/2010/main" val="923133449"/>
       </p:ext>
     </p:extLst>
   </p:cSld>
@@ -5565,7 +6121,7 @@
   <a:extraClrSchemeLst/>
   <a:extLst>
     <a:ext uri="{05A4C25C-085E-4340-85A3-A5531E510DB2}">
-      <thm15:themeFamily xmlns="" xmlns:thm15="http://schemas.microsoft.com/office/thememl/2012/main" name="Office Theme" id="{62F939B6-93AF-4DB8-9C6B-D6C7DFDC589F}" vid="{4A3C46E8-61CC-4603-A589-7422A47A8E4A}"/>
+      <thm15:themeFamily xmlns:thm15="http://schemas.microsoft.com/office/thememl/2012/main" xmlns="" name="Office Theme" id="{62F939B6-93AF-4DB8-9C6B-D6C7DFDC589F}" vid="{4A3C46E8-61CC-4603-A589-7422A47A8E4A}"/>
     </a:ext>
   </a:extLst>
 </a:theme>

--- a/communication/pre_0724.pptx
+++ b/communication/pre_0724.pptx
@@ -8,11 +8,17 @@
     <p:sldId id="256" r:id="rId2"/>
     <p:sldId id="257" r:id="rId3"/>
     <p:sldId id="258" r:id="rId4"/>
-    <p:sldId id="259" r:id="rId5"/>
-    <p:sldId id="260" r:id="rId6"/>
-    <p:sldId id="261" r:id="rId7"/>
-    <p:sldId id="262" r:id="rId8"/>
-    <p:sldId id="263" r:id="rId9"/>
+    <p:sldId id="265" r:id="rId5"/>
+    <p:sldId id="273" r:id="rId6"/>
+    <p:sldId id="259" r:id="rId7"/>
+    <p:sldId id="260" r:id="rId8"/>
+    <p:sldId id="261" r:id="rId9"/>
+    <p:sldId id="264" r:id="rId10"/>
+    <p:sldId id="267" r:id="rId11"/>
+    <p:sldId id="269" r:id="rId12"/>
+    <p:sldId id="266" r:id="rId13"/>
+    <p:sldId id="262" r:id="rId14"/>
+    <p:sldId id="263" r:id="rId15"/>
   </p:sldIdLst>
   <p:sldSz cx="12192000" cy="6858000"/>
   <p:notesSz cx="6858000" cy="9144000"/>
@@ -140,7 +146,7 @@
           <p:cNvPr id="2" name="Title 1">
             <a:extLst>
               <a:ext uri="{FF2B5EF4-FFF2-40B4-BE49-F238E27FC236}">
-                <a16:creationId xmlns:a16="http://schemas.microsoft.com/office/drawing/2014/main" xmlns="" id="{E82B0C58-685F-4E04-A21B-9668CA5EF742}"/>
+                <a16:creationId xmlns="" xmlns:a16="http://schemas.microsoft.com/office/drawing/2014/main" id="{E82B0C58-685F-4E04-A21B-9668CA5EF742}"/>
               </a:ext>
             </a:extLst>
           </p:cNvPr>
@@ -178,7 +184,7 @@
           <p:cNvPr id="3" name="Subtitle 2">
             <a:extLst>
               <a:ext uri="{FF2B5EF4-FFF2-40B4-BE49-F238E27FC236}">
-                <a16:creationId xmlns:a16="http://schemas.microsoft.com/office/drawing/2014/main" xmlns="" id="{B11A4717-B2C0-4174-B071-49547222BE02}"/>
+                <a16:creationId xmlns="" xmlns:a16="http://schemas.microsoft.com/office/drawing/2014/main" id="{B11A4717-B2C0-4174-B071-49547222BE02}"/>
               </a:ext>
             </a:extLst>
           </p:cNvPr>
@@ -249,7 +255,7 @@
           <p:cNvPr id="4" name="Date Placeholder 3">
             <a:extLst>
               <a:ext uri="{FF2B5EF4-FFF2-40B4-BE49-F238E27FC236}">
-                <a16:creationId xmlns:a16="http://schemas.microsoft.com/office/drawing/2014/main" xmlns="" id="{27E9B1DA-FF8C-49E5-BF5B-B5A187CF2FD1}"/>
+                <a16:creationId xmlns="" xmlns:a16="http://schemas.microsoft.com/office/drawing/2014/main" id="{27E9B1DA-FF8C-49E5-BF5B-B5A187CF2FD1}"/>
               </a:ext>
             </a:extLst>
           </p:cNvPr>
@@ -278,7 +284,7 @@
           <p:cNvPr id="5" name="Footer Placeholder 4">
             <a:extLst>
               <a:ext uri="{FF2B5EF4-FFF2-40B4-BE49-F238E27FC236}">
-                <a16:creationId xmlns:a16="http://schemas.microsoft.com/office/drawing/2014/main" xmlns="" id="{EE57919F-B315-4B40-BA69-58D96B7F7598}"/>
+                <a16:creationId xmlns="" xmlns:a16="http://schemas.microsoft.com/office/drawing/2014/main" id="{EE57919F-B315-4B40-BA69-58D96B7F7598}"/>
               </a:ext>
             </a:extLst>
           </p:cNvPr>
@@ -303,7 +309,7 @@
           <p:cNvPr id="6" name="Slide Number Placeholder 5">
             <a:extLst>
               <a:ext uri="{FF2B5EF4-FFF2-40B4-BE49-F238E27FC236}">
-                <a16:creationId xmlns:a16="http://schemas.microsoft.com/office/drawing/2014/main" xmlns="" id="{99426AD7-F523-4BFE-A021-C8DD58E34398}"/>
+                <a16:creationId xmlns="" xmlns:a16="http://schemas.microsoft.com/office/drawing/2014/main" id="{99426AD7-F523-4BFE-A021-C8DD58E34398}"/>
               </a:ext>
             </a:extLst>
           </p:cNvPr>
@@ -362,7 +368,7 @@
           <p:cNvPr id="2" name="Title 1">
             <a:extLst>
               <a:ext uri="{FF2B5EF4-FFF2-40B4-BE49-F238E27FC236}">
-                <a16:creationId xmlns:a16="http://schemas.microsoft.com/office/drawing/2014/main" xmlns="" id="{8E03D62A-9869-450F-9CD5-D236DB6830F9}"/>
+                <a16:creationId xmlns="" xmlns:a16="http://schemas.microsoft.com/office/drawing/2014/main" id="{8E03D62A-9869-450F-9CD5-D236DB6830F9}"/>
               </a:ext>
             </a:extLst>
           </p:cNvPr>
@@ -391,7 +397,7 @@
           <p:cNvPr id="3" name="Vertical Text Placeholder 2">
             <a:extLst>
               <a:ext uri="{FF2B5EF4-FFF2-40B4-BE49-F238E27FC236}">
-                <a16:creationId xmlns:a16="http://schemas.microsoft.com/office/drawing/2014/main" xmlns="" id="{45850CA9-90C2-48AF-88D2-2A2C7C2FFA6F}"/>
+                <a16:creationId xmlns="" xmlns:a16="http://schemas.microsoft.com/office/drawing/2014/main" id="{45850CA9-90C2-48AF-88D2-2A2C7C2FFA6F}"/>
               </a:ext>
             </a:extLst>
           </p:cNvPr>
@@ -449,7 +455,7 @@
           <p:cNvPr id="4" name="Date Placeholder 3">
             <a:extLst>
               <a:ext uri="{FF2B5EF4-FFF2-40B4-BE49-F238E27FC236}">
-                <a16:creationId xmlns:a16="http://schemas.microsoft.com/office/drawing/2014/main" xmlns="" id="{61C42B10-AF4C-4914-922E-DAB7C990313F}"/>
+                <a16:creationId xmlns="" xmlns:a16="http://schemas.microsoft.com/office/drawing/2014/main" id="{61C42B10-AF4C-4914-922E-DAB7C990313F}"/>
               </a:ext>
             </a:extLst>
           </p:cNvPr>
@@ -478,7 +484,7 @@
           <p:cNvPr id="5" name="Footer Placeholder 4">
             <a:extLst>
               <a:ext uri="{FF2B5EF4-FFF2-40B4-BE49-F238E27FC236}">
-                <a16:creationId xmlns:a16="http://schemas.microsoft.com/office/drawing/2014/main" xmlns="" id="{380CBC57-50EF-4DC3-B3C4-9C51FB1A21B1}"/>
+                <a16:creationId xmlns="" xmlns:a16="http://schemas.microsoft.com/office/drawing/2014/main" id="{380CBC57-50EF-4DC3-B3C4-9C51FB1A21B1}"/>
               </a:ext>
             </a:extLst>
           </p:cNvPr>
@@ -503,7 +509,7 @@
           <p:cNvPr id="6" name="Slide Number Placeholder 5">
             <a:extLst>
               <a:ext uri="{FF2B5EF4-FFF2-40B4-BE49-F238E27FC236}">
-                <a16:creationId xmlns:a16="http://schemas.microsoft.com/office/drawing/2014/main" xmlns="" id="{4BE185E3-661A-497A-A857-7E0C3848E2FC}"/>
+                <a16:creationId xmlns="" xmlns:a16="http://schemas.microsoft.com/office/drawing/2014/main" id="{4BE185E3-661A-497A-A857-7E0C3848E2FC}"/>
               </a:ext>
             </a:extLst>
           </p:cNvPr>
@@ -562,7 +568,7 @@
           <p:cNvPr id="2" name="Vertical Title 1">
             <a:extLst>
               <a:ext uri="{FF2B5EF4-FFF2-40B4-BE49-F238E27FC236}">
-                <a16:creationId xmlns:a16="http://schemas.microsoft.com/office/drawing/2014/main" xmlns="" id="{38185D8B-4092-485C-A08D-F4C4BB7C4BE5}"/>
+                <a16:creationId xmlns="" xmlns:a16="http://schemas.microsoft.com/office/drawing/2014/main" id="{38185D8B-4092-485C-A08D-F4C4BB7C4BE5}"/>
               </a:ext>
             </a:extLst>
           </p:cNvPr>
@@ -596,7 +602,7 @@
           <p:cNvPr id="3" name="Vertical Text Placeholder 2">
             <a:extLst>
               <a:ext uri="{FF2B5EF4-FFF2-40B4-BE49-F238E27FC236}">
-                <a16:creationId xmlns:a16="http://schemas.microsoft.com/office/drawing/2014/main" xmlns="" id="{1E858840-306C-4E3C-A6A3-562C68355730}"/>
+                <a16:creationId xmlns="" xmlns:a16="http://schemas.microsoft.com/office/drawing/2014/main" id="{1E858840-306C-4E3C-A6A3-562C68355730}"/>
               </a:ext>
             </a:extLst>
           </p:cNvPr>
@@ -659,7 +665,7 @@
           <p:cNvPr id="4" name="Date Placeholder 3">
             <a:extLst>
               <a:ext uri="{FF2B5EF4-FFF2-40B4-BE49-F238E27FC236}">
-                <a16:creationId xmlns:a16="http://schemas.microsoft.com/office/drawing/2014/main" xmlns="" id="{77BEC104-511F-44EE-8C78-166766C0D7D6}"/>
+                <a16:creationId xmlns="" xmlns:a16="http://schemas.microsoft.com/office/drawing/2014/main" id="{77BEC104-511F-44EE-8C78-166766C0D7D6}"/>
               </a:ext>
             </a:extLst>
           </p:cNvPr>
@@ -688,7 +694,7 @@
           <p:cNvPr id="5" name="Footer Placeholder 4">
             <a:extLst>
               <a:ext uri="{FF2B5EF4-FFF2-40B4-BE49-F238E27FC236}">
-                <a16:creationId xmlns:a16="http://schemas.microsoft.com/office/drawing/2014/main" xmlns="" id="{92A85BD9-7A63-4458-85CD-0C5E834CAB08}"/>
+                <a16:creationId xmlns="" xmlns:a16="http://schemas.microsoft.com/office/drawing/2014/main" id="{92A85BD9-7A63-4458-85CD-0C5E834CAB08}"/>
               </a:ext>
             </a:extLst>
           </p:cNvPr>
@@ -713,7 +719,7 @@
           <p:cNvPr id="6" name="Slide Number Placeholder 5">
             <a:extLst>
               <a:ext uri="{FF2B5EF4-FFF2-40B4-BE49-F238E27FC236}">
-                <a16:creationId xmlns:a16="http://schemas.microsoft.com/office/drawing/2014/main" xmlns="" id="{40A3B400-2265-457A-A573-D92D2B6C5A00}"/>
+                <a16:creationId xmlns="" xmlns:a16="http://schemas.microsoft.com/office/drawing/2014/main" id="{40A3B400-2265-457A-A573-D92D2B6C5A00}"/>
               </a:ext>
             </a:extLst>
           </p:cNvPr>
@@ -772,7 +778,7 @@
           <p:cNvPr id="2" name="Title 1">
             <a:extLst>
               <a:ext uri="{FF2B5EF4-FFF2-40B4-BE49-F238E27FC236}">
-                <a16:creationId xmlns:a16="http://schemas.microsoft.com/office/drawing/2014/main" xmlns="" id="{F5421E64-D888-436A-9D27-22CBA88D8407}"/>
+                <a16:creationId xmlns="" xmlns:a16="http://schemas.microsoft.com/office/drawing/2014/main" id="{F5421E64-D888-436A-9D27-22CBA88D8407}"/>
               </a:ext>
             </a:extLst>
           </p:cNvPr>
@@ -801,7 +807,7 @@
           <p:cNvPr id="3" name="Content Placeholder 2">
             <a:extLst>
               <a:ext uri="{FF2B5EF4-FFF2-40B4-BE49-F238E27FC236}">
-                <a16:creationId xmlns:a16="http://schemas.microsoft.com/office/drawing/2014/main" xmlns="" id="{7AD1B751-8DD9-4978-A827-596A57E95954}"/>
+                <a16:creationId xmlns="" xmlns:a16="http://schemas.microsoft.com/office/drawing/2014/main" id="{7AD1B751-8DD9-4978-A827-596A57E95954}"/>
               </a:ext>
             </a:extLst>
           </p:cNvPr>
@@ -859,7 +865,7 @@
           <p:cNvPr id="4" name="Date Placeholder 3">
             <a:extLst>
               <a:ext uri="{FF2B5EF4-FFF2-40B4-BE49-F238E27FC236}">
-                <a16:creationId xmlns:a16="http://schemas.microsoft.com/office/drawing/2014/main" xmlns="" id="{C97A56F8-1BFC-4287-ADE5-BE823EA25727}"/>
+                <a16:creationId xmlns="" xmlns:a16="http://schemas.microsoft.com/office/drawing/2014/main" id="{C97A56F8-1BFC-4287-ADE5-BE823EA25727}"/>
               </a:ext>
             </a:extLst>
           </p:cNvPr>
@@ -888,7 +894,7 @@
           <p:cNvPr id="5" name="Footer Placeholder 4">
             <a:extLst>
               <a:ext uri="{FF2B5EF4-FFF2-40B4-BE49-F238E27FC236}">
-                <a16:creationId xmlns:a16="http://schemas.microsoft.com/office/drawing/2014/main" xmlns="" id="{24817AF5-80AF-4857-B545-52ABDA4E9F7E}"/>
+                <a16:creationId xmlns="" xmlns:a16="http://schemas.microsoft.com/office/drawing/2014/main" id="{24817AF5-80AF-4857-B545-52ABDA4E9F7E}"/>
               </a:ext>
             </a:extLst>
           </p:cNvPr>
@@ -913,7 +919,7 @@
           <p:cNvPr id="6" name="Slide Number Placeholder 5">
             <a:extLst>
               <a:ext uri="{FF2B5EF4-FFF2-40B4-BE49-F238E27FC236}">
-                <a16:creationId xmlns:a16="http://schemas.microsoft.com/office/drawing/2014/main" xmlns="" id="{A8969CB4-B22B-4FA8-B5CB-C506BD060641}"/>
+                <a16:creationId xmlns="" xmlns:a16="http://schemas.microsoft.com/office/drawing/2014/main" id="{A8969CB4-B22B-4FA8-B5CB-C506BD060641}"/>
               </a:ext>
             </a:extLst>
           </p:cNvPr>
@@ -972,7 +978,7 @@
           <p:cNvPr id="2" name="Title 1">
             <a:extLst>
               <a:ext uri="{FF2B5EF4-FFF2-40B4-BE49-F238E27FC236}">
-                <a16:creationId xmlns:a16="http://schemas.microsoft.com/office/drawing/2014/main" xmlns="" id="{95F84119-15D8-457B-B0FB-5E018423BCF2}"/>
+                <a16:creationId xmlns="" xmlns:a16="http://schemas.microsoft.com/office/drawing/2014/main" id="{95F84119-15D8-457B-B0FB-5E018423BCF2}"/>
               </a:ext>
             </a:extLst>
           </p:cNvPr>
@@ -1010,7 +1016,7 @@
           <p:cNvPr id="3" name="Text Placeholder 2">
             <a:extLst>
               <a:ext uri="{FF2B5EF4-FFF2-40B4-BE49-F238E27FC236}">
-                <a16:creationId xmlns:a16="http://schemas.microsoft.com/office/drawing/2014/main" xmlns="" id="{923E3244-8424-4475-B6B0-178B0593CC71}"/>
+                <a16:creationId xmlns="" xmlns:a16="http://schemas.microsoft.com/office/drawing/2014/main" id="{923E3244-8424-4475-B6B0-178B0593CC71}"/>
               </a:ext>
             </a:extLst>
           </p:cNvPr>
@@ -1135,7 +1141,7 @@
           <p:cNvPr id="4" name="Date Placeholder 3">
             <a:extLst>
               <a:ext uri="{FF2B5EF4-FFF2-40B4-BE49-F238E27FC236}">
-                <a16:creationId xmlns:a16="http://schemas.microsoft.com/office/drawing/2014/main" xmlns="" id="{A705FDA2-F3E9-4692-8383-40DFC177FC91}"/>
+                <a16:creationId xmlns="" xmlns:a16="http://schemas.microsoft.com/office/drawing/2014/main" id="{A705FDA2-F3E9-4692-8383-40DFC177FC91}"/>
               </a:ext>
             </a:extLst>
           </p:cNvPr>
@@ -1164,7 +1170,7 @@
           <p:cNvPr id="5" name="Footer Placeholder 4">
             <a:extLst>
               <a:ext uri="{FF2B5EF4-FFF2-40B4-BE49-F238E27FC236}">
-                <a16:creationId xmlns:a16="http://schemas.microsoft.com/office/drawing/2014/main" xmlns="" id="{036C04AA-71B6-4B82-B1D6-A5460948956D}"/>
+                <a16:creationId xmlns="" xmlns:a16="http://schemas.microsoft.com/office/drawing/2014/main" id="{036C04AA-71B6-4B82-B1D6-A5460948956D}"/>
               </a:ext>
             </a:extLst>
           </p:cNvPr>
@@ -1189,7 +1195,7 @@
           <p:cNvPr id="6" name="Slide Number Placeholder 5">
             <a:extLst>
               <a:ext uri="{FF2B5EF4-FFF2-40B4-BE49-F238E27FC236}">
-                <a16:creationId xmlns:a16="http://schemas.microsoft.com/office/drawing/2014/main" xmlns="" id="{2BC555BD-7DB8-4409-AB78-6600583EBD0A}"/>
+                <a16:creationId xmlns="" xmlns:a16="http://schemas.microsoft.com/office/drawing/2014/main" id="{2BC555BD-7DB8-4409-AB78-6600583EBD0A}"/>
               </a:ext>
             </a:extLst>
           </p:cNvPr>
@@ -1248,7 +1254,7 @@
           <p:cNvPr id="2" name="Title 1">
             <a:extLst>
               <a:ext uri="{FF2B5EF4-FFF2-40B4-BE49-F238E27FC236}">
-                <a16:creationId xmlns:a16="http://schemas.microsoft.com/office/drawing/2014/main" xmlns="" id="{CFDE51A8-D135-4C23-98BF-0A58CDAD1AD8}"/>
+                <a16:creationId xmlns="" xmlns:a16="http://schemas.microsoft.com/office/drawing/2014/main" id="{CFDE51A8-D135-4C23-98BF-0A58CDAD1AD8}"/>
               </a:ext>
             </a:extLst>
           </p:cNvPr>
@@ -1277,7 +1283,7 @@
           <p:cNvPr id="3" name="Content Placeholder 2">
             <a:extLst>
               <a:ext uri="{FF2B5EF4-FFF2-40B4-BE49-F238E27FC236}">
-                <a16:creationId xmlns:a16="http://schemas.microsoft.com/office/drawing/2014/main" xmlns="" id="{43DE1461-A68F-48B9-AEF8-2B7A0475B5F5}"/>
+                <a16:creationId xmlns="" xmlns:a16="http://schemas.microsoft.com/office/drawing/2014/main" id="{43DE1461-A68F-48B9-AEF8-2B7A0475B5F5}"/>
               </a:ext>
             </a:extLst>
           </p:cNvPr>
@@ -1340,7 +1346,7 @@
           <p:cNvPr id="4" name="Content Placeholder 3">
             <a:extLst>
               <a:ext uri="{FF2B5EF4-FFF2-40B4-BE49-F238E27FC236}">
-                <a16:creationId xmlns:a16="http://schemas.microsoft.com/office/drawing/2014/main" xmlns="" id="{AFAEB23E-2CF7-44DD-ABA5-3C201C584D35}"/>
+                <a16:creationId xmlns="" xmlns:a16="http://schemas.microsoft.com/office/drawing/2014/main" id="{AFAEB23E-2CF7-44DD-ABA5-3C201C584D35}"/>
               </a:ext>
             </a:extLst>
           </p:cNvPr>
@@ -1403,7 +1409,7 @@
           <p:cNvPr id="5" name="Date Placeholder 4">
             <a:extLst>
               <a:ext uri="{FF2B5EF4-FFF2-40B4-BE49-F238E27FC236}">
-                <a16:creationId xmlns:a16="http://schemas.microsoft.com/office/drawing/2014/main" xmlns="" id="{AE2D1C40-EAA6-4829-B21D-C47218C3A0B9}"/>
+                <a16:creationId xmlns="" xmlns:a16="http://schemas.microsoft.com/office/drawing/2014/main" id="{AE2D1C40-EAA6-4829-B21D-C47218C3A0B9}"/>
               </a:ext>
             </a:extLst>
           </p:cNvPr>
@@ -1432,7 +1438,7 @@
           <p:cNvPr id="6" name="Footer Placeholder 5">
             <a:extLst>
               <a:ext uri="{FF2B5EF4-FFF2-40B4-BE49-F238E27FC236}">
-                <a16:creationId xmlns:a16="http://schemas.microsoft.com/office/drawing/2014/main" xmlns="" id="{48A2C480-D165-473B-8D22-A8E8D16B0F00}"/>
+                <a16:creationId xmlns="" xmlns:a16="http://schemas.microsoft.com/office/drawing/2014/main" id="{48A2C480-D165-473B-8D22-A8E8D16B0F00}"/>
               </a:ext>
             </a:extLst>
           </p:cNvPr>
@@ -1457,7 +1463,7 @@
           <p:cNvPr id="7" name="Slide Number Placeholder 6">
             <a:extLst>
               <a:ext uri="{FF2B5EF4-FFF2-40B4-BE49-F238E27FC236}">
-                <a16:creationId xmlns:a16="http://schemas.microsoft.com/office/drawing/2014/main" xmlns="" id="{1D9957FE-AB03-4695-87C4-22BF3344F359}"/>
+                <a16:creationId xmlns="" xmlns:a16="http://schemas.microsoft.com/office/drawing/2014/main" id="{1D9957FE-AB03-4695-87C4-22BF3344F359}"/>
               </a:ext>
             </a:extLst>
           </p:cNvPr>
@@ -1516,7 +1522,7 @@
           <p:cNvPr id="2" name="Title 1">
             <a:extLst>
               <a:ext uri="{FF2B5EF4-FFF2-40B4-BE49-F238E27FC236}">
-                <a16:creationId xmlns:a16="http://schemas.microsoft.com/office/drawing/2014/main" xmlns="" id="{516E8653-AE2C-42C4-85BF-9E22A32355F2}"/>
+                <a16:creationId xmlns="" xmlns:a16="http://schemas.microsoft.com/office/drawing/2014/main" id="{516E8653-AE2C-42C4-85BF-9E22A32355F2}"/>
               </a:ext>
             </a:extLst>
           </p:cNvPr>
@@ -1550,7 +1556,7 @@
           <p:cNvPr id="3" name="Text Placeholder 2">
             <a:extLst>
               <a:ext uri="{FF2B5EF4-FFF2-40B4-BE49-F238E27FC236}">
-                <a16:creationId xmlns:a16="http://schemas.microsoft.com/office/drawing/2014/main" xmlns="" id="{51F7B730-C8A7-4335-8EC3-052F0D8AF7AC}"/>
+                <a16:creationId xmlns="" xmlns:a16="http://schemas.microsoft.com/office/drawing/2014/main" id="{51F7B730-C8A7-4335-8EC3-052F0D8AF7AC}"/>
               </a:ext>
             </a:extLst>
           </p:cNvPr>
@@ -1621,7 +1627,7 @@
           <p:cNvPr id="4" name="Content Placeholder 3">
             <a:extLst>
               <a:ext uri="{FF2B5EF4-FFF2-40B4-BE49-F238E27FC236}">
-                <a16:creationId xmlns:a16="http://schemas.microsoft.com/office/drawing/2014/main" xmlns="" id="{68C41B95-CA52-43B0-B719-0FB363D6DEB1}"/>
+                <a16:creationId xmlns="" xmlns:a16="http://schemas.microsoft.com/office/drawing/2014/main" id="{68C41B95-CA52-43B0-B719-0FB363D6DEB1}"/>
               </a:ext>
             </a:extLst>
           </p:cNvPr>
@@ -1684,7 +1690,7 @@
           <p:cNvPr id="5" name="Text Placeholder 4">
             <a:extLst>
               <a:ext uri="{FF2B5EF4-FFF2-40B4-BE49-F238E27FC236}">
-                <a16:creationId xmlns:a16="http://schemas.microsoft.com/office/drawing/2014/main" xmlns="" id="{A37E900C-BB72-4C7B-B7D1-F885DF92A38C}"/>
+                <a16:creationId xmlns="" xmlns:a16="http://schemas.microsoft.com/office/drawing/2014/main" id="{A37E900C-BB72-4C7B-B7D1-F885DF92A38C}"/>
               </a:ext>
             </a:extLst>
           </p:cNvPr>
@@ -1755,7 +1761,7 @@
           <p:cNvPr id="6" name="Content Placeholder 5">
             <a:extLst>
               <a:ext uri="{FF2B5EF4-FFF2-40B4-BE49-F238E27FC236}">
-                <a16:creationId xmlns:a16="http://schemas.microsoft.com/office/drawing/2014/main" xmlns="" id="{5ABCD83F-C802-48A3-8F38-F86432A22D4A}"/>
+                <a16:creationId xmlns="" xmlns:a16="http://schemas.microsoft.com/office/drawing/2014/main" id="{5ABCD83F-C802-48A3-8F38-F86432A22D4A}"/>
               </a:ext>
             </a:extLst>
           </p:cNvPr>
@@ -1818,7 +1824,7 @@
           <p:cNvPr id="7" name="Date Placeholder 6">
             <a:extLst>
               <a:ext uri="{FF2B5EF4-FFF2-40B4-BE49-F238E27FC236}">
-                <a16:creationId xmlns:a16="http://schemas.microsoft.com/office/drawing/2014/main" xmlns="" id="{6FDCEAD7-6F64-4CAE-B2FC-AD92C81B5A4C}"/>
+                <a16:creationId xmlns="" xmlns:a16="http://schemas.microsoft.com/office/drawing/2014/main" id="{6FDCEAD7-6F64-4CAE-B2FC-AD92C81B5A4C}"/>
               </a:ext>
             </a:extLst>
           </p:cNvPr>
@@ -1847,7 +1853,7 @@
           <p:cNvPr id="8" name="Footer Placeholder 7">
             <a:extLst>
               <a:ext uri="{FF2B5EF4-FFF2-40B4-BE49-F238E27FC236}">
-                <a16:creationId xmlns:a16="http://schemas.microsoft.com/office/drawing/2014/main" xmlns="" id="{C2B6EA69-744D-4098-A256-5337A6838D65}"/>
+                <a16:creationId xmlns="" xmlns:a16="http://schemas.microsoft.com/office/drawing/2014/main" id="{C2B6EA69-744D-4098-A256-5337A6838D65}"/>
               </a:ext>
             </a:extLst>
           </p:cNvPr>
@@ -1872,7 +1878,7 @@
           <p:cNvPr id="9" name="Slide Number Placeholder 8">
             <a:extLst>
               <a:ext uri="{FF2B5EF4-FFF2-40B4-BE49-F238E27FC236}">
-                <a16:creationId xmlns:a16="http://schemas.microsoft.com/office/drawing/2014/main" xmlns="" id="{0D5EE82F-A90B-491E-B122-B57E32B8D7EF}"/>
+                <a16:creationId xmlns="" xmlns:a16="http://schemas.microsoft.com/office/drawing/2014/main" id="{0D5EE82F-A90B-491E-B122-B57E32B8D7EF}"/>
               </a:ext>
             </a:extLst>
           </p:cNvPr>
@@ -1931,7 +1937,7 @@
           <p:cNvPr id="2" name="Title 1">
             <a:extLst>
               <a:ext uri="{FF2B5EF4-FFF2-40B4-BE49-F238E27FC236}">
-                <a16:creationId xmlns:a16="http://schemas.microsoft.com/office/drawing/2014/main" xmlns="" id="{B51E28B3-BC3E-46E9-A58D-09F613B1B889}"/>
+                <a16:creationId xmlns="" xmlns:a16="http://schemas.microsoft.com/office/drawing/2014/main" id="{B51E28B3-BC3E-46E9-A58D-09F613B1B889}"/>
               </a:ext>
             </a:extLst>
           </p:cNvPr>
@@ -1960,7 +1966,7 @@
           <p:cNvPr id="3" name="Date Placeholder 2">
             <a:extLst>
               <a:ext uri="{FF2B5EF4-FFF2-40B4-BE49-F238E27FC236}">
-                <a16:creationId xmlns:a16="http://schemas.microsoft.com/office/drawing/2014/main" xmlns="" id="{2F3181C9-D3CC-4858-AFD6-432E6825C8B7}"/>
+                <a16:creationId xmlns="" xmlns:a16="http://schemas.microsoft.com/office/drawing/2014/main" id="{2F3181C9-D3CC-4858-AFD6-432E6825C8B7}"/>
               </a:ext>
             </a:extLst>
           </p:cNvPr>
@@ -1989,7 +1995,7 @@
           <p:cNvPr id="4" name="Footer Placeholder 3">
             <a:extLst>
               <a:ext uri="{FF2B5EF4-FFF2-40B4-BE49-F238E27FC236}">
-                <a16:creationId xmlns:a16="http://schemas.microsoft.com/office/drawing/2014/main" xmlns="" id="{57F4266B-084A-477B-A7E2-13DCF8B7F104}"/>
+                <a16:creationId xmlns="" xmlns:a16="http://schemas.microsoft.com/office/drawing/2014/main" id="{57F4266B-084A-477B-A7E2-13DCF8B7F104}"/>
               </a:ext>
             </a:extLst>
           </p:cNvPr>
@@ -2014,7 +2020,7 @@
           <p:cNvPr id="5" name="Slide Number Placeholder 4">
             <a:extLst>
               <a:ext uri="{FF2B5EF4-FFF2-40B4-BE49-F238E27FC236}">
-                <a16:creationId xmlns:a16="http://schemas.microsoft.com/office/drawing/2014/main" xmlns="" id="{1DDB911C-24AF-4C68-8FE7-1792C03B83AA}"/>
+                <a16:creationId xmlns="" xmlns:a16="http://schemas.microsoft.com/office/drawing/2014/main" id="{1DDB911C-24AF-4C68-8FE7-1792C03B83AA}"/>
               </a:ext>
             </a:extLst>
           </p:cNvPr>
@@ -2073,7 +2079,7 @@
           <p:cNvPr id="2" name="Date Placeholder 1">
             <a:extLst>
               <a:ext uri="{FF2B5EF4-FFF2-40B4-BE49-F238E27FC236}">
-                <a16:creationId xmlns:a16="http://schemas.microsoft.com/office/drawing/2014/main" xmlns="" id="{A18EF031-625B-498D-B8D4-242062790169}"/>
+                <a16:creationId xmlns="" xmlns:a16="http://schemas.microsoft.com/office/drawing/2014/main" id="{A18EF031-625B-498D-B8D4-242062790169}"/>
               </a:ext>
             </a:extLst>
           </p:cNvPr>
@@ -2102,7 +2108,7 @@
           <p:cNvPr id="3" name="Footer Placeholder 2">
             <a:extLst>
               <a:ext uri="{FF2B5EF4-FFF2-40B4-BE49-F238E27FC236}">
-                <a16:creationId xmlns:a16="http://schemas.microsoft.com/office/drawing/2014/main" xmlns="" id="{3EAF3BB1-84A7-4F0C-B50D-FC13C4E7D915}"/>
+                <a16:creationId xmlns="" xmlns:a16="http://schemas.microsoft.com/office/drawing/2014/main" id="{3EAF3BB1-84A7-4F0C-B50D-FC13C4E7D915}"/>
               </a:ext>
             </a:extLst>
           </p:cNvPr>
@@ -2127,7 +2133,7 @@
           <p:cNvPr id="4" name="Slide Number Placeholder 3">
             <a:extLst>
               <a:ext uri="{FF2B5EF4-FFF2-40B4-BE49-F238E27FC236}">
-                <a16:creationId xmlns:a16="http://schemas.microsoft.com/office/drawing/2014/main" xmlns="" id="{18AB711B-8084-47FD-9F26-E0CF9F5DC2F0}"/>
+                <a16:creationId xmlns="" xmlns:a16="http://schemas.microsoft.com/office/drawing/2014/main" id="{18AB711B-8084-47FD-9F26-E0CF9F5DC2F0}"/>
               </a:ext>
             </a:extLst>
           </p:cNvPr>
@@ -2186,7 +2192,7 @@
           <p:cNvPr id="2" name="Title 1">
             <a:extLst>
               <a:ext uri="{FF2B5EF4-FFF2-40B4-BE49-F238E27FC236}">
-                <a16:creationId xmlns:a16="http://schemas.microsoft.com/office/drawing/2014/main" xmlns="" id="{79C16187-5F6E-48F4-B590-D577FE88F923}"/>
+                <a16:creationId xmlns="" xmlns:a16="http://schemas.microsoft.com/office/drawing/2014/main" id="{79C16187-5F6E-48F4-B590-D577FE88F923}"/>
               </a:ext>
             </a:extLst>
           </p:cNvPr>
@@ -2224,7 +2230,7 @@
           <p:cNvPr id="3" name="Content Placeholder 2">
             <a:extLst>
               <a:ext uri="{FF2B5EF4-FFF2-40B4-BE49-F238E27FC236}">
-                <a16:creationId xmlns:a16="http://schemas.microsoft.com/office/drawing/2014/main" xmlns="" id="{2BE10C2D-53F1-449A-9835-541780F73B08}"/>
+                <a16:creationId xmlns="" xmlns:a16="http://schemas.microsoft.com/office/drawing/2014/main" id="{2BE10C2D-53F1-449A-9835-541780F73B08}"/>
               </a:ext>
             </a:extLst>
           </p:cNvPr>
@@ -2315,7 +2321,7 @@
           <p:cNvPr id="4" name="Text Placeholder 3">
             <a:extLst>
               <a:ext uri="{FF2B5EF4-FFF2-40B4-BE49-F238E27FC236}">
-                <a16:creationId xmlns:a16="http://schemas.microsoft.com/office/drawing/2014/main" xmlns="" id="{B3019F80-3DE6-4987-889E-21F002ADE6E3}"/>
+                <a16:creationId xmlns="" xmlns:a16="http://schemas.microsoft.com/office/drawing/2014/main" id="{B3019F80-3DE6-4987-889E-21F002ADE6E3}"/>
               </a:ext>
             </a:extLst>
           </p:cNvPr>
@@ -2386,7 +2392,7 @@
           <p:cNvPr id="5" name="Date Placeholder 4">
             <a:extLst>
               <a:ext uri="{FF2B5EF4-FFF2-40B4-BE49-F238E27FC236}">
-                <a16:creationId xmlns:a16="http://schemas.microsoft.com/office/drawing/2014/main" xmlns="" id="{EA6C3599-3C8D-48AB-B3C7-7E74004E6E22}"/>
+                <a16:creationId xmlns="" xmlns:a16="http://schemas.microsoft.com/office/drawing/2014/main" id="{EA6C3599-3C8D-48AB-B3C7-7E74004E6E22}"/>
               </a:ext>
             </a:extLst>
           </p:cNvPr>
@@ -2415,7 +2421,7 @@
           <p:cNvPr id="6" name="Footer Placeholder 5">
             <a:extLst>
               <a:ext uri="{FF2B5EF4-FFF2-40B4-BE49-F238E27FC236}">
-                <a16:creationId xmlns:a16="http://schemas.microsoft.com/office/drawing/2014/main" xmlns="" id="{3C617F1B-ACAB-4A10-9B6B-746B956BDC2B}"/>
+                <a16:creationId xmlns="" xmlns:a16="http://schemas.microsoft.com/office/drawing/2014/main" id="{3C617F1B-ACAB-4A10-9B6B-746B956BDC2B}"/>
               </a:ext>
             </a:extLst>
           </p:cNvPr>
@@ -2440,7 +2446,7 @@
           <p:cNvPr id="7" name="Slide Number Placeholder 6">
             <a:extLst>
               <a:ext uri="{FF2B5EF4-FFF2-40B4-BE49-F238E27FC236}">
-                <a16:creationId xmlns:a16="http://schemas.microsoft.com/office/drawing/2014/main" xmlns="" id="{9503C266-CF03-4ECD-AD20-8126374375E8}"/>
+                <a16:creationId xmlns="" xmlns:a16="http://schemas.microsoft.com/office/drawing/2014/main" id="{9503C266-CF03-4ECD-AD20-8126374375E8}"/>
               </a:ext>
             </a:extLst>
           </p:cNvPr>
@@ -2499,7 +2505,7 @@
           <p:cNvPr id="2" name="Title 1">
             <a:extLst>
               <a:ext uri="{FF2B5EF4-FFF2-40B4-BE49-F238E27FC236}">
-                <a16:creationId xmlns:a16="http://schemas.microsoft.com/office/drawing/2014/main" xmlns="" id="{4DCB0060-CA18-49B0-A373-386C29015D97}"/>
+                <a16:creationId xmlns="" xmlns:a16="http://schemas.microsoft.com/office/drawing/2014/main" id="{4DCB0060-CA18-49B0-A373-386C29015D97}"/>
               </a:ext>
             </a:extLst>
           </p:cNvPr>
@@ -2537,7 +2543,7 @@
           <p:cNvPr id="3" name="Picture Placeholder 2">
             <a:extLst>
               <a:ext uri="{FF2B5EF4-FFF2-40B4-BE49-F238E27FC236}">
-                <a16:creationId xmlns:a16="http://schemas.microsoft.com/office/drawing/2014/main" xmlns="" id="{33966810-DEEC-4E4C-A2BA-04EAAC133F1B}"/>
+                <a16:creationId xmlns="" xmlns:a16="http://schemas.microsoft.com/office/drawing/2014/main" id="{33966810-DEEC-4E4C-A2BA-04EAAC133F1B}"/>
               </a:ext>
             </a:extLst>
           </p:cNvPr>
@@ -2604,7 +2610,7 @@
           <p:cNvPr id="4" name="Text Placeholder 3">
             <a:extLst>
               <a:ext uri="{FF2B5EF4-FFF2-40B4-BE49-F238E27FC236}">
-                <a16:creationId xmlns:a16="http://schemas.microsoft.com/office/drawing/2014/main" xmlns="" id="{58D35E9D-D682-4F66-91F4-B5B96D8E4284}"/>
+                <a16:creationId xmlns="" xmlns:a16="http://schemas.microsoft.com/office/drawing/2014/main" id="{58D35E9D-D682-4F66-91F4-B5B96D8E4284}"/>
               </a:ext>
             </a:extLst>
           </p:cNvPr>
@@ -2675,7 +2681,7 @@
           <p:cNvPr id="5" name="Date Placeholder 4">
             <a:extLst>
               <a:ext uri="{FF2B5EF4-FFF2-40B4-BE49-F238E27FC236}">
-                <a16:creationId xmlns:a16="http://schemas.microsoft.com/office/drawing/2014/main" xmlns="" id="{EDB7CFBE-6EBD-4530-AFB3-B3DF2998E61B}"/>
+                <a16:creationId xmlns="" xmlns:a16="http://schemas.microsoft.com/office/drawing/2014/main" id="{EDB7CFBE-6EBD-4530-AFB3-B3DF2998E61B}"/>
               </a:ext>
             </a:extLst>
           </p:cNvPr>
@@ -2704,7 +2710,7 @@
           <p:cNvPr id="6" name="Footer Placeholder 5">
             <a:extLst>
               <a:ext uri="{FF2B5EF4-FFF2-40B4-BE49-F238E27FC236}">
-                <a16:creationId xmlns:a16="http://schemas.microsoft.com/office/drawing/2014/main" xmlns="" id="{632A8B2F-2D6F-4AA1-BF43-E613C5A15C4B}"/>
+                <a16:creationId xmlns="" xmlns:a16="http://schemas.microsoft.com/office/drawing/2014/main" id="{632A8B2F-2D6F-4AA1-BF43-E613C5A15C4B}"/>
               </a:ext>
             </a:extLst>
           </p:cNvPr>
@@ -2729,7 +2735,7 @@
           <p:cNvPr id="7" name="Slide Number Placeholder 6">
             <a:extLst>
               <a:ext uri="{FF2B5EF4-FFF2-40B4-BE49-F238E27FC236}">
-                <a16:creationId xmlns:a16="http://schemas.microsoft.com/office/drawing/2014/main" xmlns="" id="{19A9C0F2-6FD7-41DF-8B45-BF65BFC8B829}"/>
+                <a16:creationId xmlns="" xmlns:a16="http://schemas.microsoft.com/office/drawing/2014/main" id="{19A9C0F2-6FD7-41DF-8B45-BF65BFC8B829}"/>
               </a:ext>
             </a:extLst>
           </p:cNvPr>
@@ -2796,7 +2802,7 @@
           <p:cNvPr id="2" name="Title Placeholder 1">
             <a:extLst>
               <a:ext uri="{FF2B5EF4-FFF2-40B4-BE49-F238E27FC236}">
-                <a16:creationId xmlns:a16="http://schemas.microsoft.com/office/drawing/2014/main" xmlns="" id="{ADE0F7D7-6830-466A-A518-C8756616D96E}"/>
+                <a16:creationId xmlns="" xmlns:a16="http://schemas.microsoft.com/office/drawing/2014/main" id="{ADE0F7D7-6830-466A-A518-C8756616D96E}"/>
               </a:ext>
             </a:extLst>
           </p:cNvPr>
@@ -2835,7 +2841,7 @@
           <p:cNvPr id="3" name="Text Placeholder 2">
             <a:extLst>
               <a:ext uri="{FF2B5EF4-FFF2-40B4-BE49-F238E27FC236}">
-                <a16:creationId xmlns:a16="http://schemas.microsoft.com/office/drawing/2014/main" xmlns="" id="{590EFAC6-59A7-46E4-B345-2E5B3E1ECFD0}"/>
+                <a16:creationId xmlns="" xmlns:a16="http://schemas.microsoft.com/office/drawing/2014/main" id="{590EFAC6-59A7-46E4-B345-2E5B3E1ECFD0}"/>
               </a:ext>
             </a:extLst>
           </p:cNvPr>
@@ -2903,7 +2909,7 @@
           <p:cNvPr id="4" name="Date Placeholder 3">
             <a:extLst>
               <a:ext uri="{FF2B5EF4-FFF2-40B4-BE49-F238E27FC236}">
-                <a16:creationId xmlns:a16="http://schemas.microsoft.com/office/drawing/2014/main" xmlns="" id="{3E48ED92-83DD-4CCB-9DD1-05EC20BA5F3D}"/>
+                <a16:creationId xmlns="" xmlns:a16="http://schemas.microsoft.com/office/drawing/2014/main" id="{3E48ED92-83DD-4CCB-9DD1-05EC20BA5F3D}"/>
               </a:ext>
             </a:extLst>
           </p:cNvPr>
@@ -2950,7 +2956,7 @@
           <p:cNvPr id="5" name="Footer Placeholder 4">
             <a:extLst>
               <a:ext uri="{FF2B5EF4-FFF2-40B4-BE49-F238E27FC236}">
-                <a16:creationId xmlns:a16="http://schemas.microsoft.com/office/drawing/2014/main" xmlns="" id="{E6DA5770-D0E8-4987-9A7C-808B0AE49C76}"/>
+                <a16:creationId xmlns="" xmlns:a16="http://schemas.microsoft.com/office/drawing/2014/main" id="{E6DA5770-D0E8-4987-9A7C-808B0AE49C76}"/>
               </a:ext>
             </a:extLst>
           </p:cNvPr>
@@ -2993,7 +2999,7 @@
           <p:cNvPr id="6" name="Slide Number Placeholder 5">
             <a:extLst>
               <a:ext uri="{FF2B5EF4-FFF2-40B4-BE49-F238E27FC236}">
-                <a16:creationId xmlns:a16="http://schemas.microsoft.com/office/drawing/2014/main" xmlns="" id="{23B941C0-5A80-4820-8DEC-2B85AC8D6556}"/>
+                <a16:creationId xmlns="" xmlns:a16="http://schemas.microsoft.com/office/drawing/2014/main" id="{23B941C0-5A80-4820-8DEC-2B85AC8D6556}"/>
               </a:ext>
             </a:extLst>
           </p:cNvPr>
@@ -3361,7 +3367,7 @@
           <p:cNvPr id="2" name="Title 1">
             <a:extLst>
               <a:ext uri="{FF2B5EF4-FFF2-40B4-BE49-F238E27FC236}">
-                <a16:creationId xmlns:a16="http://schemas.microsoft.com/office/drawing/2014/main" xmlns="" id="{ADDC5375-CE02-4A6D-BDEB-689CA3A31589}"/>
+                <a16:creationId xmlns="" xmlns:a16="http://schemas.microsoft.com/office/drawing/2014/main" id="{ADDC5375-CE02-4A6D-BDEB-689CA3A31589}"/>
               </a:ext>
             </a:extLst>
           </p:cNvPr>
@@ -3425,7 +3431,7 @@
           <p:cNvPr id="3" name="Subtitle 2">
             <a:extLst>
               <a:ext uri="{FF2B5EF4-FFF2-40B4-BE49-F238E27FC236}">
-                <a16:creationId xmlns:a16="http://schemas.microsoft.com/office/drawing/2014/main" xmlns="" id="{3966C0AA-F93A-490B-AE55-FFB8DD74C254}"/>
+                <a16:creationId xmlns="" xmlns:a16="http://schemas.microsoft.com/office/drawing/2014/main" id="{3966C0AA-F93A-490B-AE55-FFB8DD74C254}"/>
               </a:ext>
             </a:extLst>
           </p:cNvPr>
@@ -3449,6 +3455,1121 @@
     <p:extLst>
       <p:ext uri="{BB962C8B-B14F-4D97-AF65-F5344CB8AC3E}">
         <p14:creationId xmlns:p14="http://schemas.microsoft.com/office/powerpoint/2010/main" val="2615744824"/>
+      </p:ext>
+    </p:extLst>
+  </p:cSld>
+  <p:clrMapOvr>
+    <a:masterClrMapping/>
+  </p:clrMapOvr>
+</p:sld>
+</file>
+
+<file path=ppt/slides/slide10.xml><?xml version="1.0" encoding="utf-8"?>
+<p:sld xmlns:a="http://schemas.openxmlformats.org/drawingml/2006/main" xmlns:r="http://schemas.openxmlformats.org/officeDocument/2006/relationships" xmlns:p="http://schemas.openxmlformats.org/presentationml/2006/main">
+  <p:cSld>
+    <p:spTree>
+      <p:nvGrpSpPr>
+        <p:cNvPr id="1" name=""/>
+        <p:cNvGrpSpPr/>
+        <p:nvPr/>
+      </p:nvGrpSpPr>
+      <p:grpSpPr>
+        <a:xfrm>
+          <a:off x="0" y="0"/>
+          <a:ext cx="0" cy="0"/>
+          <a:chOff x="0" y="0"/>
+          <a:chExt cx="0" cy="0"/>
+        </a:xfrm>
+      </p:grpSpPr>
+      <p:sp>
+        <p:nvSpPr>
+          <p:cNvPr id="2" name="Title 1"/>
+          <p:cNvSpPr>
+            <a:spLocks noGrp="1"/>
+          </p:cNvSpPr>
+          <p:nvPr>
+            <p:ph type="title"/>
+          </p:nvPr>
+        </p:nvSpPr>
+        <p:spPr/>
+        <p:txBody>
+          <a:bodyPr/>
+          <a:lstStyle/>
+          <a:p>
+            <a:endParaRPr lang="en-US"/>
+          </a:p>
+        </p:txBody>
+      </p:sp>
+      <p:sp>
+        <p:nvSpPr>
+          <p:cNvPr id="3" name="Content Placeholder 2"/>
+          <p:cNvSpPr>
+            <a:spLocks noGrp="1"/>
+          </p:cNvSpPr>
+          <p:nvPr>
+            <p:ph idx="1"/>
+          </p:nvPr>
+        </p:nvSpPr>
+        <p:spPr/>
+        <p:txBody>
+          <a:bodyPr/>
+          <a:lstStyle/>
+          <a:p>
+            <a:endParaRPr lang="en-US"/>
+          </a:p>
+        </p:txBody>
+      </p:sp>
+      <p:pic>
+        <p:nvPicPr>
+          <p:cNvPr id="2050" name="Picture 2" descr="C:\Users\Wenhao\Dropbox (GeoAdaptive)\2017_042_GA_DATAXLAT\2017_042_GA_DATAXLAT-GIS\WEB\JAVASCRIPT\ProjectDataX\communication\socialexplorer_1.JPG"/>
+          <p:cNvPicPr>
+            <a:picLocks noChangeAspect="1" noChangeArrowheads="1"/>
+          </p:cNvPicPr>
+          <p:nvPr/>
+        </p:nvPicPr>
+        <p:blipFill>
+          <a:blip r:embed="rId2">
+            <a:extLst>
+              <a:ext uri="{28A0092B-C50C-407E-A947-70E740481C1C}">
+                <a14:useLocalDpi xmlns:a14="http://schemas.microsoft.com/office/drawing/2010/main" val="0"/>
+              </a:ext>
+            </a:extLst>
+          </a:blip>
+          <a:srcRect/>
+          <a:stretch>
+            <a:fillRect/>
+          </a:stretch>
+        </p:blipFill>
+        <p:spPr bwMode="auto">
+          <a:xfrm>
+            <a:off x="87093" y="203311"/>
+            <a:ext cx="12004554" cy="6456283"/>
+          </a:xfrm>
+          <a:prstGeom prst="rect">
+            <a:avLst/>
+          </a:prstGeom>
+          <a:noFill/>
+          <a:extLst>
+            <a:ext uri="{909E8E84-426E-40DD-AFC4-6F175D3DCCD1}">
+              <a14:hiddenFill xmlns:a14="http://schemas.microsoft.com/office/drawing/2010/main">
+                <a:solidFill>
+                  <a:srgbClr val="FFFFFF"/>
+                </a:solidFill>
+              </a14:hiddenFill>
+            </a:ext>
+          </a:extLst>
+        </p:spPr>
+      </p:pic>
+      <p:sp>
+        <p:nvSpPr>
+          <p:cNvPr id="5" name="Title 1">
+            <a:extLst>
+              <a:ext uri="{FF2B5EF4-FFF2-40B4-BE49-F238E27FC236}">
+                <a16:creationId xmlns="" xmlns:a16="http://schemas.microsoft.com/office/drawing/2014/main" id="{ADDC5375-CE02-4A6D-BDEB-689CA3A31589}"/>
+              </a:ext>
+            </a:extLst>
+          </p:cNvPr>
+          <p:cNvSpPr txBox="1">
+            <a:spLocks/>
+          </p:cNvSpPr>
+          <p:nvPr/>
+        </p:nvSpPr>
+        <p:spPr>
+          <a:xfrm>
+            <a:off x="9066362" y="3313437"/>
+            <a:ext cx="3025284" cy="2387600"/>
+          </a:xfrm>
+          <a:prstGeom prst="rect">
+            <a:avLst/>
+          </a:prstGeom>
+        </p:spPr>
+        <p:txBody>
+          <a:bodyPr vert="horz" lIns="91440" tIns="45720" rIns="91440" bIns="45720" rtlCol="0" anchor="ctr">
+            <a:normAutofit/>
+          </a:bodyPr>
+          <a:lstStyle>
+            <a:lvl1pPr algn="l" defTabSz="914400" rtl="0" eaLnBrk="1" latinLnBrk="0" hangingPunct="1">
+              <a:lnSpc>
+                <a:spcPct val="90000"/>
+              </a:lnSpc>
+              <a:spcBef>
+                <a:spcPct val="0"/>
+              </a:spcBef>
+              <a:buNone/>
+              <a:defRPr sz="4400" kern="1200">
+                <a:solidFill>
+                  <a:schemeClr val="tx1"/>
+                </a:solidFill>
+                <a:latin typeface="+mj-lt"/>
+                <a:ea typeface="+mj-ea"/>
+                <a:cs typeface="+mj-cs"/>
+              </a:defRPr>
+            </a:lvl1pPr>
+          </a:lstStyle>
+          <a:p>
+            <a:pPr algn="ctr"/>
+            <a:r>
+              <a:rPr lang="en-US" altLang="zh-CN" sz="3200" b="1" dirty="0" smtClean="0">
+                <a:latin typeface="Roboto Thin" panose="02000000000000000000" pitchFamily="2" charset="0"/>
+                <a:ea typeface="Roboto Thin" panose="02000000000000000000" pitchFamily="2" charset="0"/>
+                <a:cs typeface="Calibri" panose="020F0502020204030204" pitchFamily="34" charset="0"/>
+              </a:rPr>
+              <a:t>Customizable selection</a:t>
+            </a:r>
+            <a:endParaRPr lang="zh-CN" altLang="en-US" sz="3200" b="1" dirty="0">
+              <a:latin typeface="Roboto Thin" panose="02000000000000000000" pitchFamily="2" charset="0"/>
+              <a:cs typeface="Calibri" panose="020F0502020204030204" pitchFamily="34" charset="0"/>
+            </a:endParaRPr>
+          </a:p>
+        </p:txBody>
+      </p:sp>
+      <p:cxnSp>
+        <p:nvCxnSpPr>
+          <p:cNvPr id="6" name="Straight Arrow Connector 5"/>
+          <p:cNvCxnSpPr/>
+          <p:nvPr/>
+        </p:nvCxnSpPr>
+        <p:spPr>
+          <a:xfrm flipV="1">
+            <a:off x="10367669" y="1584385"/>
+            <a:ext cx="0" cy="2324276"/>
+          </a:xfrm>
+          <a:prstGeom prst="straightConnector1">
+            <a:avLst/>
+          </a:prstGeom>
+          <a:ln w="12700">
+            <a:solidFill>
+              <a:schemeClr val="tx1"/>
+            </a:solidFill>
+            <a:tailEnd type="arrow"/>
+          </a:ln>
+        </p:spPr>
+        <p:style>
+          <a:lnRef idx="1">
+            <a:schemeClr val="accent1"/>
+          </a:lnRef>
+          <a:fillRef idx="0">
+            <a:schemeClr val="accent1"/>
+          </a:fillRef>
+          <a:effectRef idx="0">
+            <a:schemeClr val="accent1"/>
+          </a:effectRef>
+          <a:fontRef idx="minor">
+            <a:schemeClr val="tx1"/>
+          </a:fontRef>
+        </p:style>
+      </p:cxnSp>
+      <p:cxnSp>
+        <p:nvCxnSpPr>
+          <p:cNvPr id="11" name="Straight Arrow Connector 10"/>
+          <p:cNvCxnSpPr/>
+          <p:nvPr/>
+        </p:nvCxnSpPr>
+        <p:spPr>
+          <a:xfrm flipH="1" flipV="1">
+            <a:off x="8419382" y="1362975"/>
+            <a:ext cx="1449237" cy="2554312"/>
+          </a:xfrm>
+          <a:prstGeom prst="straightConnector1">
+            <a:avLst/>
+          </a:prstGeom>
+          <a:ln w="12700">
+            <a:solidFill>
+              <a:schemeClr val="tx1"/>
+            </a:solidFill>
+            <a:tailEnd type="arrow"/>
+          </a:ln>
+        </p:spPr>
+        <p:style>
+          <a:lnRef idx="1">
+            <a:schemeClr val="accent1"/>
+          </a:lnRef>
+          <a:fillRef idx="0">
+            <a:schemeClr val="accent1"/>
+          </a:fillRef>
+          <a:effectRef idx="0">
+            <a:schemeClr val="accent1"/>
+          </a:effectRef>
+          <a:fontRef idx="minor">
+            <a:schemeClr val="tx1"/>
+          </a:fontRef>
+        </p:style>
+      </p:cxnSp>
+      <p:cxnSp>
+        <p:nvCxnSpPr>
+          <p:cNvPr id="20" name="Straight Arrow Connector 19"/>
+          <p:cNvCxnSpPr/>
+          <p:nvPr/>
+        </p:nvCxnSpPr>
+        <p:spPr>
+          <a:xfrm flipV="1">
+            <a:off x="10808898" y="2009955"/>
+            <a:ext cx="457200" cy="1907332"/>
+          </a:xfrm>
+          <a:prstGeom prst="straightConnector1">
+            <a:avLst/>
+          </a:prstGeom>
+          <a:ln w="12700">
+            <a:solidFill>
+              <a:schemeClr val="tx1"/>
+            </a:solidFill>
+            <a:tailEnd type="arrow"/>
+          </a:ln>
+        </p:spPr>
+        <p:style>
+          <a:lnRef idx="1">
+            <a:schemeClr val="accent1"/>
+          </a:lnRef>
+          <a:fillRef idx="0">
+            <a:schemeClr val="accent1"/>
+          </a:fillRef>
+          <a:effectRef idx="0">
+            <a:schemeClr val="accent1"/>
+          </a:effectRef>
+          <a:fontRef idx="minor">
+            <a:schemeClr val="tx1"/>
+          </a:fontRef>
+        </p:style>
+      </p:cxnSp>
+    </p:spTree>
+    <p:extLst>
+      <p:ext uri="{BB962C8B-B14F-4D97-AF65-F5344CB8AC3E}">
+        <p14:creationId xmlns:p14="http://schemas.microsoft.com/office/powerpoint/2010/main" val="2369775320"/>
+      </p:ext>
+    </p:extLst>
+  </p:cSld>
+  <p:clrMapOvr>
+    <a:masterClrMapping/>
+  </p:clrMapOvr>
+</p:sld>
+</file>
+
+<file path=ppt/slides/slide11.xml><?xml version="1.0" encoding="utf-8"?>
+<p:sld xmlns:a="http://schemas.openxmlformats.org/drawingml/2006/main" xmlns:r="http://schemas.openxmlformats.org/officeDocument/2006/relationships" xmlns:p="http://schemas.openxmlformats.org/presentationml/2006/main">
+  <p:cSld>
+    <p:spTree>
+      <p:nvGrpSpPr>
+        <p:cNvPr id="1" name=""/>
+        <p:cNvGrpSpPr/>
+        <p:nvPr/>
+      </p:nvGrpSpPr>
+      <p:grpSpPr>
+        <a:xfrm>
+          <a:off x="0" y="0"/>
+          <a:ext cx="0" cy="0"/>
+          <a:chOff x="0" y="0"/>
+          <a:chExt cx="0" cy="0"/>
+        </a:xfrm>
+      </p:grpSpPr>
+      <p:sp>
+        <p:nvSpPr>
+          <p:cNvPr id="2" name="Title 1"/>
+          <p:cNvSpPr>
+            <a:spLocks noGrp="1"/>
+          </p:cNvSpPr>
+          <p:nvPr>
+            <p:ph type="title"/>
+          </p:nvPr>
+        </p:nvSpPr>
+        <p:spPr/>
+        <p:txBody>
+          <a:bodyPr/>
+          <a:lstStyle/>
+          <a:p>
+            <a:endParaRPr lang="en-US"/>
+          </a:p>
+        </p:txBody>
+      </p:sp>
+      <p:sp>
+        <p:nvSpPr>
+          <p:cNvPr id="3" name="Content Placeholder 2"/>
+          <p:cNvSpPr>
+            <a:spLocks noGrp="1"/>
+          </p:cNvSpPr>
+          <p:nvPr>
+            <p:ph idx="1"/>
+          </p:nvPr>
+        </p:nvSpPr>
+        <p:spPr/>
+        <p:txBody>
+          <a:bodyPr/>
+          <a:lstStyle/>
+          <a:p>
+            <a:endParaRPr lang="en-US"/>
+          </a:p>
+        </p:txBody>
+      </p:sp>
+      <p:pic>
+        <p:nvPicPr>
+          <p:cNvPr id="2050" name="Picture 2"/>
+          <p:cNvPicPr>
+            <a:picLocks noChangeAspect="1" noChangeArrowheads="1"/>
+          </p:cNvPicPr>
+          <p:nvPr/>
+        </p:nvPicPr>
+        <p:blipFill>
+          <a:blip r:embed="rId2">
+            <a:extLst>
+              <a:ext uri="{28A0092B-C50C-407E-A947-70E740481C1C}">
+                <a14:useLocalDpi xmlns:a14="http://schemas.microsoft.com/office/drawing/2010/main" val="0"/>
+              </a:ext>
+            </a:extLst>
+          </a:blip>
+          <a:stretch>
+            <a:fillRect/>
+          </a:stretch>
+        </p:blipFill>
+        <p:spPr bwMode="auto">
+          <a:xfrm>
+            <a:off x="156993" y="203311"/>
+            <a:ext cx="11864753" cy="6456283"/>
+          </a:xfrm>
+          <a:prstGeom prst="rect">
+            <a:avLst/>
+          </a:prstGeom>
+          <a:noFill/>
+          <a:extLst>
+            <a:ext uri="{909E8E84-426E-40DD-AFC4-6F175D3DCCD1}">
+              <a14:hiddenFill xmlns:a14="http://schemas.microsoft.com/office/drawing/2010/main">
+                <a:solidFill>
+                  <a:srgbClr val="FFFFFF"/>
+                </a:solidFill>
+              </a14:hiddenFill>
+            </a:ext>
+          </a:extLst>
+        </p:spPr>
+      </p:pic>
+      <p:sp>
+        <p:nvSpPr>
+          <p:cNvPr id="5" name="Title 1">
+            <a:extLst>
+              <a:ext uri="{FF2B5EF4-FFF2-40B4-BE49-F238E27FC236}">
+                <a16:creationId xmlns="" xmlns:a16="http://schemas.microsoft.com/office/drawing/2014/main" id="{ADDC5375-CE02-4A6D-BDEB-689CA3A31589}"/>
+              </a:ext>
+            </a:extLst>
+          </p:cNvPr>
+          <p:cNvSpPr txBox="1">
+            <a:spLocks/>
+          </p:cNvSpPr>
+          <p:nvPr/>
+        </p:nvSpPr>
+        <p:spPr>
+          <a:xfrm>
+            <a:off x="9066362" y="3313437"/>
+            <a:ext cx="3025284" cy="2387600"/>
+          </a:xfrm>
+          <a:prstGeom prst="rect">
+            <a:avLst/>
+          </a:prstGeom>
+        </p:spPr>
+        <p:txBody>
+          <a:bodyPr vert="horz" lIns="91440" tIns="45720" rIns="91440" bIns="45720" rtlCol="0" anchor="ctr">
+            <a:normAutofit/>
+          </a:bodyPr>
+          <a:lstStyle>
+            <a:lvl1pPr algn="l" defTabSz="914400" rtl="0" eaLnBrk="1" latinLnBrk="0" hangingPunct="1">
+              <a:lnSpc>
+                <a:spcPct val="90000"/>
+              </a:lnSpc>
+              <a:spcBef>
+                <a:spcPct val="0"/>
+              </a:spcBef>
+              <a:buNone/>
+              <a:defRPr sz="4400" kern="1200">
+                <a:solidFill>
+                  <a:schemeClr val="tx1"/>
+                </a:solidFill>
+                <a:latin typeface="+mj-lt"/>
+                <a:ea typeface="+mj-ea"/>
+                <a:cs typeface="+mj-cs"/>
+              </a:defRPr>
+            </a:lvl1pPr>
+          </a:lstStyle>
+          <a:p>
+            <a:pPr algn="ctr"/>
+            <a:r>
+              <a:rPr lang="en-US" altLang="zh-CN" sz="3200" b="1" dirty="0" smtClean="0">
+                <a:latin typeface="Roboto Thin" panose="02000000000000000000" pitchFamily="2" charset="0"/>
+                <a:ea typeface="Roboto Thin" panose="02000000000000000000" pitchFamily="2" charset="0"/>
+                <a:cs typeface="Calibri" panose="020F0502020204030204" pitchFamily="34" charset="0"/>
+              </a:rPr>
+              <a:t>Download</a:t>
+            </a:r>
+          </a:p>
+          <a:p>
+            <a:pPr algn="ctr"/>
+            <a:r>
+              <a:rPr lang="en-US" altLang="zh-CN" sz="3200" b="1" dirty="0" smtClean="0">
+                <a:latin typeface="Roboto Thin" panose="02000000000000000000" pitchFamily="2" charset="0"/>
+                <a:ea typeface="Roboto Thin" panose="02000000000000000000" pitchFamily="2" charset="0"/>
+                <a:cs typeface="Calibri" panose="020F0502020204030204" pitchFamily="34" charset="0"/>
+              </a:rPr>
+              <a:t>functions</a:t>
+            </a:r>
+            <a:endParaRPr lang="zh-CN" altLang="en-US" sz="3200" b="1" dirty="0">
+              <a:latin typeface="Roboto Thin" panose="02000000000000000000" pitchFamily="2" charset="0"/>
+              <a:cs typeface="Calibri" panose="020F0502020204030204" pitchFamily="34" charset="0"/>
+            </a:endParaRPr>
+          </a:p>
+        </p:txBody>
+      </p:sp>
+      <p:cxnSp>
+        <p:nvCxnSpPr>
+          <p:cNvPr id="6" name="Straight Arrow Connector 5"/>
+          <p:cNvCxnSpPr/>
+          <p:nvPr/>
+        </p:nvCxnSpPr>
+        <p:spPr>
+          <a:xfrm flipH="1" flipV="1">
+            <a:off x="6021239" y="3666227"/>
+            <a:ext cx="3191772" cy="672860"/>
+          </a:xfrm>
+          <a:prstGeom prst="straightConnector1">
+            <a:avLst/>
+          </a:prstGeom>
+          <a:ln w="12700">
+            <a:solidFill>
+              <a:schemeClr val="tx1"/>
+            </a:solidFill>
+            <a:tailEnd type="arrow"/>
+          </a:ln>
+        </p:spPr>
+        <p:style>
+          <a:lnRef idx="1">
+            <a:schemeClr val="accent1"/>
+          </a:lnRef>
+          <a:fillRef idx="0">
+            <a:schemeClr val="accent1"/>
+          </a:fillRef>
+          <a:effectRef idx="0">
+            <a:schemeClr val="accent1"/>
+          </a:effectRef>
+          <a:fontRef idx="minor">
+            <a:schemeClr val="tx1"/>
+          </a:fontRef>
+        </p:style>
+      </p:cxnSp>
+    </p:spTree>
+    <p:extLst>
+      <p:ext uri="{BB962C8B-B14F-4D97-AF65-F5344CB8AC3E}">
+        <p14:creationId xmlns:p14="http://schemas.microsoft.com/office/powerpoint/2010/main" val="4280491357"/>
+      </p:ext>
+    </p:extLst>
+  </p:cSld>
+  <p:clrMapOvr>
+    <a:masterClrMapping/>
+  </p:clrMapOvr>
+</p:sld>
+</file>
+
+<file path=ppt/slides/slide12.xml><?xml version="1.0" encoding="utf-8"?>
+<p:sld xmlns:a="http://schemas.openxmlformats.org/drawingml/2006/main" xmlns:r="http://schemas.openxmlformats.org/officeDocument/2006/relationships" xmlns:p="http://schemas.openxmlformats.org/presentationml/2006/main">
+  <p:cSld>
+    <p:spTree>
+      <p:nvGrpSpPr>
+        <p:cNvPr id="1" name=""/>
+        <p:cNvGrpSpPr/>
+        <p:nvPr/>
+      </p:nvGrpSpPr>
+      <p:grpSpPr>
+        <a:xfrm>
+          <a:off x="0" y="0"/>
+          <a:ext cx="0" cy="0"/>
+          <a:chOff x="0" y="0"/>
+          <a:chExt cx="0" cy="0"/>
+        </a:xfrm>
+      </p:grpSpPr>
+      <p:pic>
+        <p:nvPicPr>
+          <p:cNvPr id="1026" name="Picture 2" descr="C:\Users\Wenhao\Dropbox (GeoAdaptive)\2017_042_GA_DATAXLAT\2017_042_GA_DATAXLAT-GIS\WEB\JAVASCRIPT\ProjectDataX\communication\neighborhood_index.JPG"/>
+          <p:cNvPicPr>
+            <a:picLocks noChangeAspect="1" noChangeArrowheads="1"/>
+          </p:cNvPicPr>
+          <p:nvPr/>
+        </p:nvPicPr>
+        <p:blipFill>
+          <a:blip r:embed="rId2">
+            <a:extLst>
+              <a:ext uri="{28A0092B-C50C-407E-A947-70E740481C1C}">
+                <a14:useLocalDpi xmlns:a14="http://schemas.microsoft.com/office/drawing/2010/main" val="0"/>
+              </a:ext>
+            </a:extLst>
+          </a:blip>
+          <a:srcRect/>
+          <a:stretch>
+            <a:fillRect/>
+          </a:stretch>
+        </p:blipFill>
+        <p:spPr bwMode="auto">
+          <a:xfrm>
+            <a:off x="805904" y="118808"/>
+            <a:ext cx="10598214" cy="6634988"/>
+          </a:xfrm>
+          <a:prstGeom prst="rect">
+            <a:avLst/>
+          </a:prstGeom>
+          <a:noFill/>
+          <a:extLst>
+            <a:ext uri="{909E8E84-426E-40DD-AFC4-6F175D3DCCD1}">
+              <a14:hiddenFill xmlns:a14="http://schemas.microsoft.com/office/drawing/2010/main">
+                <a:solidFill>
+                  <a:srgbClr val="FFFFFF"/>
+                </a:solidFill>
+              </a14:hiddenFill>
+            </a:ext>
+          </a:extLst>
+        </p:spPr>
+      </p:pic>
+      <p:sp>
+        <p:nvSpPr>
+          <p:cNvPr id="2" name="Title 1"/>
+          <p:cNvSpPr>
+            <a:spLocks noGrp="1"/>
+          </p:cNvSpPr>
+          <p:nvPr>
+            <p:ph type="title"/>
+          </p:nvPr>
+        </p:nvSpPr>
+        <p:spPr/>
+        <p:txBody>
+          <a:bodyPr/>
+          <a:lstStyle/>
+          <a:p>
+            <a:endParaRPr lang="en-US"/>
+          </a:p>
+        </p:txBody>
+      </p:sp>
+      <p:sp>
+        <p:nvSpPr>
+          <p:cNvPr id="3" name="Content Placeholder 2"/>
+          <p:cNvSpPr>
+            <a:spLocks noGrp="1"/>
+          </p:cNvSpPr>
+          <p:nvPr>
+            <p:ph idx="1"/>
+          </p:nvPr>
+        </p:nvSpPr>
+        <p:spPr/>
+        <p:txBody>
+          <a:bodyPr/>
+          <a:lstStyle/>
+          <a:p>
+            <a:endParaRPr lang="en-US"/>
+          </a:p>
+        </p:txBody>
+      </p:sp>
+      <p:sp>
+        <p:nvSpPr>
+          <p:cNvPr id="4" name="Rectangle 3"/>
+          <p:cNvSpPr/>
+          <p:nvPr/>
+        </p:nvSpPr>
+        <p:spPr>
+          <a:xfrm>
+            <a:off x="917276" y="5745845"/>
+            <a:ext cx="8304362" cy="369332"/>
+          </a:xfrm>
+          <a:prstGeom prst="rect">
+            <a:avLst/>
+          </a:prstGeom>
+        </p:spPr>
+        <p:txBody>
+          <a:bodyPr wrap="square">
+            <a:spAutoFit/>
+          </a:bodyPr>
+          <a:lstStyle/>
+          <a:p>
+            <a:r>
+              <a:rPr lang="en-US" dirty="0">
+                <a:solidFill>
+                  <a:srgbClr val="0070C0"/>
+                </a:solidFill>
+              </a:rPr>
+              <a:t>https://rawgit.com/azavea/nextcity-neighborhood-index/master/webmap/index.html</a:t>
+            </a:r>
+          </a:p>
+        </p:txBody>
+      </p:sp>
+      <p:sp>
+        <p:nvSpPr>
+          <p:cNvPr id="6" name="Title 1">
+            <a:extLst>
+              <a:ext uri="{FF2B5EF4-FFF2-40B4-BE49-F238E27FC236}">
+                <a16:creationId xmlns="" xmlns:a16="http://schemas.microsoft.com/office/drawing/2014/main" id="{ADDC5375-CE02-4A6D-BDEB-689CA3A31589}"/>
+              </a:ext>
+            </a:extLst>
+          </p:cNvPr>
+          <p:cNvSpPr txBox="1">
+            <a:spLocks/>
+          </p:cNvSpPr>
+          <p:nvPr/>
+        </p:nvSpPr>
+        <p:spPr>
+          <a:xfrm>
+            <a:off x="8324526" y="3313437"/>
+            <a:ext cx="3025284" cy="2387600"/>
+          </a:xfrm>
+          <a:prstGeom prst="rect">
+            <a:avLst/>
+          </a:prstGeom>
+        </p:spPr>
+        <p:txBody>
+          <a:bodyPr vert="horz" lIns="91440" tIns="45720" rIns="91440" bIns="45720" rtlCol="0" anchor="ctr">
+            <a:normAutofit/>
+          </a:bodyPr>
+          <a:lstStyle>
+            <a:lvl1pPr algn="l" defTabSz="914400" rtl="0" eaLnBrk="1" latinLnBrk="0" hangingPunct="1">
+              <a:lnSpc>
+                <a:spcPct val="90000"/>
+              </a:lnSpc>
+              <a:spcBef>
+                <a:spcPct val="0"/>
+              </a:spcBef>
+              <a:buNone/>
+              <a:defRPr sz="4400" kern="1200">
+                <a:solidFill>
+                  <a:schemeClr val="tx1"/>
+                </a:solidFill>
+                <a:latin typeface="+mj-lt"/>
+                <a:ea typeface="+mj-ea"/>
+                <a:cs typeface="+mj-cs"/>
+              </a:defRPr>
+            </a:lvl1pPr>
+          </a:lstStyle>
+          <a:p>
+            <a:pPr algn="ctr"/>
+            <a:r>
+              <a:rPr lang="en-US" altLang="zh-CN" sz="3200" b="1" dirty="0" smtClean="0">
+                <a:latin typeface="Roboto Thin" panose="02000000000000000000" pitchFamily="2" charset="0"/>
+                <a:ea typeface="Roboto Thin" panose="02000000000000000000" pitchFamily="2" charset="0"/>
+                <a:cs typeface="Calibri" panose="020F0502020204030204" pitchFamily="34" charset="0"/>
+              </a:rPr>
+              <a:t>Quick community </a:t>
+            </a:r>
+          </a:p>
+          <a:p>
+            <a:pPr algn="ctr"/>
+            <a:r>
+              <a:rPr lang="en-US" altLang="zh-CN" sz="3200" b="1" dirty="0" smtClean="0">
+                <a:latin typeface="Roboto Thin" panose="02000000000000000000" pitchFamily="2" charset="0"/>
+                <a:ea typeface="Roboto Thin" panose="02000000000000000000" pitchFamily="2" charset="0"/>
+                <a:cs typeface="Calibri" panose="020F0502020204030204" pitchFamily="34" charset="0"/>
+              </a:rPr>
+              <a:t>info</a:t>
+            </a:r>
+            <a:endParaRPr lang="zh-CN" altLang="en-US" sz="3200" b="1" dirty="0">
+              <a:latin typeface="Roboto Thin" panose="02000000000000000000" pitchFamily="2" charset="0"/>
+              <a:cs typeface="Calibri" panose="020F0502020204030204" pitchFamily="34" charset="0"/>
+            </a:endParaRPr>
+          </a:p>
+        </p:txBody>
+      </p:sp>
+    </p:spTree>
+    <p:extLst>
+      <p:ext uri="{BB962C8B-B14F-4D97-AF65-F5344CB8AC3E}">
+        <p14:creationId xmlns:p14="http://schemas.microsoft.com/office/powerpoint/2010/main" val="3395012888"/>
+      </p:ext>
+    </p:extLst>
+  </p:cSld>
+  <p:clrMapOvr>
+    <a:masterClrMapping/>
+  </p:clrMapOvr>
+</p:sld>
+</file>
+
+<file path=ppt/slides/slide13.xml><?xml version="1.0" encoding="utf-8"?>
+<p:sld xmlns:a="http://schemas.openxmlformats.org/drawingml/2006/main" xmlns:r="http://schemas.openxmlformats.org/officeDocument/2006/relationships" xmlns:p="http://schemas.openxmlformats.org/presentationml/2006/main">
+  <p:cSld>
+    <p:spTree>
+      <p:nvGrpSpPr>
+        <p:cNvPr id="1" name=""/>
+        <p:cNvGrpSpPr/>
+        <p:nvPr/>
+      </p:nvGrpSpPr>
+      <p:grpSpPr>
+        <a:xfrm>
+          <a:off x="0" y="0"/>
+          <a:ext cx="0" cy="0"/>
+          <a:chOff x="0" y="0"/>
+          <a:chExt cx="0" cy="0"/>
+        </a:xfrm>
+      </p:grpSpPr>
+      <p:sp>
+        <p:nvSpPr>
+          <p:cNvPr id="2" name="Title 1"/>
+          <p:cNvSpPr>
+            <a:spLocks noGrp="1"/>
+          </p:cNvSpPr>
+          <p:nvPr>
+            <p:ph type="title"/>
+          </p:nvPr>
+        </p:nvSpPr>
+        <p:spPr/>
+        <p:txBody>
+          <a:bodyPr/>
+          <a:lstStyle/>
+          <a:p>
+            <a:endParaRPr lang="en-US"/>
+          </a:p>
+        </p:txBody>
+      </p:sp>
+      <p:sp>
+        <p:nvSpPr>
+          <p:cNvPr id="3" name="Content Placeholder 2"/>
+          <p:cNvSpPr>
+            <a:spLocks noGrp="1"/>
+          </p:cNvSpPr>
+          <p:nvPr>
+            <p:ph idx="1"/>
+          </p:nvPr>
+        </p:nvSpPr>
+        <p:spPr/>
+        <p:txBody>
+          <a:bodyPr/>
+          <a:lstStyle/>
+          <a:p>
+            <a:endParaRPr lang="en-US"/>
+          </a:p>
+        </p:txBody>
+      </p:sp>
+      <p:pic>
+        <p:nvPicPr>
+          <p:cNvPr id="4098" name="Picture 2" descr="C:\Users\Wenhao\Dropbox (GeoAdaptive)\2017_042_GA_DATAXLAT\2017_042_GA_DATAXLAT-GIS\WEB\JAVASCRIPT\ProjectDataX\communication\example_1.JPG"/>
+          <p:cNvPicPr>
+            <a:picLocks noChangeAspect="1" noChangeArrowheads="1"/>
+          </p:cNvPicPr>
+          <p:nvPr/>
+        </p:nvPicPr>
+        <p:blipFill>
+          <a:blip r:embed="rId2">
+            <a:extLst>
+              <a:ext uri="{28A0092B-C50C-407E-A947-70E740481C1C}">
+                <a14:useLocalDpi xmlns:a14="http://schemas.microsoft.com/office/drawing/2010/main" val="0"/>
+              </a:ext>
+            </a:extLst>
+          </a:blip>
+          <a:srcRect/>
+          <a:stretch>
+            <a:fillRect/>
+          </a:stretch>
+        </p:blipFill>
+        <p:spPr bwMode="auto">
+          <a:xfrm>
+            <a:off x="122662" y="278779"/>
+            <a:ext cx="11964376" cy="6088566"/>
+          </a:xfrm>
+          <a:prstGeom prst="rect">
+            <a:avLst/>
+          </a:prstGeom>
+          <a:noFill/>
+          <a:extLst>
+            <a:ext uri="{909E8E84-426E-40DD-AFC4-6F175D3DCCD1}">
+              <a14:hiddenFill xmlns:a14="http://schemas.microsoft.com/office/drawing/2010/main">
+                <a:solidFill>
+                  <a:srgbClr val="FFFFFF"/>
+                </a:solidFill>
+              </a14:hiddenFill>
+            </a:ext>
+          </a:extLst>
+        </p:spPr>
+      </p:pic>
+      <p:sp>
+        <p:nvSpPr>
+          <p:cNvPr id="5" name="Title 1">
+            <a:extLst>
+              <a:ext uri="{FF2B5EF4-FFF2-40B4-BE49-F238E27FC236}">
+                <a16:creationId xmlns="" xmlns:a16="http://schemas.microsoft.com/office/drawing/2014/main" id="{ADDC5375-CE02-4A6D-BDEB-689CA3A31589}"/>
+              </a:ext>
+            </a:extLst>
+          </p:cNvPr>
+          <p:cNvSpPr txBox="1">
+            <a:spLocks/>
+          </p:cNvSpPr>
+          <p:nvPr/>
+        </p:nvSpPr>
+        <p:spPr>
+          <a:xfrm>
+            <a:off x="9066362" y="3313437"/>
+            <a:ext cx="3025284" cy="2387600"/>
+          </a:xfrm>
+          <a:prstGeom prst="rect">
+            <a:avLst/>
+          </a:prstGeom>
+        </p:spPr>
+        <p:txBody>
+          <a:bodyPr vert="horz" lIns="91440" tIns="45720" rIns="91440" bIns="45720" rtlCol="0" anchor="ctr">
+            <a:normAutofit/>
+          </a:bodyPr>
+          <a:lstStyle>
+            <a:lvl1pPr algn="l" defTabSz="914400" rtl="0" eaLnBrk="1" latinLnBrk="0" hangingPunct="1">
+              <a:lnSpc>
+                <a:spcPct val="90000"/>
+              </a:lnSpc>
+              <a:spcBef>
+                <a:spcPct val="0"/>
+              </a:spcBef>
+              <a:buNone/>
+              <a:defRPr sz="4400" kern="1200">
+                <a:solidFill>
+                  <a:schemeClr val="tx1"/>
+                </a:solidFill>
+                <a:latin typeface="+mj-lt"/>
+                <a:ea typeface="+mj-ea"/>
+                <a:cs typeface="+mj-cs"/>
+              </a:defRPr>
+            </a:lvl1pPr>
+          </a:lstStyle>
+          <a:p>
+            <a:pPr algn="ctr"/>
+            <a:r>
+              <a:rPr lang="en-US" altLang="zh-CN" sz="3200" b="1" dirty="0">
+                <a:solidFill>
+                  <a:schemeClr val="bg1"/>
+                </a:solidFill>
+                <a:latin typeface="Roboto Thin" panose="02000000000000000000" pitchFamily="2" charset="0"/>
+                <a:ea typeface="Roboto Thin" panose="02000000000000000000" pitchFamily="2" charset="0"/>
+                <a:cs typeface="Calibri" panose="020F0502020204030204" pitchFamily="34" charset="0"/>
+              </a:rPr>
+              <a:t>R</a:t>
+            </a:r>
+            <a:r>
+              <a:rPr lang="en-US" altLang="zh-CN" sz="3200" b="1" dirty="0" smtClean="0">
+                <a:solidFill>
+                  <a:schemeClr val="bg1"/>
+                </a:solidFill>
+                <a:latin typeface="Roboto Thin" panose="02000000000000000000" pitchFamily="2" charset="0"/>
+                <a:ea typeface="Roboto Thin" panose="02000000000000000000" pitchFamily="2" charset="0"/>
+                <a:cs typeface="Calibri" panose="020F0502020204030204" pitchFamily="34" charset="0"/>
+              </a:rPr>
+              <a:t>aster</a:t>
+            </a:r>
+          </a:p>
+          <a:p>
+            <a:pPr algn="ctr"/>
+            <a:r>
+              <a:rPr lang="en-US" altLang="zh-CN" sz="3200" b="1" dirty="0" smtClean="0">
+                <a:solidFill>
+                  <a:schemeClr val="bg1"/>
+                </a:solidFill>
+                <a:latin typeface="Roboto Thin" panose="02000000000000000000" pitchFamily="2" charset="0"/>
+                <a:ea typeface="Roboto Thin" panose="02000000000000000000" pitchFamily="2" charset="0"/>
+                <a:cs typeface="Calibri" panose="020F0502020204030204" pitchFamily="34" charset="0"/>
+              </a:rPr>
+              <a:t>Landsat</a:t>
+            </a:r>
+            <a:endParaRPr lang="en-US" altLang="zh-CN" sz="3200" b="1" dirty="0">
+              <a:solidFill>
+                <a:schemeClr val="bg1"/>
+              </a:solidFill>
+              <a:latin typeface="Roboto Thin" panose="02000000000000000000" pitchFamily="2" charset="0"/>
+              <a:ea typeface="Roboto Thin" panose="02000000000000000000" pitchFamily="2" charset="0"/>
+              <a:cs typeface="Calibri" panose="020F0502020204030204" pitchFamily="34" charset="0"/>
+            </a:endParaRPr>
+          </a:p>
+          <a:p>
+            <a:pPr algn="ctr"/>
+            <a:r>
+              <a:rPr lang="en-US" altLang="zh-CN" sz="3200" b="1" dirty="0" smtClean="0">
+                <a:solidFill>
+                  <a:schemeClr val="bg1"/>
+                </a:solidFill>
+                <a:latin typeface="Roboto Thin" panose="02000000000000000000" pitchFamily="2" charset="0"/>
+                <a:ea typeface="Roboto Thin" panose="02000000000000000000" pitchFamily="2" charset="0"/>
+                <a:cs typeface="Calibri" panose="020F0502020204030204" pitchFamily="34" charset="0"/>
+              </a:rPr>
+              <a:t>Time-track</a:t>
+            </a:r>
+          </a:p>
+        </p:txBody>
+      </p:sp>
+    </p:spTree>
+    <p:extLst>
+      <p:ext uri="{BB962C8B-B14F-4D97-AF65-F5344CB8AC3E}">
+        <p14:creationId xmlns:p14="http://schemas.microsoft.com/office/powerpoint/2010/main" val="3609247770"/>
+      </p:ext>
+    </p:extLst>
+  </p:cSld>
+  <p:clrMapOvr>
+    <a:masterClrMapping/>
+  </p:clrMapOvr>
+</p:sld>
+</file>
+
+<file path=ppt/slides/slide14.xml><?xml version="1.0" encoding="utf-8"?>
+<p:sld xmlns:a="http://schemas.openxmlformats.org/drawingml/2006/main" xmlns:r="http://schemas.openxmlformats.org/officeDocument/2006/relationships" xmlns:p="http://schemas.openxmlformats.org/presentationml/2006/main">
+  <p:cSld>
+    <p:spTree>
+      <p:nvGrpSpPr>
+        <p:cNvPr id="1" name=""/>
+        <p:cNvGrpSpPr/>
+        <p:nvPr/>
+      </p:nvGrpSpPr>
+      <p:grpSpPr>
+        <a:xfrm>
+          <a:off x="0" y="0"/>
+          <a:ext cx="0" cy="0"/>
+          <a:chOff x="0" y="0"/>
+          <a:chExt cx="0" cy="0"/>
+        </a:xfrm>
+      </p:grpSpPr>
+      <p:sp>
+        <p:nvSpPr>
+          <p:cNvPr id="2" name="Title 1"/>
+          <p:cNvSpPr>
+            <a:spLocks noGrp="1"/>
+          </p:cNvSpPr>
+          <p:nvPr>
+            <p:ph type="title"/>
+          </p:nvPr>
+        </p:nvSpPr>
+        <p:spPr/>
+        <p:txBody>
+          <a:bodyPr/>
+          <a:lstStyle/>
+          <a:p>
+            <a:endParaRPr lang="en-US"/>
+          </a:p>
+        </p:txBody>
+      </p:sp>
+      <p:sp>
+        <p:nvSpPr>
+          <p:cNvPr id="3" name="Content Placeholder 2"/>
+          <p:cNvSpPr>
+            <a:spLocks noGrp="1"/>
+          </p:cNvSpPr>
+          <p:nvPr>
+            <p:ph idx="1"/>
+          </p:nvPr>
+        </p:nvSpPr>
+        <p:spPr/>
+        <p:txBody>
+          <a:bodyPr/>
+          <a:lstStyle/>
+          <a:p>
+            <a:endParaRPr lang="en-US"/>
+          </a:p>
+        </p:txBody>
+      </p:sp>
+      <p:pic>
+        <p:nvPicPr>
+          <p:cNvPr id="5122" name="Picture 2"/>
+          <p:cNvPicPr>
+            <a:picLocks noChangeAspect="1" noChangeArrowheads="1"/>
+          </p:cNvPicPr>
+          <p:nvPr/>
+        </p:nvPicPr>
+        <p:blipFill>
+          <a:blip r:embed="rId2">
+            <a:extLst>
+              <a:ext uri="{28A0092B-C50C-407E-A947-70E740481C1C}">
+                <a14:useLocalDpi xmlns:a14="http://schemas.microsoft.com/office/drawing/2010/main" val="0"/>
+              </a:ext>
+            </a:extLst>
+          </a:blip>
+          <a:srcRect/>
+          <a:stretch>
+            <a:fillRect/>
+          </a:stretch>
+        </p:blipFill>
+        <p:spPr bwMode="auto">
+          <a:xfrm>
+            <a:off x="289930" y="58230"/>
+            <a:ext cx="11641874" cy="6740964"/>
+          </a:xfrm>
+          <a:prstGeom prst="rect">
+            <a:avLst/>
+          </a:prstGeom>
+          <a:noFill/>
+          <a:ln>
+            <a:noFill/>
+          </a:ln>
+          <a:extLst>
+            <a:ext uri="{909E8E84-426E-40DD-AFC4-6F175D3DCCD1}">
+              <a14:hiddenFill xmlns:a14="http://schemas.microsoft.com/office/drawing/2010/main">
+                <a:solidFill>
+                  <a:schemeClr val="accent1"/>
+                </a:solidFill>
+              </a14:hiddenFill>
+            </a:ext>
+            <a:ext uri="{91240B29-F687-4F45-9708-019B960494DF}">
+              <a14:hiddenLine xmlns:a14="http://schemas.microsoft.com/office/drawing/2010/main" w="9525">
+                <a:solidFill>
+                  <a:schemeClr val="tx1"/>
+                </a:solidFill>
+                <a:miter lim="800000"/>
+                <a:headEnd/>
+                <a:tailEnd/>
+              </a14:hiddenLine>
+            </a:ext>
+          </a:extLst>
+        </p:spPr>
+      </p:pic>
+      <p:sp>
+        <p:nvSpPr>
+          <p:cNvPr id="5" name="Title 1">
+            <a:extLst>
+              <a:ext uri="{FF2B5EF4-FFF2-40B4-BE49-F238E27FC236}">
+                <a16:creationId xmlns="" xmlns:a16="http://schemas.microsoft.com/office/drawing/2014/main" id="{ADDC5375-CE02-4A6D-BDEB-689CA3A31589}"/>
+              </a:ext>
+            </a:extLst>
+          </p:cNvPr>
+          <p:cNvSpPr txBox="1">
+            <a:spLocks/>
+          </p:cNvSpPr>
+          <p:nvPr/>
+        </p:nvSpPr>
+        <p:spPr>
+          <a:xfrm>
+            <a:off x="9066362" y="3313437"/>
+            <a:ext cx="3025284" cy="2387600"/>
+          </a:xfrm>
+          <a:prstGeom prst="rect">
+            <a:avLst/>
+          </a:prstGeom>
+        </p:spPr>
+        <p:txBody>
+          <a:bodyPr vert="horz" lIns="91440" tIns="45720" rIns="91440" bIns="45720" rtlCol="0" anchor="ctr">
+            <a:normAutofit/>
+          </a:bodyPr>
+          <a:lstStyle>
+            <a:lvl1pPr algn="l" defTabSz="914400" rtl="0" eaLnBrk="1" latinLnBrk="0" hangingPunct="1">
+              <a:lnSpc>
+                <a:spcPct val="90000"/>
+              </a:lnSpc>
+              <a:spcBef>
+                <a:spcPct val="0"/>
+              </a:spcBef>
+              <a:buNone/>
+              <a:defRPr sz="4400" kern="1200">
+                <a:solidFill>
+                  <a:schemeClr val="tx1"/>
+                </a:solidFill>
+                <a:latin typeface="+mj-lt"/>
+                <a:ea typeface="+mj-ea"/>
+                <a:cs typeface="+mj-cs"/>
+              </a:defRPr>
+            </a:lvl1pPr>
+          </a:lstStyle>
+          <a:p>
+            <a:pPr algn="ctr"/>
+            <a:r>
+              <a:rPr lang="en-US" altLang="zh-CN" sz="3200" b="1" dirty="0" smtClean="0">
+                <a:solidFill>
+                  <a:srgbClr val="FF0000"/>
+                </a:solidFill>
+                <a:latin typeface="Roboto Light" panose="02000000000000000000" pitchFamily="2" charset="0"/>
+                <a:ea typeface="Roboto Light" panose="02000000000000000000" pitchFamily="2" charset="0"/>
+                <a:cs typeface="Calibri" panose="020F0502020204030204" pitchFamily="34" charset="0"/>
+              </a:rPr>
+              <a:t>Let’s Brainstorm!</a:t>
+            </a:r>
+          </a:p>
+        </p:txBody>
+      </p:sp>
+    </p:spTree>
+    <p:extLst>
+      <p:ext uri="{BB962C8B-B14F-4D97-AF65-F5344CB8AC3E}">
+        <p14:creationId xmlns:p14="http://schemas.microsoft.com/office/powerpoint/2010/main" val="923133449"/>
       </p:ext>
     </p:extLst>
   </p:cSld>
@@ -3480,7 +4601,7 @@
           <p:cNvPr id="4" name="Rectangle: Rounded Corners 3">
             <a:extLst>
               <a:ext uri="{FF2B5EF4-FFF2-40B4-BE49-F238E27FC236}">
-                <a16:creationId xmlns:a16="http://schemas.microsoft.com/office/drawing/2014/main" xmlns="" id="{7AE6D3E8-429A-4DBC-8186-66C97006A05C}"/>
+                <a16:creationId xmlns="" xmlns:a16="http://schemas.microsoft.com/office/drawing/2014/main" id="{7AE6D3E8-429A-4DBC-8186-66C97006A05C}"/>
               </a:ext>
             </a:extLst>
           </p:cNvPr>
@@ -3542,7 +4663,7 @@
           <p:cNvPr id="5" name="Rectangle: Rounded Corners 4">
             <a:extLst>
               <a:ext uri="{FF2B5EF4-FFF2-40B4-BE49-F238E27FC236}">
-                <a16:creationId xmlns:a16="http://schemas.microsoft.com/office/drawing/2014/main" xmlns="" id="{1C29E29A-B106-4624-8F79-E2513BCDB066}"/>
+                <a16:creationId xmlns="" xmlns:a16="http://schemas.microsoft.com/office/drawing/2014/main" id="{1C29E29A-B106-4624-8F79-E2513BCDB066}"/>
               </a:ext>
             </a:extLst>
           </p:cNvPr>
@@ -3604,7 +4725,7 @@
           <p:cNvPr id="8" name="Straight Connector 7">
             <a:extLst>
               <a:ext uri="{FF2B5EF4-FFF2-40B4-BE49-F238E27FC236}">
-                <a16:creationId xmlns:a16="http://schemas.microsoft.com/office/drawing/2014/main" xmlns="" id="{8AB7AB37-5E71-4790-9163-6E2D8F06C5D2}"/>
+                <a16:creationId xmlns="" xmlns:a16="http://schemas.microsoft.com/office/drawing/2014/main" id="{8AB7AB37-5E71-4790-9163-6E2D8F06C5D2}"/>
               </a:ext>
             </a:extLst>
           </p:cNvPr>
@@ -3651,7 +4772,7 @@
           <p:cNvPr id="9" name="Rectangle: Rounded Corners 8">
             <a:extLst>
               <a:ext uri="{FF2B5EF4-FFF2-40B4-BE49-F238E27FC236}">
-                <a16:creationId xmlns:a16="http://schemas.microsoft.com/office/drawing/2014/main" xmlns="" id="{34D76A11-4FE5-4354-AC0D-0B4C5928A35D}"/>
+                <a16:creationId xmlns="" xmlns:a16="http://schemas.microsoft.com/office/drawing/2014/main" id="{34D76A11-4FE5-4354-AC0D-0B4C5928A35D}"/>
               </a:ext>
             </a:extLst>
           </p:cNvPr>
@@ -3719,7 +4840,7 @@
           <p:cNvPr id="11" name="Title 1">
             <a:extLst>
               <a:ext uri="{FF2B5EF4-FFF2-40B4-BE49-F238E27FC236}">
-                <a16:creationId xmlns:a16="http://schemas.microsoft.com/office/drawing/2014/main" xmlns="" id="{19349C77-5D66-4769-8D49-C3950C04267F}"/>
+                <a16:creationId xmlns="" xmlns:a16="http://schemas.microsoft.com/office/drawing/2014/main" id="{19349C77-5D66-4769-8D49-C3950C04267F}"/>
               </a:ext>
             </a:extLst>
           </p:cNvPr>
@@ -3787,7 +4908,7 @@
           <p:cNvPr id="13" name="Rectangle: Rounded Corners 12">
             <a:extLst>
               <a:ext uri="{FF2B5EF4-FFF2-40B4-BE49-F238E27FC236}">
-                <a16:creationId xmlns:a16="http://schemas.microsoft.com/office/drawing/2014/main" xmlns="" id="{A4384464-3997-4DC6-B88B-C88D7ECD0F93}"/>
+                <a16:creationId xmlns="" xmlns:a16="http://schemas.microsoft.com/office/drawing/2014/main" id="{A4384464-3997-4DC6-B88B-C88D7ECD0F93}"/>
               </a:ext>
             </a:extLst>
           </p:cNvPr>
@@ -3849,7 +4970,7 @@
           <p:cNvPr id="14" name="Rectangle: Rounded Corners 13">
             <a:extLst>
               <a:ext uri="{FF2B5EF4-FFF2-40B4-BE49-F238E27FC236}">
-                <a16:creationId xmlns:a16="http://schemas.microsoft.com/office/drawing/2014/main" xmlns="" id="{5AB64382-4D54-4A20-985E-F85D6B4A85F3}"/>
+                <a16:creationId xmlns="" xmlns:a16="http://schemas.microsoft.com/office/drawing/2014/main" id="{5AB64382-4D54-4A20-985E-F85D6B4A85F3}"/>
               </a:ext>
             </a:extLst>
           </p:cNvPr>
@@ -3912,7 +5033,7 @@
           <p:cNvPr id="15" name="Rectangle: Rounded Corners 14">
             <a:extLst>
               <a:ext uri="{FF2B5EF4-FFF2-40B4-BE49-F238E27FC236}">
-                <a16:creationId xmlns:a16="http://schemas.microsoft.com/office/drawing/2014/main" xmlns="" id="{955330A8-4B39-4E27-9FE5-32642B1CCDDB}"/>
+                <a16:creationId xmlns="" xmlns:a16="http://schemas.microsoft.com/office/drawing/2014/main" id="{955330A8-4B39-4E27-9FE5-32642B1CCDDB}"/>
               </a:ext>
             </a:extLst>
           </p:cNvPr>
@@ -3974,7 +5095,7 @@
           <p:cNvPr id="18" name="Straight Connector 17">
             <a:extLst>
               <a:ext uri="{FF2B5EF4-FFF2-40B4-BE49-F238E27FC236}">
-                <a16:creationId xmlns:a16="http://schemas.microsoft.com/office/drawing/2014/main" xmlns="" id="{EA42D686-110F-4639-A0AB-2E0A96A5365C}"/>
+                <a16:creationId xmlns="" xmlns:a16="http://schemas.microsoft.com/office/drawing/2014/main" id="{EA42D686-110F-4639-A0AB-2E0A96A5365C}"/>
               </a:ext>
             </a:extLst>
           </p:cNvPr>
@@ -4021,7 +5142,7 @@
           <p:cNvPr id="20" name="Title 1">
             <a:extLst>
               <a:ext uri="{FF2B5EF4-FFF2-40B4-BE49-F238E27FC236}">
-                <a16:creationId xmlns:a16="http://schemas.microsoft.com/office/drawing/2014/main" xmlns="" id="{2C468AAE-A447-49A8-8C28-230BDAE26D13}"/>
+                <a16:creationId xmlns="" xmlns:a16="http://schemas.microsoft.com/office/drawing/2014/main" id="{2C468AAE-A447-49A8-8C28-230BDAE26D13}"/>
               </a:ext>
             </a:extLst>
           </p:cNvPr>
@@ -4105,7 +5226,7 @@
           <p:cNvPr id="23" name="Straight Connector 22">
             <a:extLst>
               <a:ext uri="{FF2B5EF4-FFF2-40B4-BE49-F238E27FC236}">
-                <a16:creationId xmlns:a16="http://schemas.microsoft.com/office/drawing/2014/main" xmlns="" id="{7E10A8ED-5CF3-44AA-93B0-6083B56F5BCE}"/>
+                <a16:creationId xmlns="" xmlns:a16="http://schemas.microsoft.com/office/drawing/2014/main" id="{7E10A8ED-5CF3-44AA-93B0-6083B56F5BCE}"/>
               </a:ext>
             </a:extLst>
           </p:cNvPr>
@@ -4152,7 +5273,7 @@
           <p:cNvPr id="25" name="Title 1">
             <a:extLst>
               <a:ext uri="{FF2B5EF4-FFF2-40B4-BE49-F238E27FC236}">
-                <a16:creationId xmlns:a16="http://schemas.microsoft.com/office/drawing/2014/main" xmlns="" id="{110E16D8-6FC5-4D1B-B102-30F7497A62EE}"/>
+                <a16:creationId xmlns="" xmlns:a16="http://schemas.microsoft.com/office/drawing/2014/main" id="{110E16D8-6FC5-4D1B-B102-30F7497A62EE}"/>
               </a:ext>
             </a:extLst>
           </p:cNvPr>
@@ -4232,7 +5353,7 @@
           <p:cNvPr id="42" name="Straight Connector 41">
             <a:extLst>
               <a:ext uri="{FF2B5EF4-FFF2-40B4-BE49-F238E27FC236}">
-                <a16:creationId xmlns:a16="http://schemas.microsoft.com/office/drawing/2014/main" xmlns="" id="{3375B066-8289-4792-B281-6D9D7ACE5F6D}"/>
+                <a16:creationId xmlns="" xmlns:a16="http://schemas.microsoft.com/office/drawing/2014/main" id="{3375B066-8289-4792-B281-6D9D7ACE5F6D}"/>
               </a:ext>
             </a:extLst>
           </p:cNvPr>
@@ -4279,7 +5400,7 @@
           <p:cNvPr id="46" name="Straight Connector 45">
             <a:extLst>
               <a:ext uri="{FF2B5EF4-FFF2-40B4-BE49-F238E27FC236}">
-                <a16:creationId xmlns:a16="http://schemas.microsoft.com/office/drawing/2014/main" xmlns="" id="{D223C2CE-78B5-4C3C-86AD-E0953AD4A1AD}"/>
+                <a16:creationId xmlns="" xmlns:a16="http://schemas.microsoft.com/office/drawing/2014/main" id="{D223C2CE-78B5-4C3C-86AD-E0953AD4A1AD}"/>
               </a:ext>
             </a:extLst>
           </p:cNvPr>
@@ -4326,7 +5447,7 @@
           <p:cNvPr id="62" name="Rectangle: Rounded Corners 61">
             <a:extLst>
               <a:ext uri="{FF2B5EF4-FFF2-40B4-BE49-F238E27FC236}">
-                <a16:creationId xmlns:a16="http://schemas.microsoft.com/office/drawing/2014/main" xmlns="" id="{E3D4FE25-5F4C-4FF5-A3AB-5D9E0304B0EB}"/>
+                <a16:creationId xmlns="" xmlns:a16="http://schemas.microsoft.com/office/drawing/2014/main" id="{E3D4FE25-5F4C-4FF5-A3AB-5D9E0304B0EB}"/>
               </a:ext>
             </a:extLst>
           </p:cNvPr>
@@ -4388,7 +5509,7 @@
           <p:cNvPr id="63" name="Straight Connector 62">
             <a:extLst>
               <a:ext uri="{FF2B5EF4-FFF2-40B4-BE49-F238E27FC236}">
-                <a16:creationId xmlns:a16="http://schemas.microsoft.com/office/drawing/2014/main" xmlns="" id="{B0BFD3EA-DDF7-4CA9-8296-3A4C72115579}"/>
+                <a16:creationId xmlns="" xmlns:a16="http://schemas.microsoft.com/office/drawing/2014/main" id="{B0BFD3EA-DDF7-4CA9-8296-3A4C72115579}"/>
               </a:ext>
             </a:extLst>
           </p:cNvPr>
@@ -4465,7 +5586,7 @@
           <p:cNvPr id="4" name="Rectangle: Rounded Corners 3">
             <a:extLst>
               <a:ext uri="{FF2B5EF4-FFF2-40B4-BE49-F238E27FC236}">
-                <a16:creationId xmlns:a16="http://schemas.microsoft.com/office/drawing/2014/main" xmlns="" id="{7AE6D3E8-429A-4DBC-8186-66C97006A05C}"/>
+                <a16:creationId xmlns="" xmlns:a16="http://schemas.microsoft.com/office/drawing/2014/main" id="{7AE6D3E8-429A-4DBC-8186-66C97006A05C}"/>
               </a:ext>
             </a:extLst>
           </p:cNvPr>
@@ -4533,7 +5654,7 @@
           <p:cNvPr id="5" name="Straight Connector 4">
             <a:extLst>
               <a:ext uri="{FF2B5EF4-FFF2-40B4-BE49-F238E27FC236}">
-                <a16:creationId xmlns:a16="http://schemas.microsoft.com/office/drawing/2014/main" xmlns="" id="{8AB7AB37-5E71-4790-9163-6E2D8F06C5D2}"/>
+                <a16:creationId xmlns="" xmlns:a16="http://schemas.microsoft.com/office/drawing/2014/main" id="{8AB7AB37-5E71-4790-9163-6E2D8F06C5D2}"/>
               </a:ext>
             </a:extLst>
           </p:cNvPr>
@@ -4620,7 +5741,7 @@
           <p:cNvPr id="9" name="Straight Connector 8">
             <a:extLst>
               <a:ext uri="{FF2B5EF4-FFF2-40B4-BE49-F238E27FC236}">
-                <a16:creationId xmlns:a16="http://schemas.microsoft.com/office/drawing/2014/main" xmlns="" id="{8AB7AB37-5E71-4790-9163-6E2D8F06C5D2}"/>
+                <a16:creationId xmlns="" xmlns:a16="http://schemas.microsoft.com/office/drawing/2014/main" id="{8AB7AB37-5E71-4790-9163-6E2D8F06C5D2}"/>
               </a:ext>
             </a:extLst>
           </p:cNvPr>
@@ -4666,7 +5787,7 @@
           <p:cNvPr id="11" name="Straight Connector 10">
             <a:extLst>
               <a:ext uri="{FF2B5EF4-FFF2-40B4-BE49-F238E27FC236}">
-                <a16:creationId xmlns:a16="http://schemas.microsoft.com/office/drawing/2014/main" xmlns="" id="{8AB7AB37-5E71-4790-9163-6E2D8F06C5D2}"/>
+                <a16:creationId xmlns="" xmlns:a16="http://schemas.microsoft.com/office/drawing/2014/main" id="{8AB7AB37-5E71-4790-9163-6E2D8F06C5D2}"/>
               </a:ext>
             </a:extLst>
           </p:cNvPr>
@@ -4712,7 +5833,7 @@
           <p:cNvPr id="14" name="Rectangle: Rounded Corners 3">
             <a:extLst>
               <a:ext uri="{FF2B5EF4-FFF2-40B4-BE49-F238E27FC236}">
-                <a16:creationId xmlns:a16="http://schemas.microsoft.com/office/drawing/2014/main" xmlns="" id="{7AE6D3E8-429A-4DBC-8186-66C97006A05C}"/>
+                <a16:creationId xmlns="" xmlns:a16="http://schemas.microsoft.com/office/drawing/2014/main" id="{7AE6D3E8-429A-4DBC-8186-66C97006A05C}"/>
               </a:ext>
             </a:extLst>
           </p:cNvPr>
@@ -4774,7 +5895,7 @@
           <p:cNvPr id="15" name="Rectangle: Rounded Corners 3">
             <a:extLst>
               <a:ext uri="{FF2B5EF4-FFF2-40B4-BE49-F238E27FC236}">
-                <a16:creationId xmlns:a16="http://schemas.microsoft.com/office/drawing/2014/main" xmlns="" id="{7AE6D3E8-429A-4DBC-8186-66C97006A05C}"/>
+                <a16:creationId xmlns="" xmlns:a16="http://schemas.microsoft.com/office/drawing/2014/main" id="{7AE6D3E8-429A-4DBC-8186-66C97006A05C}"/>
               </a:ext>
             </a:extLst>
           </p:cNvPr>
@@ -4836,7 +5957,7 @@
           <p:cNvPr id="16" name="Rectangle: Rounded Corners 3">
             <a:extLst>
               <a:ext uri="{FF2B5EF4-FFF2-40B4-BE49-F238E27FC236}">
-                <a16:creationId xmlns:a16="http://schemas.microsoft.com/office/drawing/2014/main" xmlns="" id="{7AE6D3E8-429A-4DBC-8186-66C97006A05C}"/>
+                <a16:creationId xmlns="" xmlns:a16="http://schemas.microsoft.com/office/drawing/2014/main" id="{7AE6D3E8-429A-4DBC-8186-66C97006A05C}"/>
               </a:ext>
             </a:extLst>
           </p:cNvPr>
@@ -4898,7 +6019,7 @@
           <p:cNvPr id="17" name="Rectangle: Rounded Corners 3">
             <a:extLst>
               <a:ext uri="{FF2B5EF4-FFF2-40B4-BE49-F238E27FC236}">
-                <a16:creationId xmlns:a16="http://schemas.microsoft.com/office/drawing/2014/main" xmlns="" id="{7AE6D3E8-429A-4DBC-8186-66C97006A05C}"/>
+                <a16:creationId xmlns="" xmlns:a16="http://schemas.microsoft.com/office/drawing/2014/main" id="{7AE6D3E8-429A-4DBC-8186-66C97006A05C}"/>
               </a:ext>
             </a:extLst>
           </p:cNvPr>
@@ -4960,7 +6081,7 @@
           <p:cNvPr id="18" name="Rectangle: Rounded Corners 3">
             <a:extLst>
               <a:ext uri="{FF2B5EF4-FFF2-40B4-BE49-F238E27FC236}">
-                <a16:creationId xmlns:a16="http://schemas.microsoft.com/office/drawing/2014/main" xmlns="" id="{7AE6D3E8-429A-4DBC-8186-66C97006A05C}"/>
+                <a16:creationId xmlns="" xmlns:a16="http://schemas.microsoft.com/office/drawing/2014/main" id="{7AE6D3E8-429A-4DBC-8186-66C97006A05C}"/>
               </a:ext>
             </a:extLst>
           </p:cNvPr>
@@ -5063,7 +6184,7 @@
           <p:cNvPr id="19" name="Rectangle: Rounded Corners 3">
             <a:extLst>
               <a:ext uri="{FF2B5EF4-FFF2-40B4-BE49-F238E27FC236}">
-                <a16:creationId xmlns:a16="http://schemas.microsoft.com/office/drawing/2014/main" xmlns="" id="{7AE6D3E8-429A-4DBC-8186-66C97006A05C}"/>
+                <a16:creationId xmlns="" xmlns:a16="http://schemas.microsoft.com/office/drawing/2014/main" id="{7AE6D3E8-429A-4DBC-8186-66C97006A05C}"/>
               </a:ext>
             </a:extLst>
           </p:cNvPr>
@@ -5125,7 +6246,7 @@
           <p:cNvPr id="20" name="Straight Connector 19">
             <a:extLst>
               <a:ext uri="{FF2B5EF4-FFF2-40B4-BE49-F238E27FC236}">
-                <a16:creationId xmlns:a16="http://schemas.microsoft.com/office/drawing/2014/main" xmlns="" id="{8AB7AB37-5E71-4790-9163-6E2D8F06C5D2}"/>
+                <a16:creationId xmlns="" xmlns:a16="http://schemas.microsoft.com/office/drawing/2014/main" id="{8AB7AB37-5E71-4790-9163-6E2D8F06C5D2}"/>
               </a:ext>
             </a:extLst>
           </p:cNvPr>
@@ -5172,7 +6293,7 @@
           <p:cNvPr id="24" name="Straight Connector 23">
             <a:extLst>
               <a:ext uri="{FF2B5EF4-FFF2-40B4-BE49-F238E27FC236}">
-                <a16:creationId xmlns:a16="http://schemas.microsoft.com/office/drawing/2014/main" xmlns="" id="{8AB7AB37-5E71-4790-9163-6E2D8F06C5D2}"/>
+                <a16:creationId xmlns="" xmlns:a16="http://schemas.microsoft.com/office/drawing/2014/main" id="{8AB7AB37-5E71-4790-9163-6E2D8F06C5D2}"/>
               </a:ext>
             </a:extLst>
           </p:cNvPr>
@@ -5219,7 +6340,7 @@
           <p:cNvPr id="27" name="Straight Connector 26">
             <a:extLst>
               <a:ext uri="{FF2B5EF4-FFF2-40B4-BE49-F238E27FC236}">
-                <a16:creationId xmlns:a16="http://schemas.microsoft.com/office/drawing/2014/main" xmlns="" id="{8AB7AB37-5E71-4790-9163-6E2D8F06C5D2}"/>
+                <a16:creationId xmlns="" xmlns:a16="http://schemas.microsoft.com/office/drawing/2014/main" id="{8AB7AB37-5E71-4790-9163-6E2D8F06C5D2}"/>
               </a:ext>
             </a:extLst>
           </p:cNvPr>
@@ -5293,52 +6414,1565 @@
       </p:grpSpPr>
       <p:sp>
         <p:nvSpPr>
-          <p:cNvPr id="2" name="Title 1"/>
-          <p:cNvSpPr>
-            <a:spLocks noGrp="1"/>
-          </p:cNvSpPr>
-          <p:nvPr>
-            <p:ph type="title"/>
-          </p:nvPr>
-        </p:nvSpPr>
-        <p:spPr/>
-        <p:txBody>
-          <a:bodyPr/>
-          <a:lstStyle/>
-          <a:p>
-            <a:endParaRPr lang="en-US"/>
-          </a:p>
-        </p:txBody>
-      </p:sp>
-      <p:sp>
-        <p:nvSpPr>
-          <p:cNvPr id="3" name="Content Placeholder 2"/>
-          <p:cNvSpPr>
-            <a:spLocks noGrp="1"/>
-          </p:cNvSpPr>
-          <p:nvPr>
-            <p:ph idx="1"/>
-          </p:nvPr>
-        </p:nvSpPr>
-        <p:spPr/>
-        <p:txBody>
-          <a:bodyPr/>
-          <a:lstStyle/>
-          <a:p>
-            <a:endParaRPr lang="en-US"/>
+          <p:cNvPr id="75" name="Rectangle: Rounded Corners 3">
+            <a:extLst>
+              <a:ext uri="{FF2B5EF4-FFF2-40B4-BE49-F238E27FC236}">
+                <a16:creationId xmlns="" xmlns:a16="http://schemas.microsoft.com/office/drawing/2014/main" id="{7AE6D3E8-429A-4DBC-8186-66C97006A05C}"/>
+              </a:ext>
+            </a:extLst>
+          </p:cNvPr>
+          <p:cNvSpPr/>
+          <p:nvPr/>
+        </p:nvSpPr>
+        <p:spPr>
+          <a:xfrm>
+            <a:off x="8854249" y="2790016"/>
+            <a:ext cx="1290004" cy="602093"/>
+          </a:xfrm>
+          <a:prstGeom prst="roundRect">
+            <a:avLst/>
+          </a:prstGeom>
+          <a:noFill/>
+          <a:ln w="19050">
+            <a:solidFill>
+              <a:schemeClr val="bg1"/>
+            </a:solidFill>
+          </a:ln>
+        </p:spPr>
+        <p:style>
+          <a:lnRef idx="2">
+            <a:schemeClr val="accent1">
+              <a:shade val="50000"/>
+            </a:schemeClr>
+          </a:lnRef>
+          <a:fillRef idx="1">
+            <a:schemeClr val="accent1"/>
+          </a:fillRef>
+          <a:effectRef idx="0">
+            <a:schemeClr val="accent1"/>
+          </a:effectRef>
+          <a:fontRef idx="minor">
+            <a:schemeClr val="lt1"/>
+          </a:fontRef>
+        </p:style>
+        <p:txBody>
+          <a:bodyPr rtlCol="0" anchor="ctr"/>
+          <a:lstStyle/>
+          <a:p>
+            <a:pPr algn="ctr"/>
+            <a:r>
+              <a:rPr lang="en-US" altLang="zh-CN" sz="1200" dirty="0" smtClean="0">
+                <a:latin typeface="Roboto Light" panose="02000000000000000000" pitchFamily="2" charset="0"/>
+                <a:ea typeface="Roboto Light" panose="02000000000000000000" pitchFamily="2" charset="0"/>
+              </a:rPr>
+              <a:t>Member B’s</a:t>
+            </a:r>
+          </a:p>
+          <a:p>
+            <a:pPr algn="ctr"/>
+            <a:r>
+              <a:rPr lang="en-US" altLang="zh-CN" sz="1200" dirty="0" smtClean="0">
+                <a:latin typeface="Roboto Light" panose="02000000000000000000" pitchFamily="2" charset="0"/>
+                <a:ea typeface="Roboto Light" panose="02000000000000000000" pitchFamily="2" charset="0"/>
+              </a:rPr>
+              <a:t>Code</a:t>
+            </a:r>
+            <a:endParaRPr lang="zh-CN" altLang="en-US" sz="1200" dirty="0">
+              <a:latin typeface="Roboto Light" panose="02000000000000000000" pitchFamily="2" charset="0"/>
+              <a:ea typeface="Roboto Light" panose="02000000000000000000" pitchFamily="2" charset="0"/>
+            </a:endParaRPr>
+          </a:p>
+        </p:txBody>
+      </p:sp>
+      <p:cxnSp>
+        <p:nvCxnSpPr>
+          <p:cNvPr id="5" name="Straight Connector 4">
+            <a:extLst>
+              <a:ext uri="{FF2B5EF4-FFF2-40B4-BE49-F238E27FC236}">
+                <a16:creationId xmlns="" xmlns:a16="http://schemas.microsoft.com/office/drawing/2014/main" id="{8AB7AB37-5E71-4790-9163-6E2D8F06C5D2}"/>
+              </a:ext>
+            </a:extLst>
+          </p:cNvPr>
+          <p:cNvCxnSpPr>
+            <a:cxnSpLocks/>
+            <a:stCxn id="25" idx="3"/>
+            <a:endCxn id="23" idx="1"/>
+          </p:cNvCxnSpPr>
+          <p:nvPr/>
+        </p:nvCxnSpPr>
+        <p:spPr>
+          <a:xfrm flipV="1">
+            <a:off x="4681119" y="2250538"/>
+            <a:ext cx="1066880" cy="821430"/>
+          </a:xfrm>
+          <a:prstGeom prst="line">
+            <a:avLst/>
+          </a:prstGeom>
+          <a:ln w="12700">
+            <a:solidFill>
+              <a:schemeClr val="bg1"/>
+            </a:solidFill>
+            <a:prstDash val="dash"/>
+            <a:tailEnd type="triangle" w="med" len="lg"/>
+          </a:ln>
+        </p:spPr>
+        <p:style>
+          <a:lnRef idx="1">
+            <a:schemeClr val="accent1"/>
+          </a:lnRef>
+          <a:fillRef idx="0">
+            <a:schemeClr val="accent1"/>
+          </a:fillRef>
+          <a:effectRef idx="0">
+            <a:schemeClr val="accent1"/>
+          </a:effectRef>
+          <a:fontRef idx="minor">
+            <a:schemeClr val="tx1"/>
+          </a:fontRef>
+        </p:style>
+      </p:cxnSp>
+      <p:sp>
+        <p:nvSpPr>
+          <p:cNvPr id="7" name="Rectangle 6"/>
+          <p:cNvSpPr/>
+          <p:nvPr/>
+        </p:nvSpPr>
+        <p:spPr>
+          <a:xfrm>
+            <a:off x="1024154" y="380364"/>
+            <a:ext cx="984564" cy="369332"/>
+          </a:xfrm>
+          <a:prstGeom prst="rect">
+            <a:avLst/>
+          </a:prstGeom>
+        </p:spPr>
+        <p:txBody>
+          <a:bodyPr wrap="none">
+            <a:spAutoFit/>
+          </a:bodyPr>
+          <a:lstStyle/>
+          <a:p>
+            <a:pPr algn="ctr"/>
+            <a:r>
+              <a:rPr lang="en-US" altLang="zh-CN" b="1" dirty="0" smtClean="0">
+                <a:solidFill>
+                  <a:schemeClr val="bg1"/>
+                </a:solidFill>
+                <a:latin typeface="Roboto Light" panose="02000000000000000000" pitchFamily="2" charset="0"/>
+                <a:ea typeface="Roboto Light" panose="02000000000000000000" pitchFamily="2" charset="0"/>
+              </a:rPr>
+              <a:t>GITHUB</a:t>
+            </a:r>
+            <a:endParaRPr lang="zh-CN" altLang="en-US" b="1" dirty="0">
+              <a:solidFill>
+                <a:schemeClr val="bg1"/>
+              </a:solidFill>
+              <a:latin typeface="Roboto Light" panose="02000000000000000000" pitchFamily="2" charset="0"/>
+              <a:ea typeface="Roboto Light" panose="02000000000000000000" pitchFamily="2" charset="0"/>
+            </a:endParaRPr>
+          </a:p>
+        </p:txBody>
+      </p:sp>
+      <p:sp>
+        <p:nvSpPr>
+          <p:cNvPr id="14" name="Rectangle: Rounded Corners 3">
+            <a:extLst>
+              <a:ext uri="{FF2B5EF4-FFF2-40B4-BE49-F238E27FC236}">
+                <a16:creationId xmlns="" xmlns:a16="http://schemas.microsoft.com/office/drawing/2014/main" id="{7AE6D3E8-429A-4DBC-8186-66C97006A05C}"/>
+              </a:ext>
+            </a:extLst>
+          </p:cNvPr>
+          <p:cNvSpPr/>
+          <p:nvPr/>
+        </p:nvSpPr>
+        <p:spPr>
+          <a:xfrm>
+            <a:off x="1287851" y="1397468"/>
+            <a:ext cx="1441731" cy="853070"/>
+          </a:xfrm>
+          <a:prstGeom prst="roundRect">
+            <a:avLst/>
+          </a:prstGeom>
+          <a:noFill/>
+          <a:ln w="19050">
+            <a:solidFill>
+              <a:schemeClr val="bg1"/>
+            </a:solidFill>
+          </a:ln>
+        </p:spPr>
+        <p:style>
+          <a:lnRef idx="2">
+            <a:schemeClr val="accent1">
+              <a:shade val="50000"/>
+            </a:schemeClr>
+          </a:lnRef>
+          <a:fillRef idx="1">
+            <a:schemeClr val="accent1"/>
+          </a:fillRef>
+          <a:effectRef idx="0">
+            <a:schemeClr val="accent1"/>
+          </a:effectRef>
+          <a:fontRef idx="minor">
+            <a:schemeClr val="lt1"/>
+          </a:fontRef>
+        </p:style>
+        <p:txBody>
+          <a:bodyPr rtlCol="0" anchor="ctr"/>
+          <a:lstStyle/>
+          <a:p>
+            <a:pPr algn="ctr"/>
+            <a:r>
+              <a:rPr lang="en-US" altLang="zh-CN" sz="1400" dirty="0" smtClean="0">
+                <a:latin typeface="Roboto Light" panose="02000000000000000000" pitchFamily="2" charset="0"/>
+                <a:ea typeface="Roboto Light" panose="02000000000000000000" pitchFamily="2" charset="0"/>
+              </a:rPr>
+              <a:t>Team </a:t>
+            </a:r>
+          </a:p>
+          <a:p>
+            <a:pPr algn="ctr"/>
+            <a:r>
+              <a:rPr lang="en-US" altLang="zh-CN" sz="1400" dirty="0" smtClean="0">
+                <a:latin typeface="Roboto Light" panose="02000000000000000000" pitchFamily="2" charset="0"/>
+                <a:ea typeface="Roboto Light" panose="02000000000000000000" pitchFamily="2" charset="0"/>
+              </a:rPr>
+              <a:t>GA</a:t>
+            </a:r>
+            <a:endParaRPr lang="zh-CN" altLang="en-US" sz="1400" dirty="0">
+              <a:latin typeface="Roboto Light" panose="02000000000000000000" pitchFamily="2" charset="0"/>
+              <a:ea typeface="Roboto Light" panose="02000000000000000000" pitchFamily="2" charset="0"/>
+            </a:endParaRPr>
+          </a:p>
+        </p:txBody>
+      </p:sp>
+      <p:sp>
+        <p:nvSpPr>
+          <p:cNvPr id="23" name="Rectangle: Rounded Corners 3">
+            <a:extLst>
+              <a:ext uri="{FF2B5EF4-FFF2-40B4-BE49-F238E27FC236}">
+                <a16:creationId xmlns="" xmlns:a16="http://schemas.microsoft.com/office/drawing/2014/main" id="{7AE6D3E8-429A-4DBC-8186-66C97006A05C}"/>
+              </a:ext>
+            </a:extLst>
+          </p:cNvPr>
+          <p:cNvSpPr/>
+          <p:nvPr/>
+        </p:nvSpPr>
+        <p:spPr>
+          <a:xfrm>
+            <a:off x="5747999" y="1949491"/>
+            <a:ext cx="1153102" cy="602093"/>
+          </a:xfrm>
+          <a:prstGeom prst="roundRect">
+            <a:avLst/>
+          </a:prstGeom>
+          <a:noFill/>
+          <a:ln w="19050">
+            <a:solidFill>
+              <a:schemeClr val="bg1"/>
+            </a:solidFill>
+          </a:ln>
+        </p:spPr>
+        <p:style>
+          <a:lnRef idx="2">
+            <a:schemeClr val="accent1">
+              <a:shade val="50000"/>
+            </a:schemeClr>
+          </a:lnRef>
+          <a:fillRef idx="1">
+            <a:schemeClr val="accent1"/>
+          </a:fillRef>
+          <a:effectRef idx="0">
+            <a:schemeClr val="accent1"/>
+          </a:effectRef>
+          <a:fontRef idx="minor">
+            <a:schemeClr val="lt1"/>
+          </a:fontRef>
+        </p:style>
+        <p:txBody>
+          <a:bodyPr rtlCol="0" anchor="ctr"/>
+          <a:lstStyle/>
+          <a:p>
+            <a:pPr algn="ctr"/>
+            <a:r>
+              <a:rPr lang="en-US" altLang="zh-CN" sz="1200" dirty="0" smtClean="0">
+                <a:latin typeface="Roboto Light" panose="02000000000000000000" pitchFamily="2" charset="0"/>
+                <a:ea typeface="Roboto Light" panose="02000000000000000000" pitchFamily="2" charset="0"/>
+              </a:rPr>
+              <a:t>Member A’s</a:t>
+            </a:r>
+          </a:p>
+          <a:p>
+            <a:pPr algn="ctr"/>
+            <a:r>
+              <a:rPr lang="en-US" altLang="zh-CN" sz="1200" dirty="0" smtClean="0">
+                <a:latin typeface="Roboto Light" panose="02000000000000000000" pitchFamily="2" charset="0"/>
+                <a:ea typeface="Roboto Light" panose="02000000000000000000" pitchFamily="2" charset="0"/>
+              </a:rPr>
+              <a:t>Repo</a:t>
+            </a:r>
+            <a:endParaRPr lang="zh-CN" altLang="en-US" sz="1200" dirty="0">
+              <a:latin typeface="Roboto Light" panose="02000000000000000000" pitchFamily="2" charset="0"/>
+              <a:ea typeface="Roboto Light" panose="02000000000000000000" pitchFamily="2" charset="0"/>
+            </a:endParaRPr>
+          </a:p>
+        </p:txBody>
+      </p:sp>
+      <p:sp>
+        <p:nvSpPr>
+          <p:cNvPr id="25" name="Rectangle: Rounded Corners 3">
+            <a:extLst>
+              <a:ext uri="{FF2B5EF4-FFF2-40B4-BE49-F238E27FC236}">
+                <a16:creationId xmlns="" xmlns:a16="http://schemas.microsoft.com/office/drawing/2014/main" id="{7AE6D3E8-429A-4DBC-8186-66C97006A05C}"/>
+              </a:ext>
+            </a:extLst>
+          </p:cNvPr>
+          <p:cNvSpPr/>
+          <p:nvPr/>
+        </p:nvSpPr>
+        <p:spPr>
+          <a:xfrm>
+            <a:off x="3239388" y="2645433"/>
+            <a:ext cx="1441731" cy="853070"/>
+          </a:xfrm>
+          <a:prstGeom prst="roundRect">
+            <a:avLst/>
+          </a:prstGeom>
+          <a:noFill/>
+          <a:ln w="19050">
+            <a:solidFill>
+              <a:schemeClr val="bg1"/>
+            </a:solidFill>
+          </a:ln>
+        </p:spPr>
+        <p:style>
+          <a:lnRef idx="2">
+            <a:schemeClr val="accent1">
+              <a:shade val="50000"/>
+            </a:schemeClr>
+          </a:lnRef>
+          <a:fillRef idx="1">
+            <a:schemeClr val="accent1"/>
+          </a:fillRef>
+          <a:effectRef idx="0">
+            <a:schemeClr val="accent1"/>
+          </a:effectRef>
+          <a:fontRef idx="minor">
+            <a:schemeClr val="lt1"/>
+          </a:fontRef>
+        </p:style>
+        <p:txBody>
+          <a:bodyPr rtlCol="0" anchor="ctr"/>
+          <a:lstStyle/>
+          <a:p>
+            <a:pPr algn="ctr"/>
+            <a:r>
+              <a:rPr lang="en-US" altLang="zh-CN" sz="1400" dirty="0" smtClean="0">
+                <a:latin typeface="Roboto Light" panose="02000000000000000000" pitchFamily="2" charset="0"/>
+                <a:ea typeface="Roboto Light" panose="02000000000000000000" pitchFamily="2" charset="0"/>
+              </a:rPr>
+              <a:t>Project #1.0</a:t>
+            </a:r>
+            <a:endParaRPr lang="zh-CN" altLang="en-US" sz="1400" dirty="0">
+              <a:latin typeface="Roboto Light" panose="02000000000000000000" pitchFamily="2" charset="0"/>
+              <a:ea typeface="Roboto Light" panose="02000000000000000000" pitchFamily="2" charset="0"/>
+            </a:endParaRPr>
+          </a:p>
+        </p:txBody>
+      </p:sp>
+      <p:cxnSp>
+        <p:nvCxnSpPr>
+          <p:cNvPr id="8" name="Straight Connector 7"/>
+          <p:cNvCxnSpPr/>
+          <p:nvPr/>
+        </p:nvCxnSpPr>
+        <p:spPr>
+          <a:xfrm flipH="1">
+            <a:off x="2003788" y="2250538"/>
+            <a:ext cx="4931" cy="3417017"/>
+          </a:xfrm>
+          <a:prstGeom prst="line">
+            <a:avLst/>
+          </a:prstGeom>
+          <a:ln w="12700">
+            <a:solidFill>
+              <a:schemeClr val="bg1"/>
+            </a:solidFill>
+            <a:prstDash val="dash"/>
+          </a:ln>
+        </p:spPr>
+        <p:style>
+          <a:lnRef idx="1">
+            <a:schemeClr val="accent1"/>
+          </a:lnRef>
+          <a:fillRef idx="0">
+            <a:schemeClr val="accent1"/>
+          </a:fillRef>
+          <a:effectRef idx="0">
+            <a:schemeClr val="accent1"/>
+          </a:effectRef>
+          <a:fontRef idx="minor">
+            <a:schemeClr val="tx1"/>
+          </a:fontRef>
+        </p:style>
+      </p:cxnSp>
+      <p:cxnSp>
+        <p:nvCxnSpPr>
+          <p:cNvPr id="26" name="Straight Connector 25"/>
+          <p:cNvCxnSpPr>
+            <a:stCxn id="25" idx="1"/>
+          </p:cNvCxnSpPr>
+          <p:nvPr/>
+        </p:nvCxnSpPr>
+        <p:spPr>
+          <a:xfrm flipH="1">
+            <a:off x="2003788" y="3071968"/>
+            <a:ext cx="1235600" cy="8625"/>
+          </a:xfrm>
+          <a:prstGeom prst="line">
+            <a:avLst/>
+          </a:prstGeom>
+          <a:ln w="12700">
+            <a:solidFill>
+              <a:schemeClr val="bg1"/>
+            </a:solidFill>
+            <a:prstDash val="dash"/>
+          </a:ln>
+        </p:spPr>
+        <p:style>
+          <a:lnRef idx="1">
+            <a:schemeClr val="accent1"/>
+          </a:lnRef>
+          <a:fillRef idx="0">
+            <a:schemeClr val="accent1"/>
+          </a:fillRef>
+          <a:effectRef idx="0">
+            <a:schemeClr val="accent1"/>
+          </a:effectRef>
+          <a:fontRef idx="minor">
+            <a:schemeClr val="tx1"/>
+          </a:fontRef>
+        </p:style>
+      </p:cxnSp>
+      <p:sp>
+        <p:nvSpPr>
+          <p:cNvPr id="28" name="Rectangle: Rounded Corners 3">
+            <a:extLst>
+              <a:ext uri="{FF2B5EF4-FFF2-40B4-BE49-F238E27FC236}">
+                <a16:creationId xmlns="" xmlns:a16="http://schemas.microsoft.com/office/drawing/2014/main" id="{7AE6D3E8-429A-4DBC-8186-66C97006A05C}"/>
+              </a:ext>
+            </a:extLst>
+          </p:cNvPr>
+          <p:cNvSpPr/>
+          <p:nvPr/>
+        </p:nvSpPr>
+        <p:spPr>
+          <a:xfrm>
+            <a:off x="3239388" y="3636525"/>
+            <a:ext cx="1441731" cy="853070"/>
+          </a:xfrm>
+          <a:prstGeom prst="roundRect">
+            <a:avLst/>
+          </a:prstGeom>
+          <a:noFill/>
+          <a:ln w="12700">
+            <a:solidFill>
+              <a:schemeClr val="bg1"/>
+            </a:solidFill>
+            <a:prstDash val="dash"/>
+          </a:ln>
+        </p:spPr>
+        <p:style>
+          <a:lnRef idx="2">
+            <a:schemeClr val="accent1">
+              <a:shade val="50000"/>
+            </a:schemeClr>
+          </a:lnRef>
+          <a:fillRef idx="1">
+            <a:schemeClr val="accent1"/>
+          </a:fillRef>
+          <a:effectRef idx="0">
+            <a:schemeClr val="accent1"/>
+          </a:effectRef>
+          <a:fontRef idx="minor">
+            <a:schemeClr val="lt1"/>
+          </a:fontRef>
+        </p:style>
+        <p:txBody>
+          <a:bodyPr rtlCol="0" anchor="ctr"/>
+          <a:lstStyle/>
+          <a:p>
+            <a:pPr algn="ctr"/>
+            <a:r>
+              <a:rPr lang="en-US" altLang="zh-CN" sz="1400" dirty="0" smtClean="0">
+                <a:latin typeface="Roboto Light" panose="02000000000000000000" pitchFamily="2" charset="0"/>
+                <a:ea typeface="Roboto Light" panose="02000000000000000000" pitchFamily="2" charset="0"/>
+              </a:rPr>
+              <a:t>Project #1.1</a:t>
+            </a:r>
+            <a:endParaRPr lang="zh-CN" altLang="en-US" sz="1400" dirty="0">
+              <a:latin typeface="Roboto Light" panose="02000000000000000000" pitchFamily="2" charset="0"/>
+              <a:ea typeface="Roboto Light" panose="02000000000000000000" pitchFamily="2" charset="0"/>
+            </a:endParaRPr>
+          </a:p>
+        </p:txBody>
+      </p:sp>
+      <p:cxnSp>
+        <p:nvCxnSpPr>
+          <p:cNvPr id="29" name="Straight Connector 28"/>
+          <p:cNvCxnSpPr>
+            <a:stCxn id="28" idx="1"/>
+          </p:cNvCxnSpPr>
+          <p:nvPr/>
+        </p:nvCxnSpPr>
+        <p:spPr>
+          <a:xfrm flipH="1">
+            <a:off x="2008719" y="4063060"/>
+            <a:ext cx="1230669" cy="0"/>
+          </a:xfrm>
+          <a:prstGeom prst="line">
+            <a:avLst/>
+          </a:prstGeom>
+          <a:ln w="12700">
+            <a:solidFill>
+              <a:schemeClr val="bg1"/>
+            </a:solidFill>
+            <a:prstDash val="dash"/>
+          </a:ln>
+        </p:spPr>
+        <p:style>
+          <a:lnRef idx="1">
+            <a:schemeClr val="accent1"/>
+          </a:lnRef>
+          <a:fillRef idx="0">
+            <a:schemeClr val="accent1"/>
+          </a:fillRef>
+          <a:effectRef idx="0">
+            <a:schemeClr val="accent1"/>
+          </a:effectRef>
+          <a:fontRef idx="minor">
+            <a:schemeClr val="tx1"/>
+          </a:fontRef>
+        </p:style>
+      </p:cxnSp>
+      <p:sp>
+        <p:nvSpPr>
+          <p:cNvPr id="30" name="Rectangle: Rounded Corners 3">
+            <a:extLst>
+              <a:ext uri="{FF2B5EF4-FFF2-40B4-BE49-F238E27FC236}">
+                <a16:creationId xmlns="" xmlns:a16="http://schemas.microsoft.com/office/drawing/2014/main" id="{7AE6D3E8-429A-4DBC-8186-66C97006A05C}"/>
+              </a:ext>
+            </a:extLst>
+          </p:cNvPr>
+          <p:cNvSpPr/>
+          <p:nvPr/>
+        </p:nvSpPr>
+        <p:spPr>
+          <a:xfrm>
+            <a:off x="3239388" y="4626633"/>
+            <a:ext cx="1441731" cy="853070"/>
+          </a:xfrm>
+          <a:prstGeom prst="roundRect">
+            <a:avLst/>
+          </a:prstGeom>
+          <a:noFill/>
+          <a:ln w="12700">
+            <a:solidFill>
+              <a:schemeClr val="bg1">
+                <a:alpha val="25000"/>
+              </a:schemeClr>
+            </a:solidFill>
+            <a:prstDash val="dashDot"/>
+          </a:ln>
+        </p:spPr>
+        <p:style>
+          <a:lnRef idx="2">
+            <a:schemeClr val="accent1">
+              <a:shade val="50000"/>
+            </a:schemeClr>
+          </a:lnRef>
+          <a:fillRef idx="1">
+            <a:schemeClr val="accent1"/>
+          </a:fillRef>
+          <a:effectRef idx="0">
+            <a:schemeClr val="accent1"/>
+          </a:effectRef>
+          <a:fontRef idx="minor">
+            <a:schemeClr val="lt1"/>
+          </a:fontRef>
+        </p:style>
+        <p:txBody>
+          <a:bodyPr rtlCol="0" anchor="ctr"/>
+          <a:lstStyle/>
+          <a:p>
+            <a:pPr algn="ctr"/>
+            <a:r>
+              <a:rPr lang="en-US" altLang="zh-CN" sz="1400" dirty="0" smtClean="0">
+                <a:latin typeface="Roboto Light" panose="02000000000000000000" pitchFamily="2" charset="0"/>
+                <a:ea typeface="Roboto Light" panose="02000000000000000000" pitchFamily="2" charset="0"/>
+              </a:rPr>
+              <a:t>Project #1.2</a:t>
+            </a:r>
+            <a:endParaRPr lang="zh-CN" altLang="en-US" sz="1400" dirty="0">
+              <a:latin typeface="Roboto Light" panose="02000000000000000000" pitchFamily="2" charset="0"/>
+              <a:ea typeface="Roboto Light" panose="02000000000000000000" pitchFamily="2" charset="0"/>
+            </a:endParaRPr>
+          </a:p>
+        </p:txBody>
+      </p:sp>
+      <p:cxnSp>
+        <p:nvCxnSpPr>
+          <p:cNvPr id="31" name="Straight Connector 30"/>
+          <p:cNvCxnSpPr>
+            <a:stCxn id="30" idx="1"/>
+          </p:cNvCxnSpPr>
+          <p:nvPr/>
+        </p:nvCxnSpPr>
+        <p:spPr>
+          <a:xfrm flipH="1">
+            <a:off x="2008719" y="5053168"/>
+            <a:ext cx="1230669" cy="0"/>
+          </a:xfrm>
+          <a:prstGeom prst="line">
+            <a:avLst/>
+          </a:prstGeom>
+          <a:ln w="12700">
+            <a:solidFill>
+              <a:schemeClr val="bg1"/>
+            </a:solidFill>
+            <a:prstDash val="dash"/>
+          </a:ln>
+        </p:spPr>
+        <p:style>
+          <a:lnRef idx="1">
+            <a:schemeClr val="accent1"/>
+          </a:lnRef>
+          <a:fillRef idx="0">
+            <a:schemeClr val="accent1"/>
+          </a:fillRef>
+          <a:effectRef idx="0">
+            <a:schemeClr val="accent1"/>
+          </a:effectRef>
+          <a:fontRef idx="minor">
+            <a:schemeClr val="tx1"/>
+          </a:fontRef>
+        </p:style>
+      </p:cxnSp>
+      <p:sp>
+        <p:nvSpPr>
+          <p:cNvPr id="39" name="Rectangle 38"/>
+          <p:cNvSpPr/>
+          <p:nvPr/>
+        </p:nvSpPr>
+        <p:spPr>
+          <a:xfrm>
+            <a:off x="3866970" y="419076"/>
+            <a:ext cx="971740" cy="338554"/>
+          </a:xfrm>
+          <a:prstGeom prst="rect">
+            <a:avLst/>
+          </a:prstGeom>
+        </p:spPr>
+        <p:txBody>
+          <a:bodyPr wrap="none">
+            <a:spAutoFit/>
+          </a:bodyPr>
+          <a:lstStyle/>
+          <a:p>
+            <a:pPr algn="ctr"/>
+            <a:r>
+              <a:rPr lang="en-US" altLang="zh-CN" sz="1600" b="1" dirty="0" smtClean="0">
+                <a:solidFill>
+                  <a:schemeClr val="tx1">
+                    <a:lumMod val="65000"/>
+                    <a:lumOff val="35000"/>
+                  </a:schemeClr>
+                </a:solidFill>
+                <a:latin typeface="Roboto Light" panose="02000000000000000000" pitchFamily="2" charset="0"/>
+                <a:ea typeface="Roboto Light" panose="02000000000000000000" pitchFamily="2" charset="0"/>
+              </a:rPr>
+              <a:t>REMOTE</a:t>
+            </a:r>
+            <a:endParaRPr lang="zh-CN" altLang="en-US" sz="1600" b="1" dirty="0">
+              <a:solidFill>
+                <a:schemeClr val="tx1">
+                  <a:lumMod val="65000"/>
+                  <a:lumOff val="35000"/>
+                </a:schemeClr>
+              </a:solidFill>
+              <a:latin typeface="Roboto Light" panose="02000000000000000000" pitchFamily="2" charset="0"/>
+              <a:ea typeface="Roboto Light" panose="02000000000000000000" pitchFamily="2" charset="0"/>
+            </a:endParaRPr>
+          </a:p>
+        </p:txBody>
+      </p:sp>
+      <p:sp>
+        <p:nvSpPr>
+          <p:cNvPr id="47" name="Rectangle: Rounded Corners 3">
+            <a:extLst>
+              <a:ext uri="{FF2B5EF4-FFF2-40B4-BE49-F238E27FC236}">
+                <a16:creationId xmlns="" xmlns:a16="http://schemas.microsoft.com/office/drawing/2014/main" id="{7AE6D3E8-429A-4DBC-8186-66C97006A05C}"/>
+              </a:ext>
+            </a:extLst>
+          </p:cNvPr>
+          <p:cNvSpPr/>
+          <p:nvPr/>
+        </p:nvSpPr>
+        <p:spPr>
+          <a:xfrm>
+            <a:off x="8854249" y="1939893"/>
+            <a:ext cx="1290004" cy="602093"/>
+          </a:xfrm>
+          <a:prstGeom prst="roundRect">
+            <a:avLst/>
+          </a:prstGeom>
+          <a:noFill/>
+          <a:ln w="19050">
+            <a:solidFill>
+              <a:schemeClr val="bg1"/>
+            </a:solidFill>
+          </a:ln>
+        </p:spPr>
+        <p:style>
+          <a:lnRef idx="2">
+            <a:schemeClr val="accent1">
+              <a:shade val="50000"/>
+            </a:schemeClr>
+          </a:lnRef>
+          <a:fillRef idx="1">
+            <a:schemeClr val="accent1"/>
+          </a:fillRef>
+          <a:effectRef idx="0">
+            <a:schemeClr val="accent1"/>
+          </a:effectRef>
+          <a:fontRef idx="minor">
+            <a:schemeClr val="lt1"/>
+          </a:fontRef>
+        </p:style>
+        <p:txBody>
+          <a:bodyPr rtlCol="0" anchor="ctr"/>
+          <a:lstStyle/>
+          <a:p>
+            <a:pPr algn="ctr"/>
+            <a:r>
+              <a:rPr lang="en-US" altLang="zh-CN" sz="1200" dirty="0" smtClean="0">
+                <a:latin typeface="Roboto Light" panose="02000000000000000000" pitchFamily="2" charset="0"/>
+                <a:ea typeface="Roboto Light" panose="02000000000000000000" pitchFamily="2" charset="0"/>
+              </a:rPr>
+              <a:t>Member A’s</a:t>
+            </a:r>
+          </a:p>
+          <a:p>
+            <a:pPr algn="ctr"/>
+            <a:r>
+              <a:rPr lang="en-US" altLang="zh-CN" sz="1200" dirty="0" smtClean="0">
+                <a:latin typeface="Roboto Light" panose="02000000000000000000" pitchFamily="2" charset="0"/>
+                <a:ea typeface="Roboto Light" panose="02000000000000000000" pitchFamily="2" charset="0"/>
+              </a:rPr>
+              <a:t>Code</a:t>
+            </a:r>
+            <a:endParaRPr lang="zh-CN" altLang="en-US" sz="1200" dirty="0">
+              <a:latin typeface="Roboto Light" panose="02000000000000000000" pitchFamily="2" charset="0"/>
+              <a:ea typeface="Roboto Light" panose="02000000000000000000" pitchFamily="2" charset="0"/>
+            </a:endParaRPr>
+          </a:p>
+        </p:txBody>
+      </p:sp>
+      <p:sp>
+        <p:nvSpPr>
+          <p:cNvPr id="50" name="Rectangle 49"/>
+          <p:cNvSpPr/>
+          <p:nvPr/>
+        </p:nvSpPr>
+        <p:spPr>
+          <a:xfrm>
+            <a:off x="7320702" y="1824003"/>
+            <a:ext cx="615874" cy="307777"/>
+          </a:xfrm>
+          <a:prstGeom prst="rect">
+            <a:avLst/>
+          </a:prstGeom>
+        </p:spPr>
+        <p:txBody>
+          <a:bodyPr wrap="none">
+            <a:spAutoFit/>
+          </a:bodyPr>
+          <a:lstStyle/>
+          <a:p>
+            <a:pPr algn="ctr"/>
+            <a:r>
+              <a:rPr lang="en-US" altLang="zh-CN" sz="1400" b="1" i="1" dirty="0" smtClean="0">
+                <a:solidFill>
+                  <a:schemeClr val="accent5">
+                    <a:lumMod val="50000"/>
+                  </a:schemeClr>
+                </a:solidFill>
+                <a:latin typeface="Roboto Light" panose="02000000000000000000" pitchFamily="2" charset="0"/>
+                <a:ea typeface="Roboto Light" panose="02000000000000000000" pitchFamily="2" charset="0"/>
+              </a:rPr>
+              <a:t>Clone</a:t>
+            </a:r>
+            <a:endParaRPr lang="zh-CN" altLang="en-US" sz="1400" b="1" i="1" dirty="0">
+              <a:solidFill>
+                <a:schemeClr val="accent5">
+                  <a:lumMod val="50000"/>
+                </a:schemeClr>
+              </a:solidFill>
+              <a:latin typeface="Roboto Light" panose="02000000000000000000" pitchFamily="2" charset="0"/>
+              <a:ea typeface="Roboto Light" panose="02000000000000000000" pitchFamily="2" charset="0"/>
+            </a:endParaRPr>
+          </a:p>
+        </p:txBody>
+      </p:sp>
+      <p:cxnSp>
+        <p:nvCxnSpPr>
+          <p:cNvPr id="64" name="Straight Connector 63">
+            <a:extLst>
+              <a:ext uri="{FF2B5EF4-FFF2-40B4-BE49-F238E27FC236}">
+                <a16:creationId xmlns="" xmlns:a16="http://schemas.microsoft.com/office/drawing/2014/main" id="{8AB7AB37-5E71-4790-9163-6E2D8F06C5D2}"/>
+              </a:ext>
+            </a:extLst>
+          </p:cNvPr>
+          <p:cNvCxnSpPr>
+            <a:cxnSpLocks/>
+            <a:stCxn id="80" idx="3"/>
+            <a:endCxn id="75" idx="1"/>
+          </p:cNvCxnSpPr>
+          <p:nvPr/>
+        </p:nvCxnSpPr>
+        <p:spPr>
+          <a:xfrm>
+            <a:off x="6901101" y="3080594"/>
+            <a:ext cx="1953148" cy="10469"/>
+          </a:xfrm>
+          <a:prstGeom prst="line">
+            <a:avLst/>
+          </a:prstGeom>
+          <a:ln w="12700">
+            <a:solidFill>
+              <a:schemeClr val="bg1"/>
+            </a:solidFill>
+            <a:prstDash val="dash"/>
+            <a:tailEnd type="triangle" w="med" len="lg"/>
+          </a:ln>
+        </p:spPr>
+        <p:style>
+          <a:lnRef idx="1">
+            <a:schemeClr val="accent1"/>
+          </a:lnRef>
+          <a:fillRef idx="0">
+            <a:schemeClr val="accent1"/>
+          </a:fillRef>
+          <a:effectRef idx="0">
+            <a:schemeClr val="accent1"/>
+          </a:effectRef>
+          <a:fontRef idx="minor">
+            <a:schemeClr val="tx1"/>
+          </a:fontRef>
+        </p:style>
+      </p:cxnSp>
+      <p:sp>
+        <p:nvSpPr>
+          <p:cNvPr id="80" name="Rectangle: Rounded Corners 3">
+            <a:extLst>
+              <a:ext uri="{FF2B5EF4-FFF2-40B4-BE49-F238E27FC236}">
+                <a16:creationId xmlns="" xmlns:a16="http://schemas.microsoft.com/office/drawing/2014/main" id="{7AE6D3E8-429A-4DBC-8186-66C97006A05C}"/>
+              </a:ext>
+            </a:extLst>
+          </p:cNvPr>
+          <p:cNvSpPr/>
+          <p:nvPr/>
+        </p:nvSpPr>
+        <p:spPr>
+          <a:xfrm>
+            <a:off x="5747999" y="2779547"/>
+            <a:ext cx="1153102" cy="602093"/>
+          </a:xfrm>
+          <a:prstGeom prst="roundRect">
+            <a:avLst/>
+          </a:prstGeom>
+          <a:noFill/>
+          <a:ln w="19050">
+            <a:solidFill>
+              <a:schemeClr val="bg1"/>
+            </a:solidFill>
+          </a:ln>
+        </p:spPr>
+        <p:style>
+          <a:lnRef idx="2">
+            <a:schemeClr val="accent1">
+              <a:shade val="50000"/>
+            </a:schemeClr>
+          </a:lnRef>
+          <a:fillRef idx="1">
+            <a:schemeClr val="accent1"/>
+          </a:fillRef>
+          <a:effectRef idx="0">
+            <a:schemeClr val="accent1"/>
+          </a:effectRef>
+          <a:fontRef idx="minor">
+            <a:schemeClr val="lt1"/>
+          </a:fontRef>
+        </p:style>
+        <p:txBody>
+          <a:bodyPr rtlCol="0" anchor="ctr"/>
+          <a:lstStyle/>
+          <a:p>
+            <a:pPr algn="ctr"/>
+            <a:r>
+              <a:rPr lang="en-US" altLang="zh-CN" sz="1200" dirty="0" smtClean="0">
+                <a:latin typeface="Roboto Light" panose="02000000000000000000" pitchFamily="2" charset="0"/>
+                <a:ea typeface="Roboto Light" panose="02000000000000000000" pitchFamily="2" charset="0"/>
+              </a:rPr>
+              <a:t>Member B’s</a:t>
+            </a:r>
+          </a:p>
+          <a:p>
+            <a:pPr algn="ctr"/>
+            <a:r>
+              <a:rPr lang="en-US" altLang="zh-CN" sz="1200" dirty="0" smtClean="0">
+                <a:latin typeface="Roboto Light" panose="02000000000000000000" pitchFamily="2" charset="0"/>
+                <a:ea typeface="Roboto Light" panose="02000000000000000000" pitchFamily="2" charset="0"/>
+              </a:rPr>
+              <a:t>Repo</a:t>
+            </a:r>
+            <a:endParaRPr lang="zh-CN" altLang="en-US" sz="1200" dirty="0">
+              <a:latin typeface="Roboto Light" panose="02000000000000000000" pitchFamily="2" charset="0"/>
+              <a:ea typeface="Roboto Light" panose="02000000000000000000" pitchFamily="2" charset="0"/>
+            </a:endParaRPr>
+          </a:p>
+        </p:txBody>
+      </p:sp>
+      <p:cxnSp>
+        <p:nvCxnSpPr>
+          <p:cNvPr id="81" name="Straight Connector 80">
+            <a:extLst>
+              <a:ext uri="{FF2B5EF4-FFF2-40B4-BE49-F238E27FC236}">
+                <a16:creationId xmlns="" xmlns:a16="http://schemas.microsoft.com/office/drawing/2014/main" id="{8AB7AB37-5E71-4790-9163-6E2D8F06C5D2}"/>
+              </a:ext>
+            </a:extLst>
+          </p:cNvPr>
+          <p:cNvCxnSpPr>
+            <a:cxnSpLocks/>
+            <a:stCxn id="25" idx="3"/>
+            <a:endCxn id="80" idx="1"/>
+          </p:cNvCxnSpPr>
+          <p:nvPr/>
+        </p:nvCxnSpPr>
+        <p:spPr>
+          <a:xfrm>
+            <a:off x="4681119" y="3071968"/>
+            <a:ext cx="1066880" cy="8626"/>
+          </a:xfrm>
+          <a:prstGeom prst="line">
+            <a:avLst/>
+          </a:prstGeom>
+          <a:ln w="12700">
+            <a:solidFill>
+              <a:schemeClr val="bg1"/>
+            </a:solidFill>
+            <a:prstDash val="dash"/>
+            <a:tailEnd type="triangle" w="med" len="lg"/>
+          </a:ln>
+        </p:spPr>
+        <p:style>
+          <a:lnRef idx="1">
+            <a:schemeClr val="accent1"/>
+          </a:lnRef>
+          <a:fillRef idx="0">
+            <a:schemeClr val="accent1"/>
+          </a:fillRef>
+          <a:effectRef idx="0">
+            <a:schemeClr val="accent1"/>
+          </a:effectRef>
+          <a:fontRef idx="minor">
+            <a:schemeClr val="tx1"/>
+          </a:fontRef>
+        </p:style>
+      </p:cxnSp>
+      <p:sp>
+        <p:nvSpPr>
+          <p:cNvPr id="85" name="Rectangle: Rounded Corners 3">
+            <a:extLst>
+              <a:ext uri="{FF2B5EF4-FFF2-40B4-BE49-F238E27FC236}">
+                <a16:creationId xmlns="" xmlns:a16="http://schemas.microsoft.com/office/drawing/2014/main" id="{7AE6D3E8-429A-4DBC-8186-66C97006A05C}"/>
+              </a:ext>
+            </a:extLst>
+          </p:cNvPr>
+          <p:cNvSpPr/>
+          <p:nvPr/>
+        </p:nvSpPr>
+        <p:spPr>
+          <a:xfrm>
+            <a:off x="5747999" y="3657999"/>
+            <a:ext cx="1153102" cy="602093"/>
+          </a:xfrm>
+          <a:prstGeom prst="roundRect">
+            <a:avLst/>
+          </a:prstGeom>
+          <a:noFill/>
+          <a:ln w="19050">
+            <a:solidFill>
+              <a:schemeClr val="bg1"/>
+            </a:solidFill>
+          </a:ln>
+        </p:spPr>
+        <p:style>
+          <a:lnRef idx="2">
+            <a:schemeClr val="accent1">
+              <a:shade val="50000"/>
+            </a:schemeClr>
+          </a:lnRef>
+          <a:fillRef idx="1">
+            <a:schemeClr val="accent1"/>
+          </a:fillRef>
+          <a:effectRef idx="0">
+            <a:schemeClr val="accent1"/>
+          </a:effectRef>
+          <a:fontRef idx="minor">
+            <a:schemeClr val="lt1"/>
+          </a:fontRef>
+        </p:style>
+        <p:txBody>
+          <a:bodyPr rtlCol="0" anchor="ctr"/>
+          <a:lstStyle/>
+          <a:p>
+            <a:pPr algn="ctr"/>
+            <a:r>
+              <a:rPr lang="en-US" altLang="zh-CN" sz="1200" dirty="0" smtClean="0">
+                <a:latin typeface="Roboto Light" panose="02000000000000000000" pitchFamily="2" charset="0"/>
+                <a:ea typeface="Roboto Light" panose="02000000000000000000" pitchFamily="2" charset="0"/>
+              </a:rPr>
+              <a:t>Member C’s</a:t>
+            </a:r>
+          </a:p>
+          <a:p>
+            <a:pPr algn="ctr"/>
+            <a:r>
+              <a:rPr lang="en-US" altLang="zh-CN" sz="1200" dirty="0" smtClean="0">
+                <a:latin typeface="Roboto Light" panose="02000000000000000000" pitchFamily="2" charset="0"/>
+                <a:ea typeface="Roboto Light" panose="02000000000000000000" pitchFamily="2" charset="0"/>
+              </a:rPr>
+              <a:t>Repo</a:t>
+            </a:r>
+            <a:endParaRPr lang="zh-CN" altLang="en-US" sz="1200" dirty="0">
+              <a:latin typeface="Roboto Light" panose="02000000000000000000" pitchFamily="2" charset="0"/>
+              <a:ea typeface="Roboto Light" panose="02000000000000000000" pitchFamily="2" charset="0"/>
+            </a:endParaRPr>
+          </a:p>
+        </p:txBody>
+      </p:sp>
+      <p:cxnSp>
+        <p:nvCxnSpPr>
+          <p:cNvPr id="86" name="Straight Connector 85">
+            <a:extLst>
+              <a:ext uri="{FF2B5EF4-FFF2-40B4-BE49-F238E27FC236}">
+                <a16:creationId xmlns="" xmlns:a16="http://schemas.microsoft.com/office/drawing/2014/main" id="{8AB7AB37-5E71-4790-9163-6E2D8F06C5D2}"/>
+              </a:ext>
+            </a:extLst>
+          </p:cNvPr>
+          <p:cNvCxnSpPr>
+            <a:cxnSpLocks/>
+            <a:stCxn id="25" idx="3"/>
+            <a:endCxn id="85" idx="1"/>
+          </p:cNvCxnSpPr>
+          <p:nvPr/>
+        </p:nvCxnSpPr>
+        <p:spPr>
+          <a:xfrm>
+            <a:off x="4681119" y="3071968"/>
+            <a:ext cx="1066880" cy="887078"/>
+          </a:xfrm>
+          <a:prstGeom prst="line">
+            <a:avLst/>
+          </a:prstGeom>
+          <a:ln w="12700">
+            <a:solidFill>
+              <a:schemeClr val="bg1"/>
+            </a:solidFill>
+            <a:prstDash val="dash"/>
+            <a:tailEnd type="triangle" w="med" len="lg"/>
+          </a:ln>
+        </p:spPr>
+        <p:style>
+          <a:lnRef idx="1">
+            <a:schemeClr val="accent1"/>
+          </a:lnRef>
+          <a:fillRef idx="0">
+            <a:schemeClr val="accent1"/>
+          </a:fillRef>
+          <a:effectRef idx="0">
+            <a:schemeClr val="accent1"/>
+          </a:effectRef>
+          <a:fontRef idx="minor">
+            <a:schemeClr val="tx1"/>
+          </a:fontRef>
+        </p:style>
+      </p:cxnSp>
+      <p:cxnSp>
+        <p:nvCxnSpPr>
+          <p:cNvPr id="100" name="Straight Connector 99">
+            <a:extLst>
+              <a:ext uri="{FF2B5EF4-FFF2-40B4-BE49-F238E27FC236}">
+                <a16:creationId xmlns="" xmlns:a16="http://schemas.microsoft.com/office/drawing/2014/main" id="{8AB7AB37-5E71-4790-9163-6E2D8F06C5D2}"/>
+              </a:ext>
+            </a:extLst>
+          </p:cNvPr>
+          <p:cNvCxnSpPr>
+            <a:cxnSpLocks/>
+            <a:stCxn id="23" idx="3"/>
+            <a:endCxn id="47" idx="1"/>
+          </p:cNvCxnSpPr>
+          <p:nvPr/>
+        </p:nvCxnSpPr>
+        <p:spPr>
+          <a:xfrm flipV="1">
+            <a:off x="6901101" y="2240940"/>
+            <a:ext cx="1953148" cy="9598"/>
+          </a:xfrm>
+          <a:prstGeom prst="line">
+            <a:avLst/>
+          </a:prstGeom>
+          <a:ln w="12700">
+            <a:solidFill>
+              <a:schemeClr val="bg1"/>
+            </a:solidFill>
+            <a:prstDash val="dash"/>
+            <a:tailEnd type="triangle" w="med" len="lg"/>
+          </a:ln>
+        </p:spPr>
+        <p:style>
+          <a:lnRef idx="1">
+            <a:schemeClr val="accent1"/>
+          </a:lnRef>
+          <a:fillRef idx="0">
+            <a:schemeClr val="accent1"/>
+          </a:fillRef>
+          <a:effectRef idx="0">
+            <a:schemeClr val="accent1"/>
+          </a:effectRef>
+          <a:fontRef idx="minor">
+            <a:schemeClr val="tx1"/>
+          </a:fontRef>
+        </p:style>
+      </p:cxnSp>
+      <p:sp>
+        <p:nvSpPr>
+          <p:cNvPr id="102" name="Rectangle: Rounded Corners 3">
+            <a:extLst>
+              <a:ext uri="{FF2B5EF4-FFF2-40B4-BE49-F238E27FC236}">
+                <a16:creationId xmlns="" xmlns:a16="http://schemas.microsoft.com/office/drawing/2014/main" id="{7AE6D3E8-429A-4DBC-8186-66C97006A05C}"/>
+              </a:ext>
+            </a:extLst>
+          </p:cNvPr>
+          <p:cNvSpPr/>
+          <p:nvPr/>
+        </p:nvSpPr>
+        <p:spPr>
+          <a:xfrm>
+            <a:off x="8854249" y="3671858"/>
+            <a:ext cx="1290004" cy="602093"/>
+          </a:xfrm>
+          <a:prstGeom prst="roundRect">
+            <a:avLst/>
+          </a:prstGeom>
+          <a:noFill/>
+          <a:ln w="19050">
+            <a:solidFill>
+              <a:schemeClr val="bg1"/>
+            </a:solidFill>
+          </a:ln>
+        </p:spPr>
+        <p:style>
+          <a:lnRef idx="2">
+            <a:schemeClr val="accent1">
+              <a:shade val="50000"/>
+            </a:schemeClr>
+          </a:lnRef>
+          <a:fillRef idx="1">
+            <a:schemeClr val="accent1"/>
+          </a:fillRef>
+          <a:effectRef idx="0">
+            <a:schemeClr val="accent1"/>
+          </a:effectRef>
+          <a:fontRef idx="minor">
+            <a:schemeClr val="lt1"/>
+          </a:fontRef>
+        </p:style>
+        <p:txBody>
+          <a:bodyPr rtlCol="0" anchor="ctr"/>
+          <a:lstStyle/>
+          <a:p>
+            <a:pPr algn="ctr"/>
+            <a:r>
+              <a:rPr lang="en-US" altLang="zh-CN" sz="1200" dirty="0" smtClean="0">
+                <a:latin typeface="Roboto Light" panose="02000000000000000000" pitchFamily="2" charset="0"/>
+                <a:ea typeface="Roboto Light" panose="02000000000000000000" pitchFamily="2" charset="0"/>
+              </a:rPr>
+              <a:t>Member C’s</a:t>
+            </a:r>
+          </a:p>
+          <a:p>
+            <a:pPr algn="ctr"/>
+            <a:r>
+              <a:rPr lang="en-US" altLang="zh-CN" sz="1200" dirty="0" smtClean="0">
+                <a:latin typeface="Roboto Light" panose="02000000000000000000" pitchFamily="2" charset="0"/>
+                <a:ea typeface="Roboto Light" panose="02000000000000000000" pitchFamily="2" charset="0"/>
+              </a:rPr>
+              <a:t>Code</a:t>
+            </a:r>
+            <a:endParaRPr lang="zh-CN" altLang="en-US" sz="1200" dirty="0">
+              <a:latin typeface="Roboto Light" panose="02000000000000000000" pitchFamily="2" charset="0"/>
+              <a:ea typeface="Roboto Light" panose="02000000000000000000" pitchFamily="2" charset="0"/>
+            </a:endParaRPr>
+          </a:p>
+        </p:txBody>
+      </p:sp>
+      <p:cxnSp>
+        <p:nvCxnSpPr>
+          <p:cNvPr id="103" name="Straight Connector 102">
+            <a:extLst>
+              <a:ext uri="{FF2B5EF4-FFF2-40B4-BE49-F238E27FC236}">
+                <a16:creationId xmlns="" xmlns:a16="http://schemas.microsoft.com/office/drawing/2014/main" id="{8AB7AB37-5E71-4790-9163-6E2D8F06C5D2}"/>
+              </a:ext>
+            </a:extLst>
+          </p:cNvPr>
+          <p:cNvCxnSpPr>
+            <a:cxnSpLocks/>
+            <a:stCxn id="85" idx="3"/>
+            <a:endCxn id="102" idx="1"/>
+          </p:cNvCxnSpPr>
+          <p:nvPr/>
+        </p:nvCxnSpPr>
+        <p:spPr>
+          <a:xfrm>
+            <a:off x="6901101" y="3959046"/>
+            <a:ext cx="1953148" cy="13859"/>
+          </a:xfrm>
+          <a:prstGeom prst="line">
+            <a:avLst/>
+          </a:prstGeom>
+          <a:ln w="12700">
+            <a:solidFill>
+              <a:schemeClr val="bg1"/>
+            </a:solidFill>
+            <a:prstDash val="dash"/>
+            <a:tailEnd type="triangle" w="med" len="lg"/>
+          </a:ln>
+        </p:spPr>
+        <p:style>
+          <a:lnRef idx="1">
+            <a:schemeClr val="accent1"/>
+          </a:lnRef>
+          <a:fillRef idx="0">
+            <a:schemeClr val="accent1"/>
+          </a:fillRef>
+          <a:effectRef idx="0">
+            <a:schemeClr val="accent1"/>
+          </a:effectRef>
+          <a:fontRef idx="minor">
+            <a:schemeClr val="tx1"/>
+          </a:fontRef>
+        </p:style>
+      </p:cxnSp>
+      <p:sp>
+        <p:nvSpPr>
+          <p:cNvPr id="104" name="Rectangle 103"/>
+          <p:cNvSpPr/>
+          <p:nvPr/>
+        </p:nvSpPr>
+        <p:spPr>
+          <a:xfrm>
+            <a:off x="7361267" y="2661253"/>
+            <a:ext cx="615874" cy="307777"/>
+          </a:xfrm>
+          <a:prstGeom prst="rect">
+            <a:avLst/>
+          </a:prstGeom>
+        </p:spPr>
+        <p:txBody>
+          <a:bodyPr wrap="none">
+            <a:spAutoFit/>
+          </a:bodyPr>
+          <a:lstStyle/>
+          <a:p>
+            <a:pPr algn="ctr"/>
+            <a:r>
+              <a:rPr lang="en-US" altLang="zh-CN" sz="1400" b="1" i="1" dirty="0" smtClean="0">
+                <a:solidFill>
+                  <a:schemeClr val="accent5">
+                    <a:lumMod val="50000"/>
+                  </a:schemeClr>
+                </a:solidFill>
+                <a:latin typeface="Roboto Light" panose="02000000000000000000" pitchFamily="2" charset="0"/>
+                <a:ea typeface="Roboto Light" panose="02000000000000000000" pitchFamily="2" charset="0"/>
+              </a:rPr>
+              <a:t>Clone</a:t>
+            </a:r>
+            <a:endParaRPr lang="zh-CN" altLang="en-US" sz="1400" b="1" i="1" dirty="0">
+              <a:solidFill>
+                <a:schemeClr val="accent5">
+                  <a:lumMod val="50000"/>
+                </a:schemeClr>
+              </a:solidFill>
+              <a:latin typeface="Roboto Light" panose="02000000000000000000" pitchFamily="2" charset="0"/>
+              <a:ea typeface="Roboto Light" panose="02000000000000000000" pitchFamily="2" charset="0"/>
+            </a:endParaRPr>
+          </a:p>
+        </p:txBody>
+      </p:sp>
+      <p:sp>
+        <p:nvSpPr>
+          <p:cNvPr id="105" name="Rectangle 104"/>
+          <p:cNvSpPr/>
+          <p:nvPr/>
+        </p:nvSpPr>
+        <p:spPr>
+          <a:xfrm>
+            <a:off x="7410157" y="3543847"/>
+            <a:ext cx="615874" cy="307777"/>
+          </a:xfrm>
+          <a:prstGeom prst="rect">
+            <a:avLst/>
+          </a:prstGeom>
+        </p:spPr>
+        <p:txBody>
+          <a:bodyPr wrap="none">
+            <a:spAutoFit/>
+          </a:bodyPr>
+          <a:lstStyle/>
+          <a:p>
+            <a:pPr algn="ctr"/>
+            <a:r>
+              <a:rPr lang="en-US" altLang="zh-CN" sz="1400" b="1" i="1" dirty="0" smtClean="0">
+                <a:solidFill>
+                  <a:schemeClr val="accent5">
+                    <a:lumMod val="50000"/>
+                  </a:schemeClr>
+                </a:solidFill>
+                <a:latin typeface="Roboto Light" panose="02000000000000000000" pitchFamily="2" charset="0"/>
+                <a:ea typeface="Roboto Light" panose="02000000000000000000" pitchFamily="2" charset="0"/>
+              </a:rPr>
+              <a:t>Clone</a:t>
+            </a:r>
+            <a:endParaRPr lang="zh-CN" altLang="en-US" sz="1400" b="1" i="1" dirty="0">
+              <a:solidFill>
+                <a:schemeClr val="accent5">
+                  <a:lumMod val="50000"/>
+                </a:schemeClr>
+              </a:solidFill>
+              <a:latin typeface="Roboto Light" panose="02000000000000000000" pitchFamily="2" charset="0"/>
+              <a:ea typeface="Roboto Light" panose="02000000000000000000" pitchFamily="2" charset="0"/>
+            </a:endParaRPr>
+          </a:p>
+        </p:txBody>
+      </p:sp>
+      <p:sp>
+        <p:nvSpPr>
+          <p:cNvPr id="112" name="Rectangle 111"/>
+          <p:cNvSpPr/>
+          <p:nvPr/>
+        </p:nvSpPr>
+        <p:spPr>
+          <a:xfrm>
+            <a:off x="4744561" y="2284180"/>
+            <a:ext cx="527709" cy="307777"/>
+          </a:xfrm>
+          <a:prstGeom prst="rect">
+            <a:avLst/>
+          </a:prstGeom>
+        </p:spPr>
+        <p:txBody>
+          <a:bodyPr wrap="none">
+            <a:spAutoFit/>
+          </a:bodyPr>
+          <a:lstStyle/>
+          <a:p>
+            <a:pPr algn="ctr"/>
+            <a:r>
+              <a:rPr lang="en-US" altLang="zh-CN" sz="1400" b="1" i="1" dirty="0">
+                <a:solidFill>
+                  <a:schemeClr val="accent5">
+                    <a:lumMod val="50000"/>
+                  </a:schemeClr>
+                </a:solidFill>
+                <a:latin typeface="Roboto Light" panose="02000000000000000000" pitchFamily="2" charset="0"/>
+                <a:ea typeface="Roboto Light" panose="02000000000000000000" pitchFamily="2" charset="0"/>
+              </a:rPr>
+              <a:t>F</a:t>
+            </a:r>
+            <a:r>
+              <a:rPr lang="en-US" altLang="zh-CN" sz="1400" b="1" i="1" dirty="0" smtClean="0">
+                <a:solidFill>
+                  <a:schemeClr val="accent5">
+                    <a:lumMod val="50000"/>
+                  </a:schemeClr>
+                </a:solidFill>
+                <a:latin typeface="Roboto Light" panose="02000000000000000000" pitchFamily="2" charset="0"/>
+                <a:ea typeface="Roboto Light" panose="02000000000000000000" pitchFamily="2" charset="0"/>
+              </a:rPr>
+              <a:t>ork</a:t>
+            </a:r>
+            <a:endParaRPr lang="zh-CN" altLang="en-US" sz="1400" b="1" i="1" dirty="0">
+              <a:solidFill>
+                <a:schemeClr val="accent5">
+                  <a:lumMod val="50000"/>
+                </a:schemeClr>
+              </a:solidFill>
+              <a:latin typeface="Roboto Light" panose="02000000000000000000" pitchFamily="2" charset="0"/>
+              <a:ea typeface="Roboto Light" panose="02000000000000000000" pitchFamily="2" charset="0"/>
+            </a:endParaRPr>
+          </a:p>
+        </p:txBody>
+      </p:sp>
+      <p:cxnSp>
+        <p:nvCxnSpPr>
+          <p:cNvPr id="113" name="Straight Connector 112">
+            <a:extLst>
+              <a:ext uri="{FF2B5EF4-FFF2-40B4-BE49-F238E27FC236}">
+                <a16:creationId xmlns="" xmlns:a16="http://schemas.microsoft.com/office/drawing/2014/main" id="{8AB7AB37-5E71-4790-9163-6E2D8F06C5D2}"/>
+              </a:ext>
+            </a:extLst>
+          </p:cNvPr>
+          <p:cNvCxnSpPr>
+            <a:cxnSpLocks/>
+          </p:cNvCxnSpPr>
+          <p:nvPr/>
+        </p:nvCxnSpPr>
+        <p:spPr>
+          <a:xfrm flipV="1">
+            <a:off x="9474675" y="1381226"/>
+            <a:ext cx="0" cy="568266"/>
+          </a:xfrm>
+          <a:prstGeom prst="line">
+            <a:avLst/>
+          </a:prstGeom>
+          <a:ln w="12700">
+            <a:solidFill>
+              <a:schemeClr val="bg1"/>
+            </a:solidFill>
+            <a:prstDash val="dash"/>
+            <a:tailEnd type="triangle" w="med" len="lg"/>
+          </a:ln>
+        </p:spPr>
+        <p:style>
+          <a:lnRef idx="1">
+            <a:schemeClr val="accent1"/>
+          </a:lnRef>
+          <a:fillRef idx="0">
+            <a:schemeClr val="accent1"/>
+          </a:fillRef>
+          <a:effectRef idx="0">
+            <a:schemeClr val="accent1"/>
+          </a:effectRef>
+          <a:fontRef idx="minor">
+            <a:schemeClr val="tx1"/>
+          </a:fontRef>
+        </p:style>
+      </p:cxnSp>
+      <p:sp>
+        <p:nvSpPr>
+          <p:cNvPr id="114" name="Rectangle 113"/>
+          <p:cNvSpPr/>
+          <p:nvPr/>
+        </p:nvSpPr>
+        <p:spPr>
+          <a:xfrm>
+            <a:off x="8863773" y="976173"/>
+            <a:ext cx="1221809" cy="307777"/>
+          </a:xfrm>
+          <a:prstGeom prst="rect">
+            <a:avLst/>
+          </a:prstGeom>
+        </p:spPr>
+        <p:txBody>
+          <a:bodyPr wrap="none">
+            <a:spAutoFit/>
+          </a:bodyPr>
+          <a:lstStyle/>
+          <a:p>
+            <a:pPr algn="ctr"/>
+            <a:r>
+              <a:rPr lang="en-US" altLang="zh-CN" sz="1400" b="1" i="1" dirty="0" smtClean="0">
+                <a:solidFill>
+                  <a:schemeClr val="accent5">
+                    <a:lumMod val="50000"/>
+                  </a:schemeClr>
+                </a:solidFill>
+                <a:latin typeface="Roboto Light" panose="02000000000000000000" pitchFamily="2" charset="0"/>
+                <a:ea typeface="Roboto Light" panose="02000000000000000000" pitchFamily="2" charset="0"/>
+              </a:rPr>
+              <a:t>Add Commits</a:t>
+            </a:r>
+            <a:endParaRPr lang="zh-CN" altLang="en-US" sz="1400" b="1" i="1" dirty="0">
+              <a:solidFill>
+                <a:schemeClr val="accent5">
+                  <a:lumMod val="50000"/>
+                </a:schemeClr>
+              </a:solidFill>
+              <a:latin typeface="Roboto Light" panose="02000000000000000000" pitchFamily="2" charset="0"/>
+              <a:ea typeface="Roboto Light" panose="02000000000000000000" pitchFamily="2" charset="0"/>
+            </a:endParaRPr>
+          </a:p>
+        </p:txBody>
+      </p:sp>
+      <p:sp>
+        <p:nvSpPr>
+          <p:cNvPr id="120" name="Rectangle 119"/>
+          <p:cNvSpPr/>
+          <p:nvPr/>
+        </p:nvSpPr>
+        <p:spPr>
+          <a:xfrm>
+            <a:off x="8958110" y="429731"/>
+            <a:ext cx="788999" cy="338554"/>
+          </a:xfrm>
+          <a:prstGeom prst="rect">
+            <a:avLst/>
+          </a:prstGeom>
+        </p:spPr>
+        <p:txBody>
+          <a:bodyPr wrap="none">
+            <a:spAutoFit/>
+          </a:bodyPr>
+          <a:lstStyle/>
+          <a:p>
+            <a:pPr algn="ctr"/>
+            <a:r>
+              <a:rPr lang="en-US" altLang="zh-CN" sz="1600" b="1" dirty="0" smtClean="0">
+                <a:solidFill>
+                  <a:schemeClr val="tx1">
+                    <a:lumMod val="65000"/>
+                    <a:lumOff val="35000"/>
+                  </a:schemeClr>
+                </a:solidFill>
+                <a:latin typeface="Roboto Light" panose="02000000000000000000" pitchFamily="2" charset="0"/>
+                <a:ea typeface="Roboto Light" panose="02000000000000000000" pitchFamily="2" charset="0"/>
+              </a:rPr>
+              <a:t>LOCAL</a:t>
+            </a:r>
+            <a:endParaRPr lang="zh-CN" altLang="en-US" sz="1600" b="1" dirty="0">
+              <a:solidFill>
+                <a:schemeClr val="tx1">
+                  <a:lumMod val="65000"/>
+                  <a:lumOff val="35000"/>
+                </a:schemeClr>
+              </a:solidFill>
+              <a:latin typeface="Roboto Light" panose="02000000000000000000" pitchFamily="2" charset="0"/>
+              <a:ea typeface="Roboto Light" panose="02000000000000000000" pitchFamily="2" charset="0"/>
+            </a:endParaRPr>
           </a:p>
         </p:txBody>
       </p:sp>
       <p:pic>
         <p:nvPicPr>
-          <p:cNvPr id="1026" name="Picture 2" descr="C:\Users\Wenhao\Dropbox (GeoAdaptive)\2017_042_GA_DATAXLAT\2017_042_GA_DATAXLAT-GIS\WEB\JAVASCRIPT\ProjectDataX\communication\github_account_1.JPG"/>
+          <p:cNvPr id="4098" name="Picture 2" descr="C:\Users\Wenhao\Dropbox (GeoAdaptive)\2017_042_GA_DATAXLAT\2017_042_GA_DATAXLAT-GIS\WEB\SUPPORTING_FILES\cloud-4-xxl.png"/>
           <p:cNvPicPr>
             <a:picLocks noChangeAspect="1" noChangeArrowheads="1"/>
           </p:cNvPicPr>
           <p:nvPr/>
         </p:nvPicPr>
         <p:blipFill>
-          <a:blip r:embed="rId2">
+          <a:blip r:embed="rId2" cstate="print">
             <a:extLst>
               <a:ext uri="{28A0092B-C50C-407E-A947-70E740481C1C}">
                 <a14:useLocalDpi xmlns:a14="http://schemas.microsoft.com/office/drawing/2010/main" val="0"/>
@@ -5352,8 +7986,8 @@
         </p:blipFill>
         <p:spPr bwMode="auto">
           <a:xfrm>
-            <a:off x="-11151" y="66906"/>
-            <a:ext cx="12192000" cy="6713813"/>
+            <a:off x="5124402" y="194390"/>
+            <a:ext cx="862329" cy="862329"/>
           </a:xfrm>
           <a:prstGeom prst="rect">
             <a:avLst/>
@@ -5370,10 +8004,51 @@
           </a:extLst>
         </p:spPr>
       </p:pic>
+      <p:pic>
+        <p:nvPicPr>
+          <p:cNvPr id="4099" name="Picture 3" descr="C:\Users\Wenhao\Dropbox (GeoAdaptive)\2017_042_GA_DATAXLAT\2017_042_GA_DATAXLAT-GIS\WEB\SUPPORTING_FILES\computer-xxl.png"/>
+          <p:cNvPicPr>
+            <a:picLocks noChangeAspect="1" noChangeArrowheads="1"/>
+          </p:cNvPicPr>
+          <p:nvPr/>
+        </p:nvPicPr>
+        <p:blipFill>
+          <a:blip r:embed="rId3" cstate="print">
+            <a:extLst>
+              <a:ext uri="{28A0092B-C50C-407E-A947-70E740481C1C}">
+                <a14:useLocalDpi xmlns:a14="http://schemas.microsoft.com/office/drawing/2010/main" val="0"/>
+              </a:ext>
+            </a:extLst>
+          </a:blip>
+          <a:srcRect/>
+          <a:stretch>
+            <a:fillRect/>
+          </a:stretch>
+        </p:blipFill>
+        <p:spPr bwMode="auto">
+          <a:xfrm>
+            <a:off x="10335303" y="284112"/>
+            <a:ext cx="692061" cy="692061"/>
+          </a:xfrm>
+          <a:prstGeom prst="rect">
+            <a:avLst/>
+          </a:prstGeom>
+          <a:noFill/>
+          <a:extLst>
+            <a:ext uri="{909E8E84-426E-40DD-AFC4-6F175D3DCCD1}">
+              <a14:hiddenFill xmlns:a14="http://schemas.microsoft.com/office/drawing/2010/main">
+                <a:solidFill>
+                  <a:srgbClr val="FFFFFF"/>
+                </a:solidFill>
+              </a14:hiddenFill>
+            </a:ext>
+          </a:extLst>
+        </p:spPr>
+      </p:pic>
     </p:spTree>
     <p:extLst>
       <p:ext uri="{BB962C8B-B14F-4D97-AF65-F5344CB8AC3E}">
-        <p14:creationId xmlns:p14="http://schemas.microsoft.com/office/powerpoint/2010/main" val="1836583689"/>
+        <p14:creationId xmlns:p14="http://schemas.microsoft.com/office/powerpoint/2010/main" val="4144523843"/>
       </p:ext>
     </p:extLst>
   </p:cSld>
@@ -5402,52 +8077,1926 @@
       </p:grpSpPr>
       <p:sp>
         <p:nvSpPr>
-          <p:cNvPr id="2" name="Title 1"/>
-          <p:cNvSpPr>
-            <a:spLocks noGrp="1"/>
-          </p:cNvSpPr>
-          <p:nvPr>
-            <p:ph type="title"/>
-          </p:nvPr>
-        </p:nvSpPr>
-        <p:spPr/>
-        <p:txBody>
-          <a:bodyPr/>
-          <a:lstStyle/>
-          <a:p>
-            <a:endParaRPr lang="en-US"/>
-          </a:p>
-        </p:txBody>
-      </p:sp>
-      <p:sp>
-        <p:nvSpPr>
-          <p:cNvPr id="3" name="Content Placeholder 2"/>
-          <p:cNvSpPr>
-            <a:spLocks noGrp="1"/>
-          </p:cNvSpPr>
-          <p:nvPr>
-            <p:ph idx="1"/>
-          </p:nvPr>
-        </p:nvSpPr>
-        <p:spPr/>
-        <p:txBody>
-          <a:bodyPr/>
-          <a:lstStyle/>
-          <a:p>
-            <a:endParaRPr lang="en-US"/>
-          </a:p>
-        </p:txBody>
-      </p:sp>
+          <p:cNvPr id="7" name="Rectangle 6"/>
+          <p:cNvSpPr/>
+          <p:nvPr/>
+        </p:nvSpPr>
+        <p:spPr>
+          <a:xfrm>
+            <a:off x="1024154" y="380364"/>
+            <a:ext cx="984564" cy="369332"/>
+          </a:xfrm>
+          <a:prstGeom prst="rect">
+            <a:avLst/>
+          </a:prstGeom>
+        </p:spPr>
+        <p:txBody>
+          <a:bodyPr wrap="none">
+            <a:spAutoFit/>
+          </a:bodyPr>
+          <a:lstStyle/>
+          <a:p>
+            <a:pPr algn="ctr"/>
+            <a:r>
+              <a:rPr lang="en-US" altLang="zh-CN" b="1" dirty="0" smtClean="0">
+                <a:solidFill>
+                  <a:schemeClr val="bg1"/>
+                </a:solidFill>
+                <a:latin typeface="Roboto Light" panose="02000000000000000000" pitchFamily="2" charset="0"/>
+                <a:ea typeface="Roboto Light" panose="02000000000000000000" pitchFamily="2" charset="0"/>
+              </a:rPr>
+              <a:t>GITHUB</a:t>
+            </a:r>
+            <a:endParaRPr lang="zh-CN" altLang="en-US" b="1" dirty="0">
+              <a:solidFill>
+                <a:schemeClr val="bg1"/>
+              </a:solidFill>
+              <a:latin typeface="Roboto Light" panose="02000000000000000000" pitchFamily="2" charset="0"/>
+              <a:ea typeface="Roboto Light" panose="02000000000000000000" pitchFamily="2" charset="0"/>
+            </a:endParaRPr>
+          </a:p>
+        </p:txBody>
+      </p:sp>
+      <p:sp>
+        <p:nvSpPr>
+          <p:cNvPr id="14" name="Rectangle: Rounded Corners 3">
+            <a:extLst>
+              <a:ext uri="{FF2B5EF4-FFF2-40B4-BE49-F238E27FC236}">
+                <a16:creationId xmlns="" xmlns:a16="http://schemas.microsoft.com/office/drawing/2014/main" id="{7AE6D3E8-429A-4DBC-8186-66C97006A05C}"/>
+              </a:ext>
+            </a:extLst>
+          </p:cNvPr>
+          <p:cNvSpPr/>
+          <p:nvPr/>
+        </p:nvSpPr>
+        <p:spPr>
+          <a:xfrm>
+            <a:off x="1287851" y="1397468"/>
+            <a:ext cx="1441731" cy="853070"/>
+          </a:xfrm>
+          <a:prstGeom prst="roundRect">
+            <a:avLst/>
+          </a:prstGeom>
+          <a:noFill/>
+          <a:ln w="19050">
+            <a:solidFill>
+              <a:schemeClr val="bg1"/>
+            </a:solidFill>
+          </a:ln>
+        </p:spPr>
+        <p:style>
+          <a:lnRef idx="2">
+            <a:schemeClr val="accent1">
+              <a:shade val="50000"/>
+            </a:schemeClr>
+          </a:lnRef>
+          <a:fillRef idx="1">
+            <a:schemeClr val="accent1"/>
+          </a:fillRef>
+          <a:effectRef idx="0">
+            <a:schemeClr val="accent1"/>
+          </a:effectRef>
+          <a:fontRef idx="minor">
+            <a:schemeClr val="lt1"/>
+          </a:fontRef>
+        </p:style>
+        <p:txBody>
+          <a:bodyPr rtlCol="0" anchor="ctr"/>
+          <a:lstStyle/>
+          <a:p>
+            <a:pPr algn="ctr"/>
+            <a:r>
+              <a:rPr lang="en-US" altLang="zh-CN" sz="1400" dirty="0" smtClean="0">
+                <a:latin typeface="Roboto Light" panose="02000000000000000000" pitchFamily="2" charset="0"/>
+                <a:ea typeface="Roboto Light" panose="02000000000000000000" pitchFamily="2" charset="0"/>
+              </a:rPr>
+              <a:t>Team </a:t>
+            </a:r>
+          </a:p>
+          <a:p>
+            <a:pPr algn="ctr"/>
+            <a:r>
+              <a:rPr lang="en-US" altLang="zh-CN" sz="1400" dirty="0" smtClean="0">
+                <a:latin typeface="Roboto Light" panose="02000000000000000000" pitchFamily="2" charset="0"/>
+                <a:ea typeface="Roboto Light" panose="02000000000000000000" pitchFamily="2" charset="0"/>
+              </a:rPr>
+              <a:t>GA</a:t>
+            </a:r>
+            <a:endParaRPr lang="zh-CN" altLang="en-US" sz="1400" dirty="0">
+              <a:latin typeface="Roboto Light" panose="02000000000000000000" pitchFamily="2" charset="0"/>
+              <a:ea typeface="Roboto Light" panose="02000000000000000000" pitchFamily="2" charset="0"/>
+            </a:endParaRPr>
+          </a:p>
+        </p:txBody>
+      </p:sp>
+      <p:cxnSp>
+        <p:nvCxnSpPr>
+          <p:cNvPr id="8" name="Straight Connector 7"/>
+          <p:cNvCxnSpPr/>
+          <p:nvPr/>
+        </p:nvCxnSpPr>
+        <p:spPr>
+          <a:xfrm flipH="1">
+            <a:off x="2003788" y="2250538"/>
+            <a:ext cx="4931" cy="3417017"/>
+          </a:xfrm>
+          <a:prstGeom prst="line">
+            <a:avLst/>
+          </a:prstGeom>
+          <a:ln w="12700">
+            <a:solidFill>
+              <a:schemeClr val="bg1"/>
+            </a:solidFill>
+            <a:prstDash val="dash"/>
+          </a:ln>
+        </p:spPr>
+        <p:style>
+          <a:lnRef idx="1">
+            <a:schemeClr val="accent1"/>
+          </a:lnRef>
+          <a:fillRef idx="0">
+            <a:schemeClr val="accent1"/>
+          </a:fillRef>
+          <a:effectRef idx="0">
+            <a:schemeClr val="accent1"/>
+          </a:effectRef>
+          <a:fontRef idx="minor">
+            <a:schemeClr val="tx1"/>
+          </a:fontRef>
+        </p:style>
+      </p:cxnSp>
+      <p:sp>
+        <p:nvSpPr>
+          <p:cNvPr id="50" name="Rectangle 49"/>
+          <p:cNvSpPr/>
+          <p:nvPr/>
+        </p:nvSpPr>
+        <p:spPr>
+          <a:xfrm>
+            <a:off x="6967930" y="719273"/>
+            <a:ext cx="1181734" cy="307777"/>
+          </a:xfrm>
+          <a:prstGeom prst="rect">
+            <a:avLst/>
+          </a:prstGeom>
+        </p:spPr>
+        <p:txBody>
+          <a:bodyPr wrap="none">
+            <a:spAutoFit/>
+          </a:bodyPr>
+          <a:lstStyle/>
+          <a:p>
+            <a:pPr algn="ctr"/>
+            <a:r>
+              <a:rPr lang="en-US" altLang="zh-CN" sz="1400" b="1" i="1" dirty="0" smtClean="0">
+                <a:solidFill>
+                  <a:srgbClr val="FF0000"/>
+                </a:solidFill>
+                <a:latin typeface="Roboto Light" panose="02000000000000000000" pitchFamily="2" charset="0"/>
+                <a:ea typeface="Roboto Light" panose="02000000000000000000" pitchFamily="2" charset="0"/>
+              </a:rPr>
+              <a:t>Synch / Push</a:t>
+            </a:r>
+            <a:endParaRPr lang="zh-CN" altLang="en-US" sz="1400" b="1" i="1" dirty="0">
+              <a:solidFill>
+                <a:srgbClr val="FF0000"/>
+              </a:solidFill>
+              <a:latin typeface="Roboto Light" panose="02000000000000000000" pitchFamily="2" charset="0"/>
+              <a:ea typeface="Roboto Light" panose="02000000000000000000" pitchFamily="2" charset="0"/>
+            </a:endParaRPr>
+          </a:p>
+        </p:txBody>
+      </p:sp>
+      <p:sp>
+        <p:nvSpPr>
+          <p:cNvPr id="32" name="Rectangle 31"/>
+          <p:cNvSpPr/>
+          <p:nvPr/>
+        </p:nvSpPr>
+        <p:spPr>
+          <a:xfrm>
+            <a:off x="3866970" y="419076"/>
+            <a:ext cx="971740" cy="338554"/>
+          </a:xfrm>
+          <a:prstGeom prst="rect">
+            <a:avLst/>
+          </a:prstGeom>
+        </p:spPr>
+        <p:txBody>
+          <a:bodyPr wrap="none">
+            <a:spAutoFit/>
+          </a:bodyPr>
+          <a:lstStyle/>
+          <a:p>
+            <a:pPr algn="ctr"/>
+            <a:r>
+              <a:rPr lang="en-US" altLang="zh-CN" sz="1600" b="1" dirty="0" smtClean="0">
+                <a:solidFill>
+                  <a:schemeClr val="tx1">
+                    <a:lumMod val="65000"/>
+                    <a:lumOff val="35000"/>
+                  </a:schemeClr>
+                </a:solidFill>
+                <a:latin typeface="Roboto Light" panose="02000000000000000000" pitchFamily="2" charset="0"/>
+                <a:ea typeface="Roboto Light" panose="02000000000000000000" pitchFamily="2" charset="0"/>
+              </a:rPr>
+              <a:t>REMOTE</a:t>
+            </a:r>
+            <a:endParaRPr lang="zh-CN" altLang="en-US" sz="1600" b="1" dirty="0">
+              <a:solidFill>
+                <a:schemeClr val="tx1">
+                  <a:lumMod val="65000"/>
+                  <a:lumOff val="35000"/>
+                </a:schemeClr>
+              </a:solidFill>
+              <a:latin typeface="Roboto Light" panose="02000000000000000000" pitchFamily="2" charset="0"/>
+              <a:ea typeface="Roboto Light" panose="02000000000000000000" pitchFamily="2" charset="0"/>
+            </a:endParaRPr>
+          </a:p>
+        </p:txBody>
+      </p:sp>
+      <p:cxnSp>
+        <p:nvCxnSpPr>
+          <p:cNvPr id="37" name="Straight Connector 36"/>
+          <p:cNvCxnSpPr/>
+          <p:nvPr/>
+        </p:nvCxnSpPr>
+        <p:spPr>
+          <a:xfrm flipH="1">
+            <a:off x="6335936" y="1130062"/>
+            <a:ext cx="2445723" cy="1"/>
+          </a:xfrm>
+          <a:prstGeom prst="line">
+            <a:avLst/>
+          </a:prstGeom>
+          <a:ln w="12700">
+            <a:solidFill>
+              <a:srgbClr val="FF0000"/>
+            </a:solidFill>
+            <a:prstDash val="dash"/>
+          </a:ln>
+        </p:spPr>
+        <p:style>
+          <a:lnRef idx="1">
+            <a:schemeClr val="accent1"/>
+          </a:lnRef>
+          <a:fillRef idx="0">
+            <a:schemeClr val="accent1"/>
+          </a:fillRef>
+          <a:effectRef idx="0">
+            <a:schemeClr val="accent1"/>
+          </a:effectRef>
+          <a:fontRef idx="minor">
+            <a:schemeClr val="tx1"/>
+          </a:fontRef>
+        </p:style>
+      </p:cxnSp>
+      <p:cxnSp>
+        <p:nvCxnSpPr>
+          <p:cNvPr id="42" name="Straight Connector 41">
+            <a:extLst>
+              <a:ext uri="{FF2B5EF4-FFF2-40B4-BE49-F238E27FC236}">
+                <a16:creationId xmlns="" xmlns:a16="http://schemas.microsoft.com/office/drawing/2014/main" id="{8AB7AB37-5E71-4790-9163-6E2D8F06C5D2}"/>
+              </a:ext>
+            </a:extLst>
+          </p:cNvPr>
+          <p:cNvCxnSpPr>
+            <a:cxnSpLocks/>
+          </p:cNvCxnSpPr>
+          <p:nvPr/>
+        </p:nvCxnSpPr>
+        <p:spPr>
+          <a:xfrm flipH="1">
+            <a:off x="6335935" y="1130062"/>
+            <a:ext cx="1" cy="806602"/>
+          </a:xfrm>
+          <a:prstGeom prst="line">
+            <a:avLst/>
+          </a:prstGeom>
+          <a:ln w="12700">
+            <a:solidFill>
+              <a:srgbClr val="FF0000"/>
+            </a:solidFill>
+            <a:prstDash val="dash"/>
+            <a:tailEnd type="triangle" w="med" len="lg"/>
+          </a:ln>
+        </p:spPr>
+        <p:style>
+          <a:lnRef idx="1">
+            <a:schemeClr val="accent1"/>
+          </a:lnRef>
+          <a:fillRef idx="0">
+            <a:schemeClr val="accent1"/>
+          </a:fillRef>
+          <a:effectRef idx="0">
+            <a:schemeClr val="accent1"/>
+          </a:effectRef>
+          <a:fontRef idx="minor">
+            <a:schemeClr val="tx1"/>
+          </a:fontRef>
+        </p:style>
+      </p:cxnSp>
+      <p:cxnSp>
+        <p:nvCxnSpPr>
+          <p:cNvPr id="58" name="Straight Connector 57">
+            <a:extLst>
+              <a:ext uri="{FF2B5EF4-FFF2-40B4-BE49-F238E27FC236}">
+                <a16:creationId xmlns="" xmlns:a16="http://schemas.microsoft.com/office/drawing/2014/main" id="{8AB7AB37-5E71-4790-9163-6E2D8F06C5D2}"/>
+              </a:ext>
+            </a:extLst>
+          </p:cNvPr>
+          <p:cNvCxnSpPr>
+            <a:cxnSpLocks/>
+          </p:cNvCxnSpPr>
+          <p:nvPr/>
+        </p:nvCxnSpPr>
+        <p:spPr>
+          <a:xfrm>
+            <a:off x="3982339" y="1665359"/>
+            <a:ext cx="0" cy="947769"/>
+          </a:xfrm>
+          <a:prstGeom prst="line">
+            <a:avLst/>
+          </a:prstGeom>
+          <a:ln w="12700">
+            <a:solidFill>
+              <a:srgbClr val="FF0000"/>
+            </a:solidFill>
+            <a:prstDash val="dash"/>
+            <a:tailEnd type="triangle" w="med" len="lg"/>
+          </a:ln>
+        </p:spPr>
+        <p:style>
+          <a:lnRef idx="1">
+            <a:schemeClr val="accent1"/>
+          </a:lnRef>
+          <a:fillRef idx="0">
+            <a:schemeClr val="accent1"/>
+          </a:fillRef>
+          <a:effectRef idx="0">
+            <a:schemeClr val="accent1"/>
+          </a:effectRef>
+          <a:fontRef idx="minor">
+            <a:schemeClr val="tx1"/>
+          </a:fontRef>
+        </p:style>
+      </p:cxnSp>
+      <p:sp>
+        <p:nvSpPr>
+          <p:cNvPr id="71" name="Rectangle 70"/>
+          <p:cNvSpPr/>
+          <p:nvPr/>
+        </p:nvSpPr>
+        <p:spPr>
+          <a:xfrm>
+            <a:off x="4339805" y="1782775"/>
+            <a:ext cx="1127232" cy="307777"/>
+          </a:xfrm>
+          <a:prstGeom prst="rect">
+            <a:avLst/>
+          </a:prstGeom>
+        </p:spPr>
+        <p:txBody>
+          <a:bodyPr wrap="none">
+            <a:spAutoFit/>
+          </a:bodyPr>
+          <a:lstStyle/>
+          <a:p>
+            <a:pPr algn="ctr"/>
+            <a:r>
+              <a:rPr lang="en-US" altLang="zh-CN" sz="1400" b="1" i="1" dirty="0" smtClean="0">
+                <a:solidFill>
+                  <a:srgbClr val="FF0000"/>
+                </a:solidFill>
+                <a:latin typeface="Roboto Light" panose="02000000000000000000" pitchFamily="2" charset="0"/>
+                <a:ea typeface="Roboto Light" panose="02000000000000000000" pitchFamily="2" charset="0"/>
+              </a:rPr>
+              <a:t>Pull Request</a:t>
+            </a:r>
+            <a:endParaRPr lang="zh-CN" altLang="en-US" sz="1400" b="1" i="1" dirty="0">
+              <a:solidFill>
+                <a:srgbClr val="FF0000"/>
+              </a:solidFill>
+              <a:latin typeface="Roboto Light" panose="02000000000000000000" pitchFamily="2" charset="0"/>
+              <a:ea typeface="Roboto Light" panose="02000000000000000000" pitchFamily="2" charset="0"/>
+            </a:endParaRPr>
+          </a:p>
+        </p:txBody>
+      </p:sp>
+      <p:sp>
+        <p:nvSpPr>
+          <p:cNvPr id="73" name="Rectangle 72"/>
+          <p:cNvSpPr/>
+          <p:nvPr/>
+        </p:nvSpPr>
+        <p:spPr>
+          <a:xfrm>
+            <a:off x="8958110" y="429731"/>
+            <a:ext cx="788999" cy="338554"/>
+          </a:xfrm>
+          <a:prstGeom prst="rect">
+            <a:avLst/>
+          </a:prstGeom>
+        </p:spPr>
+        <p:txBody>
+          <a:bodyPr wrap="none">
+            <a:spAutoFit/>
+          </a:bodyPr>
+          <a:lstStyle/>
+          <a:p>
+            <a:pPr algn="ctr"/>
+            <a:r>
+              <a:rPr lang="en-US" altLang="zh-CN" sz="1600" b="1" dirty="0" smtClean="0">
+                <a:solidFill>
+                  <a:schemeClr val="tx1">
+                    <a:lumMod val="65000"/>
+                    <a:lumOff val="35000"/>
+                  </a:schemeClr>
+                </a:solidFill>
+                <a:latin typeface="Roboto Light" panose="02000000000000000000" pitchFamily="2" charset="0"/>
+                <a:ea typeface="Roboto Light" panose="02000000000000000000" pitchFamily="2" charset="0"/>
+              </a:rPr>
+              <a:t>LOCAL</a:t>
+            </a:r>
+            <a:endParaRPr lang="zh-CN" altLang="en-US" sz="1600" b="1" dirty="0">
+              <a:solidFill>
+                <a:schemeClr val="tx1">
+                  <a:lumMod val="65000"/>
+                  <a:lumOff val="35000"/>
+                </a:schemeClr>
+              </a:solidFill>
+              <a:latin typeface="Roboto Light" panose="02000000000000000000" pitchFamily="2" charset="0"/>
+              <a:ea typeface="Roboto Light" panose="02000000000000000000" pitchFamily="2" charset="0"/>
+            </a:endParaRPr>
+          </a:p>
+        </p:txBody>
+      </p:sp>
+      <p:sp>
+        <p:nvSpPr>
+          <p:cNvPr id="76" name="Rectangle 75"/>
+          <p:cNvSpPr/>
+          <p:nvPr/>
+        </p:nvSpPr>
+        <p:spPr>
+          <a:xfrm>
+            <a:off x="3538062" y="1070180"/>
+            <a:ext cx="870751" cy="523220"/>
+          </a:xfrm>
+          <a:prstGeom prst="rect">
+            <a:avLst/>
+          </a:prstGeom>
+        </p:spPr>
+        <p:txBody>
+          <a:bodyPr wrap="none">
+            <a:spAutoFit/>
+          </a:bodyPr>
+          <a:lstStyle/>
+          <a:p>
+            <a:pPr algn="ctr"/>
+            <a:r>
+              <a:rPr lang="en-US" altLang="zh-CN" sz="1400" b="1" dirty="0" smtClean="0">
+                <a:solidFill>
+                  <a:schemeClr val="tx1">
+                    <a:lumMod val="65000"/>
+                    <a:lumOff val="35000"/>
+                  </a:schemeClr>
+                </a:solidFill>
+                <a:latin typeface="Roboto Light" panose="02000000000000000000" pitchFamily="2" charset="0"/>
+                <a:ea typeface="Roboto Light" panose="02000000000000000000" pitchFamily="2" charset="0"/>
+              </a:rPr>
+              <a:t>Project </a:t>
+            </a:r>
+          </a:p>
+          <a:p>
+            <a:pPr algn="ctr"/>
+            <a:r>
+              <a:rPr lang="en-US" altLang="zh-CN" sz="1400" b="1" dirty="0" smtClean="0">
+                <a:solidFill>
+                  <a:schemeClr val="tx1">
+                    <a:lumMod val="65000"/>
+                    <a:lumOff val="35000"/>
+                  </a:schemeClr>
+                </a:solidFill>
+                <a:latin typeface="Roboto Light" panose="02000000000000000000" pitchFamily="2" charset="0"/>
+                <a:ea typeface="Roboto Light" panose="02000000000000000000" pitchFamily="2" charset="0"/>
+              </a:rPr>
+              <a:t>Manager</a:t>
+            </a:r>
+            <a:endParaRPr lang="zh-CN" altLang="en-US" sz="1400" b="1" dirty="0">
+              <a:solidFill>
+                <a:schemeClr val="tx1">
+                  <a:lumMod val="65000"/>
+                  <a:lumOff val="35000"/>
+                </a:schemeClr>
+              </a:solidFill>
+              <a:latin typeface="Roboto Light" panose="02000000000000000000" pitchFamily="2" charset="0"/>
+              <a:ea typeface="Roboto Light" panose="02000000000000000000" pitchFamily="2" charset="0"/>
+            </a:endParaRPr>
+          </a:p>
+        </p:txBody>
+      </p:sp>
+      <p:sp>
+        <p:nvSpPr>
+          <p:cNvPr id="77" name="Rectangle: Rounded Corners 3">
+            <a:extLst>
+              <a:ext uri="{FF2B5EF4-FFF2-40B4-BE49-F238E27FC236}">
+                <a16:creationId xmlns="" xmlns:a16="http://schemas.microsoft.com/office/drawing/2014/main" id="{7AE6D3E8-429A-4DBC-8186-66C97006A05C}"/>
+              </a:ext>
+            </a:extLst>
+          </p:cNvPr>
+          <p:cNvSpPr/>
+          <p:nvPr/>
+        </p:nvSpPr>
+        <p:spPr>
+          <a:xfrm>
+            <a:off x="8854249" y="2790016"/>
+            <a:ext cx="1290004" cy="602093"/>
+          </a:xfrm>
+          <a:prstGeom prst="roundRect">
+            <a:avLst/>
+          </a:prstGeom>
+          <a:noFill/>
+          <a:ln w="19050">
+            <a:solidFill>
+              <a:schemeClr val="bg1"/>
+            </a:solidFill>
+          </a:ln>
+        </p:spPr>
+        <p:style>
+          <a:lnRef idx="2">
+            <a:schemeClr val="accent1">
+              <a:shade val="50000"/>
+            </a:schemeClr>
+          </a:lnRef>
+          <a:fillRef idx="1">
+            <a:schemeClr val="accent1"/>
+          </a:fillRef>
+          <a:effectRef idx="0">
+            <a:schemeClr val="accent1"/>
+          </a:effectRef>
+          <a:fontRef idx="minor">
+            <a:schemeClr val="lt1"/>
+          </a:fontRef>
+        </p:style>
+        <p:txBody>
+          <a:bodyPr rtlCol="0" anchor="ctr"/>
+          <a:lstStyle/>
+          <a:p>
+            <a:pPr algn="ctr"/>
+            <a:r>
+              <a:rPr lang="en-US" altLang="zh-CN" sz="1200" dirty="0" smtClean="0">
+                <a:latin typeface="Roboto Light" panose="02000000000000000000" pitchFamily="2" charset="0"/>
+                <a:ea typeface="Roboto Light" panose="02000000000000000000" pitchFamily="2" charset="0"/>
+              </a:rPr>
+              <a:t>Member B’s</a:t>
+            </a:r>
+          </a:p>
+          <a:p>
+            <a:pPr algn="ctr"/>
+            <a:r>
+              <a:rPr lang="en-US" altLang="zh-CN" sz="1200" dirty="0" smtClean="0">
+                <a:latin typeface="Roboto Light" panose="02000000000000000000" pitchFamily="2" charset="0"/>
+                <a:ea typeface="Roboto Light" panose="02000000000000000000" pitchFamily="2" charset="0"/>
+              </a:rPr>
+              <a:t>Code</a:t>
+            </a:r>
+            <a:endParaRPr lang="zh-CN" altLang="en-US" sz="1200" dirty="0">
+              <a:latin typeface="Roboto Light" panose="02000000000000000000" pitchFamily="2" charset="0"/>
+              <a:ea typeface="Roboto Light" panose="02000000000000000000" pitchFamily="2" charset="0"/>
+            </a:endParaRPr>
+          </a:p>
+        </p:txBody>
+      </p:sp>
+      <p:cxnSp>
+        <p:nvCxnSpPr>
+          <p:cNvPr id="78" name="Straight Connector 77">
+            <a:extLst>
+              <a:ext uri="{FF2B5EF4-FFF2-40B4-BE49-F238E27FC236}">
+                <a16:creationId xmlns="" xmlns:a16="http://schemas.microsoft.com/office/drawing/2014/main" id="{8AB7AB37-5E71-4790-9163-6E2D8F06C5D2}"/>
+              </a:ext>
+            </a:extLst>
+          </p:cNvPr>
+          <p:cNvCxnSpPr>
+            <a:cxnSpLocks/>
+            <a:stCxn id="82" idx="3"/>
+            <a:endCxn id="79" idx="1"/>
+          </p:cNvCxnSpPr>
+          <p:nvPr/>
+        </p:nvCxnSpPr>
+        <p:spPr>
+          <a:xfrm flipV="1">
+            <a:off x="4681119" y="2250538"/>
+            <a:ext cx="1066880" cy="821430"/>
+          </a:xfrm>
+          <a:prstGeom prst="line">
+            <a:avLst/>
+          </a:prstGeom>
+          <a:ln w="12700">
+            <a:solidFill>
+              <a:schemeClr val="bg1"/>
+            </a:solidFill>
+            <a:prstDash val="dash"/>
+            <a:tailEnd type="triangle" w="med" len="lg"/>
+          </a:ln>
+        </p:spPr>
+        <p:style>
+          <a:lnRef idx="1">
+            <a:schemeClr val="accent1"/>
+          </a:lnRef>
+          <a:fillRef idx="0">
+            <a:schemeClr val="accent1"/>
+          </a:fillRef>
+          <a:effectRef idx="0">
+            <a:schemeClr val="accent1"/>
+          </a:effectRef>
+          <a:fontRef idx="minor">
+            <a:schemeClr val="tx1"/>
+          </a:fontRef>
+        </p:style>
+      </p:cxnSp>
+      <p:sp>
+        <p:nvSpPr>
+          <p:cNvPr id="79" name="Rectangle: Rounded Corners 3">
+            <a:extLst>
+              <a:ext uri="{FF2B5EF4-FFF2-40B4-BE49-F238E27FC236}">
+                <a16:creationId xmlns="" xmlns:a16="http://schemas.microsoft.com/office/drawing/2014/main" id="{7AE6D3E8-429A-4DBC-8186-66C97006A05C}"/>
+              </a:ext>
+            </a:extLst>
+          </p:cNvPr>
+          <p:cNvSpPr/>
+          <p:nvPr/>
+        </p:nvSpPr>
+        <p:spPr>
+          <a:xfrm>
+            <a:off x="5747999" y="1949491"/>
+            <a:ext cx="1153102" cy="602093"/>
+          </a:xfrm>
+          <a:prstGeom prst="roundRect">
+            <a:avLst/>
+          </a:prstGeom>
+          <a:noFill/>
+          <a:ln w="19050">
+            <a:solidFill>
+              <a:schemeClr val="bg1"/>
+            </a:solidFill>
+          </a:ln>
+        </p:spPr>
+        <p:style>
+          <a:lnRef idx="2">
+            <a:schemeClr val="accent1">
+              <a:shade val="50000"/>
+            </a:schemeClr>
+          </a:lnRef>
+          <a:fillRef idx="1">
+            <a:schemeClr val="accent1"/>
+          </a:fillRef>
+          <a:effectRef idx="0">
+            <a:schemeClr val="accent1"/>
+          </a:effectRef>
+          <a:fontRef idx="minor">
+            <a:schemeClr val="lt1"/>
+          </a:fontRef>
+        </p:style>
+        <p:txBody>
+          <a:bodyPr rtlCol="0" anchor="ctr"/>
+          <a:lstStyle/>
+          <a:p>
+            <a:pPr algn="ctr"/>
+            <a:r>
+              <a:rPr lang="en-US" altLang="zh-CN" sz="1200" dirty="0" smtClean="0">
+                <a:latin typeface="Roboto Light" panose="02000000000000000000" pitchFamily="2" charset="0"/>
+                <a:ea typeface="Roboto Light" panose="02000000000000000000" pitchFamily="2" charset="0"/>
+              </a:rPr>
+              <a:t>Member A’s</a:t>
+            </a:r>
+          </a:p>
+          <a:p>
+            <a:pPr algn="ctr"/>
+            <a:r>
+              <a:rPr lang="en-US" altLang="zh-CN" sz="1200" dirty="0" smtClean="0">
+                <a:latin typeface="Roboto Light" panose="02000000000000000000" pitchFamily="2" charset="0"/>
+                <a:ea typeface="Roboto Light" panose="02000000000000000000" pitchFamily="2" charset="0"/>
+              </a:rPr>
+              <a:t>Repo</a:t>
+            </a:r>
+            <a:endParaRPr lang="zh-CN" altLang="en-US" sz="1200" dirty="0">
+              <a:latin typeface="Roboto Light" panose="02000000000000000000" pitchFamily="2" charset="0"/>
+              <a:ea typeface="Roboto Light" panose="02000000000000000000" pitchFamily="2" charset="0"/>
+            </a:endParaRPr>
+          </a:p>
+        </p:txBody>
+      </p:sp>
+      <p:sp>
+        <p:nvSpPr>
+          <p:cNvPr id="82" name="Rectangle: Rounded Corners 3">
+            <a:extLst>
+              <a:ext uri="{FF2B5EF4-FFF2-40B4-BE49-F238E27FC236}">
+                <a16:creationId xmlns="" xmlns:a16="http://schemas.microsoft.com/office/drawing/2014/main" id="{7AE6D3E8-429A-4DBC-8186-66C97006A05C}"/>
+              </a:ext>
+            </a:extLst>
+          </p:cNvPr>
+          <p:cNvSpPr/>
+          <p:nvPr/>
+        </p:nvSpPr>
+        <p:spPr>
+          <a:xfrm>
+            <a:off x="3239388" y="2645433"/>
+            <a:ext cx="1441731" cy="853070"/>
+          </a:xfrm>
+          <a:prstGeom prst="roundRect">
+            <a:avLst/>
+          </a:prstGeom>
+          <a:noFill/>
+          <a:ln w="19050">
+            <a:solidFill>
+              <a:schemeClr val="bg1"/>
+            </a:solidFill>
+          </a:ln>
+        </p:spPr>
+        <p:style>
+          <a:lnRef idx="2">
+            <a:schemeClr val="accent1">
+              <a:shade val="50000"/>
+            </a:schemeClr>
+          </a:lnRef>
+          <a:fillRef idx="1">
+            <a:schemeClr val="accent1"/>
+          </a:fillRef>
+          <a:effectRef idx="0">
+            <a:schemeClr val="accent1"/>
+          </a:effectRef>
+          <a:fontRef idx="minor">
+            <a:schemeClr val="lt1"/>
+          </a:fontRef>
+        </p:style>
+        <p:txBody>
+          <a:bodyPr rtlCol="0" anchor="ctr"/>
+          <a:lstStyle/>
+          <a:p>
+            <a:pPr algn="ctr"/>
+            <a:r>
+              <a:rPr lang="en-US" altLang="zh-CN" sz="1400" dirty="0" smtClean="0">
+                <a:latin typeface="Roboto Light" panose="02000000000000000000" pitchFamily="2" charset="0"/>
+                <a:ea typeface="Roboto Light" panose="02000000000000000000" pitchFamily="2" charset="0"/>
+              </a:rPr>
+              <a:t>Project #1.0</a:t>
+            </a:r>
+            <a:endParaRPr lang="zh-CN" altLang="en-US" sz="1400" dirty="0">
+              <a:latin typeface="Roboto Light" panose="02000000000000000000" pitchFamily="2" charset="0"/>
+              <a:ea typeface="Roboto Light" panose="02000000000000000000" pitchFamily="2" charset="0"/>
+            </a:endParaRPr>
+          </a:p>
+        </p:txBody>
+      </p:sp>
+      <p:cxnSp>
+        <p:nvCxnSpPr>
+          <p:cNvPr id="83" name="Straight Connector 82"/>
+          <p:cNvCxnSpPr>
+            <a:stCxn id="82" idx="1"/>
+          </p:cNvCxnSpPr>
+          <p:nvPr/>
+        </p:nvCxnSpPr>
+        <p:spPr>
+          <a:xfrm flipH="1">
+            <a:off x="2003788" y="3071968"/>
+            <a:ext cx="1235600" cy="8625"/>
+          </a:xfrm>
+          <a:prstGeom prst="line">
+            <a:avLst/>
+          </a:prstGeom>
+          <a:ln w="12700">
+            <a:solidFill>
+              <a:schemeClr val="bg1"/>
+            </a:solidFill>
+            <a:prstDash val="dash"/>
+          </a:ln>
+        </p:spPr>
+        <p:style>
+          <a:lnRef idx="1">
+            <a:schemeClr val="accent1"/>
+          </a:lnRef>
+          <a:fillRef idx="0">
+            <a:schemeClr val="accent1"/>
+          </a:fillRef>
+          <a:effectRef idx="0">
+            <a:schemeClr val="accent1"/>
+          </a:effectRef>
+          <a:fontRef idx="minor">
+            <a:schemeClr val="tx1"/>
+          </a:fontRef>
+        </p:style>
+      </p:cxnSp>
+      <p:sp>
+        <p:nvSpPr>
+          <p:cNvPr id="84" name="Rectangle: Rounded Corners 3">
+            <a:extLst>
+              <a:ext uri="{FF2B5EF4-FFF2-40B4-BE49-F238E27FC236}">
+                <a16:creationId xmlns="" xmlns:a16="http://schemas.microsoft.com/office/drawing/2014/main" id="{7AE6D3E8-429A-4DBC-8186-66C97006A05C}"/>
+              </a:ext>
+            </a:extLst>
+          </p:cNvPr>
+          <p:cNvSpPr/>
+          <p:nvPr/>
+        </p:nvSpPr>
+        <p:spPr>
+          <a:xfrm>
+            <a:off x="3239388" y="3636525"/>
+            <a:ext cx="1441731" cy="853070"/>
+          </a:xfrm>
+          <a:prstGeom prst="roundRect">
+            <a:avLst/>
+          </a:prstGeom>
+          <a:noFill/>
+          <a:ln w="12700">
+            <a:solidFill>
+              <a:schemeClr val="bg1"/>
+            </a:solidFill>
+            <a:prstDash val="dash"/>
+          </a:ln>
+        </p:spPr>
+        <p:style>
+          <a:lnRef idx="2">
+            <a:schemeClr val="accent1">
+              <a:shade val="50000"/>
+            </a:schemeClr>
+          </a:lnRef>
+          <a:fillRef idx="1">
+            <a:schemeClr val="accent1"/>
+          </a:fillRef>
+          <a:effectRef idx="0">
+            <a:schemeClr val="accent1"/>
+          </a:effectRef>
+          <a:fontRef idx="minor">
+            <a:schemeClr val="lt1"/>
+          </a:fontRef>
+        </p:style>
+        <p:txBody>
+          <a:bodyPr rtlCol="0" anchor="ctr"/>
+          <a:lstStyle/>
+          <a:p>
+            <a:pPr algn="ctr"/>
+            <a:r>
+              <a:rPr lang="en-US" altLang="zh-CN" sz="1400" dirty="0" smtClean="0">
+                <a:latin typeface="Roboto Light" panose="02000000000000000000" pitchFamily="2" charset="0"/>
+                <a:ea typeface="Roboto Light" panose="02000000000000000000" pitchFamily="2" charset="0"/>
+              </a:rPr>
+              <a:t>Project #1.1</a:t>
+            </a:r>
+            <a:endParaRPr lang="zh-CN" altLang="en-US" sz="1400" dirty="0">
+              <a:latin typeface="Roboto Light" panose="02000000000000000000" pitchFamily="2" charset="0"/>
+              <a:ea typeface="Roboto Light" panose="02000000000000000000" pitchFamily="2" charset="0"/>
+            </a:endParaRPr>
+          </a:p>
+        </p:txBody>
+      </p:sp>
+      <p:cxnSp>
+        <p:nvCxnSpPr>
+          <p:cNvPr id="87" name="Straight Connector 86"/>
+          <p:cNvCxnSpPr>
+            <a:stCxn id="84" idx="1"/>
+          </p:cNvCxnSpPr>
+          <p:nvPr/>
+        </p:nvCxnSpPr>
+        <p:spPr>
+          <a:xfrm flipH="1">
+            <a:off x="2008719" y="4063060"/>
+            <a:ext cx="1230669" cy="0"/>
+          </a:xfrm>
+          <a:prstGeom prst="line">
+            <a:avLst/>
+          </a:prstGeom>
+          <a:ln w="12700">
+            <a:solidFill>
+              <a:schemeClr val="bg1"/>
+            </a:solidFill>
+            <a:prstDash val="dash"/>
+          </a:ln>
+        </p:spPr>
+        <p:style>
+          <a:lnRef idx="1">
+            <a:schemeClr val="accent1"/>
+          </a:lnRef>
+          <a:fillRef idx="0">
+            <a:schemeClr val="accent1"/>
+          </a:fillRef>
+          <a:effectRef idx="0">
+            <a:schemeClr val="accent1"/>
+          </a:effectRef>
+          <a:fontRef idx="minor">
+            <a:schemeClr val="tx1"/>
+          </a:fontRef>
+        </p:style>
+      </p:cxnSp>
+      <p:sp>
+        <p:nvSpPr>
+          <p:cNvPr id="88" name="Rectangle: Rounded Corners 3">
+            <a:extLst>
+              <a:ext uri="{FF2B5EF4-FFF2-40B4-BE49-F238E27FC236}">
+                <a16:creationId xmlns="" xmlns:a16="http://schemas.microsoft.com/office/drawing/2014/main" id="{7AE6D3E8-429A-4DBC-8186-66C97006A05C}"/>
+              </a:ext>
+            </a:extLst>
+          </p:cNvPr>
+          <p:cNvSpPr/>
+          <p:nvPr/>
+        </p:nvSpPr>
+        <p:spPr>
+          <a:xfrm>
+            <a:off x="3239388" y="4626633"/>
+            <a:ext cx="1441731" cy="853070"/>
+          </a:xfrm>
+          <a:prstGeom prst="roundRect">
+            <a:avLst/>
+          </a:prstGeom>
+          <a:noFill/>
+          <a:ln w="12700">
+            <a:solidFill>
+              <a:schemeClr val="bg1">
+                <a:alpha val="25000"/>
+              </a:schemeClr>
+            </a:solidFill>
+            <a:prstDash val="dashDot"/>
+          </a:ln>
+        </p:spPr>
+        <p:style>
+          <a:lnRef idx="2">
+            <a:schemeClr val="accent1">
+              <a:shade val="50000"/>
+            </a:schemeClr>
+          </a:lnRef>
+          <a:fillRef idx="1">
+            <a:schemeClr val="accent1"/>
+          </a:fillRef>
+          <a:effectRef idx="0">
+            <a:schemeClr val="accent1"/>
+          </a:effectRef>
+          <a:fontRef idx="minor">
+            <a:schemeClr val="lt1"/>
+          </a:fontRef>
+        </p:style>
+        <p:txBody>
+          <a:bodyPr rtlCol="0" anchor="ctr"/>
+          <a:lstStyle/>
+          <a:p>
+            <a:pPr algn="ctr"/>
+            <a:r>
+              <a:rPr lang="en-US" altLang="zh-CN" sz="1400" dirty="0" smtClean="0">
+                <a:latin typeface="Roboto Light" panose="02000000000000000000" pitchFamily="2" charset="0"/>
+                <a:ea typeface="Roboto Light" panose="02000000000000000000" pitchFamily="2" charset="0"/>
+              </a:rPr>
+              <a:t>Project #1.2</a:t>
+            </a:r>
+            <a:endParaRPr lang="zh-CN" altLang="en-US" sz="1400" dirty="0">
+              <a:latin typeface="Roboto Light" panose="02000000000000000000" pitchFamily="2" charset="0"/>
+              <a:ea typeface="Roboto Light" panose="02000000000000000000" pitchFamily="2" charset="0"/>
+            </a:endParaRPr>
+          </a:p>
+        </p:txBody>
+      </p:sp>
+      <p:cxnSp>
+        <p:nvCxnSpPr>
+          <p:cNvPr id="89" name="Straight Connector 88"/>
+          <p:cNvCxnSpPr>
+            <a:stCxn id="88" idx="1"/>
+          </p:cNvCxnSpPr>
+          <p:nvPr/>
+        </p:nvCxnSpPr>
+        <p:spPr>
+          <a:xfrm flipH="1">
+            <a:off x="2008719" y="5053168"/>
+            <a:ext cx="1230669" cy="0"/>
+          </a:xfrm>
+          <a:prstGeom prst="line">
+            <a:avLst/>
+          </a:prstGeom>
+          <a:ln w="12700">
+            <a:solidFill>
+              <a:schemeClr val="bg1"/>
+            </a:solidFill>
+            <a:prstDash val="dash"/>
+          </a:ln>
+        </p:spPr>
+        <p:style>
+          <a:lnRef idx="1">
+            <a:schemeClr val="accent1"/>
+          </a:lnRef>
+          <a:fillRef idx="0">
+            <a:schemeClr val="accent1"/>
+          </a:fillRef>
+          <a:effectRef idx="0">
+            <a:schemeClr val="accent1"/>
+          </a:effectRef>
+          <a:fontRef idx="minor">
+            <a:schemeClr val="tx1"/>
+          </a:fontRef>
+        </p:style>
+      </p:cxnSp>
+      <p:sp>
+        <p:nvSpPr>
+          <p:cNvPr id="90" name="Rectangle: Rounded Corners 3">
+            <a:extLst>
+              <a:ext uri="{FF2B5EF4-FFF2-40B4-BE49-F238E27FC236}">
+                <a16:creationId xmlns="" xmlns:a16="http://schemas.microsoft.com/office/drawing/2014/main" id="{7AE6D3E8-429A-4DBC-8186-66C97006A05C}"/>
+              </a:ext>
+            </a:extLst>
+          </p:cNvPr>
+          <p:cNvSpPr/>
+          <p:nvPr/>
+        </p:nvSpPr>
+        <p:spPr>
+          <a:xfrm>
+            <a:off x="8854249" y="1939893"/>
+            <a:ext cx="1290004" cy="602093"/>
+          </a:xfrm>
+          <a:prstGeom prst="roundRect">
+            <a:avLst/>
+          </a:prstGeom>
+          <a:noFill/>
+          <a:ln w="19050">
+            <a:solidFill>
+              <a:schemeClr val="bg1"/>
+            </a:solidFill>
+          </a:ln>
+        </p:spPr>
+        <p:style>
+          <a:lnRef idx="2">
+            <a:schemeClr val="accent1">
+              <a:shade val="50000"/>
+            </a:schemeClr>
+          </a:lnRef>
+          <a:fillRef idx="1">
+            <a:schemeClr val="accent1"/>
+          </a:fillRef>
+          <a:effectRef idx="0">
+            <a:schemeClr val="accent1"/>
+          </a:effectRef>
+          <a:fontRef idx="minor">
+            <a:schemeClr val="lt1"/>
+          </a:fontRef>
+        </p:style>
+        <p:txBody>
+          <a:bodyPr rtlCol="0" anchor="ctr"/>
+          <a:lstStyle/>
+          <a:p>
+            <a:pPr algn="ctr"/>
+            <a:r>
+              <a:rPr lang="en-US" altLang="zh-CN" sz="1200" dirty="0" smtClean="0">
+                <a:latin typeface="Roboto Light" panose="02000000000000000000" pitchFamily="2" charset="0"/>
+                <a:ea typeface="Roboto Light" panose="02000000000000000000" pitchFamily="2" charset="0"/>
+              </a:rPr>
+              <a:t>Member A’s</a:t>
+            </a:r>
+          </a:p>
+          <a:p>
+            <a:pPr algn="ctr"/>
+            <a:r>
+              <a:rPr lang="en-US" altLang="zh-CN" sz="1200" dirty="0" smtClean="0">
+                <a:latin typeface="Roboto Light" panose="02000000000000000000" pitchFamily="2" charset="0"/>
+                <a:ea typeface="Roboto Light" panose="02000000000000000000" pitchFamily="2" charset="0"/>
+              </a:rPr>
+              <a:t>Code</a:t>
+            </a:r>
+            <a:endParaRPr lang="zh-CN" altLang="en-US" sz="1200" dirty="0">
+              <a:latin typeface="Roboto Light" panose="02000000000000000000" pitchFamily="2" charset="0"/>
+              <a:ea typeface="Roboto Light" panose="02000000000000000000" pitchFamily="2" charset="0"/>
+            </a:endParaRPr>
+          </a:p>
+        </p:txBody>
+      </p:sp>
+      <p:sp>
+        <p:nvSpPr>
+          <p:cNvPr id="91" name="Rectangle 90"/>
+          <p:cNvSpPr/>
+          <p:nvPr/>
+        </p:nvSpPr>
+        <p:spPr>
+          <a:xfrm>
+            <a:off x="7320702" y="1824003"/>
+            <a:ext cx="615874" cy="307777"/>
+          </a:xfrm>
+          <a:prstGeom prst="rect">
+            <a:avLst/>
+          </a:prstGeom>
+        </p:spPr>
+        <p:txBody>
+          <a:bodyPr wrap="none">
+            <a:spAutoFit/>
+          </a:bodyPr>
+          <a:lstStyle/>
+          <a:p>
+            <a:pPr algn="ctr"/>
+            <a:r>
+              <a:rPr lang="en-US" altLang="zh-CN" sz="1400" b="1" i="1" dirty="0" smtClean="0">
+                <a:solidFill>
+                  <a:schemeClr val="accent5">
+                    <a:lumMod val="50000"/>
+                  </a:schemeClr>
+                </a:solidFill>
+                <a:latin typeface="Roboto Light" panose="02000000000000000000" pitchFamily="2" charset="0"/>
+                <a:ea typeface="Roboto Light" panose="02000000000000000000" pitchFamily="2" charset="0"/>
+              </a:rPr>
+              <a:t>Clone</a:t>
+            </a:r>
+            <a:endParaRPr lang="zh-CN" altLang="en-US" sz="1400" b="1" i="1" dirty="0">
+              <a:solidFill>
+                <a:schemeClr val="accent5">
+                  <a:lumMod val="50000"/>
+                </a:schemeClr>
+              </a:solidFill>
+              <a:latin typeface="Roboto Light" panose="02000000000000000000" pitchFamily="2" charset="0"/>
+              <a:ea typeface="Roboto Light" panose="02000000000000000000" pitchFamily="2" charset="0"/>
+            </a:endParaRPr>
+          </a:p>
+        </p:txBody>
+      </p:sp>
+      <p:cxnSp>
+        <p:nvCxnSpPr>
+          <p:cNvPr id="92" name="Straight Connector 91">
+            <a:extLst>
+              <a:ext uri="{FF2B5EF4-FFF2-40B4-BE49-F238E27FC236}">
+                <a16:creationId xmlns="" xmlns:a16="http://schemas.microsoft.com/office/drawing/2014/main" id="{8AB7AB37-5E71-4790-9163-6E2D8F06C5D2}"/>
+              </a:ext>
+            </a:extLst>
+          </p:cNvPr>
+          <p:cNvCxnSpPr>
+            <a:cxnSpLocks/>
+            <a:stCxn id="93" idx="3"/>
+            <a:endCxn id="77" idx="1"/>
+          </p:cNvCxnSpPr>
+          <p:nvPr/>
+        </p:nvCxnSpPr>
+        <p:spPr>
+          <a:xfrm>
+            <a:off x="6901101" y="3080594"/>
+            <a:ext cx="1953148" cy="10469"/>
+          </a:xfrm>
+          <a:prstGeom prst="line">
+            <a:avLst/>
+          </a:prstGeom>
+          <a:ln w="12700">
+            <a:solidFill>
+              <a:schemeClr val="bg1"/>
+            </a:solidFill>
+            <a:prstDash val="dash"/>
+            <a:tailEnd type="triangle" w="med" len="lg"/>
+          </a:ln>
+        </p:spPr>
+        <p:style>
+          <a:lnRef idx="1">
+            <a:schemeClr val="accent1"/>
+          </a:lnRef>
+          <a:fillRef idx="0">
+            <a:schemeClr val="accent1"/>
+          </a:fillRef>
+          <a:effectRef idx="0">
+            <a:schemeClr val="accent1"/>
+          </a:effectRef>
+          <a:fontRef idx="minor">
+            <a:schemeClr val="tx1"/>
+          </a:fontRef>
+        </p:style>
+      </p:cxnSp>
+      <p:sp>
+        <p:nvSpPr>
+          <p:cNvPr id="93" name="Rectangle: Rounded Corners 3">
+            <a:extLst>
+              <a:ext uri="{FF2B5EF4-FFF2-40B4-BE49-F238E27FC236}">
+                <a16:creationId xmlns="" xmlns:a16="http://schemas.microsoft.com/office/drawing/2014/main" id="{7AE6D3E8-429A-4DBC-8186-66C97006A05C}"/>
+              </a:ext>
+            </a:extLst>
+          </p:cNvPr>
+          <p:cNvSpPr/>
+          <p:nvPr/>
+        </p:nvSpPr>
+        <p:spPr>
+          <a:xfrm>
+            <a:off x="5747999" y="2779547"/>
+            <a:ext cx="1153102" cy="602093"/>
+          </a:xfrm>
+          <a:prstGeom prst="roundRect">
+            <a:avLst/>
+          </a:prstGeom>
+          <a:noFill/>
+          <a:ln w="19050">
+            <a:solidFill>
+              <a:schemeClr val="bg1"/>
+            </a:solidFill>
+          </a:ln>
+        </p:spPr>
+        <p:style>
+          <a:lnRef idx="2">
+            <a:schemeClr val="accent1">
+              <a:shade val="50000"/>
+            </a:schemeClr>
+          </a:lnRef>
+          <a:fillRef idx="1">
+            <a:schemeClr val="accent1"/>
+          </a:fillRef>
+          <a:effectRef idx="0">
+            <a:schemeClr val="accent1"/>
+          </a:effectRef>
+          <a:fontRef idx="minor">
+            <a:schemeClr val="lt1"/>
+          </a:fontRef>
+        </p:style>
+        <p:txBody>
+          <a:bodyPr rtlCol="0" anchor="ctr"/>
+          <a:lstStyle/>
+          <a:p>
+            <a:pPr algn="ctr"/>
+            <a:r>
+              <a:rPr lang="en-US" altLang="zh-CN" sz="1200" dirty="0" smtClean="0">
+                <a:latin typeface="Roboto Light" panose="02000000000000000000" pitchFamily="2" charset="0"/>
+                <a:ea typeface="Roboto Light" panose="02000000000000000000" pitchFamily="2" charset="0"/>
+              </a:rPr>
+              <a:t>Member B’s</a:t>
+            </a:r>
+          </a:p>
+          <a:p>
+            <a:pPr algn="ctr"/>
+            <a:r>
+              <a:rPr lang="en-US" altLang="zh-CN" sz="1200" dirty="0" smtClean="0">
+                <a:latin typeface="Roboto Light" panose="02000000000000000000" pitchFamily="2" charset="0"/>
+                <a:ea typeface="Roboto Light" panose="02000000000000000000" pitchFamily="2" charset="0"/>
+              </a:rPr>
+              <a:t>Repo</a:t>
+            </a:r>
+            <a:endParaRPr lang="zh-CN" altLang="en-US" sz="1200" dirty="0">
+              <a:latin typeface="Roboto Light" panose="02000000000000000000" pitchFamily="2" charset="0"/>
+              <a:ea typeface="Roboto Light" panose="02000000000000000000" pitchFamily="2" charset="0"/>
+            </a:endParaRPr>
+          </a:p>
+        </p:txBody>
+      </p:sp>
+      <p:cxnSp>
+        <p:nvCxnSpPr>
+          <p:cNvPr id="94" name="Straight Connector 93">
+            <a:extLst>
+              <a:ext uri="{FF2B5EF4-FFF2-40B4-BE49-F238E27FC236}">
+                <a16:creationId xmlns="" xmlns:a16="http://schemas.microsoft.com/office/drawing/2014/main" id="{8AB7AB37-5E71-4790-9163-6E2D8F06C5D2}"/>
+              </a:ext>
+            </a:extLst>
+          </p:cNvPr>
+          <p:cNvCxnSpPr>
+            <a:cxnSpLocks/>
+            <a:stCxn id="82" idx="3"/>
+            <a:endCxn id="93" idx="1"/>
+          </p:cNvCxnSpPr>
+          <p:nvPr/>
+        </p:nvCxnSpPr>
+        <p:spPr>
+          <a:xfrm>
+            <a:off x="4681119" y="3071968"/>
+            <a:ext cx="1066880" cy="8626"/>
+          </a:xfrm>
+          <a:prstGeom prst="line">
+            <a:avLst/>
+          </a:prstGeom>
+          <a:ln w="12700">
+            <a:solidFill>
+              <a:schemeClr val="bg1"/>
+            </a:solidFill>
+            <a:prstDash val="dash"/>
+            <a:tailEnd type="triangle" w="med" len="lg"/>
+          </a:ln>
+        </p:spPr>
+        <p:style>
+          <a:lnRef idx="1">
+            <a:schemeClr val="accent1"/>
+          </a:lnRef>
+          <a:fillRef idx="0">
+            <a:schemeClr val="accent1"/>
+          </a:fillRef>
+          <a:effectRef idx="0">
+            <a:schemeClr val="accent1"/>
+          </a:effectRef>
+          <a:fontRef idx="minor">
+            <a:schemeClr val="tx1"/>
+          </a:fontRef>
+        </p:style>
+      </p:cxnSp>
+      <p:sp>
+        <p:nvSpPr>
+          <p:cNvPr id="95" name="Rectangle: Rounded Corners 3">
+            <a:extLst>
+              <a:ext uri="{FF2B5EF4-FFF2-40B4-BE49-F238E27FC236}">
+                <a16:creationId xmlns="" xmlns:a16="http://schemas.microsoft.com/office/drawing/2014/main" id="{7AE6D3E8-429A-4DBC-8186-66C97006A05C}"/>
+              </a:ext>
+            </a:extLst>
+          </p:cNvPr>
+          <p:cNvSpPr/>
+          <p:nvPr/>
+        </p:nvSpPr>
+        <p:spPr>
+          <a:xfrm>
+            <a:off x="5747999" y="3657999"/>
+            <a:ext cx="1153102" cy="602093"/>
+          </a:xfrm>
+          <a:prstGeom prst="roundRect">
+            <a:avLst/>
+          </a:prstGeom>
+          <a:noFill/>
+          <a:ln w="19050">
+            <a:solidFill>
+              <a:schemeClr val="bg1"/>
+            </a:solidFill>
+          </a:ln>
+        </p:spPr>
+        <p:style>
+          <a:lnRef idx="2">
+            <a:schemeClr val="accent1">
+              <a:shade val="50000"/>
+            </a:schemeClr>
+          </a:lnRef>
+          <a:fillRef idx="1">
+            <a:schemeClr val="accent1"/>
+          </a:fillRef>
+          <a:effectRef idx="0">
+            <a:schemeClr val="accent1"/>
+          </a:effectRef>
+          <a:fontRef idx="minor">
+            <a:schemeClr val="lt1"/>
+          </a:fontRef>
+        </p:style>
+        <p:txBody>
+          <a:bodyPr rtlCol="0" anchor="ctr"/>
+          <a:lstStyle/>
+          <a:p>
+            <a:pPr algn="ctr"/>
+            <a:r>
+              <a:rPr lang="en-US" altLang="zh-CN" sz="1200" dirty="0" smtClean="0">
+                <a:latin typeface="Roboto Light" panose="02000000000000000000" pitchFamily="2" charset="0"/>
+                <a:ea typeface="Roboto Light" panose="02000000000000000000" pitchFamily="2" charset="0"/>
+              </a:rPr>
+              <a:t>Member C’s</a:t>
+            </a:r>
+          </a:p>
+          <a:p>
+            <a:pPr algn="ctr"/>
+            <a:r>
+              <a:rPr lang="en-US" altLang="zh-CN" sz="1200" dirty="0" smtClean="0">
+                <a:latin typeface="Roboto Light" panose="02000000000000000000" pitchFamily="2" charset="0"/>
+                <a:ea typeface="Roboto Light" panose="02000000000000000000" pitchFamily="2" charset="0"/>
+              </a:rPr>
+              <a:t>Repo</a:t>
+            </a:r>
+            <a:endParaRPr lang="zh-CN" altLang="en-US" sz="1200" dirty="0">
+              <a:latin typeface="Roboto Light" panose="02000000000000000000" pitchFamily="2" charset="0"/>
+              <a:ea typeface="Roboto Light" panose="02000000000000000000" pitchFamily="2" charset="0"/>
+            </a:endParaRPr>
+          </a:p>
+        </p:txBody>
+      </p:sp>
+      <p:cxnSp>
+        <p:nvCxnSpPr>
+          <p:cNvPr id="96" name="Straight Connector 95">
+            <a:extLst>
+              <a:ext uri="{FF2B5EF4-FFF2-40B4-BE49-F238E27FC236}">
+                <a16:creationId xmlns="" xmlns:a16="http://schemas.microsoft.com/office/drawing/2014/main" id="{8AB7AB37-5E71-4790-9163-6E2D8F06C5D2}"/>
+              </a:ext>
+            </a:extLst>
+          </p:cNvPr>
+          <p:cNvCxnSpPr>
+            <a:cxnSpLocks/>
+            <a:stCxn id="82" idx="3"/>
+            <a:endCxn id="95" idx="1"/>
+          </p:cNvCxnSpPr>
+          <p:nvPr/>
+        </p:nvCxnSpPr>
+        <p:spPr>
+          <a:xfrm>
+            <a:off x="4681119" y="3071968"/>
+            <a:ext cx="1066880" cy="887078"/>
+          </a:xfrm>
+          <a:prstGeom prst="line">
+            <a:avLst/>
+          </a:prstGeom>
+          <a:ln w="12700">
+            <a:solidFill>
+              <a:schemeClr val="bg1"/>
+            </a:solidFill>
+            <a:prstDash val="dash"/>
+            <a:tailEnd type="triangle" w="med" len="lg"/>
+          </a:ln>
+        </p:spPr>
+        <p:style>
+          <a:lnRef idx="1">
+            <a:schemeClr val="accent1"/>
+          </a:lnRef>
+          <a:fillRef idx="0">
+            <a:schemeClr val="accent1"/>
+          </a:fillRef>
+          <a:effectRef idx="0">
+            <a:schemeClr val="accent1"/>
+          </a:effectRef>
+          <a:fontRef idx="minor">
+            <a:schemeClr val="tx1"/>
+          </a:fontRef>
+        </p:style>
+      </p:cxnSp>
+      <p:cxnSp>
+        <p:nvCxnSpPr>
+          <p:cNvPr id="97" name="Straight Connector 96">
+            <a:extLst>
+              <a:ext uri="{FF2B5EF4-FFF2-40B4-BE49-F238E27FC236}">
+                <a16:creationId xmlns="" xmlns:a16="http://schemas.microsoft.com/office/drawing/2014/main" id="{8AB7AB37-5E71-4790-9163-6E2D8F06C5D2}"/>
+              </a:ext>
+            </a:extLst>
+          </p:cNvPr>
+          <p:cNvCxnSpPr>
+            <a:cxnSpLocks/>
+            <a:stCxn id="79" idx="3"/>
+            <a:endCxn id="90" idx="1"/>
+          </p:cNvCxnSpPr>
+          <p:nvPr/>
+        </p:nvCxnSpPr>
+        <p:spPr>
+          <a:xfrm flipV="1">
+            <a:off x="6901101" y="2240940"/>
+            <a:ext cx="1953148" cy="9598"/>
+          </a:xfrm>
+          <a:prstGeom prst="line">
+            <a:avLst/>
+          </a:prstGeom>
+          <a:ln w="12700">
+            <a:solidFill>
+              <a:schemeClr val="bg1"/>
+            </a:solidFill>
+            <a:prstDash val="dash"/>
+            <a:tailEnd type="triangle" w="med" len="lg"/>
+          </a:ln>
+        </p:spPr>
+        <p:style>
+          <a:lnRef idx="1">
+            <a:schemeClr val="accent1"/>
+          </a:lnRef>
+          <a:fillRef idx="0">
+            <a:schemeClr val="accent1"/>
+          </a:fillRef>
+          <a:effectRef idx="0">
+            <a:schemeClr val="accent1"/>
+          </a:effectRef>
+          <a:fontRef idx="minor">
+            <a:schemeClr val="tx1"/>
+          </a:fontRef>
+        </p:style>
+      </p:cxnSp>
+      <p:sp>
+        <p:nvSpPr>
+          <p:cNvPr id="98" name="Rectangle: Rounded Corners 3">
+            <a:extLst>
+              <a:ext uri="{FF2B5EF4-FFF2-40B4-BE49-F238E27FC236}">
+                <a16:creationId xmlns="" xmlns:a16="http://schemas.microsoft.com/office/drawing/2014/main" id="{7AE6D3E8-429A-4DBC-8186-66C97006A05C}"/>
+              </a:ext>
+            </a:extLst>
+          </p:cNvPr>
+          <p:cNvSpPr/>
+          <p:nvPr/>
+        </p:nvSpPr>
+        <p:spPr>
+          <a:xfrm>
+            <a:off x="8854249" y="3671858"/>
+            <a:ext cx="1290004" cy="602093"/>
+          </a:xfrm>
+          <a:prstGeom prst="roundRect">
+            <a:avLst/>
+          </a:prstGeom>
+          <a:noFill/>
+          <a:ln w="19050">
+            <a:solidFill>
+              <a:schemeClr val="bg1"/>
+            </a:solidFill>
+          </a:ln>
+        </p:spPr>
+        <p:style>
+          <a:lnRef idx="2">
+            <a:schemeClr val="accent1">
+              <a:shade val="50000"/>
+            </a:schemeClr>
+          </a:lnRef>
+          <a:fillRef idx="1">
+            <a:schemeClr val="accent1"/>
+          </a:fillRef>
+          <a:effectRef idx="0">
+            <a:schemeClr val="accent1"/>
+          </a:effectRef>
+          <a:fontRef idx="minor">
+            <a:schemeClr val="lt1"/>
+          </a:fontRef>
+        </p:style>
+        <p:txBody>
+          <a:bodyPr rtlCol="0" anchor="ctr"/>
+          <a:lstStyle/>
+          <a:p>
+            <a:pPr algn="ctr"/>
+            <a:r>
+              <a:rPr lang="en-US" altLang="zh-CN" sz="1200" dirty="0" smtClean="0">
+                <a:latin typeface="Roboto Light" panose="02000000000000000000" pitchFamily="2" charset="0"/>
+                <a:ea typeface="Roboto Light" panose="02000000000000000000" pitchFamily="2" charset="0"/>
+              </a:rPr>
+              <a:t>Member C’s</a:t>
+            </a:r>
+          </a:p>
+          <a:p>
+            <a:pPr algn="ctr"/>
+            <a:r>
+              <a:rPr lang="en-US" altLang="zh-CN" sz="1200" dirty="0" smtClean="0">
+                <a:latin typeface="Roboto Light" panose="02000000000000000000" pitchFamily="2" charset="0"/>
+                <a:ea typeface="Roboto Light" panose="02000000000000000000" pitchFamily="2" charset="0"/>
+              </a:rPr>
+              <a:t>Code</a:t>
+            </a:r>
+            <a:endParaRPr lang="zh-CN" altLang="en-US" sz="1200" dirty="0">
+              <a:latin typeface="Roboto Light" panose="02000000000000000000" pitchFamily="2" charset="0"/>
+              <a:ea typeface="Roboto Light" panose="02000000000000000000" pitchFamily="2" charset="0"/>
+            </a:endParaRPr>
+          </a:p>
+        </p:txBody>
+      </p:sp>
+      <p:cxnSp>
+        <p:nvCxnSpPr>
+          <p:cNvPr id="99" name="Straight Connector 98">
+            <a:extLst>
+              <a:ext uri="{FF2B5EF4-FFF2-40B4-BE49-F238E27FC236}">
+                <a16:creationId xmlns="" xmlns:a16="http://schemas.microsoft.com/office/drawing/2014/main" id="{8AB7AB37-5E71-4790-9163-6E2D8F06C5D2}"/>
+              </a:ext>
+            </a:extLst>
+          </p:cNvPr>
+          <p:cNvCxnSpPr>
+            <a:cxnSpLocks/>
+            <a:stCxn id="95" idx="3"/>
+            <a:endCxn id="98" idx="1"/>
+          </p:cNvCxnSpPr>
+          <p:nvPr/>
+        </p:nvCxnSpPr>
+        <p:spPr>
+          <a:xfrm>
+            <a:off x="6901101" y="3959046"/>
+            <a:ext cx="1953148" cy="13859"/>
+          </a:xfrm>
+          <a:prstGeom prst="line">
+            <a:avLst/>
+          </a:prstGeom>
+          <a:ln w="12700">
+            <a:solidFill>
+              <a:schemeClr val="bg1"/>
+            </a:solidFill>
+            <a:prstDash val="dash"/>
+            <a:tailEnd type="triangle" w="med" len="lg"/>
+          </a:ln>
+        </p:spPr>
+        <p:style>
+          <a:lnRef idx="1">
+            <a:schemeClr val="accent1"/>
+          </a:lnRef>
+          <a:fillRef idx="0">
+            <a:schemeClr val="accent1"/>
+          </a:fillRef>
+          <a:effectRef idx="0">
+            <a:schemeClr val="accent1"/>
+          </a:effectRef>
+          <a:fontRef idx="minor">
+            <a:schemeClr val="tx1"/>
+          </a:fontRef>
+        </p:style>
+      </p:cxnSp>
+      <p:sp>
+        <p:nvSpPr>
+          <p:cNvPr id="101" name="Rectangle 100"/>
+          <p:cNvSpPr/>
+          <p:nvPr/>
+        </p:nvSpPr>
+        <p:spPr>
+          <a:xfrm>
+            <a:off x="7361267" y="2661253"/>
+            <a:ext cx="615874" cy="307777"/>
+          </a:xfrm>
+          <a:prstGeom prst="rect">
+            <a:avLst/>
+          </a:prstGeom>
+        </p:spPr>
+        <p:txBody>
+          <a:bodyPr wrap="none">
+            <a:spAutoFit/>
+          </a:bodyPr>
+          <a:lstStyle/>
+          <a:p>
+            <a:pPr algn="ctr"/>
+            <a:r>
+              <a:rPr lang="en-US" altLang="zh-CN" sz="1400" b="1" i="1" dirty="0" smtClean="0">
+                <a:solidFill>
+                  <a:schemeClr val="accent5">
+                    <a:lumMod val="50000"/>
+                  </a:schemeClr>
+                </a:solidFill>
+                <a:latin typeface="Roboto Light" panose="02000000000000000000" pitchFamily="2" charset="0"/>
+                <a:ea typeface="Roboto Light" panose="02000000000000000000" pitchFamily="2" charset="0"/>
+              </a:rPr>
+              <a:t>Clone</a:t>
+            </a:r>
+            <a:endParaRPr lang="zh-CN" altLang="en-US" sz="1400" b="1" i="1" dirty="0">
+              <a:solidFill>
+                <a:schemeClr val="accent5">
+                  <a:lumMod val="50000"/>
+                </a:schemeClr>
+              </a:solidFill>
+              <a:latin typeface="Roboto Light" panose="02000000000000000000" pitchFamily="2" charset="0"/>
+              <a:ea typeface="Roboto Light" panose="02000000000000000000" pitchFamily="2" charset="0"/>
+            </a:endParaRPr>
+          </a:p>
+        </p:txBody>
+      </p:sp>
+      <p:sp>
+        <p:nvSpPr>
+          <p:cNvPr id="106" name="Rectangle 105"/>
+          <p:cNvSpPr/>
+          <p:nvPr/>
+        </p:nvSpPr>
+        <p:spPr>
+          <a:xfrm>
+            <a:off x="7410157" y="3543847"/>
+            <a:ext cx="615874" cy="307777"/>
+          </a:xfrm>
+          <a:prstGeom prst="rect">
+            <a:avLst/>
+          </a:prstGeom>
+        </p:spPr>
+        <p:txBody>
+          <a:bodyPr wrap="none">
+            <a:spAutoFit/>
+          </a:bodyPr>
+          <a:lstStyle/>
+          <a:p>
+            <a:pPr algn="ctr"/>
+            <a:r>
+              <a:rPr lang="en-US" altLang="zh-CN" sz="1400" b="1" i="1" dirty="0" smtClean="0">
+                <a:solidFill>
+                  <a:schemeClr val="accent5">
+                    <a:lumMod val="50000"/>
+                  </a:schemeClr>
+                </a:solidFill>
+                <a:latin typeface="Roboto Light" panose="02000000000000000000" pitchFamily="2" charset="0"/>
+                <a:ea typeface="Roboto Light" panose="02000000000000000000" pitchFamily="2" charset="0"/>
+              </a:rPr>
+              <a:t>Clone</a:t>
+            </a:r>
+            <a:endParaRPr lang="zh-CN" altLang="en-US" sz="1400" b="1" i="1" dirty="0">
+              <a:solidFill>
+                <a:schemeClr val="accent5">
+                  <a:lumMod val="50000"/>
+                </a:schemeClr>
+              </a:solidFill>
+              <a:latin typeface="Roboto Light" panose="02000000000000000000" pitchFamily="2" charset="0"/>
+              <a:ea typeface="Roboto Light" panose="02000000000000000000" pitchFamily="2" charset="0"/>
+            </a:endParaRPr>
+          </a:p>
+        </p:txBody>
+      </p:sp>
+      <p:sp>
+        <p:nvSpPr>
+          <p:cNvPr id="107" name="Rectangle 106"/>
+          <p:cNvSpPr/>
+          <p:nvPr/>
+        </p:nvSpPr>
+        <p:spPr>
+          <a:xfrm>
+            <a:off x="4744561" y="2284180"/>
+            <a:ext cx="527709" cy="307777"/>
+          </a:xfrm>
+          <a:prstGeom prst="rect">
+            <a:avLst/>
+          </a:prstGeom>
+        </p:spPr>
+        <p:txBody>
+          <a:bodyPr wrap="none">
+            <a:spAutoFit/>
+          </a:bodyPr>
+          <a:lstStyle/>
+          <a:p>
+            <a:pPr algn="ctr"/>
+            <a:r>
+              <a:rPr lang="en-US" altLang="zh-CN" sz="1400" b="1" i="1" dirty="0">
+                <a:solidFill>
+                  <a:schemeClr val="accent5">
+                    <a:lumMod val="50000"/>
+                  </a:schemeClr>
+                </a:solidFill>
+                <a:latin typeface="Roboto Light" panose="02000000000000000000" pitchFamily="2" charset="0"/>
+                <a:ea typeface="Roboto Light" panose="02000000000000000000" pitchFamily="2" charset="0"/>
+              </a:rPr>
+              <a:t>F</a:t>
+            </a:r>
+            <a:r>
+              <a:rPr lang="en-US" altLang="zh-CN" sz="1400" b="1" i="1" dirty="0" smtClean="0">
+                <a:solidFill>
+                  <a:schemeClr val="accent5">
+                    <a:lumMod val="50000"/>
+                  </a:schemeClr>
+                </a:solidFill>
+                <a:latin typeface="Roboto Light" panose="02000000000000000000" pitchFamily="2" charset="0"/>
+                <a:ea typeface="Roboto Light" panose="02000000000000000000" pitchFamily="2" charset="0"/>
+              </a:rPr>
+              <a:t>ork</a:t>
+            </a:r>
+            <a:endParaRPr lang="zh-CN" altLang="en-US" sz="1400" b="1" i="1" dirty="0">
+              <a:solidFill>
+                <a:schemeClr val="accent5">
+                  <a:lumMod val="50000"/>
+                </a:schemeClr>
+              </a:solidFill>
+              <a:latin typeface="Roboto Light" panose="02000000000000000000" pitchFamily="2" charset="0"/>
+              <a:ea typeface="Roboto Light" panose="02000000000000000000" pitchFamily="2" charset="0"/>
+            </a:endParaRPr>
+          </a:p>
+        </p:txBody>
+      </p:sp>
+      <p:cxnSp>
+        <p:nvCxnSpPr>
+          <p:cNvPr id="108" name="Straight Connector 107">
+            <a:extLst>
+              <a:ext uri="{FF2B5EF4-FFF2-40B4-BE49-F238E27FC236}">
+                <a16:creationId xmlns="" xmlns:a16="http://schemas.microsoft.com/office/drawing/2014/main" id="{8AB7AB37-5E71-4790-9163-6E2D8F06C5D2}"/>
+              </a:ext>
+            </a:extLst>
+          </p:cNvPr>
+          <p:cNvCxnSpPr>
+            <a:cxnSpLocks/>
+          </p:cNvCxnSpPr>
+          <p:nvPr/>
+        </p:nvCxnSpPr>
+        <p:spPr>
+          <a:xfrm flipV="1">
+            <a:off x="9474675" y="1381226"/>
+            <a:ext cx="0" cy="568266"/>
+          </a:xfrm>
+          <a:prstGeom prst="line">
+            <a:avLst/>
+          </a:prstGeom>
+          <a:ln w="12700">
+            <a:solidFill>
+              <a:schemeClr val="bg1"/>
+            </a:solidFill>
+            <a:prstDash val="dash"/>
+            <a:tailEnd type="triangle" w="med" len="lg"/>
+          </a:ln>
+        </p:spPr>
+        <p:style>
+          <a:lnRef idx="1">
+            <a:schemeClr val="accent1"/>
+          </a:lnRef>
+          <a:fillRef idx="0">
+            <a:schemeClr val="accent1"/>
+          </a:fillRef>
+          <a:effectRef idx="0">
+            <a:schemeClr val="accent1"/>
+          </a:effectRef>
+          <a:fontRef idx="minor">
+            <a:schemeClr val="tx1"/>
+          </a:fontRef>
+        </p:style>
+      </p:cxnSp>
+      <p:sp>
+        <p:nvSpPr>
+          <p:cNvPr id="109" name="Rectangle 108"/>
+          <p:cNvSpPr/>
+          <p:nvPr/>
+        </p:nvSpPr>
+        <p:spPr>
+          <a:xfrm>
+            <a:off x="8863773" y="976173"/>
+            <a:ext cx="1221809" cy="307777"/>
+          </a:xfrm>
+          <a:prstGeom prst="rect">
+            <a:avLst/>
+          </a:prstGeom>
+        </p:spPr>
+        <p:txBody>
+          <a:bodyPr wrap="none">
+            <a:spAutoFit/>
+          </a:bodyPr>
+          <a:lstStyle/>
+          <a:p>
+            <a:pPr algn="ctr"/>
+            <a:r>
+              <a:rPr lang="en-US" altLang="zh-CN" sz="1400" b="1" i="1" dirty="0" smtClean="0">
+                <a:solidFill>
+                  <a:schemeClr val="accent5">
+                    <a:lumMod val="50000"/>
+                  </a:schemeClr>
+                </a:solidFill>
+                <a:latin typeface="Roboto Light" panose="02000000000000000000" pitchFamily="2" charset="0"/>
+                <a:ea typeface="Roboto Light" panose="02000000000000000000" pitchFamily="2" charset="0"/>
+              </a:rPr>
+              <a:t>Add Commits</a:t>
+            </a:r>
+            <a:endParaRPr lang="zh-CN" altLang="en-US" sz="1400" b="1" i="1" dirty="0">
+              <a:solidFill>
+                <a:schemeClr val="accent5">
+                  <a:lumMod val="50000"/>
+                </a:schemeClr>
+              </a:solidFill>
+              <a:latin typeface="Roboto Light" panose="02000000000000000000" pitchFamily="2" charset="0"/>
+              <a:ea typeface="Roboto Light" panose="02000000000000000000" pitchFamily="2" charset="0"/>
+            </a:endParaRPr>
+          </a:p>
+        </p:txBody>
+      </p:sp>
+      <p:sp>
+        <p:nvSpPr>
+          <p:cNvPr id="110" name="Rectangle 109"/>
+          <p:cNvSpPr/>
+          <p:nvPr/>
+        </p:nvSpPr>
+        <p:spPr>
+          <a:xfrm>
+            <a:off x="2981084" y="1794945"/>
+            <a:ext cx="896850" cy="523220"/>
+          </a:xfrm>
+          <a:prstGeom prst="rect">
+            <a:avLst/>
+          </a:prstGeom>
+        </p:spPr>
+        <p:txBody>
+          <a:bodyPr wrap="square">
+            <a:spAutoFit/>
+          </a:bodyPr>
+          <a:lstStyle/>
+          <a:p>
+            <a:pPr algn="ctr"/>
+            <a:r>
+              <a:rPr lang="en-US" altLang="zh-CN" sz="1400" b="1" i="1" dirty="0" smtClean="0">
+                <a:solidFill>
+                  <a:srgbClr val="FF0000"/>
+                </a:solidFill>
+                <a:latin typeface="Roboto Light" panose="02000000000000000000" pitchFamily="2" charset="0"/>
+                <a:ea typeface="Roboto Light" panose="02000000000000000000" pitchFamily="2" charset="0"/>
+              </a:rPr>
+              <a:t>Accept / Decline</a:t>
+            </a:r>
+            <a:endParaRPr lang="zh-CN" altLang="en-US" sz="1400" b="1" i="1" dirty="0">
+              <a:solidFill>
+                <a:srgbClr val="FF0000"/>
+              </a:solidFill>
+              <a:latin typeface="Roboto Light" panose="02000000000000000000" pitchFamily="2" charset="0"/>
+              <a:ea typeface="Roboto Light" panose="02000000000000000000" pitchFamily="2" charset="0"/>
+            </a:endParaRPr>
+          </a:p>
+        </p:txBody>
+      </p:sp>
+      <p:cxnSp>
+        <p:nvCxnSpPr>
+          <p:cNvPr id="112" name="Straight Connector 111">
+            <a:extLst>
+              <a:ext uri="{FF2B5EF4-FFF2-40B4-BE49-F238E27FC236}">
+                <a16:creationId xmlns="" xmlns:a16="http://schemas.microsoft.com/office/drawing/2014/main" id="{8AB7AB37-5E71-4790-9163-6E2D8F06C5D2}"/>
+              </a:ext>
+            </a:extLst>
+          </p:cNvPr>
+          <p:cNvCxnSpPr>
+            <a:cxnSpLocks/>
+          </p:cNvCxnSpPr>
+          <p:nvPr/>
+        </p:nvCxnSpPr>
+        <p:spPr>
+          <a:xfrm flipH="1" flipV="1">
+            <a:off x="3982339" y="2181530"/>
+            <a:ext cx="1765660" cy="1"/>
+          </a:xfrm>
+          <a:prstGeom prst="line">
+            <a:avLst/>
+          </a:prstGeom>
+          <a:ln w="12700">
+            <a:solidFill>
+              <a:srgbClr val="FF0000"/>
+            </a:solidFill>
+            <a:prstDash val="dash"/>
+            <a:tailEnd type="triangle" w="med" len="lg"/>
+          </a:ln>
+        </p:spPr>
+        <p:style>
+          <a:lnRef idx="1">
+            <a:schemeClr val="accent1"/>
+          </a:lnRef>
+          <a:fillRef idx="0">
+            <a:schemeClr val="accent1"/>
+          </a:fillRef>
+          <a:effectRef idx="0">
+            <a:schemeClr val="accent1"/>
+          </a:effectRef>
+          <a:fontRef idx="minor">
+            <a:schemeClr val="tx1"/>
+          </a:fontRef>
+        </p:style>
+      </p:cxnSp>
       <p:pic>
         <p:nvPicPr>
-          <p:cNvPr id="2050" name="Picture 2" descr="C:\Users\Wenhao\Dropbox (GeoAdaptive)\2017_042_GA_DATAXLAT\2017_042_GA_DATAXLAT-GIS\WEB\JAVASCRIPT\ProjectDataX\communication\github_account_2.JPG"/>
+          <p:cNvPr id="113" name="Picture 2" descr="C:\Users\Wenhao\Dropbox (GeoAdaptive)\2017_042_GA_DATAXLAT\2017_042_GA_DATAXLAT-GIS\WEB\SUPPORTING_FILES\cloud-4-xxl.png"/>
           <p:cNvPicPr>
             <a:picLocks noChangeAspect="1" noChangeArrowheads="1"/>
           </p:cNvPicPr>
           <p:nvPr/>
         </p:nvPicPr>
         <p:blipFill>
-          <a:blip r:embed="rId2">
+          <a:blip r:embed="rId2" cstate="print">
             <a:extLst>
               <a:ext uri="{28A0092B-C50C-407E-A947-70E740481C1C}">
                 <a14:useLocalDpi xmlns:a14="http://schemas.microsoft.com/office/drawing/2010/main" val="0"/>
@@ -5461,8 +10010,8 @@
         </p:blipFill>
         <p:spPr bwMode="auto">
           <a:xfrm>
-            <a:off x="594836" y="44606"/>
-            <a:ext cx="11019158" cy="6779941"/>
+            <a:off x="5124402" y="194390"/>
+            <a:ext cx="862329" cy="862329"/>
           </a:xfrm>
           <a:prstGeom prst="rect">
             <a:avLst/>
@@ -5479,10 +10028,51 @@
           </a:extLst>
         </p:spPr>
       </p:pic>
+      <p:pic>
+        <p:nvPicPr>
+          <p:cNvPr id="114" name="Picture 3" descr="C:\Users\Wenhao\Dropbox (GeoAdaptive)\2017_042_GA_DATAXLAT\2017_042_GA_DATAXLAT-GIS\WEB\SUPPORTING_FILES\computer-xxl.png"/>
+          <p:cNvPicPr>
+            <a:picLocks noChangeAspect="1" noChangeArrowheads="1"/>
+          </p:cNvPicPr>
+          <p:nvPr/>
+        </p:nvPicPr>
+        <p:blipFill>
+          <a:blip r:embed="rId3" cstate="print">
+            <a:extLst>
+              <a:ext uri="{28A0092B-C50C-407E-A947-70E740481C1C}">
+                <a14:useLocalDpi xmlns:a14="http://schemas.microsoft.com/office/drawing/2010/main" val="0"/>
+              </a:ext>
+            </a:extLst>
+          </a:blip>
+          <a:srcRect/>
+          <a:stretch>
+            <a:fillRect/>
+          </a:stretch>
+        </p:blipFill>
+        <p:spPr bwMode="auto">
+          <a:xfrm>
+            <a:off x="10335303" y="284112"/>
+            <a:ext cx="692061" cy="692061"/>
+          </a:xfrm>
+          <a:prstGeom prst="rect">
+            <a:avLst/>
+          </a:prstGeom>
+          <a:noFill/>
+          <a:extLst>
+            <a:ext uri="{909E8E84-426E-40DD-AFC4-6F175D3DCCD1}">
+              <a14:hiddenFill xmlns:a14="http://schemas.microsoft.com/office/drawing/2010/main">
+                <a:solidFill>
+                  <a:srgbClr val="FFFFFF"/>
+                </a:solidFill>
+              </a14:hiddenFill>
+            </a:ext>
+          </a:extLst>
+        </p:spPr>
+      </p:pic>
     </p:spTree>
     <p:extLst>
       <p:ext uri="{BB962C8B-B14F-4D97-AF65-F5344CB8AC3E}">
-        <p14:creationId xmlns:p14="http://schemas.microsoft.com/office/powerpoint/2010/main" val="3083273190"/>
+        <p14:creationId xmlns:p14="http://schemas.microsoft.com/office/powerpoint/2010/main" val="1163200575"/>
       </p:ext>
     </p:extLst>
   </p:cSld>
@@ -5549,7 +10139,7 @@
       </p:sp>
       <p:pic>
         <p:nvPicPr>
-          <p:cNvPr id="3074" name="Picture 2" descr="C:\Users\Wenhao\Dropbox (GeoAdaptive)\2017_042_GA_DATAXLAT\2017_042_GA_DATAXLAT-GIS\WEB\JAVASCRIPT\ProjectDataX\communication\github_account_3.JPG"/>
+          <p:cNvPr id="1026" name="Picture 2" descr="C:\Users\Wenhao\Dropbox (GeoAdaptive)\2017_042_GA_DATAXLAT\2017_042_GA_DATAXLAT-GIS\WEB\JAVASCRIPT\ProjectDataX\communication\github_account_1.JPG"/>
           <p:cNvPicPr>
             <a:picLocks noChangeAspect="1" noChangeArrowheads="1"/>
           </p:cNvPicPr>
@@ -5570,8 +10160,8 @@
         </p:blipFill>
         <p:spPr bwMode="auto">
           <a:xfrm>
-            <a:off x="847495" y="0"/>
-            <a:ext cx="10495846" cy="6853710"/>
+            <a:off x="-11151" y="66906"/>
+            <a:ext cx="12192000" cy="6713813"/>
           </a:xfrm>
           <a:prstGeom prst="rect">
             <a:avLst/>
@@ -5591,7 +10181,7 @@
     </p:spTree>
     <p:extLst>
       <p:ext uri="{BB962C8B-B14F-4D97-AF65-F5344CB8AC3E}">
-        <p14:creationId xmlns:p14="http://schemas.microsoft.com/office/powerpoint/2010/main" val="3422103997"/>
+        <p14:creationId xmlns:p14="http://schemas.microsoft.com/office/powerpoint/2010/main" val="1836583689"/>
       </p:ext>
     </p:extLst>
   </p:cSld>
@@ -5658,7 +10248,7 @@
       </p:sp>
       <p:pic>
         <p:nvPicPr>
-          <p:cNvPr id="4098" name="Picture 2" descr="C:\Users\Wenhao\Dropbox (GeoAdaptive)\2017_042_GA_DATAXLAT\2017_042_GA_DATAXLAT-GIS\WEB\JAVASCRIPT\ProjectDataX\communication\example_1.JPG"/>
+          <p:cNvPr id="2050" name="Picture 2" descr="C:\Users\Wenhao\Dropbox (GeoAdaptive)\2017_042_GA_DATAXLAT\2017_042_GA_DATAXLAT-GIS\WEB\JAVASCRIPT\ProjectDataX\communication\github_account_2.JPG"/>
           <p:cNvPicPr>
             <a:picLocks noChangeAspect="1" noChangeArrowheads="1"/>
           </p:cNvPicPr>
@@ -5679,8 +10269,8 @@
         </p:blipFill>
         <p:spPr bwMode="auto">
           <a:xfrm>
-            <a:off x="122662" y="278779"/>
-            <a:ext cx="11964376" cy="6088566"/>
+            <a:off x="594836" y="44606"/>
+            <a:ext cx="11019158" cy="6779941"/>
           </a:xfrm>
           <a:prstGeom prst="rect">
             <a:avLst/>
@@ -5700,7 +10290,7 @@
     </p:spTree>
     <p:extLst>
       <p:ext uri="{BB962C8B-B14F-4D97-AF65-F5344CB8AC3E}">
-        <p14:creationId xmlns:p14="http://schemas.microsoft.com/office/powerpoint/2010/main" val="3609247770"/>
+        <p14:creationId xmlns:p14="http://schemas.microsoft.com/office/powerpoint/2010/main" val="3083273190"/>
       </p:ext>
     </p:extLst>
   </p:cSld>
@@ -5767,7 +10357,7 @@
       </p:sp>
       <p:pic>
         <p:nvPicPr>
-          <p:cNvPr id="5122" name="Picture 2"/>
+          <p:cNvPr id="3074" name="Picture 2" descr="C:\Users\Wenhao\Dropbox (GeoAdaptive)\2017_042_GA_DATAXLAT\2017_042_GA_DATAXLAT-GIS\WEB\JAVASCRIPT\ProjectDataX\communication\github_account_3.JPG"/>
           <p:cNvPicPr>
             <a:picLocks noChangeAspect="1" noChangeArrowheads="1"/>
           </p:cNvPicPr>
@@ -5788,33 +10378,20 @@
         </p:blipFill>
         <p:spPr bwMode="auto">
           <a:xfrm>
-            <a:off x="289930" y="58230"/>
-            <a:ext cx="11641874" cy="6740964"/>
+            <a:off x="847495" y="0"/>
+            <a:ext cx="10495846" cy="6853710"/>
           </a:xfrm>
           <a:prstGeom prst="rect">
             <a:avLst/>
           </a:prstGeom>
           <a:noFill/>
-          <a:ln>
-            <a:noFill/>
-          </a:ln>
           <a:extLst>
             <a:ext uri="{909E8E84-426E-40DD-AFC4-6F175D3DCCD1}">
               <a14:hiddenFill xmlns:a14="http://schemas.microsoft.com/office/drawing/2010/main">
                 <a:solidFill>
-                  <a:schemeClr val="accent1"/>
+                  <a:srgbClr val="FFFFFF"/>
                 </a:solidFill>
               </a14:hiddenFill>
-            </a:ext>
-            <a:ext uri="{91240B29-F687-4F45-9708-019B960494DF}">
-              <a14:hiddenLine xmlns:a14="http://schemas.microsoft.com/office/drawing/2010/main" w="9525">
-                <a:solidFill>
-                  <a:schemeClr val="tx1"/>
-                </a:solidFill>
-                <a:miter lim="800000"/>
-                <a:headEnd/>
-                <a:tailEnd/>
-              </a14:hiddenLine>
             </a:ext>
           </a:extLst>
         </p:spPr>
@@ -5822,7 +10399,117 @@
     </p:spTree>
     <p:extLst>
       <p:ext uri="{BB962C8B-B14F-4D97-AF65-F5344CB8AC3E}">
-        <p14:creationId xmlns:p14="http://schemas.microsoft.com/office/powerpoint/2010/main" val="923133449"/>
+        <p14:creationId xmlns:p14="http://schemas.microsoft.com/office/powerpoint/2010/main" val="3422103997"/>
+      </p:ext>
+    </p:extLst>
+  </p:cSld>
+  <p:clrMapOvr>
+    <a:masterClrMapping/>
+  </p:clrMapOvr>
+</p:sld>
+</file>
+
+<file path=ppt/slides/slide9.xml><?xml version="1.0" encoding="utf-8"?>
+<p:sld xmlns:a="http://schemas.openxmlformats.org/drawingml/2006/main" xmlns:r="http://schemas.openxmlformats.org/officeDocument/2006/relationships" xmlns:p="http://schemas.openxmlformats.org/presentationml/2006/main">
+  <p:cSld>
+    <p:spTree>
+      <p:nvGrpSpPr>
+        <p:cNvPr id="1" name=""/>
+        <p:cNvGrpSpPr/>
+        <p:nvPr/>
+      </p:nvGrpSpPr>
+      <p:grpSpPr>
+        <a:xfrm>
+          <a:off x="0" y="0"/>
+          <a:ext cx="0" cy="0"/>
+          <a:chOff x="0" y="0"/>
+          <a:chExt cx="0" cy="0"/>
+        </a:xfrm>
+      </p:grpSpPr>
+      <p:sp>
+        <p:nvSpPr>
+          <p:cNvPr id="5" name="Title 1">
+            <a:extLst>
+              <a:ext uri="{FF2B5EF4-FFF2-40B4-BE49-F238E27FC236}">
+                <a16:creationId xmlns="" xmlns:a16="http://schemas.microsoft.com/office/drawing/2014/main" id="{ADDC5375-CE02-4A6D-BDEB-689CA3A31589}"/>
+              </a:ext>
+            </a:extLst>
+          </p:cNvPr>
+          <p:cNvSpPr txBox="1">
+            <a:spLocks/>
+          </p:cNvSpPr>
+          <p:nvPr/>
+        </p:nvSpPr>
+        <p:spPr>
+          <a:xfrm>
+            <a:off x="1524000" y="1795191"/>
+            <a:ext cx="9144000" cy="2387600"/>
+          </a:xfrm>
+          <a:prstGeom prst="rect">
+            <a:avLst/>
+          </a:prstGeom>
+        </p:spPr>
+        <p:txBody>
+          <a:bodyPr vert="horz" lIns="91440" tIns="45720" rIns="91440" bIns="45720" rtlCol="0" anchor="ctr">
+            <a:normAutofit/>
+          </a:bodyPr>
+          <a:lstStyle>
+            <a:lvl1pPr algn="l" defTabSz="914400" rtl="0" eaLnBrk="1" latinLnBrk="0" hangingPunct="1">
+              <a:lnSpc>
+                <a:spcPct val="90000"/>
+              </a:lnSpc>
+              <a:spcBef>
+                <a:spcPct val="0"/>
+              </a:spcBef>
+              <a:buNone/>
+              <a:defRPr sz="4400" kern="1200">
+                <a:solidFill>
+                  <a:schemeClr val="tx1"/>
+                </a:solidFill>
+                <a:latin typeface="+mj-lt"/>
+                <a:ea typeface="+mj-ea"/>
+                <a:cs typeface="+mj-cs"/>
+              </a:defRPr>
+            </a:lvl1pPr>
+          </a:lstStyle>
+          <a:p>
+            <a:pPr algn="ctr"/>
+            <a:r>
+              <a:rPr lang="en-US" altLang="zh-CN" dirty="0">
+                <a:solidFill>
+                  <a:schemeClr val="bg1"/>
+                </a:solidFill>
+                <a:latin typeface="Roboto Thin" panose="02000000000000000000" pitchFamily="2" charset="0"/>
+                <a:ea typeface="Roboto Thin" panose="02000000000000000000" pitchFamily="2" charset="0"/>
+                <a:cs typeface="Calibri" panose="020F0502020204030204" pitchFamily="34" charset="0"/>
+              </a:rPr>
+              <a:t>e</a:t>
+            </a:r>
+            <a:r>
+              <a:rPr lang="en-US" altLang="zh-CN" dirty="0" smtClean="0">
+                <a:solidFill>
+                  <a:schemeClr val="bg1"/>
+                </a:solidFill>
+                <a:latin typeface="Roboto Thin" panose="02000000000000000000" pitchFamily="2" charset="0"/>
+                <a:ea typeface="Roboto Thin" panose="02000000000000000000" pitchFamily="2" charset="0"/>
+                <a:cs typeface="Calibri" panose="020F0502020204030204" pitchFamily="34" charset="0"/>
+              </a:rPr>
+              <a:t>xamples.</a:t>
+            </a:r>
+            <a:endParaRPr lang="zh-CN" altLang="en-US" dirty="0">
+              <a:solidFill>
+                <a:schemeClr val="bg1"/>
+              </a:solidFill>
+              <a:latin typeface="Roboto Thin" panose="02000000000000000000" pitchFamily="2" charset="0"/>
+              <a:cs typeface="Calibri" panose="020F0502020204030204" pitchFamily="34" charset="0"/>
+            </a:endParaRPr>
+          </a:p>
+        </p:txBody>
+      </p:sp>
+    </p:spTree>
+    <p:extLst>
+      <p:ext uri="{BB962C8B-B14F-4D97-AF65-F5344CB8AC3E}">
+        <p14:creationId xmlns:p14="http://schemas.microsoft.com/office/powerpoint/2010/main" val="4237025236"/>
       </p:ext>
     </p:extLst>
   </p:cSld>
@@ -6121,7 +10808,7 @@
   <a:extraClrSchemeLst/>
   <a:extLst>
     <a:ext uri="{05A4C25C-085E-4340-85A3-A5531E510DB2}">
-      <thm15:themeFamily xmlns:thm15="http://schemas.microsoft.com/office/thememl/2012/main" xmlns="" name="Office Theme" id="{62F939B6-93AF-4DB8-9C6B-D6C7DFDC589F}" vid="{4A3C46E8-61CC-4603-A589-7422A47A8E4A}"/>
+      <thm15:themeFamily xmlns="" xmlns:thm15="http://schemas.microsoft.com/office/thememl/2012/main" name="Office Theme" id="{62F939B6-93AF-4DB8-9C6B-D6C7DFDC589F}" vid="{4A3C46E8-61CC-4603-A589-7422A47A8E4A}"/>
     </a:ext>
   </a:extLst>
 </a:theme>

--- a/communication/pre_0724.pptx
+++ b/communication/pre_0724.pptx
@@ -18,7 +18,9 @@
     <p:sldId id="269" r:id="rId12"/>
     <p:sldId id="266" r:id="rId13"/>
     <p:sldId id="262" r:id="rId14"/>
-    <p:sldId id="263" r:id="rId15"/>
+    <p:sldId id="274" r:id="rId15"/>
+    <p:sldId id="263" r:id="rId16"/>
+    <p:sldId id="275" r:id="rId17"/>
   </p:sldIdLst>
   <p:sldSz cx="12192000" cy="6858000"/>
   <p:notesSz cx="6858000" cy="9144000"/>
@@ -146,7 +148,7 @@
           <p:cNvPr id="2" name="Title 1">
             <a:extLst>
               <a:ext uri="{FF2B5EF4-FFF2-40B4-BE49-F238E27FC236}">
-                <a16:creationId xmlns="" xmlns:a16="http://schemas.microsoft.com/office/drawing/2014/main" id="{E82B0C58-685F-4E04-A21B-9668CA5EF742}"/>
+                <a16:creationId xmlns:a16="http://schemas.microsoft.com/office/drawing/2014/main" xmlns="" id="{E82B0C58-685F-4E04-A21B-9668CA5EF742}"/>
               </a:ext>
             </a:extLst>
           </p:cNvPr>
@@ -184,7 +186,7 @@
           <p:cNvPr id="3" name="Subtitle 2">
             <a:extLst>
               <a:ext uri="{FF2B5EF4-FFF2-40B4-BE49-F238E27FC236}">
-                <a16:creationId xmlns="" xmlns:a16="http://schemas.microsoft.com/office/drawing/2014/main" id="{B11A4717-B2C0-4174-B071-49547222BE02}"/>
+                <a16:creationId xmlns:a16="http://schemas.microsoft.com/office/drawing/2014/main" xmlns="" id="{B11A4717-B2C0-4174-B071-49547222BE02}"/>
               </a:ext>
             </a:extLst>
           </p:cNvPr>
@@ -255,7 +257,7 @@
           <p:cNvPr id="4" name="Date Placeholder 3">
             <a:extLst>
               <a:ext uri="{FF2B5EF4-FFF2-40B4-BE49-F238E27FC236}">
-                <a16:creationId xmlns="" xmlns:a16="http://schemas.microsoft.com/office/drawing/2014/main" id="{27E9B1DA-FF8C-49E5-BF5B-B5A187CF2FD1}"/>
+                <a16:creationId xmlns:a16="http://schemas.microsoft.com/office/drawing/2014/main" xmlns="" id="{27E9B1DA-FF8C-49E5-BF5B-B5A187CF2FD1}"/>
               </a:ext>
             </a:extLst>
           </p:cNvPr>
@@ -273,7 +275,7 @@
           <a:p>
             <a:fld id="{28CEC29F-4B23-4B58-A511-B488B9A97879}" type="datetimeFigureOut">
               <a:rPr lang="zh-CN" altLang="en-US" smtClean="0"/>
-              <a:t>2017/7/27</a:t>
+              <a:t>2017/7/28</a:t>
             </a:fld>
             <a:endParaRPr lang="zh-CN" altLang="en-US"/>
           </a:p>
@@ -284,7 +286,7 @@
           <p:cNvPr id="5" name="Footer Placeholder 4">
             <a:extLst>
               <a:ext uri="{FF2B5EF4-FFF2-40B4-BE49-F238E27FC236}">
-                <a16:creationId xmlns="" xmlns:a16="http://schemas.microsoft.com/office/drawing/2014/main" id="{EE57919F-B315-4B40-BA69-58D96B7F7598}"/>
+                <a16:creationId xmlns:a16="http://schemas.microsoft.com/office/drawing/2014/main" xmlns="" id="{EE57919F-B315-4B40-BA69-58D96B7F7598}"/>
               </a:ext>
             </a:extLst>
           </p:cNvPr>
@@ -309,7 +311,7 @@
           <p:cNvPr id="6" name="Slide Number Placeholder 5">
             <a:extLst>
               <a:ext uri="{FF2B5EF4-FFF2-40B4-BE49-F238E27FC236}">
-                <a16:creationId xmlns="" xmlns:a16="http://schemas.microsoft.com/office/drawing/2014/main" id="{99426AD7-F523-4BFE-A021-C8DD58E34398}"/>
+                <a16:creationId xmlns:a16="http://schemas.microsoft.com/office/drawing/2014/main" xmlns="" id="{99426AD7-F523-4BFE-A021-C8DD58E34398}"/>
               </a:ext>
             </a:extLst>
           </p:cNvPr>
@@ -368,7 +370,7 @@
           <p:cNvPr id="2" name="Title 1">
             <a:extLst>
               <a:ext uri="{FF2B5EF4-FFF2-40B4-BE49-F238E27FC236}">
-                <a16:creationId xmlns="" xmlns:a16="http://schemas.microsoft.com/office/drawing/2014/main" id="{8E03D62A-9869-450F-9CD5-D236DB6830F9}"/>
+                <a16:creationId xmlns:a16="http://schemas.microsoft.com/office/drawing/2014/main" xmlns="" id="{8E03D62A-9869-450F-9CD5-D236DB6830F9}"/>
               </a:ext>
             </a:extLst>
           </p:cNvPr>
@@ -397,7 +399,7 @@
           <p:cNvPr id="3" name="Vertical Text Placeholder 2">
             <a:extLst>
               <a:ext uri="{FF2B5EF4-FFF2-40B4-BE49-F238E27FC236}">
-                <a16:creationId xmlns="" xmlns:a16="http://schemas.microsoft.com/office/drawing/2014/main" id="{45850CA9-90C2-48AF-88D2-2A2C7C2FFA6F}"/>
+                <a16:creationId xmlns:a16="http://schemas.microsoft.com/office/drawing/2014/main" xmlns="" id="{45850CA9-90C2-48AF-88D2-2A2C7C2FFA6F}"/>
               </a:ext>
             </a:extLst>
           </p:cNvPr>
@@ -455,7 +457,7 @@
           <p:cNvPr id="4" name="Date Placeholder 3">
             <a:extLst>
               <a:ext uri="{FF2B5EF4-FFF2-40B4-BE49-F238E27FC236}">
-                <a16:creationId xmlns="" xmlns:a16="http://schemas.microsoft.com/office/drawing/2014/main" id="{61C42B10-AF4C-4914-922E-DAB7C990313F}"/>
+                <a16:creationId xmlns:a16="http://schemas.microsoft.com/office/drawing/2014/main" xmlns="" id="{61C42B10-AF4C-4914-922E-DAB7C990313F}"/>
               </a:ext>
             </a:extLst>
           </p:cNvPr>
@@ -473,7 +475,7 @@
           <a:p>
             <a:fld id="{28CEC29F-4B23-4B58-A511-B488B9A97879}" type="datetimeFigureOut">
               <a:rPr lang="zh-CN" altLang="en-US" smtClean="0"/>
-              <a:t>2017/7/27</a:t>
+              <a:t>2017/7/28</a:t>
             </a:fld>
             <a:endParaRPr lang="zh-CN" altLang="en-US"/>
           </a:p>
@@ -484,7 +486,7 @@
           <p:cNvPr id="5" name="Footer Placeholder 4">
             <a:extLst>
               <a:ext uri="{FF2B5EF4-FFF2-40B4-BE49-F238E27FC236}">
-                <a16:creationId xmlns="" xmlns:a16="http://schemas.microsoft.com/office/drawing/2014/main" id="{380CBC57-50EF-4DC3-B3C4-9C51FB1A21B1}"/>
+                <a16:creationId xmlns:a16="http://schemas.microsoft.com/office/drawing/2014/main" xmlns="" id="{380CBC57-50EF-4DC3-B3C4-9C51FB1A21B1}"/>
               </a:ext>
             </a:extLst>
           </p:cNvPr>
@@ -509,7 +511,7 @@
           <p:cNvPr id="6" name="Slide Number Placeholder 5">
             <a:extLst>
               <a:ext uri="{FF2B5EF4-FFF2-40B4-BE49-F238E27FC236}">
-                <a16:creationId xmlns="" xmlns:a16="http://schemas.microsoft.com/office/drawing/2014/main" id="{4BE185E3-661A-497A-A857-7E0C3848E2FC}"/>
+                <a16:creationId xmlns:a16="http://schemas.microsoft.com/office/drawing/2014/main" xmlns="" id="{4BE185E3-661A-497A-A857-7E0C3848E2FC}"/>
               </a:ext>
             </a:extLst>
           </p:cNvPr>
@@ -568,7 +570,7 @@
           <p:cNvPr id="2" name="Vertical Title 1">
             <a:extLst>
               <a:ext uri="{FF2B5EF4-FFF2-40B4-BE49-F238E27FC236}">
-                <a16:creationId xmlns="" xmlns:a16="http://schemas.microsoft.com/office/drawing/2014/main" id="{38185D8B-4092-485C-A08D-F4C4BB7C4BE5}"/>
+                <a16:creationId xmlns:a16="http://schemas.microsoft.com/office/drawing/2014/main" xmlns="" id="{38185D8B-4092-485C-A08D-F4C4BB7C4BE5}"/>
               </a:ext>
             </a:extLst>
           </p:cNvPr>
@@ -602,7 +604,7 @@
           <p:cNvPr id="3" name="Vertical Text Placeholder 2">
             <a:extLst>
               <a:ext uri="{FF2B5EF4-FFF2-40B4-BE49-F238E27FC236}">
-                <a16:creationId xmlns="" xmlns:a16="http://schemas.microsoft.com/office/drawing/2014/main" id="{1E858840-306C-4E3C-A6A3-562C68355730}"/>
+                <a16:creationId xmlns:a16="http://schemas.microsoft.com/office/drawing/2014/main" xmlns="" id="{1E858840-306C-4E3C-A6A3-562C68355730}"/>
               </a:ext>
             </a:extLst>
           </p:cNvPr>
@@ -665,7 +667,7 @@
           <p:cNvPr id="4" name="Date Placeholder 3">
             <a:extLst>
               <a:ext uri="{FF2B5EF4-FFF2-40B4-BE49-F238E27FC236}">
-                <a16:creationId xmlns="" xmlns:a16="http://schemas.microsoft.com/office/drawing/2014/main" id="{77BEC104-511F-44EE-8C78-166766C0D7D6}"/>
+                <a16:creationId xmlns:a16="http://schemas.microsoft.com/office/drawing/2014/main" xmlns="" id="{77BEC104-511F-44EE-8C78-166766C0D7D6}"/>
               </a:ext>
             </a:extLst>
           </p:cNvPr>
@@ -683,7 +685,7 @@
           <a:p>
             <a:fld id="{28CEC29F-4B23-4B58-A511-B488B9A97879}" type="datetimeFigureOut">
               <a:rPr lang="zh-CN" altLang="en-US" smtClean="0"/>
-              <a:t>2017/7/27</a:t>
+              <a:t>2017/7/28</a:t>
             </a:fld>
             <a:endParaRPr lang="zh-CN" altLang="en-US"/>
           </a:p>
@@ -694,7 +696,7 @@
           <p:cNvPr id="5" name="Footer Placeholder 4">
             <a:extLst>
               <a:ext uri="{FF2B5EF4-FFF2-40B4-BE49-F238E27FC236}">
-                <a16:creationId xmlns="" xmlns:a16="http://schemas.microsoft.com/office/drawing/2014/main" id="{92A85BD9-7A63-4458-85CD-0C5E834CAB08}"/>
+                <a16:creationId xmlns:a16="http://schemas.microsoft.com/office/drawing/2014/main" xmlns="" id="{92A85BD9-7A63-4458-85CD-0C5E834CAB08}"/>
               </a:ext>
             </a:extLst>
           </p:cNvPr>
@@ -719,7 +721,7 @@
           <p:cNvPr id="6" name="Slide Number Placeholder 5">
             <a:extLst>
               <a:ext uri="{FF2B5EF4-FFF2-40B4-BE49-F238E27FC236}">
-                <a16:creationId xmlns="" xmlns:a16="http://schemas.microsoft.com/office/drawing/2014/main" id="{40A3B400-2265-457A-A573-D92D2B6C5A00}"/>
+                <a16:creationId xmlns:a16="http://schemas.microsoft.com/office/drawing/2014/main" xmlns="" id="{40A3B400-2265-457A-A573-D92D2B6C5A00}"/>
               </a:ext>
             </a:extLst>
           </p:cNvPr>
@@ -778,7 +780,7 @@
           <p:cNvPr id="2" name="Title 1">
             <a:extLst>
               <a:ext uri="{FF2B5EF4-FFF2-40B4-BE49-F238E27FC236}">
-                <a16:creationId xmlns="" xmlns:a16="http://schemas.microsoft.com/office/drawing/2014/main" id="{F5421E64-D888-436A-9D27-22CBA88D8407}"/>
+                <a16:creationId xmlns:a16="http://schemas.microsoft.com/office/drawing/2014/main" xmlns="" id="{F5421E64-D888-436A-9D27-22CBA88D8407}"/>
               </a:ext>
             </a:extLst>
           </p:cNvPr>
@@ -807,7 +809,7 @@
           <p:cNvPr id="3" name="Content Placeholder 2">
             <a:extLst>
               <a:ext uri="{FF2B5EF4-FFF2-40B4-BE49-F238E27FC236}">
-                <a16:creationId xmlns="" xmlns:a16="http://schemas.microsoft.com/office/drawing/2014/main" id="{7AD1B751-8DD9-4978-A827-596A57E95954}"/>
+                <a16:creationId xmlns:a16="http://schemas.microsoft.com/office/drawing/2014/main" xmlns="" id="{7AD1B751-8DD9-4978-A827-596A57E95954}"/>
               </a:ext>
             </a:extLst>
           </p:cNvPr>
@@ -865,7 +867,7 @@
           <p:cNvPr id="4" name="Date Placeholder 3">
             <a:extLst>
               <a:ext uri="{FF2B5EF4-FFF2-40B4-BE49-F238E27FC236}">
-                <a16:creationId xmlns="" xmlns:a16="http://schemas.microsoft.com/office/drawing/2014/main" id="{C97A56F8-1BFC-4287-ADE5-BE823EA25727}"/>
+                <a16:creationId xmlns:a16="http://schemas.microsoft.com/office/drawing/2014/main" xmlns="" id="{C97A56F8-1BFC-4287-ADE5-BE823EA25727}"/>
               </a:ext>
             </a:extLst>
           </p:cNvPr>
@@ -883,7 +885,7 @@
           <a:p>
             <a:fld id="{28CEC29F-4B23-4B58-A511-B488B9A97879}" type="datetimeFigureOut">
               <a:rPr lang="zh-CN" altLang="en-US" smtClean="0"/>
-              <a:t>2017/7/27</a:t>
+              <a:t>2017/7/28</a:t>
             </a:fld>
             <a:endParaRPr lang="zh-CN" altLang="en-US"/>
           </a:p>
@@ -894,7 +896,7 @@
           <p:cNvPr id="5" name="Footer Placeholder 4">
             <a:extLst>
               <a:ext uri="{FF2B5EF4-FFF2-40B4-BE49-F238E27FC236}">
-                <a16:creationId xmlns="" xmlns:a16="http://schemas.microsoft.com/office/drawing/2014/main" id="{24817AF5-80AF-4857-B545-52ABDA4E9F7E}"/>
+                <a16:creationId xmlns:a16="http://schemas.microsoft.com/office/drawing/2014/main" xmlns="" id="{24817AF5-80AF-4857-B545-52ABDA4E9F7E}"/>
               </a:ext>
             </a:extLst>
           </p:cNvPr>
@@ -919,7 +921,7 @@
           <p:cNvPr id="6" name="Slide Number Placeholder 5">
             <a:extLst>
               <a:ext uri="{FF2B5EF4-FFF2-40B4-BE49-F238E27FC236}">
-                <a16:creationId xmlns="" xmlns:a16="http://schemas.microsoft.com/office/drawing/2014/main" id="{A8969CB4-B22B-4FA8-B5CB-C506BD060641}"/>
+                <a16:creationId xmlns:a16="http://schemas.microsoft.com/office/drawing/2014/main" xmlns="" id="{A8969CB4-B22B-4FA8-B5CB-C506BD060641}"/>
               </a:ext>
             </a:extLst>
           </p:cNvPr>
@@ -978,7 +980,7 @@
           <p:cNvPr id="2" name="Title 1">
             <a:extLst>
               <a:ext uri="{FF2B5EF4-FFF2-40B4-BE49-F238E27FC236}">
-                <a16:creationId xmlns="" xmlns:a16="http://schemas.microsoft.com/office/drawing/2014/main" id="{95F84119-15D8-457B-B0FB-5E018423BCF2}"/>
+                <a16:creationId xmlns:a16="http://schemas.microsoft.com/office/drawing/2014/main" xmlns="" id="{95F84119-15D8-457B-B0FB-5E018423BCF2}"/>
               </a:ext>
             </a:extLst>
           </p:cNvPr>
@@ -1016,7 +1018,7 @@
           <p:cNvPr id="3" name="Text Placeholder 2">
             <a:extLst>
               <a:ext uri="{FF2B5EF4-FFF2-40B4-BE49-F238E27FC236}">
-                <a16:creationId xmlns="" xmlns:a16="http://schemas.microsoft.com/office/drawing/2014/main" id="{923E3244-8424-4475-B6B0-178B0593CC71}"/>
+                <a16:creationId xmlns:a16="http://schemas.microsoft.com/office/drawing/2014/main" xmlns="" id="{923E3244-8424-4475-B6B0-178B0593CC71}"/>
               </a:ext>
             </a:extLst>
           </p:cNvPr>
@@ -1141,7 +1143,7 @@
           <p:cNvPr id="4" name="Date Placeholder 3">
             <a:extLst>
               <a:ext uri="{FF2B5EF4-FFF2-40B4-BE49-F238E27FC236}">
-                <a16:creationId xmlns="" xmlns:a16="http://schemas.microsoft.com/office/drawing/2014/main" id="{A705FDA2-F3E9-4692-8383-40DFC177FC91}"/>
+                <a16:creationId xmlns:a16="http://schemas.microsoft.com/office/drawing/2014/main" xmlns="" id="{A705FDA2-F3E9-4692-8383-40DFC177FC91}"/>
               </a:ext>
             </a:extLst>
           </p:cNvPr>
@@ -1159,7 +1161,7 @@
           <a:p>
             <a:fld id="{28CEC29F-4B23-4B58-A511-B488B9A97879}" type="datetimeFigureOut">
               <a:rPr lang="zh-CN" altLang="en-US" smtClean="0"/>
-              <a:t>2017/7/27</a:t>
+              <a:t>2017/7/28</a:t>
             </a:fld>
             <a:endParaRPr lang="zh-CN" altLang="en-US"/>
           </a:p>
@@ -1170,7 +1172,7 @@
           <p:cNvPr id="5" name="Footer Placeholder 4">
             <a:extLst>
               <a:ext uri="{FF2B5EF4-FFF2-40B4-BE49-F238E27FC236}">
-                <a16:creationId xmlns="" xmlns:a16="http://schemas.microsoft.com/office/drawing/2014/main" id="{036C04AA-71B6-4B82-B1D6-A5460948956D}"/>
+                <a16:creationId xmlns:a16="http://schemas.microsoft.com/office/drawing/2014/main" xmlns="" id="{036C04AA-71B6-4B82-B1D6-A5460948956D}"/>
               </a:ext>
             </a:extLst>
           </p:cNvPr>
@@ -1195,7 +1197,7 @@
           <p:cNvPr id="6" name="Slide Number Placeholder 5">
             <a:extLst>
               <a:ext uri="{FF2B5EF4-FFF2-40B4-BE49-F238E27FC236}">
-                <a16:creationId xmlns="" xmlns:a16="http://schemas.microsoft.com/office/drawing/2014/main" id="{2BC555BD-7DB8-4409-AB78-6600583EBD0A}"/>
+                <a16:creationId xmlns:a16="http://schemas.microsoft.com/office/drawing/2014/main" xmlns="" id="{2BC555BD-7DB8-4409-AB78-6600583EBD0A}"/>
               </a:ext>
             </a:extLst>
           </p:cNvPr>
@@ -1254,7 +1256,7 @@
           <p:cNvPr id="2" name="Title 1">
             <a:extLst>
               <a:ext uri="{FF2B5EF4-FFF2-40B4-BE49-F238E27FC236}">
-                <a16:creationId xmlns="" xmlns:a16="http://schemas.microsoft.com/office/drawing/2014/main" id="{CFDE51A8-D135-4C23-98BF-0A58CDAD1AD8}"/>
+                <a16:creationId xmlns:a16="http://schemas.microsoft.com/office/drawing/2014/main" xmlns="" id="{CFDE51A8-D135-4C23-98BF-0A58CDAD1AD8}"/>
               </a:ext>
             </a:extLst>
           </p:cNvPr>
@@ -1283,7 +1285,7 @@
           <p:cNvPr id="3" name="Content Placeholder 2">
             <a:extLst>
               <a:ext uri="{FF2B5EF4-FFF2-40B4-BE49-F238E27FC236}">
-                <a16:creationId xmlns="" xmlns:a16="http://schemas.microsoft.com/office/drawing/2014/main" id="{43DE1461-A68F-48B9-AEF8-2B7A0475B5F5}"/>
+                <a16:creationId xmlns:a16="http://schemas.microsoft.com/office/drawing/2014/main" xmlns="" id="{43DE1461-A68F-48B9-AEF8-2B7A0475B5F5}"/>
               </a:ext>
             </a:extLst>
           </p:cNvPr>
@@ -1346,7 +1348,7 @@
           <p:cNvPr id="4" name="Content Placeholder 3">
             <a:extLst>
               <a:ext uri="{FF2B5EF4-FFF2-40B4-BE49-F238E27FC236}">
-                <a16:creationId xmlns="" xmlns:a16="http://schemas.microsoft.com/office/drawing/2014/main" id="{AFAEB23E-2CF7-44DD-ABA5-3C201C584D35}"/>
+                <a16:creationId xmlns:a16="http://schemas.microsoft.com/office/drawing/2014/main" xmlns="" id="{AFAEB23E-2CF7-44DD-ABA5-3C201C584D35}"/>
               </a:ext>
             </a:extLst>
           </p:cNvPr>
@@ -1409,7 +1411,7 @@
           <p:cNvPr id="5" name="Date Placeholder 4">
             <a:extLst>
               <a:ext uri="{FF2B5EF4-FFF2-40B4-BE49-F238E27FC236}">
-                <a16:creationId xmlns="" xmlns:a16="http://schemas.microsoft.com/office/drawing/2014/main" id="{AE2D1C40-EAA6-4829-B21D-C47218C3A0B9}"/>
+                <a16:creationId xmlns:a16="http://schemas.microsoft.com/office/drawing/2014/main" xmlns="" id="{AE2D1C40-EAA6-4829-B21D-C47218C3A0B9}"/>
               </a:ext>
             </a:extLst>
           </p:cNvPr>
@@ -1427,7 +1429,7 @@
           <a:p>
             <a:fld id="{28CEC29F-4B23-4B58-A511-B488B9A97879}" type="datetimeFigureOut">
               <a:rPr lang="zh-CN" altLang="en-US" smtClean="0"/>
-              <a:t>2017/7/27</a:t>
+              <a:t>2017/7/28</a:t>
             </a:fld>
             <a:endParaRPr lang="zh-CN" altLang="en-US"/>
           </a:p>
@@ -1438,7 +1440,7 @@
           <p:cNvPr id="6" name="Footer Placeholder 5">
             <a:extLst>
               <a:ext uri="{FF2B5EF4-FFF2-40B4-BE49-F238E27FC236}">
-                <a16:creationId xmlns="" xmlns:a16="http://schemas.microsoft.com/office/drawing/2014/main" id="{48A2C480-D165-473B-8D22-A8E8D16B0F00}"/>
+                <a16:creationId xmlns:a16="http://schemas.microsoft.com/office/drawing/2014/main" xmlns="" id="{48A2C480-D165-473B-8D22-A8E8D16B0F00}"/>
               </a:ext>
             </a:extLst>
           </p:cNvPr>
@@ -1463,7 +1465,7 @@
           <p:cNvPr id="7" name="Slide Number Placeholder 6">
             <a:extLst>
               <a:ext uri="{FF2B5EF4-FFF2-40B4-BE49-F238E27FC236}">
-                <a16:creationId xmlns="" xmlns:a16="http://schemas.microsoft.com/office/drawing/2014/main" id="{1D9957FE-AB03-4695-87C4-22BF3344F359}"/>
+                <a16:creationId xmlns:a16="http://schemas.microsoft.com/office/drawing/2014/main" xmlns="" id="{1D9957FE-AB03-4695-87C4-22BF3344F359}"/>
               </a:ext>
             </a:extLst>
           </p:cNvPr>
@@ -1522,7 +1524,7 @@
           <p:cNvPr id="2" name="Title 1">
             <a:extLst>
               <a:ext uri="{FF2B5EF4-FFF2-40B4-BE49-F238E27FC236}">
-                <a16:creationId xmlns="" xmlns:a16="http://schemas.microsoft.com/office/drawing/2014/main" id="{516E8653-AE2C-42C4-85BF-9E22A32355F2}"/>
+                <a16:creationId xmlns:a16="http://schemas.microsoft.com/office/drawing/2014/main" xmlns="" id="{516E8653-AE2C-42C4-85BF-9E22A32355F2}"/>
               </a:ext>
             </a:extLst>
           </p:cNvPr>
@@ -1556,7 +1558,7 @@
           <p:cNvPr id="3" name="Text Placeholder 2">
             <a:extLst>
               <a:ext uri="{FF2B5EF4-FFF2-40B4-BE49-F238E27FC236}">
-                <a16:creationId xmlns="" xmlns:a16="http://schemas.microsoft.com/office/drawing/2014/main" id="{51F7B730-C8A7-4335-8EC3-052F0D8AF7AC}"/>
+                <a16:creationId xmlns:a16="http://schemas.microsoft.com/office/drawing/2014/main" xmlns="" id="{51F7B730-C8A7-4335-8EC3-052F0D8AF7AC}"/>
               </a:ext>
             </a:extLst>
           </p:cNvPr>
@@ -1627,7 +1629,7 @@
           <p:cNvPr id="4" name="Content Placeholder 3">
             <a:extLst>
               <a:ext uri="{FF2B5EF4-FFF2-40B4-BE49-F238E27FC236}">
-                <a16:creationId xmlns="" xmlns:a16="http://schemas.microsoft.com/office/drawing/2014/main" id="{68C41B95-CA52-43B0-B719-0FB363D6DEB1}"/>
+                <a16:creationId xmlns:a16="http://schemas.microsoft.com/office/drawing/2014/main" xmlns="" id="{68C41B95-CA52-43B0-B719-0FB363D6DEB1}"/>
               </a:ext>
             </a:extLst>
           </p:cNvPr>
@@ -1690,7 +1692,7 @@
           <p:cNvPr id="5" name="Text Placeholder 4">
             <a:extLst>
               <a:ext uri="{FF2B5EF4-FFF2-40B4-BE49-F238E27FC236}">
-                <a16:creationId xmlns="" xmlns:a16="http://schemas.microsoft.com/office/drawing/2014/main" id="{A37E900C-BB72-4C7B-B7D1-F885DF92A38C}"/>
+                <a16:creationId xmlns:a16="http://schemas.microsoft.com/office/drawing/2014/main" xmlns="" id="{A37E900C-BB72-4C7B-B7D1-F885DF92A38C}"/>
               </a:ext>
             </a:extLst>
           </p:cNvPr>
@@ -1761,7 +1763,7 @@
           <p:cNvPr id="6" name="Content Placeholder 5">
             <a:extLst>
               <a:ext uri="{FF2B5EF4-FFF2-40B4-BE49-F238E27FC236}">
-                <a16:creationId xmlns="" xmlns:a16="http://schemas.microsoft.com/office/drawing/2014/main" id="{5ABCD83F-C802-48A3-8F38-F86432A22D4A}"/>
+                <a16:creationId xmlns:a16="http://schemas.microsoft.com/office/drawing/2014/main" xmlns="" id="{5ABCD83F-C802-48A3-8F38-F86432A22D4A}"/>
               </a:ext>
             </a:extLst>
           </p:cNvPr>
@@ -1824,7 +1826,7 @@
           <p:cNvPr id="7" name="Date Placeholder 6">
             <a:extLst>
               <a:ext uri="{FF2B5EF4-FFF2-40B4-BE49-F238E27FC236}">
-                <a16:creationId xmlns="" xmlns:a16="http://schemas.microsoft.com/office/drawing/2014/main" id="{6FDCEAD7-6F64-4CAE-B2FC-AD92C81B5A4C}"/>
+                <a16:creationId xmlns:a16="http://schemas.microsoft.com/office/drawing/2014/main" xmlns="" id="{6FDCEAD7-6F64-4CAE-B2FC-AD92C81B5A4C}"/>
               </a:ext>
             </a:extLst>
           </p:cNvPr>
@@ -1842,7 +1844,7 @@
           <a:p>
             <a:fld id="{28CEC29F-4B23-4B58-A511-B488B9A97879}" type="datetimeFigureOut">
               <a:rPr lang="zh-CN" altLang="en-US" smtClean="0"/>
-              <a:t>2017/7/27</a:t>
+              <a:t>2017/7/28</a:t>
             </a:fld>
             <a:endParaRPr lang="zh-CN" altLang="en-US"/>
           </a:p>
@@ -1853,7 +1855,7 @@
           <p:cNvPr id="8" name="Footer Placeholder 7">
             <a:extLst>
               <a:ext uri="{FF2B5EF4-FFF2-40B4-BE49-F238E27FC236}">
-                <a16:creationId xmlns="" xmlns:a16="http://schemas.microsoft.com/office/drawing/2014/main" id="{C2B6EA69-744D-4098-A256-5337A6838D65}"/>
+                <a16:creationId xmlns:a16="http://schemas.microsoft.com/office/drawing/2014/main" xmlns="" id="{C2B6EA69-744D-4098-A256-5337A6838D65}"/>
               </a:ext>
             </a:extLst>
           </p:cNvPr>
@@ -1878,7 +1880,7 @@
           <p:cNvPr id="9" name="Slide Number Placeholder 8">
             <a:extLst>
               <a:ext uri="{FF2B5EF4-FFF2-40B4-BE49-F238E27FC236}">
-                <a16:creationId xmlns="" xmlns:a16="http://schemas.microsoft.com/office/drawing/2014/main" id="{0D5EE82F-A90B-491E-B122-B57E32B8D7EF}"/>
+                <a16:creationId xmlns:a16="http://schemas.microsoft.com/office/drawing/2014/main" xmlns="" id="{0D5EE82F-A90B-491E-B122-B57E32B8D7EF}"/>
               </a:ext>
             </a:extLst>
           </p:cNvPr>
@@ -1937,7 +1939,7 @@
           <p:cNvPr id="2" name="Title 1">
             <a:extLst>
               <a:ext uri="{FF2B5EF4-FFF2-40B4-BE49-F238E27FC236}">
-                <a16:creationId xmlns="" xmlns:a16="http://schemas.microsoft.com/office/drawing/2014/main" id="{B51E28B3-BC3E-46E9-A58D-09F613B1B889}"/>
+                <a16:creationId xmlns:a16="http://schemas.microsoft.com/office/drawing/2014/main" xmlns="" id="{B51E28B3-BC3E-46E9-A58D-09F613B1B889}"/>
               </a:ext>
             </a:extLst>
           </p:cNvPr>
@@ -1966,7 +1968,7 @@
           <p:cNvPr id="3" name="Date Placeholder 2">
             <a:extLst>
               <a:ext uri="{FF2B5EF4-FFF2-40B4-BE49-F238E27FC236}">
-                <a16:creationId xmlns="" xmlns:a16="http://schemas.microsoft.com/office/drawing/2014/main" id="{2F3181C9-D3CC-4858-AFD6-432E6825C8B7}"/>
+                <a16:creationId xmlns:a16="http://schemas.microsoft.com/office/drawing/2014/main" xmlns="" id="{2F3181C9-D3CC-4858-AFD6-432E6825C8B7}"/>
               </a:ext>
             </a:extLst>
           </p:cNvPr>
@@ -1984,7 +1986,7 @@
           <a:p>
             <a:fld id="{28CEC29F-4B23-4B58-A511-B488B9A97879}" type="datetimeFigureOut">
               <a:rPr lang="zh-CN" altLang="en-US" smtClean="0"/>
-              <a:t>2017/7/27</a:t>
+              <a:t>2017/7/28</a:t>
             </a:fld>
             <a:endParaRPr lang="zh-CN" altLang="en-US"/>
           </a:p>
@@ -1995,7 +1997,7 @@
           <p:cNvPr id="4" name="Footer Placeholder 3">
             <a:extLst>
               <a:ext uri="{FF2B5EF4-FFF2-40B4-BE49-F238E27FC236}">
-                <a16:creationId xmlns="" xmlns:a16="http://schemas.microsoft.com/office/drawing/2014/main" id="{57F4266B-084A-477B-A7E2-13DCF8B7F104}"/>
+                <a16:creationId xmlns:a16="http://schemas.microsoft.com/office/drawing/2014/main" xmlns="" id="{57F4266B-084A-477B-A7E2-13DCF8B7F104}"/>
               </a:ext>
             </a:extLst>
           </p:cNvPr>
@@ -2020,7 +2022,7 @@
           <p:cNvPr id="5" name="Slide Number Placeholder 4">
             <a:extLst>
               <a:ext uri="{FF2B5EF4-FFF2-40B4-BE49-F238E27FC236}">
-                <a16:creationId xmlns="" xmlns:a16="http://schemas.microsoft.com/office/drawing/2014/main" id="{1DDB911C-24AF-4C68-8FE7-1792C03B83AA}"/>
+                <a16:creationId xmlns:a16="http://schemas.microsoft.com/office/drawing/2014/main" xmlns="" id="{1DDB911C-24AF-4C68-8FE7-1792C03B83AA}"/>
               </a:ext>
             </a:extLst>
           </p:cNvPr>
@@ -2079,7 +2081,7 @@
           <p:cNvPr id="2" name="Date Placeholder 1">
             <a:extLst>
               <a:ext uri="{FF2B5EF4-FFF2-40B4-BE49-F238E27FC236}">
-                <a16:creationId xmlns="" xmlns:a16="http://schemas.microsoft.com/office/drawing/2014/main" id="{A18EF031-625B-498D-B8D4-242062790169}"/>
+                <a16:creationId xmlns:a16="http://schemas.microsoft.com/office/drawing/2014/main" xmlns="" id="{A18EF031-625B-498D-B8D4-242062790169}"/>
               </a:ext>
             </a:extLst>
           </p:cNvPr>
@@ -2097,7 +2099,7 @@
           <a:p>
             <a:fld id="{28CEC29F-4B23-4B58-A511-B488B9A97879}" type="datetimeFigureOut">
               <a:rPr lang="zh-CN" altLang="en-US" smtClean="0"/>
-              <a:t>2017/7/27</a:t>
+              <a:t>2017/7/28</a:t>
             </a:fld>
             <a:endParaRPr lang="zh-CN" altLang="en-US"/>
           </a:p>
@@ -2108,7 +2110,7 @@
           <p:cNvPr id="3" name="Footer Placeholder 2">
             <a:extLst>
               <a:ext uri="{FF2B5EF4-FFF2-40B4-BE49-F238E27FC236}">
-                <a16:creationId xmlns="" xmlns:a16="http://schemas.microsoft.com/office/drawing/2014/main" id="{3EAF3BB1-84A7-4F0C-B50D-FC13C4E7D915}"/>
+                <a16:creationId xmlns:a16="http://schemas.microsoft.com/office/drawing/2014/main" xmlns="" id="{3EAF3BB1-84A7-4F0C-B50D-FC13C4E7D915}"/>
               </a:ext>
             </a:extLst>
           </p:cNvPr>
@@ -2133,7 +2135,7 @@
           <p:cNvPr id="4" name="Slide Number Placeholder 3">
             <a:extLst>
               <a:ext uri="{FF2B5EF4-FFF2-40B4-BE49-F238E27FC236}">
-                <a16:creationId xmlns="" xmlns:a16="http://schemas.microsoft.com/office/drawing/2014/main" id="{18AB711B-8084-47FD-9F26-E0CF9F5DC2F0}"/>
+                <a16:creationId xmlns:a16="http://schemas.microsoft.com/office/drawing/2014/main" xmlns="" id="{18AB711B-8084-47FD-9F26-E0CF9F5DC2F0}"/>
               </a:ext>
             </a:extLst>
           </p:cNvPr>
@@ -2192,7 +2194,7 @@
           <p:cNvPr id="2" name="Title 1">
             <a:extLst>
               <a:ext uri="{FF2B5EF4-FFF2-40B4-BE49-F238E27FC236}">
-                <a16:creationId xmlns="" xmlns:a16="http://schemas.microsoft.com/office/drawing/2014/main" id="{79C16187-5F6E-48F4-B590-D577FE88F923}"/>
+                <a16:creationId xmlns:a16="http://schemas.microsoft.com/office/drawing/2014/main" xmlns="" id="{79C16187-5F6E-48F4-B590-D577FE88F923}"/>
               </a:ext>
             </a:extLst>
           </p:cNvPr>
@@ -2230,7 +2232,7 @@
           <p:cNvPr id="3" name="Content Placeholder 2">
             <a:extLst>
               <a:ext uri="{FF2B5EF4-FFF2-40B4-BE49-F238E27FC236}">
-                <a16:creationId xmlns="" xmlns:a16="http://schemas.microsoft.com/office/drawing/2014/main" id="{2BE10C2D-53F1-449A-9835-541780F73B08}"/>
+                <a16:creationId xmlns:a16="http://schemas.microsoft.com/office/drawing/2014/main" xmlns="" id="{2BE10C2D-53F1-449A-9835-541780F73B08}"/>
               </a:ext>
             </a:extLst>
           </p:cNvPr>
@@ -2321,7 +2323,7 @@
           <p:cNvPr id="4" name="Text Placeholder 3">
             <a:extLst>
               <a:ext uri="{FF2B5EF4-FFF2-40B4-BE49-F238E27FC236}">
-                <a16:creationId xmlns="" xmlns:a16="http://schemas.microsoft.com/office/drawing/2014/main" id="{B3019F80-3DE6-4987-889E-21F002ADE6E3}"/>
+                <a16:creationId xmlns:a16="http://schemas.microsoft.com/office/drawing/2014/main" xmlns="" id="{B3019F80-3DE6-4987-889E-21F002ADE6E3}"/>
               </a:ext>
             </a:extLst>
           </p:cNvPr>
@@ -2392,7 +2394,7 @@
           <p:cNvPr id="5" name="Date Placeholder 4">
             <a:extLst>
               <a:ext uri="{FF2B5EF4-FFF2-40B4-BE49-F238E27FC236}">
-                <a16:creationId xmlns="" xmlns:a16="http://schemas.microsoft.com/office/drawing/2014/main" id="{EA6C3599-3C8D-48AB-B3C7-7E74004E6E22}"/>
+                <a16:creationId xmlns:a16="http://schemas.microsoft.com/office/drawing/2014/main" xmlns="" id="{EA6C3599-3C8D-48AB-B3C7-7E74004E6E22}"/>
               </a:ext>
             </a:extLst>
           </p:cNvPr>
@@ -2410,7 +2412,7 @@
           <a:p>
             <a:fld id="{28CEC29F-4B23-4B58-A511-B488B9A97879}" type="datetimeFigureOut">
               <a:rPr lang="zh-CN" altLang="en-US" smtClean="0"/>
-              <a:t>2017/7/27</a:t>
+              <a:t>2017/7/28</a:t>
             </a:fld>
             <a:endParaRPr lang="zh-CN" altLang="en-US"/>
           </a:p>
@@ -2421,7 +2423,7 @@
           <p:cNvPr id="6" name="Footer Placeholder 5">
             <a:extLst>
               <a:ext uri="{FF2B5EF4-FFF2-40B4-BE49-F238E27FC236}">
-                <a16:creationId xmlns="" xmlns:a16="http://schemas.microsoft.com/office/drawing/2014/main" id="{3C617F1B-ACAB-4A10-9B6B-746B956BDC2B}"/>
+                <a16:creationId xmlns:a16="http://schemas.microsoft.com/office/drawing/2014/main" xmlns="" id="{3C617F1B-ACAB-4A10-9B6B-746B956BDC2B}"/>
               </a:ext>
             </a:extLst>
           </p:cNvPr>
@@ -2446,7 +2448,7 @@
           <p:cNvPr id="7" name="Slide Number Placeholder 6">
             <a:extLst>
               <a:ext uri="{FF2B5EF4-FFF2-40B4-BE49-F238E27FC236}">
-                <a16:creationId xmlns="" xmlns:a16="http://schemas.microsoft.com/office/drawing/2014/main" id="{9503C266-CF03-4ECD-AD20-8126374375E8}"/>
+                <a16:creationId xmlns:a16="http://schemas.microsoft.com/office/drawing/2014/main" xmlns="" id="{9503C266-CF03-4ECD-AD20-8126374375E8}"/>
               </a:ext>
             </a:extLst>
           </p:cNvPr>
@@ -2505,7 +2507,7 @@
           <p:cNvPr id="2" name="Title 1">
             <a:extLst>
               <a:ext uri="{FF2B5EF4-FFF2-40B4-BE49-F238E27FC236}">
-                <a16:creationId xmlns="" xmlns:a16="http://schemas.microsoft.com/office/drawing/2014/main" id="{4DCB0060-CA18-49B0-A373-386C29015D97}"/>
+                <a16:creationId xmlns:a16="http://schemas.microsoft.com/office/drawing/2014/main" xmlns="" id="{4DCB0060-CA18-49B0-A373-386C29015D97}"/>
               </a:ext>
             </a:extLst>
           </p:cNvPr>
@@ -2543,7 +2545,7 @@
           <p:cNvPr id="3" name="Picture Placeholder 2">
             <a:extLst>
               <a:ext uri="{FF2B5EF4-FFF2-40B4-BE49-F238E27FC236}">
-                <a16:creationId xmlns="" xmlns:a16="http://schemas.microsoft.com/office/drawing/2014/main" id="{33966810-DEEC-4E4C-A2BA-04EAAC133F1B}"/>
+                <a16:creationId xmlns:a16="http://schemas.microsoft.com/office/drawing/2014/main" xmlns="" id="{33966810-DEEC-4E4C-A2BA-04EAAC133F1B}"/>
               </a:ext>
             </a:extLst>
           </p:cNvPr>
@@ -2610,7 +2612,7 @@
           <p:cNvPr id="4" name="Text Placeholder 3">
             <a:extLst>
               <a:ext uri="{FF2B5EF4-FFF2-40B4-BE49-F238E27FC236}">
-                <a16:creationId xmlns="" xmlns:a16="http://schemas.microsoft.com/office/drawing/2014/main" id="{58D35E9D-D682-4F66-91F4-B5B96D8E4284}"/>
+                <a16:creationId xmlns:a16="http://schemas.microsoft.com/office/drawing/2014/main" xmlns="" id="{58D35E9D-D682-4F66-91F4-B5B96D8E4284}"/>
               </a:ext>
             </a:extLst>
           </p:cNvPr>
@@ -2681,7 +2683,7 @@
           <p:cNvPr id="5" name="Date Placeholder 4">
             <a:extLst>
               <a:ext uri="{FF2B5EF4-FFF2-40B4-BE49-F238E27FC236}">
-                <a16:creationId xmlns="" xmlns:a16="http://schemas.microsoft.com/office/drawing/2014/main" id="{EDB7CFBE-6EBD-4530-AFB3-B3DF2998E61B}"/>
+                <a16:creationId xmlns:a16="http://schemas.microsoft.com/office/drawing/2014/main" xmlns="" id="{EDB7CFBE-6EBD-4530-AFB3-B3DF2998E61B}"/>
               </a:ext>
             </a:extLst>
           </p:cNvPr>
@@ -2699,7 +2701,7 @@
           <a:p>
             <a:fld id="{28CEC29F-4B23-4B58-A511-B488B9A97879}" type="datetimeFigureOut">
               <a:rPr lang="zh-CN" altLang="en-US" smtClean="0"/>
-              <a:t>2017/7/27</a:t>
+              <a:t>2017/7/28</a:t>
             </a:fld>
             <a:endParaRPr lang="zh-CN" altLang="en-US"/>
           </a:p>
@@ -2710,7 +2712,7 @@
           <p:cNvPr id="6" name="Footer Placeholder 5">
             <a:extLst>
               <a:ext uri="{FF2B5EF4-FFF2-40B4-BE49-F238E27FC236}">
-                <a16:creationId xmlns="" xmlns:a16="http://schemas.microsoft.com/office/drawing/2014/main" id="{632A8B2F-2D6F-4AA1-BF43-E613C5A15C4B}"/>
+                <a16:creationId xmlns:a16="http://schemas.microsoft.com/office/drawing/2014/main" xmlns="" id="{632A8B2F-2D6F-4AA1-BF43-E613C5A15C4B}"/>
               </a:ext>
             </a:extLst>
           </p:cNvPr>
@@ -2735,7 +2737,7 @@
           <p:cNvPr id="7" name="Slide Number Placeholder 6">
             <a:extLst>
               <a:ext uri="{FF2B5EF4-FFF2-40B4-BE49-F238E27FC236}">
-                <a16:creationId xmlns="" xmlns:a16="http://schemas.microsoft.com/office/drawing/2014/main" id="{19A9C0F2-6FD7-41DF-8B45-BF65BFC8B829}"/>
+                <a16:creationId xmlns:a16="http://schemas.microsoft.com/office/drawing/2014/main" xmlns="" id="{19A9C0F2-6FD7-41DF-8B45-BF65BFC8B829}"/>
               </a:ext>
             </a:extLst>
           </p:cNvPr>
@@ -2802,7 +2804,7 @@
           <p:cNvPr id="2" name="Title Placeholder 1">
             <a:extLst>
               <a:ext uri="{FF2B5EF4-FFF2-40B4-BE49-F238E27FC236}">
-                <a16:creationId xmlns="" xmlns:a16="http://schemas.microsoft.com/office/drawing/2014/main" id="{ADE0F7D7-6830-466A-A518-C8756616D96E}"/>
+                <a16:creationId xmlns:a16="http://schemas.microsoft.com/office/drawing/2014/main" xmlns="" id="{ADE0F7D7-6830-466A-A518-C8756616D96E}"/>
               </a:ext>
             </a:extLst>
           </p:cNvPr>
@@ -2841,7 +2843,7 @@
           <p:cNvPr id="3" name="Text Placeholder 2">
             <a:extLst>
               <a:ext uri="{FF2B5EF4-FFF2-40B4-BE49-F238E27FC236}">
-                <a16:creationId xmlns="" xmlns:a16="http://schemas.microsoft.com/office/drawing/2014/main" id="{590EFAC6-59A7-46E4-B345-2E5B3E1ECFD0}"/>
+                <a16:creationId xmlns:a16="http://schemas.microsoft.com/office/drawing/2014/main" xmlns="" id="{590EFAC6-59A7-46E4-B345-2E5B3E1ECFD0}"/>
               </a:ext>
             </a:extLst>
           </p:cNvPr>
@@ -2909,7 +2911,7 @@
           <p:cNvPr id="4" name="Date Placeholder 3">
             <a:extLst>
               <a:ext uri="{FF2B5EF4-FFF2-40B4-BE49-F238E27FC236}">
-                <a16:creationId xmlns="" xmlns:a16="http://schemas.microsoft.com/office/drawing/2014/main" id="{3E48ED92-83DD-4CCB-9DD1-05EC20BA5F3D}"/>
+                <a16:creationId xmlns:a16="http://schemas.microsoft.com/office/drawing/2014/main" xmlns="" id="{3E48ED92-83DD-4CCB-9DD1-05EC20BA5F3D}"/>
               </a:ext>
             </a:extLst>
           </p:cNvPr>
@@ -2945,7 +2947,7 @@
           <a:p>
             <a:fld id="{28CEC29F-4B23-4B58-A511-B488B9A97879}" type="datetimeFigureOut">
               <a:rPr lang="zh-CN" altLang="en-US" smtClean="0"/>
-              <a:t>2017/7/27</a:t>
+              <a:t>2017/7/28</a:t>
             </a:fld>
             <a:endParaRPr lang="zh-CN" altLang="en-US"/>
           </a:p>
@@ -2956,7 +2958,7 @@
           <p:cNvPr id="5" name="Footer Placeholder 4">
             <a:extLst>
               <a:ext uri="{FF2B5EF4-FFF2-40B4-BE49-F238E27FC236}">
-                <a16:creationId xmlns="" xmlns:a16="http://schemas.microsoft.com/office/drawing/2014/main" id="{E6DA5770-D0E8-4987-9A7C-808B0AE49C76}"/>
+                <a16:creationId xmlns:a16="http://schemas.microsoft.com/office/drawing/2014/main" xmlns="" id="{E6DA5770-D0E8-4987-9A7C-808B0AE49C76}"/>
               </a:ext>
             </a:extLst>
           </p:cNvPr>
@@ -2999,7 +3001,7 @@
           <p:cNvPr id="6" name="Slide Number Placeholder 5">
             <a:extLst>
               <a:ext uri="{FF2B5EF4-FFF2-40B4-BE49-F238E27FC236}">
-                <a16:creationId xmlns="" xmlns:a16="http://schemas.microsoft.com/office/drawing/2014/main" id="{23B941C0-5A80-4820-8DEC-2B85AC8D6556}"/>
+                <a16:creationId xmlns:a16="http://schemas.microsoft.com/office/drawing/2014/main" xmlns="" id="{23B941C0-5A80-4820-8DEC-2B85AC8D6556}"/>
               </a:ext>
             </a:extLst>
           </p:cNvPr>
@@ -3367,7 +3369,7 @@
           <p:cNvPr id="2" name="Title 1">
             <a:extLst>
               <a:ext uri="{FF2B5EF4-FFF2-40B4-BE49-F238E27FC236}">
-                <a16:creationId xmlns="" xmlns:a16="http://schemas.microsoft.com/office/drawing/2014/main" id="{ADDC5375-CE02-4A6D-BDEB-689CA3A31589}"/>
+                <a16:creationId xmlns:a16="http://schemas.microsoft.com/office/drawing/2014/main" xmlns="" id="{ADDC5375-CE02-4A6D-BDEB-689CA3A31589}"/>
               </a:ext>
             </a:extLst>
           </p:cNvPr>
@@ -3431,7 +3433,7 @@
           <p:cNvPr id="3" name="Subtitle 2">
             <a:extLst>
               <a:ext uri="{FF2B5EF4-FFF2-40B4-BE49-F238E27FC236}">
-                <a16:creationId xmlns="" xmlns:a16="http://schemas.microsoft.com/office/drawing/2014/main" id="{3966C0AA-F93A-490B-AE55-FFB8DD74C254}"/>
+                <a16:creationId xmlns:a16="http://schemas.microsoft.com/office/drawing/2014/main" xmlns="" id="{3966C0AA-F93A-490B-AE55-FFB8DD74C254}"/>
               </a:ext>
             </a:extLst>
           </p:cNvPr>
@@ -3565,7 +3567,7 @@
           <p:cNvPr id="5" name="Title 1">
             <a:extLst>
               <a:ext uri="{FF2B5EF4-FFF2-40B4-BE49-F238E27FC236}">
-                <a16:creationId xmlns="" xmlns:a16="http://schemas.microsoft.com/office/drawing/2014/main" id="{ADDC5375-CE02-4A6D-BDEB-689CA3A31589}"/>
+                <a16:creationId xmlns:a16="http://schemas.microsoft.com/office/drawing/2014/main" xmlns="" id="{ADDC5375-CE02-4A6D-BDEB-689CA3A31589}"/>
               </a:ext>
             </a:extLst>
           </p:cNvPr>
@@ -3731,6 +3733,43 @@
           </a:fontRef>
         </p:style>
       </p:cxnSp>
+      <p:sp>
+        <p:nvSpPr>
+          <p:cNvPr id="9" name="Rectangle 8"/>
+          <p:cNvSpPr/>
+          <p:nvPr/>
+        </p:nvSpPr>
+        <p:spPr>
+          <a:xfrm>
+            <a:off x="917276" y="5745845"/>
+            <a:ext cx="8304362" cy="369332"/>
+          </a:xfrm>
+          <a:prstGeom prst="rect">
+            <a:avLst/>
+          </a:prstGeom>
+        </p:spPr>
+        <p:txBody>
+          <a:bodyPr wrap="square">
+            <a:spAutoFit/>
+          </a:bodyPr>
+          <a:lstStyle/>
+          <a:p>
+            <a:r>
+              <a:rPr lang="en-US" dirty="0">
+                <a:solidFill>
+                  <a:srgbClr val="0070C0"/>
+                </a:solidFill>
+              </a:rPr>
+              <a:t>https://www.socialexplorer.com/</a:t>
+            </a:r>
+            <a:endParaRPr lang="en-US" dirty="0">
+              <a:solidFill>
+                <a:srgbClr val="0070C0"/>
+              </a:solidFill>
+            </a:endParaRPr>
+          </a:p>
+        </p:txBody>
+      </p:sp>
     </p:spTree>
     <p:extLst>
       <p:ext uri="{BB962C8B-B14F-4D97-AF65-F5344CB8AC3E}">
@@ -3844,7 +3883,7 @@
           <p:cNvPr id="5" name="Title 1">
             <a:extLst>
               <a:ext uri="{FF2B5EF4-FFF2-40B4-BE49-F238E27FC236}">
-                <a16:creationId xmlns="" xmlns:a16="http://schemas.microsoft.com/office/drawing/2014/main" id="{ADDC5375-CE02-4A6D-BDEB-689CA3A31589}"/>
+                <a16:creationId xmlns:a16="http://schemas.microsoft.com/office/drawing/2014/main" xmlns="" id="{ADDC5375-CE02-4A6D-BDEB-689CA3A31589}"/>
               </a:ext>
             </a:extLst>
           </p:cNvPr>
@@ -4095,7 +4134,7 @@
           <p:cNvPr id="6" name="Title 1">
             <a:extLst>
               <a:ext uri="{FF2B5EF4-FFF2-40B4-BE49-F238E27FC236}">
-                <a16:creationId xmlns="" xmlns:a16="http://schemas.microsoft.com/office/drawing/2014/main" id="{ADDC5375-CE02-4A6D-BDEB-689CA3A31589}"/>
+                <a16:creationId xmlns:a16="http://schemas.microsoft.com/office/drawing/2014/main" xmlns="" id="{ADDC5375-CE02-4A6D-BDEB-689CA3A31589}"/>
               </a:ext>
             </a:extLst>
           </p:cNvPr>
@@ -4278,7 +4317,7 @@
           <p:cNvPr id="5" name="Title 1">
             <a:extLst>
               <a:ext uri="{FF2B5EF4-FFF2-40B4-BE49-F238E27FC236}">
-                <a16:creationId xmlns="" xmlns:a16="http://schemas.microsoft.com/office/drawing/2014/main" id="{ADDC5375-CE02-4A6D-BDEB-689CA3A31589}"/>
+                <a16:creationId xmlns:a16="http://schemas.microsoft.com/office/drawing/2014/main" xmlns="" id="{ADDC5375-CE02-4A6D-BDEB-689CA3A31589}"/>
               </a:ext>
             </a:extLst>
           </p:cNvPr>
@@ -4379,6 +4418,43 @@
               </a:rPr>
               <a:t>Time-track</a:t>
             </a:r>
+          </a:p>
+        </p:txBody>
+      </p:sp>
+      <p:sp>
+        <p:nvSpPr>
+          <p:cNvPr id="6" name="Rectangle 5"/>
+          <p:cNvSpPr/>
+          <p:nvPr/>
+        </p:nvSpPr>
+        <p:spPr>
+          <a:xfrm>
+            <a:off x="917276" y="5745845"/>
+            <a:ext cx="8304362" cy="369332"/>
+          </a:xfrm>
+          <a:prstGeom prst="rect">
+            <a:avLst/>
+          </a:prstGeom>
+        </p:spPr>
+        <p:txBody>
+          <a:bodyPr wrap="square">
+            <a:spAutoFit/>
+          </a:bodyPr>
+          <a:lstStyle/>
+          <a:p>
+            <a:r>
+              <a:rPr lang="en-US" dirty="0">
+                <a:solidFill>
+                  <a:srgbClr val="0070C0"/>
+                </a:solidFill>
+              </a:rPr>
+              <a:t>https://www.mapbox.com/bites/00224/</a:t>
+            </a:r>
+            <a:endParaRPr lang="en-US" dirty="0">
+              <a:solidFill>
+                <a:srgbClr val="0070C0"/>
+              </a:solidFill>
+            </a:endParaRPr>
           </a:p>
         </p:txBody>
       </p:sp>
@@ -4452,7 +4528,7 @@
       </p:sp>
       <p:pic>
         <p:nvPicPr>
-          <p:cNvPr id="5122" name="Picture 2"/>
+          <p:cNvPr id="1026" name="Picture 2" descr="C:\Users\Wenhao\Dropbox (GeoAdaptive)\2017_042_GA_DATAXLAT\2017_042_GA_DATAXLAT-GIS\WEB\JAVASCRIPT\ProjectDataX\communication\lavamaps.JPG"/>
           <p:cNvPicPr>
             <a:picLocks noChangeAspect="1" noChangeArrowheads="1"/>
           </p:cNvPicPr>
@@ -4473,8 +4549,153 @@
         </p:blipFill>
         <p:spPr bwMode="auto">
           <a:xfrm>
-            <a:off x="289930" y="58230"/>
-            <a:ext cx="11641874" cy="6740964"/>
+            <a:off x="69008" y="129396"/>
+            <a:ext cx="12051866" cy="6530196"/>
+          </a:xfrm>
+          <a:prstGeom prst="rect">
+            <a:avLst/>
+          </a:prstGeom>
+          <a:noFill/>
+          <a:extLst>
+            <a:ext uri="{909E8E84-426E-40DD-AFC4-6F175D3DCCD1}">
+              <a14:hiddenFill xmlns:a14="http://schemas.microsoft.com/office/drawing/2010/main">
+                <a:solidFill>
+                  <a:srgbClr val="FFFFFF"/>
+                </a:solidFill>
+              </a14:hiddenFill>
+            </a:ext>
+          </a:extLst>
+        </p:spPr>
+      </p:pic>
+      <p:sp>
+        <p:nvSpPr>
+          <p:cNvPr id="5" name="Rectangle 4"/>
+          <p:cNvSpPr/>
+          <p:nvPr/>
+        </p:nvSpPr>
+        <p:spPr>
+          <a:xfrm>
+            <a:off x="917276" y="5745845"/>
+            <a:ext cx="8304362" cy="369332"/>
+          </a:xfrm>
+          <a:prstGeom prst="rect">
+            <a:avLst/>
+          </a:prstGeom>
+        </p:spPr>
+        <p:txBody>
+          <a:bodyPr wrap="square">
+            <a:spAutoFit/>
+          </a:bodyPr>
+          <a:lstStyle/>
+          <a:p>
+            <a:r>
+              <a:rPr lang="en-US" dirty="0">
+                <a:solidFill>
+                  <a:srgbClr val="0070C0"/>
+                </a:solidFill>
+              </a:rPr>
+              <a:t>https://lavamap.com/property/46-East-7th-Street-New-York-NY-10003/1004620022-0</a:t>
+            </a:r>
+            <a:endParaRPr lang="en-US" dirty="0">
+              <a:solidFill>
+                <a:srgbClr val="0070C0"/>
+              </a:solidFill>
+            </a:endParaRPr>
+          </a:p>
+        </p:txBody>
+      </p:sp>
+    </p:spTree>
+    <p:extLst>
+      <p:ext uri="{BB962C8B-B14F-4D97-AF65-F5344CB8AC3E}">
+        <p14:creationId xmlns:p14="http://schemas.microsoft.com/office/powerpoint/2010/main" val="483945754"/>
+      </p:ext>
+    </p:extLst>
+  </p:cSld>
+  <p:clrMapOvr>
+    <a:masterClrMapping/>
+  </p:clrMapOvr>
+</p:sld>
+</file>
+
+<file path=ppt/slides/slide15.xml><?xml version="1.0" encoding="utf-8"?>
+<p:sld xmlns:a="http://schemas.openxmlformats.org/drawingml/2006/main" xmlns:r="http://schemas.openxmlformats.org/officeDocument/2006/relationships" xmlns:p="http://schemas.openxmlformats.org/presentationml/2006/main">
+  <p:cSld>
+    <p:spTree>
+      <p:nvGrpSpPr>
+        <p:cNvPr id="1" name=""/>
+        <p:cNvGrpSpPr/>
+        <p:nvPr/>
+      </p:nvGrpSpPr>
+      <p:grpSpPr>
+        <a:xfrm>
+          <a:off x="0" y="0"/>
+          <a:ext cx="0" cy="0"/>
+          <a:chOff x="0" y="0"/>
+          <a:chExt cx="0" cy="0"/>
+        </a:xfrm>
+      </p:grpSpPr>
+      <p:sp>
+        <p:nvSpPr>
+          <p:cNvPr id="2" name="Title 1"/>
+          <p:cNvSpPr>
+            <a:spLocks noGrp="1"/>
+          </p:cNvSpPr>
+          <p:nvPr>
+            <p:ph type="title"/>
+          </p:nvPr>
+        </p:nvSpPr>
+        <p:spPr/>
+        <p:txBody>
+          <a:bodyPr/>
+          <a:lstStyle/>
+          <a:p>
+            <a:endParaRPr lang="en-US"/>
+          </a:p>
+        </p:txBody>
+      </p:sp>
+      <p:sp>
+        <p:nvSpPr>
+          <p:cNvPr id="3" name="Content Placeholder 2"/>
+          <p:cNvSpPr>
+            <a:spLocks noGrp="1"/>
+          </p:cNvSpPr>
+          <p:nvPr>
+            <p:ph idx="1"/>
+          </p:nvPr>
+        </p:nvSpPr>
+        <p:spPr/>
+        <p:txBody>
+          <a:bodyPr/>
+          <a:lstStyle/>
+          <a:p>
+            <a:endParaRPr lang="en-US"/>
+          </a:p>
+        </p:txBody>
+      </p:sp>
+      <p:pic>
+        <p:nvPicPr>
+          <p:cNvPr id="5122" name="Picture 2"/>
+          <p:cNvPicPr>
+            <a:picLocks noChangeAspect="1" noChangeArrowheads="1"/>
+          </p:cNvPicPr>
+          <p:nvPr/>
+        </p:nvPicPr>
+        <p:blipFill>
+          <a:blip r:embed="rId2">
+            <a:extLst>
+              <a:ext uri="{28A0092B-C50C-407E-A947-70E740481C1C}">
+                <a14:useLocalDpi xmlns:a14="http://schemas.microsoft.com/office/drawing/2010/main" val="0"/>
+              </a:ext>
+            </a:extLst>
+          </a:blip>
+          <a:stretch>
+            <a:fillRect/>
+          </a:stretch>
+        </p:blipFill>
+        <p:spPr bwMode="auto">
+          <a:xfrm>
+            <a:off x="6301" y="379568"/>
+            <a:ext cx="12177073" cy="5793101"/>
           </a:xfrm>
           <a:prstGeom prst="rect">
             <a:avLst/>
@@ -4509,7 +4730,7 @@
           <p:cNvPr id="5" name="Title 1">
             <a:extLst>
               <a:ext uri="{FF2B5EF4-FFF2-40B4-BE49-F238E27FC236}">
-                <a16:creationId xmlns="" xmlns:a16="http://schemas.microsoft.com/office/drawing/2014/main" id="{ADDC5375-CE02-4A6D-BDEB-689CA3A31589}"/>
+                <a16:creationId xmlns:a16="http://schemas.microsoft.com/office/drawing/2014/main" xmlns="" id="{ADDC5375-CE02-4A6D-BDEB-689CA3A31589}"/>
               </a:ext>
             </a:extLst>
           </p:cNvPr>
@@ -4570,6 +4791,116 @@
     <p:extLst>
       <p:ext uri="{BB962C8B-B14F-4D97-AF65-F5344CB8AC3E}">
         <p14:creationId xmlns:p14="http://schemas.microsoft.com/office/powerpoint/2010/main" val="923133449"/>
+      </p:ext>
+    </p:extLst>
+  </p:cSld>
+  <p:clrMapOvr>
+    <a:masterClrMapping/>
+  </p:clrMapOvr>
+</p:sld>
+</file>
+
+<file path=ppt/slides/slide16.xml><?xml version="1.0" encoding="utf-8"?>
+<p:sld xmlns:a="http://schemas.openxmlformats.org/drawingml/2006/main" xmlns:r="http://schemas.openxmlformats.org/officeDocument/2006/relationships" xmlns:p="http://schemas.openxmlformats.org/presentationml/2006/main">
+  <p:cSld>
+    <p:spTree>
+      <p:nvGrpSpPr>
+        <p:cNvPr id="1" name=""/>
+        <p:cNvGrpSpPr/>
+        <p:nvPr/>
+      </p:nvGrpSpPr>
+      <p:grpSpPr>
+        <a:xfrm>
+          <a:off x="0" y="0"/>
+          <a:ext cx="0" cy="0"/>
+          <a:chOff x="0" y="0"/>
+          <a:chExt cx="0" cy="0"/>
+        </a:xfrm>
+      </p:grpSpPr>
+      <p:sp>
+        <p:nvSpPr>
+          <p:cNvPr id="5" name="Title 1">
+            <a:extLst>
+              <a:ext uri="{FF2B5EF4-FFF2-40B4-BE49-F238E27FC236}">
+                <a16:creationId xmlns:a16="http://schemas.microsoft.com/office/drawing/2014/main" xmlns="" id="{ADDC5375-CE02-4A6D-BDEB-689CA3A31589}"/>
+              </a:ext>
+            </a:extLst>
+          </p:cNvPr>
+          <p:cNvSpPr txBox="1">
+            <a:spLocks/>
+          </p:cNvSpPr>
+          <p:nvPr/>
+        </p:nvSpPr>
+        <p:spPr>
+          <a:xfrm>
+            <a:off x="1524000" y="1795191"/>
+            <a:ext cx="9144000" cy="2387600"/>
+          </a:xfrm>
+          <a:prstGeom prst="rect">
+            <a:avLst/>
+          </a:prstGeom>
+        </p:spPr>
+        <p:txBody>
+          <a:bodyPr vert="horz" lIns="91440" tIns="45720" rIns="91440" bIns="45720" rtlCol="0" anchor="ctr">
+            <a:normAutofit/>
+          </a:bodyPr>
+          <a:lstStyle>
+            <a:lvl1pPr algn="l" defTabSz="914400" rtl="0" eaLnBrk="1" latinLnBrk="0" hangingPunct="1">
+              <a:lnSpc>
+                <a:spcPct val="90000"/>
+              </a:lnSpc>
+              <a:spcBef>
+                <a:spcPct val="0"/>
+              </a:spcBef>
+              <a:buNone/>
+              <a:defRPr sz="4400" kern="1200">
+                <a:solidFill>
+                  <a:schemeClr val="tx1"/>
+                </a:solidFill>
+                <a:latin typeface="+mj-lt"/>
+                <a:ea typeface="+mj-ea"/>
+                <a:cs typeface="+mj-cs"/>
+              </a:defRPr>
+            </a:lvl1pPr>
+          </a:lstStyle>
+          <a:p>
+            <a:pPr algn="ctr"/>
+            <a:r>
+              <a:rPr lang="en-US" altLang="zh-CN" dirty="0">
+                <a:solidFill>
+                  <a:schemeClr val="bg1"/>
+                </a:solidFill>
+                <a:latin typeface="Roboto Thin" panose="02000000000000000000" pitchFamily="2" charset="0"/>
+                <a:ea typeface="Roboto Thin" panose="02000000000000000000" pitchFamily="2" charset="0"/>
+                <a:cs typeface="Calibri" panose="020F0502020204030204" pitchFamily="34" charset="0"/>
+              </a:rPr>
+              <a:t>w</a:t>
+            </a:r>
+            <a:r>
+              <a:rPr lang="en-US" altLang="zh-CN" dirty="0" smtClean="0">
+                <a:solidFill>
+                  <a:schemeClr val="bg1"/>
+                </a:solidFill>
+                <a:latin typeface="Roboto Thin" panose="02000000000000000000" pitchFamily="2" charset="0"/>
+                <a:ea typeface="Roboto Thin" panose="02000000000000000000" pitchFamily="2" charset="0"/>
+                <a:cs typeface="Calibri" panose="020F0502020204030204" pitchFamily="34" charset="0"/>
+              </a:rPr>
+              <a:t>hat’s next ?</a:t>
+            </a:r>
+            <a:endParaRPr lang="zh-CN" altLang="en-US" dirty="0">
+              <a:solidFill>
+                <a:schemeClr val="bg1"/>
+              </a:solidFill>
+              <a:latin typeface="Roboto Thin" panose="02000000000000000000" pitchFamily="2" charset="0"/>
+              <a:cs typeface="Calibri" panose="020F0502020204030204" pitchFamily="34" charset="0"/>
+            </a:endParaRPr>
+          </a:p>
+        </p:txBody>
+      </p:sp>
+    </p:spTree>
+    <p:extLst>
+      <p:ext uri="{BB962C8B-B14F-4D97-AF65-F5344CB8AC3E}">
+        <p14:creationId xmlns:p14="http://schemas.microsoft.com/office/powerpoint/2010/main" val="3581114836"/>
       </p:ext>
     </p:extLst>
   </p:cSld>
@@ -4601,7 +4932,7 @@
           <p:cNvPr id="4" name="Rectangle: Rounded Corners 3">
             <a:extLst>
               <a:ext uri="{FF2B5EF4-FFF2-40B4-BE49-F238E27FC236}">
-                <a16:creationId xmlns="" xmlns:a16="http://schemas.microsoft.com/office/drawing/2014/main" id="{7AE6D3E8-429A-4DBC-8186-66C97006A05C}"/>
+                <a16:creationId xmlns:a16="http://schemas.microsoft.com/office/drawing/2014/main" xmlns="" id="{7AE6D3E8-429A-4DBC-8186-66C97006A05C}"/>
               </a:ext>
             </a:extLst>
           </p:cNvPr>
@@ -4663,7 +4994,7 @@
           <p:cNvPr id="5" name="Rectangle: Rounded Corners 4">
             <a:extLst>
               <a:ext uri="{FF2B5EF4-FFF2-40B4-BE49-F238E27FC236}">
-                <a16:creationId xmlns="" xmlns:a16="http://schemas.microsoft.com/office/drawing/2014/main" id="{1C29E29A-B106-4624-8F79-E2513BCDB066}"/>
+                <a16:creationId xmlns:a16="http://schemas.microsoft.com/office/drawing/2014/main" xmlns="" id="{1C29E29A-B106-4624-8F79-E2513BCDB066}"/>
               </a:ext>
             </a:extLst>
           </p:cNvPr>
@@ -4725,7 +5056,7 @@
           <p:cNvPr id="8" name="Straight Connector 7">
             <a:extLst>
               <a:ext uri="{FF2B5EF4-FFF2-40B4-BE49-F238E27FC236}">
-                <a16:creationId xmlns="" xmlns:a16="http://schemas.microsoft.com/office/drawing/2014/main" id="{8AB7AB37-5E71-4790-9163-6E2D8F06C5D2}"/>
+                <a16:creationId xmlns:a16="http://schemas.microsoft.com/office/drawing/2014/main" xmlns="" id="{8AB7AB37-5E71-4790-9163-6E2D8F06C5D2}"/>
               </a:ext>
             </a:extLst>
           </p:cNvPr>
@@ -4772,7 +5103,7 @@
           <p:cNvPr id="9" name="Rectangle: Rounded Corners 8">
             <a:extLst>
               <a:ext uri="{FF2B5EF4-FFF2-40B4-BE49-F238E27FC236}">
-                <a16:creationId xmlns="" xmlns:a16="http://schemas.microsoft.com/office/drawing/2014/main" id="{34D76A11-4FE5-4354-AC0D-0B4C5928A35D}"/>
+                <a16:creationId xmlns:a16="http://schemas.microsoft.com/office/drawing/2014/main" xmlns="" id="{34D76A11-4FE5-4354-AC0D-0B4C5928A35D}"/>
               </a:ext>
             </a:extLst>
           </p:cNvPr>
@@ -4840,7 +5171,7 @@
           <p:cNvPr id="11" name="Title 1">
             <a:extLst>
               <a:ext uri="{FF2B5EF4-FFF2-40B4-BE49-F238E27FC236}">
-                <a16:creationId xmlns="" xmlns:a16="http://schemas.microsoft.com/office/drawing/2014/main" id="{19349C77-5D66-4769-8D49-C3950C04267F}"/>
+                <a16:creationId xmlns:a16="http://schemas.microsoft.com/office/drawing/2014/main" xmlns="" id="{19349C77-5D66-4769-8D49-C3950C04267F}"/>
               </a:ext>
             </a:extLst>
           </p:cNvPr>
@@ -4908,7 +5239,7 @@
           <p:cNvPr id="13" name="Rectangle: Rounded Corners 12">
             <a:extLst>
               <a:ext uri="{FF2B5EF4-FFF2-40B4-BE49-F238E27FC236}">
-                <a16:creationId xmlns="" xmlns:a16="http://schemas.microsoft.com/office/drawing/2014/main" id="{A4384464-3997-4DC6-B88B-C88D7ECD0F93}"/>
+                <a16:creationId xmlns:a16="http://schemas.microsoft.com/office/drawing/2014/main" xmlns="" id="{A4384464-3997-4DC6-B88B-C88D7ECD0F93}"/>
               </a:ext>
             </a:extLst>
           </p:cNvPr>
@@ -4970,7 +5301,7 @@
           <p:cNvPr id="14" name="Rectangle: Rounded Corners 13">
             <a:extLst>
               <a:ext uri="{FF2B5EF4-FFF2-40B4-BE49-F238E27FC236}">
-                <a16:creationId xmlns="" xmlns:a16="http://schemas.microsoft.com/office/drawing/2014/main" id="{5AB64382-4D54-4A20-985E-F85D6B4A85F3}"/>
+                <a16:creationId xmlns:a16="http://schemas.microsoft.com/office/drawing/2014/main" xmlns="" id="{5AB64382-4D54-4A20-985E-F85D6B4A85F3}"/>
               </a:ext>
             </a:extLst>
           </p:cNvPr>
@@ -5033,7 +5364,7 @@
           <p:cNvPr id="15" name="Rectangle: Rounded Corners 14">
             <a:extLst>
               <a:ext uri="{FF2B5EF4-FFF2-40B4-BE49-F238E27FC236}">
-                <a16:creationId xmlns="" xmlns:a16="http://schemas.microsoft.com/office/drawing/2014/main" id="{955330A8-4B39-4E27-9FE5-32642B1CCDDB}"/>
+                <a16:creationId xmlns:a16="http://schemas.microsoft.com/office/drawing/2014/main" xmlns="" id="{955330A8-4B39-4E27-9FE5-32642B1CCDDB}"/>
               </a:ext>
             </a:extLst>
           </p:cNvPr>
@@ -5095,7 +5426,7 @@
           <p:cNvPr id="18" name="Straight Connector 17">
             <a:extLst>
               <a:ext uri="{FF2B5EF4-FFF2-40B4-BE49-F238E27FC236}">
-                <a16:creationId xmlns="" xmlns:a16="http://schemas.microsoft.com/office/drawing/2014/main" id="{EA42D686-110F-4639-A0AB-2E0A96A5365C}"/>
+                <a16:creationId xmlns:a16="http://schemas.microsoft.com/office/drawing/2014/main" xmlns="" id="{EA42D686-110F-4639-A0AB-2E0A96A5365C}"/>
               </a:ext>
             </a:extLst>
           </p:cNvPr>
@@ -5142,7 +5473,7 @@
           <p:cNvPr id="20" name="Title 1">
             <a:extLst>
               <a:ext uri="{FF2B5EF4-FFF2-40B4-BE49-F238E27FC236}">
-                <a16:creationId xmlns="" xmlns:a16="http://schemas.microsoft.com/office/drawing/2014/main" id="{2C468AAE-A447-49A8-8C28-230BDAE26D13}"/>
+                <a16:creationId xmlns:a16="http://schemas.microsoft.com/office/drawing/2014/main" xmlns="" id="{2C468AAE-A447-49A8-8C28-230BDAE26D13}"/>
               </a:ext>
             </a:extLst>
           </p:cNvPr>
@@ -5226,7 +5557,7 @@
           <p:cNvPr id="23" name="Straight Connector 22">
             <a:extLst>
               <a:ext uri="{FF2B5EF4-FFF2-40B4-BE49-F238E27FC236}">
-                <a16:creationId xmlns="" xmlns:a16="http://schemas.microsoft.com/office/drawing/2014/main" id="{7E10A8ED-5CF3-44AA-93B0-6083B56F5BCE}"/>
+                <a16:creationId xmlns:a16="http://schemas.microsoft.com/office/drawing/2014/main" xmlns="" id="{7E10A8ED-5CF3-44AA-93B0-6083B56F5BCE}"/>
               </a:ext>
             </a:extLst>
           </p:cNvPr>
@@ -5273,7 +5604,7 @@
           <p:cNvPr id="25" name="Title 1">
             <a:extLst>
               <a:ext uri="{FF2B5EF4-FFF2-40B4-BE49-F238E27FC236}">
-                <a16:creationId xmlns="" xmlns:a16="http://schemas.microsoft.com/office/drawing/2014/main" id="{110E16D8-6FC5-4D1B-B102-30F7497A62EE}"/>
+                <a16:creationId xmlns:a16="http://schemas.microsoft.com/office/drawing/2014/main" xmlns="" id="{110E16D8-6FC5-4D1B-B102-30F7497A62EE}"/>
               </a:ext>
             </a:extLst>
           </p:cNvPr>
@@ -5353,7 +5684,7 @@
           <p:cNvPr id="42" name="Straight Connector 41">
             <a:extLst>
               <a:ext uri="{FF2B5EF4-FFF2-40B4-BE49-F238E27FC236}">
-                <a16:creationId xmlns="" xmlns:a16="http://schemas.microsoft.com/office/drawing/2014/main" id="{3375B066-8289-4792-B281-6D9D7ACE5F6D}"/>
+                <a16:creationId xmlns:a16="http://schemas.microsoft.com/office/drawing/2014/main" xmlns="" id="{3375B066-8289-4792-B281-6D9D7ACE5F6D}"/>
               </a:ext>
             </a:extLst>
           </p:cNvPr>
@@ -5400,7 +5731,7 @@
           <p:cNvPr id="46" name="Straight Connector 45">
             <a:extLst>
               <a:ext uri="{FF2B5EF4-FFF2-40B4-BE49-F238E27FC236}">
-                <a16:creationId xmlns="" xmlns:a16="http://schemas.microsoft.com/office/drawing/2014/main" id="{D223C2CE-78B5-4C3C-86AD-E0953AD4A1AD}"/>
+                <a16:creationId xmlns:a16="http://schemas.microsoft.com/office/drawing/2014/main" xmlns="" id="{D223C2CE-78B5-4C3C-86AD-E0953AD4A1AD}"/>
               </a:ext>
             </a:extLst>
           </p:cNvPr>
@@ -5447,7 +5778,7 @@
           <p:cNvPr id="62" name="Rectangle: Rounded Corners 61">
             <a:extLst>
               <a:ext uri="{FF2B5EF4-FFF2-40B4-BE49-F238E27FC236}">
-                <a16:creationId xmlns="" xmlns:a16="http://schemas.microsoft.com/office/drawing/2014/main" id="{E3D4FE25-5F4C-4FF5-A3AB-5D9E0304B0EB}"/>
+                <a16:creationId xmlns:a16="http://schemas.microsoft.com/office/drawing/2014/main" xmlns="" id="{E3D4FE25-5F4C-4FF5-A3AB-5D9E0304B0EB}"/>
               </a:ext>
             </a:extLst>
           </p:cNvPr>
@@ -5509,7 +5840,7 @@
           <p:cNvPr id="63" name="Straight Connector 62">
             <a:extLst>
               <a:ext uri="{FF2B5EF4-FFF2-40B4-BE49-F238E27FC236}">
-                <a16:creationId xmlns="" xmlns:a16="http://schemas.microsoft.com/office/drawing/2014/main" id="{B0BFD3EA-DDF7-4CA9-8296-3A4C72115579}"/>
+                <a16:creationId xmlns:a16="http://schemas.microsoft.com/office/drawing/2014/main" xmlns="" id="{B0BFD3EA-DDF7-4CA9-8296-3A4C72115579}"/>
               </a:ext>
             </a:extLst>
           </p:cNvPr>
@@ -5586,7 +5917,7 @@
           <p:cNvPr id="4" name="Rectangle: Rounded Corners 3">
             <a:extLst>
               <a:ext uri="{FF2B5EF4-FFF2-40B4-BE49-F238E27FC236}">
-                <a16:creationId xmlns="" xmlns:a16="http://schemas.microsoft.com/office/drawing/2014/main" id="{7AE6D3E8-429A-4DBC-8186-66C97006A05C}"/>
+                <a16:creationId xmlns:a16="http://schemas.microsoft.com/office/drawing/2014/main" xmlns="" id="{7AE6D3E8-429A-4DBC-8186-66C97006A05C}"/>
               </a:ext>
             </a:extLst>
           </p:cNvPr>
@@ -5654,7 +5985,7 @@
           <p:cNvPr id="5" name="Straight Connector 4">
             <a:extLst>
               <a:ext uri="{FF2B5EF4-FFF2-40B4-BE49-F238E27FC236}">
-                <a16:creationId xmlns="" xmlns:a16="http://schemas.microsoft.com/office/drawing/2014/main" id="{8AB7AB37-5E71-4790-9163-6E2D8F06C5D2}"/>
+                <a16:creationId xmlns:a16="http://schemas.microsoft.com/office/drawing/2014/main" xmlns="" id="{8AB7AB37-5E71-4790-9163-6E2D8F06C5D2}"/>
               </a:ext>
             </a:extLst>
           </p:cNvPr>
@@ -5741,7 +6072,7 @@
           <p:cNvPr id="9" name="Straight Connector 8">
             <a:extLst>
               <a:ext uri="{FF2B5EF4-FFF2-40B4-BE49-F238E27FC236}">
-                <a16:creationId xmlns="" xmlns:a16="http://schemas.microsoft.com/office/drawing/2014/main" id="{8AB7AB37-5E71-4790-9163-6E2D8F06C5D2}"/>
+                <a16:creationId xmlns:a16="http://schemas.microsoft.com/office/drawing/2014/main" xmlns="" id="{8AB7AB37-5E71-4790-9163-6E2D8F06C5D2}"/>
               </a:ext>
             </a:extLst>
           </p:cNvPr>
@@ -5787,7 +6118,7 @@
           <p:cNvPr id="11" name="Straight Connector 10">
             <a:extLst>
               <a:ext uri="{FF2B5EF4-FFF2-40B4-BE49-F238E27FC236}">
-                <a16:creationId xmlns="" xmlns:a16="http://schemas.microsoft.com/office/drawing/2014/main" id="{8AB7AB37-5E71-4790-9163-6E2D8F06C5D2}"/>
+                <a16:creationId xmlns:a16="http://schemas.microsoft.com/office/drawing/2014/main" xmlns="" id="{8AB7AB37-5E71-4790-9163-6E2D8F06C5D2}"/>
               </a:ext>
             </a:extLst>
           </p:cNvPr>
@@ -5833,7 +6164,7 @@
           <p:cNvPr id="14" name="Rectangle: Rounded Corners 3">
             <a:extLst>
               <a:ext uri="{FF2B5EF4-FFF2-40B4-BE49-F238E27FC236}">
-                <a16:creationId xmlns="" xmlns:a16="http://schemas.microsoft.com/office/drawing/2014/main" id="{7AE6D3E8-429A-4DBC-8186-66C97006A05C}"/>
+                <a16:creationId xmlns:a16="http://schemas.microsoft.com/office/drawing/2014/main" xmlns="" id="{7AE6D3E8-429A-4DBC-8186-66C97006A05C}"/>
               </a:ext>
             </a:extLst>
           </p:cNvPr>
@@ -5895,7 +6226,7 @@
           <p:cNvPr id="15" name="Rectangle: Rounded Corners 3">
             <a:extLst>
               <a:ext uri="{FF2B5EF4-FFF2-40B4-BE49-F238E27FC236}">
-                <a16:creationId xmlns="" xmlns:a16="http://schemas.microsoft.com/office/drawing/2014/main" id="{7AE6D3E8-429A-4DBC-8186-66C97006A05C}"/>
+                <a16:creationId xmlns:a16="http://schemas.microsoft.com/office/drawing/2014/main" xmlns="" id="{7AE6D3E8-429A-4DBC-8186-66C97006A05C}"/>
               </a:ext>
             </a:extLst>
           </p:cNvPr>
@@ -5957,7 +6288,7 @@
           <p:cNvPr id="16" name="Rectangle: Rounded Corners 3">
             <a:extLst>
               <a:ext uri="{FF2B5EF4-FFF2-40B4-BE49-F238E27FC236}">
-                <a16:creationId xmlns="" xmlns:a16="http://schemas.microsoft.com/office/drawing/2014/main" id="{7AE6D3E8-429A-4DBC-8186-66C97006A05C}"/>
+                <a16:creationId xmlns:a16="http://schemas.microsoft.com/office/drawing/2014/main" xmlns="" id="{7AE6D3E8-429A-4DBC-8186-66C97006A05C}"/>
               </a:ext>
             </a:extLst>
           </p:cNvPr>
@@ -6019,7 +6350,7 @@
           <p:cNvPr id="17" name="Rectangle: Rounded Corners 3">
             <a:extLst>
               <a:ext uri="{FF2B5EF4-FFF2-40B4-BE49-F238E27FC236}">
-                <a16:creationId xmlns="" xmlns:a16="http://schemas.microsoft.com/office/drawing/2014/main" id="{7AE6D3E8-429A-4DBC-8186-66C97006A05C}"/>
+                <a16:creationId xmlns:a16="http://schemas.microsoft.com/office/drawing/2014/main" xmlns="" id="{7AE6D3E8-429A-4DBC-8186-66C97006A05C}"/>
               </a:ext>
             </a:extLst>
           </p:cNvPr>
@@ -6081,7 +6412,7 @@
           <p:cNvPr id="18" name="Rectangle: Rounded Corners 3">
             <a:extLst>
               <a:ext uri="{FF2B5EF4-FFF2-40B4-BE49-F238E27FC236}">
-                <a16:creationId xmlns="" xmlns:a16="http://schemas.microsoft.com/office/drawing/2014/main" id="{7AE6D3E8-429A-4DBC-8186-66C97006A05C}"/>
+                <a16:creationId xmlns:a16="http://schemas.microsoft.com/office/drawing/2014/main" xmlns="" id="{7AE6D3E8-429A-4DBC-8186-66C97006A05C}"/>
               </a:ext>
             </a:extLst>
           </p:cNvPr>
@@ -6184,7 +6515,7 @@
           <p:cNvPr id="19" name="Rectangle: Rounded Corners 3">
             <a:extLst>
               <a:ext uri="{FF2B5EF4-FFF2-40B4-BE49-F238E27FC236}">
-                <a16:creationId xmlns="" xmlns:a16="http://schemas.microsoft.com/office/drawing/2014/main" id="{7AE6D3E8-429A-4DBC-8186-66C97006A05C}"/>
+                <a16:creationId xmlns:a16="http://schemas.microsoft.com/office/drawing/2014/main" xmlns="" id="{7AE6D3E8-429A-4DBC-8186-66C97006A05C}"/>
               </a:ext>
             </a:extLst>
           </p:cNvPr>
@@ -6246,7 +6577,7 @@
           <p:cNvPr id="20" name="Straight Connector 19">
             <a:extLst>
               <a:ext uri="{FF2B5EF4-FFF2-40B4-BE49-F238E27FC236}">
-                <a16:creationId xmlns="" xmlns:a16="http://schemas.microsoft.com/office/drawing/2014/main" id="{8AB7AB37-5E71-4790-9163-6E2D8F06C5D2}"/>
+                <a16:creationId xmlns:a16="http://schemas.microsoft.com/office/drawing/2014/main" xmlns="" id="{8AB7AB37-5E71-4790-9163-6E2D8F06C5D2}"/>
               </a:ext>
             </a:extLst>
           </p:cNvPr>
@@ -6293,7 +6624,7 @@
           <p:cNvPr id="24" name="Straight Connector 23">
             <a:extLst>
               <a:ext uri="{FF2B5EF4-FFF2-40B4-BE49-F238E27FC236}">
-                <a16:creationId xmlns="" xmlns:a16="http://schemas.microsoft.com/office/drawing/2014/main" id="{8AB7AB37-5E71-4790-9163-6E2D8F06C5D2}"/>
+                <a16:creationId xmlns:a16="http://schemas.microsoft.com/office/drawing/2014/main" xmlns="" id="{8AB7AB37-5E71-4790-9163-6E2D8F06C5D2}"/>
               </a:ext>
             </a:extLst>
           </p:cNvPr>
@@ -6340,7 +6671,7 @@
           <p:cNvPr id="27" name="Straight Connector 26">
             <a:extLst>
               <a:ext uri="{FF2B5EF4-FFF2-40B4-BE49-F238E27FC236}">
-                <a16:creationId xmlns="" xmlns:a16="http://schemas.microsoft.com/office/drawing/2014/main" id="{8AB7AB37-5E71-4790-9163-6E2D8F06C5D2}"/>
+                <a16:creationId xmlns:a16="http://schemas.microsoft.com/office/drawing/2014/main" xmlns="" id="{8AB7AB37-5E71-4790-9163-6E2D8F06C5D2}"/>
               </a:ext>
             </a:extLst>
           </p:cNvPr>
@@ -6417,7 +6748,7 @@
           <p:cNvPr id="75" name="Rectangle: Rounded Corners 3">
             <a:extLst>
               <a:ext uri="{FF2B5EF4-FFF2-40B4-BE49-F238E27FC236}">
-                <a16:creationId xmlns="" xmlns:a16="http://schemas.microsoft.com/office/drawing/2014/main" id="{7AE6D3E8-429A-4DBC-8186-66C97006A05C}"/>
+                <a16:creationId xmlns:a16="http://schemas.microsoft.com/office/drawing/2014/main" xmlns="" id="{7AE6D3E8-429A-4DBC-8186-66C97006A05C}"/>
               </a:ext>
             </a:extLst>
           </p:cNvPr>
@@ -6489,7 +6820,7 @@
           <p:cNvPr id="5" name="Straight Connector 4">
             <a:extLst>
               <a:ext uri="{FF2B5EF4-FFF2-40B4-BE49-F238E27FC236}">
-                <a16:creationId xmlns="" xmlns:a16="http://schemas.microsoft.com/office/drawing/2014/main" id="{8AB7AB37-5E71-4790-9163-6E2D8F06C5D2}"/>
+                <a16:creationId xmlns:a16="http://schemas.microsoft.com/office/drawing/2014/main" xmlns="" id="{8AB7AB37-5E71-4790-9163-6E2D8F06C5D2}"/>
               </a:ext>
             </a:extLst>
           </p:cNvPr>
@@ -6578,7 +6909,7 @@
           <p:cNvPr id="14" name="Rectangle: Rounded Corners 3">
             <a:extLst>
               <a:ext uri="{FF2B5EF4-FFF2-40B4-BE49-F238E27FC236}">
-                <a16:creationId xmlns="" xmlns:a16="http://schemas.microsoft.com/office/drawing/2014/main" id="{7AE6D3E8-429A-4DBC-8186-66C97006A05C}"/>
+                <a16:creationId xmlns:a16="http://schemas.microsoft.com/office/drawing/2014/main" xmlns="" id="{7AE6D3E8-429A-4DBC-8186-66C97006A05C}"/>
               </a:ext>
             </a:extLst>
           </p:cNvPr>
@@ -6650,7 +6981,7 @@
           <p:cNvPr id="23" name="Rectangle: Rounded Corners 3">
             <a:extLst>
               <a:ext uri="{FF2B5EF4-FFF2-40B4-BE49-F238E27FC236}">
-                <a16:creationId xmlns="" xmlns:a16="http://schemas.microsoft.com/office/drawing/2014/main" id="{7AE6D3E8-429A-4DBC-8186-66C97006A05C}"/>
+                <a16:creationId xmlns:a16="http://schemas.microsoft.com/office/drawing/2014/main" xmlns="" id="{7AE6D3E8-429A-4DBC-8186-66C97006A05C}"/>
               </a:ext>
             </a:extLst>
           </p:cNvPr>
@@ -6722,7 +7053,7 @@
           <p:cNvPr id="25" name="Rectangle: Rounded Corners 3">
             <a:extLst>
               <a:ext uri="{FF2B5EF4-FFF2-40B4-BE49-F238E27FC236}">
-                <a16:creationId xmlns="" xmlns:a16="http://schemas.microsoft.com/office/drawing/2014/main" id="{7AE6D3E8-429A-4DBC-8186-66C97006A05C}"/>
+                <a16:creationId xmlns:a16="http://schemas.microsoft.com/office/drawing/2014/main" xmlns="" id="{7AE6D3E8-429A-4DBC-8186-66C97006A05C}"/>
               </a:ext>
             </a:extLst>
           </p:cNvPr>
@@ -6858,7 +7189,7 @@
           <p:cNvPr id="28" name="Rectangle: Rounded Corners 3">
             <a:extLst>
               <a:ext uri="{FF2B5EF4-FFF2-40B4-BE49-F238E27FC236}">
-                <a16:creationId xmlns="" xmlns:a16="http://schemas.microsoft.com/office/drawing/2014/main" id="{7AE6D3E8-429A-4DBC-8186-66C97006A05C}"/>
+                <a16:creationId xmlns:a16="http://schemas.microsoft.com/office/drawing/2014/main" xmlns="" id="{7AE6D3E8-429A-4DBC-8186-66C97006A05C}"/>
               </a:ext>
             </a:extLst>
           </p:cNvPr>
@@ -6959,7 +7290,7 @@
           <p:cNvPr id="30" name="Rectangle: Rounded Corners 3">
             <a:extLst>
               <a:ext uri="{FF2B5EF4-FFF2-40B4-BE49-F238E27FC236}">
-                <a16:creationId xmlns="" xmlns:a16="http://schemas.microsoft.com/office/drawing/2014/main" id="{7AE6D3E8-429A-4DBC-8186-66C97006A05C}"/>
+                <a16:creationId xmlns:a16="http://schemas.microsoft.com/office/drawing/2014/main" xmlns="" id="{7AE6D3E8-429A-4DBC-8186-66C97006A05C}"/>
               </a:ext>
             </a:extLst>
           </p:cNvPr>
@@ -7110,7 +7441,7 @@
           <p:cNvPr id="47" name="Rectangle: Rounded Corners 3">
             <a:extLst>
               <a:ext uri="{FF2B5EF4-FFF2-40B4-BE49-F238E27FC236}">
-                <a16:creationId xmlns="" xmlns:a16="http://schemas.microsoft.com/office/drawing/2014/main" id="{7AE6D3E8-429A-4DBC-8186-66C97006A05C}"/>
+                <a16:creationId xmlns:a16="http://schemas.microsoft.com/office/drawing/2014/main" xmlns="" id="{7AE6D3E8-429A-4DBC-8186-66C97006A05C}"/>
               </a:ext>
             </a:extLst>
           </p:cNvPr>
@@ -7228,7 +7559,7 @@
           <p:cNvPr id="64" name="Straight Connector 63">
             <a:extLst>
               <a:ext uri="{FF2B5EF4-FFF2-40B4-BE49-F238E27FC236}">
-                <a16:creationId xmlns="" xmlns:a16="http://schemas.microsoft.com/office/drawing/2014/main" id="{8AB7AB37-5E71-4790-9163-6E2D8F06C5D2}"/>
+                <a16:creationId xmlns:a16="http://schemas.microsoft.com/office/drawing/2014/main" xmlns="" id="{8AB7AB37-5E71-4790-9163-6E2D8F06C5D2}"/>
               </a:ext>
             </a:extLst>
           </p:cNvPr>
@@ -7275,7 +7606,7 @@
           <p:cNvPr id="80" name="Rectangle: Rounded Corners 3">
             <a:extLst>
               <a:ext uri="{FF2B5EF4-FFF2-40B4-BE49-F238E27FC236}">
-                <a16:creationId xmlns="" xmlns:a16="http://schemas.microsoft.com/office/drawing/2014/main" id="{7AE6D3E8-429A-4DBC-8186-66C97006A05C}"/>
+                <a16:creationId xmlns:a16="http://schemas.microsoft.com/office/drawing/2014/main" xmlns="" id="{7AE6D3E8-429A-4DBC-8186-66C97006A05C}"/>
               </a:ext>
             </a:extLst>
           </p:cNvPr>
@@ -7347,7 +7678,7 @@
           <p:cNvPr id="81" name="Straight Connector 80">
             <a:extLst>
               <a:ext uri="{FF2B5EF4-FFF2-40B4-BE49-F238E27FC236}">
-                <a16:creationId xmlns="" xmlns:a16="http://schemas.microsoft.com/office/drawing/2014/main" id="{8AB7AB37-5E71-4790-9163-6E2D8F06C5D2}"/>
+                <a16:creationId xmlns:a16="http://schemas.microsoft.com/office/drawing/2014/main" xmlns="" id="{8AB7AB37-5E71-4790-9163-6E2D8F06C5D2}"/>
               </a:ext>
             </a:extLst>
           </p:cNvPr>
@@ -7394,7 +7725,7 @@
           <p:cNvPr id="85" name="Rectangle: Rounded Corners 3">
             <a:extLst>
               <a:ext uri="{FF2B5EF4-FFF2-40B4-BE49-F238E27FC236}">
-                <a16:creationId xmlns="" xmlns:a16="http://schemas.microsoft.com/office/drawing/2014/main" id="{7AE6D3E8-429A-4DBC-8186-66C97006A05C}"/>
+                <a16:creationId xmlns:a16="http://schemas.microsoft.com/office/drawing/2014/main" xmlns="" id="{7AE6D3E8-429A-4DBC-8186-66C97006A05C}"/>
               </a:ext>
             </a:extLst>
           </p:cNvPr>
@@ -7466,7 +7797,7 @@
           <p:cNvPr id="86" name="Straight Connector 85">
             <a:extLst>
               <a:ext uri="{FF2B5EF4-FFF2-40B4-BE49-F238E27FC236}">
-                <a16:creationId xmlns="" xmlns:a16="http://schemas.microsoft.com/office/drawing/2014/main" id="{8AB7AB37-5E71-4790-9163-6E2D8F06C5D2}"/>
+                <a16:creationId xmlns:a16="http://schemas.microsoft.com/office/drawing/2014/main" xmlns="" id="{8AB7AB37-5E71-4790-9163-6E2D8F06C5D2}"/>
               </a:ext>
             </a:extLst>
           </p:cNvPr>
@@ -7513,7 +7844,7 @@
           <p:cNvPr id="100" name="Straight Connector 99">
             <a:extLst>
               <a:ext uri="{FF2B5EF4-FFF2-40B4-BE49-F238E27FC236}">
-                <a16:creationId xmlns="" xmlns:a16="http://schemas.microsoft.com/office/drawing/2014/main" id="{8AB7AB37-5E71-4790-9163-6E2D8F06C5D2}"/>
+                <a16:creationId xmlns:a16="http://schemas.microsoft.com/office/drawing/2014/main" xmlns="" id="{8AB7AB37-5E71-4790-9163-6E2D8F06C5D2}"/>
               </a:ext>
             </a:extLst>
           </p:cNvPr>
@@ -7560,7 +7891,7 @@
           <p:cNvPr id="102" name="Rectangle: Rounded Corners 3">
             <a:extLst>
               <a:ext uri="{FF2B5EF4-FFF2-40B4-BE49-F238E27FC236}">
-                <a16:creationId xmlns="" xmlns:a16="http://schemas.microsoft.com/office/drawing/2014/main" id="{7AE6D3E8-429A-4DBC-8186-66C97006A05C}"/>
+                <a16:creationId xmlns:a16="http://schemas.microsoft.com/office/drawing/2014/main" xmlns="" id="{7AE6D3E8-429A-4DBC-8186-66C97006A05C}"/>
               </a:ext>
             </a:extLst>
           </p:cNvPr>
@@ -7632,7 +7963,7 @@
           <p:cNvPr id="103" name="Straight Connector 102">
             <a:extLst>
               <a:ext uri="{FF2B5EF4-FFF2-40B4-BE49-F238E27FC236}">
-                <a16:creationId xmlns="" xmlns:a16="http://schemas.microsoft.com/office/drawing/2014/main" id="{8AB7AB37-5E71-4790-9163-6E2D8F06C5D2}"/>
+                <a16:creationId xmlns:a16="http://schemas.microsoft.com/office/drawing/2014/main" xmlns="" id="{8AB7AB37-5E71-4790-9163-6E2D8F06C5D2}"/>
               </a:ext>
             </a:extLst>
           </p:cNvPr>
@@ -7829,7 +8160,7 @@
           <p:cNvPr id="113" name="Straight Connector 112">
             <a:extLst>
               <a:ext uri="{FF2B5EF4-FFF2-40B4-BE49-F238E27FC236}">
-                <a16:creationId xmlns="" xmlns:a16="http://schemas.microsoft.com/office/drawing/2014/main" id="{8AB7AB37-5E71-4790-9163-6E2D8F06C5D2}"/>
+                <a16:creationId xmlns:a16="http://schemas.microsoft.com/office/drawing/2014/main" xmlns="" id="{8AB7AB37-5E71-4790-9163-6E2D8F06C5D2}"/>
               </a:ext>
             </a:extLst>
           </p:cNvPr>
@@ -8122,7 +8453,7 @@
           <p:cNvPr id="14" name="Rectangle: Rounded Corners 3">
             <a:extLst>
               <a:ext uri="{FF2B5EF4-FFF2-40B4-BE49-F238E27FC236}">
-                <a16:creationId xmlns="" xmlns:a16="http://schemas.microsoft.com/office/drawing/2014/main" id="{7AE6D3E8-429A-4DBC-8186-66C97006A05C}"/>
+                <a16:creationId xmlns:a16="http://schemas.microsoft.com/office/drawing/2014/main" xmlns="" id="{7AE6D3E8-429A-4DBC-8186-66C97006A05C}"/>
               </a:ext>
             </a:extLst>
           </p:cNvPr>
@@ -8356,7 +8687,7 @@
           <p:cNvPr id="42" name="Straight Connector 41">
             <a:extLst>
               <a:ext uri="{FF2B5EF4-FFF2-40B4-BE49-F238E27FC236}">
-                <a16:creationId xmlns="" xmlns:a16="http://schemas.microsoft.com/office/drawing/2014/main" id="{8AB7AB37-5E71-4790-9163-6E2D8F06C5D2}"/>
+                <a16:creationId xmlns:a16="http://schemas.microsoft.com/office/drawing/2014/main" xmlns="" id="{8AB7AB37-5E71-4790-9163-6E2D8F06C5D2}"/>
               </a:ext>
             </a:extLst>
           </p:cNvPr>
@@ -8401,7 +8732,7 @@
           <p:cNvPr id="58" name="Straight Connector 57">
             <a:extLst>
               <a:ext uri="{FF2B5EF4-FFF2-40B4-BE49-F238E27FC236}">
-                <a16:creationId xmlns="" xmlns:a16="http://schemas.microsoft.com/office/drawing/2014/main" id="{8AB7AB37-5E71-4790-9163-6E2D8F06C5D2}"/>
+                <a16:creationId xmlns:a16="http://schemas.microsoft.com/office/drawing/2014/main" xmlns="" id="{8AB7AB37-5E71-4790-9163-6E2D8F06C5D2}"/>
               </a:ext>
             </a:extLst>
           </p:cNvPr>
@@ -8600,7 +8931,7 @@
           <p:cNvPr id="77" name="Rectangle: Rounded Corners 3">
             <a:extLst>
               <a:ext uri="{FF2B5EF4-FFF2-40B4-BE49-F238E27FC236}">
-                <a16:creationId xmlns="" xmlns:a16="http://schemas.microsoft.com/office/drawing/2014/main" id="{7AE6D3E8-429A-4DBC-8186-66C97006A05C}"/>
+                <a16:creationId xmlns:a16="http://schemas.microsoft.com/office/drawing/2014/main" xmlns="" id="{7AE6D3E8-429A-4DBC-8186-66C97006A05C}"/>
               </a:ext>
             </a:extLst>
           </p:cNvPr>
@@ -8672,7 +9003,7 @@
           <p:cNvPr id="78" name="Straight Connector 77">
             <a:extLst>
               <a:ext uri="{FF2B5EF4-FFF2-40B4-BE49-F238E27FC236}">
-                <a16:creationId xmlns="" xmlns:a16="http://schemas.microsoft.com/office/drawing/2014/main" id="{8AB7AB37-5E71-4790-9163-6E2D8F06C5D2}"/>
+                <a16:creationId xmlns:a16="http://schemas.microsoft.com/office/drawing/2014/main" xmlns="" id="{8AB7AB37-5E71-4790-9163-6E2D8F06C5D2}"/>
               </a:ext>
             </a:extLst>
           </p:cNvPr>
@@ -8719,7 +9050,7 @@
           <p:cNvPr id="79" name="Rectangle: Rounded Corners 3">
             <a:extLst>
               <a:ext uri="{FF2B5EF4-FFF2-40B4-BE49-F238E27FC236}">
-                <a16:creationId xmlns="" xmlns:a16="http://schemas.microsoft.com/office/drawing/2014/main" id="{7AE6D3E8-429A-4DBC-8186-66C97006A05C}"/>
+                <a16:creationId xmlns:a16="http://schemas.microsoft.com/office/drawing/2014/main" xmlns="" id="{7AE6D3E8-429A-4DBC-8186-66C97006A05C}"/>
               </a:ext>
             </a:extLst>
           </p:cNvPr>
@@ -8791,7 +9122,7 @@
           <p:cNvPr id="82" name="Rectangle: Rounded Corners 3">
             <a:extLst>
               <a:ext uri="{FF2B5EF4-FFF2-40B4-BE49-F238E27FC236}">
-                <a16:creationId xmlns="" xmlns:a16="http://schemas.microsoft.com/office/drawing/2014/main" id="{7AE6D3E8-429A-4DBC-8186-66C97006A05C}"/>
+                <a16:creationId xmlns:a16="http://schemas.microsoft.com/office/drawing/2014/main" xmlns="" id="{7AE6D3E8-429A-4DBC-8186-66C97006A05C}"/>
               </a:ext>
             </a:extLst>
           </p:cNvPr>
@@ -8891,7 +9222,7 @@
           <p:cNvPr id="84" name="Rectangle: Rounded Corners 3">
             <a:extLst>
               <a:ext uri="{FF2B5EF4-FFF2-40B4-BE49-F238E27FC236}">
-                <a16:creationId xmlns="" xmlns:a16="http://schemas.microsoft.com/office/drawing/2014/main" id="{7AE6D3E8-429A-4DBC-8186-66C97006A05C}"/>
+                <a16:creationId xmlns:a16="http://schemas.microsoft.com/office/drawing/2014/main" xmlns="" id="{7AE6D3E8-429A-4DBC-8186-66C97006A05C}"/>
               </a:ext>
             </a:extLst>
           </p:cNvPr>
@@ -8992,7 +9323,7 @@
           <p:cNvPr id="88" name="Rectangle: Rounded Corners 3">
             <a:extLst>
               <a:ext uri="{FF2B5EF4-FFF2-40B4-BE49-F238E27FC236}">
-                <a16:creationId xmlns="" xmlns:a16="http://schemas.microsoft.com/office/drawing/2014/main" id="{7AE6D3E8-429A-4DBC-8186-66C97006A05C}"/>
+                <a16:creationId xmlns:a16="http://schemas.microsoft.com/office/drawing/2014/main" xmlns="" id="{7AE6D3E8-429A-4DBC-8186-66C97006A05C}"/>
               </a:ext>
             </a:extLst>
           </p:cNvPr>
@@ -9095,7 +9426,7 @@
           <p:cNvPr id="90" name="Rectangle: Rounded Corners 3">
             <a:extLst>
               <a:ext uri="{FF2B5EF4-FFF2-40B4-BE49-F238E27FC236}">
-                <a16:creationId xmlns="" xmlns:a16="http://schemas.microsoft.com/office/drawing/2014/main" id="{7AE6D3E8-429A-4DBC-8186-66C97006A05C}"/>
+                <a16:creationId xmlns:a16="http://schemas.microsoft.com/office/drawing/2014/main" xmlns="" id="{7AE6D3E8-429A-4DBC-8186-66C97006A05C}"/>
               </a:ext>
             </a:extLst>
           </p:cNvPr>
@@ -9213,7 +9544,7 @@
           <p:cNvPr id="92" name="Straight Connector 91">
             <a:extLst>
               <a:ext uri="{FF2B5EF4-FFF2-40B4-BE49-F238E27FC236}">
-                <a16:creationId xmlns="" xmlns:a16="http://schemas.microsoft.com/office/drawing/2014/main" id="{8AB7AB37-5E71-4790-9163-6E2D8F06C5D2}"/>
+                <a16:creationId xmlns:a16="http://schemas.microsoft.com/office/drawing/2014/main" xmlns="" id="{8AB7AB37-5E71-4790-9163-6E2D8F06C5D2}"/>
               </a:ext>
             </a:extLst>
           </p:cNvPr>
@@ -9260,7 +9591,7 @@
           <p:cNvPr id="93" name="Rectangle: Rounded Corners 3">
             <a:extLst>
               <a:ext uri="{FF2B5EF4-FFF2-40B4-BE49-F238E27FC236}">
-                <a16:creationId xmlns="" xmlns:a16="http://schemas.microsoft.com/office/drawing/2014/main" id="{7AE6D3E8-429A-4DBC-8186-66C97006A05C}"/>
+                <a16:creationId xmlns:a16="http://schemas.microsoft.com/office/drawing/2014/main" xmlns="" id="{7AE6D3E8-429A-4DBC-8186-66C97006A05C}"/>
               </a:ext>
             </a:extLst>
           </p:cNvPr>
@@ -9332,7 +9663,7 @@
           <p:cNvPr id="94" name="Straight Connector 93">
             <a:extLst>
               <a:ext uri="{FF2B5EF4-FFF2-40B4-BE49-F238E27FC236}">
-                <a16:creationId xmlns="" xmlns:a16="http://schemas.microsoft.com/office/drawing/2014/main" id="{8AB7AB37-5E71-4790-9163-6E2D8F06C5D2}"/>
+                <a16:creationId xmlns:a16="http://schemas.microsoft.com/office/drawing/2014/main" xmlns="" id="{8AB7AB37-5E71-4790-9163-6E2D8F06C5D2}"/>
               </a:ext>
             </a:extLst>
           </p:cNvPr>
@@ -9379,7 +9710,7 @@
           <p:cNvPr id="95" name="Rectangle: Rounded Corners 3">
             <a:extLst>
               <a:ext uri="{FF2B5EF4-FFF2-40B4-BE49-F238E27FC236}">
-                <a16:creationId xmlns="" xmlns:a16="http://schemas.microsoft.com/office/drawing/2014/main" id="{7AE6D3E8-429A-4DBC-8186-66C97006A05C}"/>
+                <a16:creationId xmlns:a16="http://schemas.microsoft.com/office/drawing/2014/main" xmlns="" id="{7AE6D3E8-429A-4DBC-8186-66C97006A05C}"/>
               </a:ext>
             </a:extLst>
           </p:cNvPr>
@@ -9451,7 +9782,7 @@
           <p:cNvPr id="96" name="Straight Connector 95">
             <a:extLst>
               <a:ext uri="{FF2B5EF4-FFF2-40B4-BE49-F238E27FC236}">
-                <a16:creationId xmlns="" xmlns:a16="http://schemas.microsoft.com/office/drawing/2014/main" id="{8AB7AB37-5E71-4790-9163-6E2D8F06C5D2}"/>
+                <a16:creationId xmlns:a16="http://schemas.microsoft.com/office/drawing/2014/main" xmlns="" id="{8AB7AB37-5E71-4790-9163-6E2D8F06C5D2}"/>
               </a:ext>
             </a:extLst>
           </p:cNvPr>
@@ -9498,7 +9829,7 @@
           <p:cNvPr id="97" name="Straight Connector 96">
             <a:extLst>
               <a:ext uri="{FF2B5EF4-FFF2-40B4-BE49-F238E27FC236}">
-                <a16:creationId xmlns="" xmlns:a16="http://schemas.microsoft.com/office/drawing/2014/main" id="{8AB7AB37-5E71-4790-9163-6E2D8F06C5D2}"/>
+                <a16:creationId xmlns:a16="http://schemas.microsoft.com/office/drawing/2014/main" xmlns="" id="{8AB7AB37-5E71-4790-9163-6E2D8F06C5D2}"/>
               </a:ext>
             </a:extLst>
           </p:cNvPr>
@@ -9545,7 +9876,7 @@
           <p:cNvPr id="98" name="Rectangle: Rounded Corners 3">
             <a:extLst>
               <a:ext uri="{FF2B5EF4-FFF2-40B4-BE49-F238E27FC236}">
-                <a16:creationId xmlns="" xmlns:a16="http://schemas.microsoft.com/office/drawing/2014/main" id="{7AE6D3E8-429A-4DBC-8186-66C97006A05C}"/>
+                <a16:creationId xmlns:a16="http://schemas.microsoft.com/office/drawing/2014/main" xmlns="" id="{7AE6D3E8-429A-4DBC-8186-66C97006A05C}"/>
               </a:ext>
             </a:extLst>
           </p:cNvPr>
@@ -9617,7 +9948,7 @@
           <p:cNvPr id="99" name="Straight Connector 98">
             <a:extLst>
               <a:ext uri="{FF2B5EF4-FFF2-40B4-BE49-F238E27FC236}">
-                <a16:creationId xmlns="" xmlns:a16="http://schemas.microsoft.com/office/drawing/2014/main" id="{8AB7AB37-5E71-4790-9163-6E2D8F06C5D2}"/>
+                <a16:creationId xmlns:a16="http://schemas.microsoft.com/office/drawing/2014/main" xmlns="" id="{8AB7AB37-5E71-4790-9163-6E2D8F06C5D2}"/>
               </a:ext>
             </a:extLst>
           </p:cNvPr>
@@ -9814,7 +10145,7 @@
           <p:cNvPr id="108" name="Straight Connector 107">
             <a:extLst>
               <a:ext uri="{FF2B5EF4-FFF2-40B4-BE49-F238E27FC236}">
-                <a16:creationId xmlns="" xmlns:a16="http://schemas.microsoft.com/office/drawing/2014/main" id="{8AB7AB37-5E71-4790-9163-6E2D8F06C5D2}"/>
+                <a16:creationId xmlns:a16="http://schemas.microsoft.com/office/drawing/2014/main" xmlns="" id="{8AB7AB37-5E71-4790-9163-6E2D8F06C5D2}"/>
               </a:ext>
             </a:extLst>
           </p:cNvPr>
@@ -9947,7 +10278,7 @@
           <p:cNvPr id="112" name="Straight Connector 111">
             <a:extLst>
               <a:ext uri="{FF2B5EF4-FFF2-40B4-BE49-F238E27FC236}">
-                <a16:creationId xmlns="" xmlns:a16="http://schemas.microsoft.com/office/drawing/2014/main" id="{8AB7AB37-5E71-4790-9163-6E2D8F06C5D2}"/>
+                <a16:creationId xmlns:a16="http://schemas.microsoft.com/office/drawing/2014/main" xmlns="" id="{8AB7AB37-5E71-4790-9163-6E2D8F06C5D2}"/>
               </a:ext>
             </a:extLst>
           </p:cNvPr>
@@ -10431,7 +10762,7 @@
           <p:cNvPr id="5" name="Title 1">
             <a:extLst>
               <a:ext uri="{FF2B5EF4-FFF2-40B4-BE49-F238E27FC236}">
-                <a16:creationId xmlns="" xmlns:a16="http://schemas.microsoft.com/office/drawing/2014/main" id="{ADDC5375-CE02-4A6D-BDEB-689CA3A31589}"/>
+                <a16:creationId xmlns:a16="http://schemas.microsoft.com/office/drawing/2014/main" xmlns="" id="{ADDC5375-CE02-4A6D-BDEB-689CA3A31589}"/>
               </a:ext>
             </a:extLst>
           </p:cNvPr>
@@ -10808,7 +11139,7 @@
   <a:extraClrSchemeLst/>
   <a:extLst>
     <a:ext uri="{05A4C25C-085E-4340-85A3-A5531E510DB2}">
-      <thm15:themeFamily xmlns="" xmlns:thm15="http://schemas.microsoft.com/office/thememl/2012/main" name="Office Theme" id="{62F939B6-93AF-4DB8-9C6B-D6C7DFDC589F}" vid="{4A3C46E8-61CC-4603-A589-7422A47A8E4A}"/>
+      <thm15:themeFamily xmlns:thm15="http://schemas.microsoft.com/office/thememl/2012/main" xmlns="" name="Office Theme" id="{62F939B6-93AF-4DB8-9C6B-D6C7DFDC589F}" vid="{4A3C46E8-61CC-4603-A589-7422A47A8E4A}"/>
     </a:ext>
   </a:extLst>
 </a:theme>

--- a/communication/pre_0724.pptx
+++ b/communication/pre_0724.pptx
@@ -148,7 +148,7 @@
           <p:cNvPr id="2" name="Title 1">
             <a:extLst>
               <a:ext uri="{FF2B5EF4-FFF2-40B4-BE49-F238E27FC236}">
-                <a16:creationId xmlns:a16="http://schemas.microsoft.com/office/drawing/2014/main" xmlns="" id="{E82B0C58-685F-4E04-A21B-9668CA5EF742}"/>
+                <a16:creationId xmlns="" xmlns:a16="http://schemas.microsoft.com/office/drawing/2014/main" id="{E82B0C58-685F-4E04-A21B-9668CA5EF742}"/>
               </a:ext>
             </a:extLst>
           </p:cNvPr>
@@ -186,7 +186,7 @@
           <p:cNvPr id="3" name="Subtitle 2">
             <a:extLst>
               <a:ext uri="{FF2B5EF4-FFF2-40B4-BE49-F238E27FC236}">
-                <a16:creationId xmlns:a16="http://schemas.microsoft.com/office/drawing/2014/main" xmlns="" id="{B11A4717-B2C0-4174-B071-49547222BE02}"/>
+                <a16:creationId xmlns="" xmlns:a16="http://schemas.microsoft.com/office/drawing/2014/main" id="{B11A4717-B2C0-4174-B071-49547222BE02}"/>
               </a:ext>
             </a:extLst>
           </p:cNvPr>
@@ -257,7 +257,7 @@
           <p:cNvPr id="4" name="Date Placeholder 3">
             <a:extLst>
               <a:ext uri="{FF2B5EF4-FFF2-40B4-BE49-F238E27FC236}">
-                <a16:creationId xmlns:a16="http://schemas.microsoft.com/office/drawing/2014/main" xmlns="" id="{27E9B1DA-FF8C-49E5-BF5B-B5A187CF2FD1}"/>
+                <a16:creationId xmlns="" xmlns:a16="http://schemas.microsoft.com/office/drawing/2014/main" id="{27E9B1DA-FF8C-49E5-BF5B-B5A187CF2FD1}"/>
               </a:ext>
             </a:extLst>
           </p:cNvPr>
@@ -275,7 +275,7 @@
           <a:p>
             <a:fld id="{28CEC29F-4B23-4B58-A511-B488B9A97879}" type="datetimeFigureOut">
               <a:rPr lang="zh-CN" altLang="en-US" smtClean="0"/>
-              <a:t>2017/7/28</a:t>
+              <a:t>2017/10/18</a:t>
             </a:fld>
             <a:endParaRPr lang="zh-CN" altLang="en-US"/>
           </a:p>
@@ -286,7 +286,7 @@
           <p:cNvPr id="5" name="Footer Placeholder 4">
             <a:extLst>
               <a:ext uri="{FF2B5EF4-FFF2-40B4-BE49-F238E27FC236}">
-                <a16:creationId xmlns:a16="http://schemas.microsoft.com/office/drawing/2014/main" xmlns="" id="{EE57919F-B315-4B40-BA69-58D96B7F7598}"/>
+                <a16:creationId xmlns="" xmlns:a16="http://schemas.microsoft.com/office/drawing/2014/main" id="{EE57919F-B315-4B40-BA69-58D96B7F7598}"/>
               </a:ext>
             </a:extLst>
           </p:cNvPr>
@@ -311,7 +311,7 @@
           <p:cNvPr id="6" name="Slide Number Placeholder 5">
             <a:extLst>
               <a:ext uri="{FF2B5EF4-FFF2-40B4-BE49-F238E27FC236}">
-                <a16:creationId xmlns:a16="http://schemas.microsoft.com/office/drawing/2014/main" xmlns="" id="{99426AD7-F523-4BFE-A021-C8DD58E34398}"/>
+                <a16:creationId xmlns="" xmlns:a16="http://schemas.microsoft.com/office/drawing/2014/main" id="{99426AD7-F523-4BFE-A021-C8DD58E34398}"/>
               </a:ext>
             </a:extLst>
           </p:cNvPr>
@@ -370,7 +370,7 @@
           <p:cNvPr id="2" name="Title 1">
             <a:extLst>
               <a:ext uri="{FF2B5EF4-FFF2-40B4-BE49-F238E27FC236}">
-                <a16:creationId xmlns:a16="http://schemas.microsoft.com/office/drawing/2014/main" xmlns="" id="{8E03D62A-9869-450F-9CD5-D236DB6830F9}"/>
+                <a16:creationId xmlns="" xmlns:a16="http://schemas.microsoft.com/office/drawing/2014/main" id="{8E03D62A-9869-450F-9CD5-D236DB6830F9}"/>
               </a:ext>
             </a:extLst>
           </p:cNvPr>
@@ -399,7 +399,7 @@
           <p:cNvPr id="3" name="Vertical Text Placeholder 2">
             <a:extLst>
               <a:ext uri="{FF2B5EF4-FFF2-40B4-BE49-F238E27FC236}">
-                <a16:creationId xmlns:a16="http://schemas.microsoft.com/office/drawing/2014/main" xmlns="" id="{45850CA9-90C2-48AF-88D2-2A2C7C2FFA6F}"/>
+                <a16:creationId xmlns="" xmlns:a16="http://schemas.microsoft.com/office/drawing/2014/main" id="{45850CA9-90C2-48AF-88D2-2A2C7C2FFA6F}"/>
               </a:ext>
             </a:extLst>
           </p:cNvPr>
@@ -457,7 +457,7 @@
           <p:cNvPr id="4" name="Date Placeholder 3">
             <a:extLst>
               <a:ext uri="{FF2B5EF4-FFF2-40B4-BE49-F238E27FC236}">
-                <a16:creationId xmlns:a16="http://schemas.microsoft.com/office/drawing/2014/main" xmlns="" id="{61C42B10-AF4C-4914-922E-DAB7C990313F}"/>
+                <a16:creationId xmlns="" xmlns:a16="http://schemas.microsoft.com/office/drawing/2014/main" id="{61C42B10-AF4C-4914-922E-DAB7C990313F}"/>
               </a:ext>
             </a:extLst>
           </p:cNvPr>
@@ -475,7 +475,7 @@
           <a:p>
             <a:fld id="{28CEC29F-4B23-4B58-A511-B488B9A97879}" type="datetimeFigureOut">
               <a:rPr lang="zh-CN" altLang="en-US" smtClean="0"/>
-              <a:t>2017/7/28</a:t>
+              <a:t>2017/10/18</a:t>
             </a:fld>
             <a:endParaRPr lang="zh-CN" altLang="en-US"/>
           </a:p>
@@ -486,7 +486,7 @@
           <p:cNvPr id="5" name="Footer Placeholder 4">
             <a:extLst>
               <a:ext uri="{FF2B5EF4-FFF2-40B4-BE49-F238E27FC236}">
-                <a16:creationId xmlns:a16="http://schemas.microsoft.com/office/drawing/2014/main" xmlns="" id="{380CBC57-50EF-4DC3-B3C4-9C51FB1A21B1}"/>
+                <a16:creationId xmlns="" xmlns:a16="http://schemas.microsoft.com/office/drawing/2014/main" id="{380CBC57-50EF-4DC3-B3C4-9C51FB1A21B1}"/>
               </a:ext>
             </a:extLst>
           </p:cNvPr>
@@ -511,7 +511,7 @@
           <p:cNvPr id="6" name="Slide Number Placeholder 5">
             <a:extLst>
               <a:ext uri="{FF2B5EF4-FFF2-40B4-BE49-F238E27FC236}">
-                <a16:creationId xmlns:a16="http://schemas.microsoft.com/office/drawing/2014/main" xmlns="" id="{4BE185E3-661A-497A-A857-7E0C3848E2FC}"/>
+                <a16:creationId xmlns="" xmlns:a16="http://schemas.microsoft.com/office/drawing/2014/main" id="{4BE185E3-661A-497A-A857-7E0C3848E2FC}"/>
               </a:ext>
             </a:extLst>
           </p:cNvPr>
@@ -570,7 +570,7 @@
           <p:cNvPr id="2" name="Vertical Title 1">
             <a:extLst>
               <a:ext uri="{FF2B5EF4-FFF2-40B4-BE49-F238E27FC236}">
-                <a16:creationId xmlns:a16="http://schemas.microsoft.com/office/drawing/2014/main" xmlns="" id="{38185D8B-4092-485C-A08D-F4C4BB7C4BE5}"/>
+                <a16:creationId xmlns="" xmlns:a16="http://schemas.microsoft.com/office/drawing/2014/main" id="{38185D8B-4092-485C-A08D-F4C4BB7C4BE5}"/>
               </a:ext>
             </a:extLst>
           </p:cNvPr>
@@ -604,7 +604,7 @@
           <p:cNvPr id="3" name="Vertical Text Placeholder 2">
             <a:extLst>
               <a:ext uri="{FF2B5EF4-FFF2-40B4-BE49-F238E27FC236}">
-                <a16:creationId xmlns:a16="http://schemas.microsoft.com/office/drawing/2014/main" xmlns="" id="{1E858840-306C-4E3C-A6A3-562C68355730}"/>
+                <a16:creationId xmlns="" xmlns:a16="http://schemas.microsoft.com/office/drawing/2014/main" id="{1E858840-306C-4E3C-A6A3-562C68355730}"/>
               </a:ext>
             </a:extLst>
           </p:cNvPr>
@@ -667,7 +667,7 @@
           <p:cNvPr id="4" name="Date Placeholder 3">
             <a:extLst>
               <a:ext uri="{FF2B5EF4-FFF2-40B4-BE49-F238E27FC236}">
-                <a16:creationId xmlns:a16="http://schemas.microsoft.com/office/drawing/2014/main" xmlns="" id="{77BEC104-511F-44EE-8C78-166766C0D7D6}"/>
+                <a16:creationId xmlns="" xmlns:a16="http://schemas.microsoft.com/office/drawing/2014/main" id="{77BEC104-511F-44EE-8C78-166766C0D7D6}"/>
               </a:ext>
             </a:extLst>
           </p:cNvPr>
@@ -685,7 +685,7 @@
           <a:p>
             <a:fld id="{28CEC29F-4B23-4B58-A511-B488B9A97879}" type="datetimeFigureOut">
               <a:rPr lang="zh-CN" altLang="en-US" smtClean="0"/>
-              <a:t>2017/7/28</a:t>
+              <a:t>2017/10/18</a:t>
             </a:fld>
             <a:endParaRPr lang="zh-CN" altLang="en-US"/>
           </a:p>
@@ -696,7 +696,7 @@
           <p:cNvPr id="5" name="Footer Placeholder 4">
             <a:extLst>
               <a:ext uri="{FF2B5EF4-FFF2-40B4-BE49-F238E27FC236}">
-                <a16:creationId xmlns:a16="http://schemas.microsoft.com/office/drawing/2014/main" xmlns="" id="{92A85BD9-7A63-4458-85CD-0C5E834CAB08}"/>
+                <a16:creationId xmlns="" xmlns:a16="http://schemas.microsoft.com/office/drawing/2014/main" id="{92A85BD9-7A63-4458-85CD-0C5E834CAB08}"/>
               </a:ext>
             </a:extLst>
           </p:cNvPr>
@@ -721,7 +721,7 @@
           <p:cNvPr id="6" name="Slide Number Placeholder 5">
             <a:extLst>
               <a:ext uri="{FF2B5EF4-FFF2-40B4-BE49-F238E27FC236}">
-                <a16:creationId xmlns:a16="http://schemas.microsoft.com/office/drawing/2014/main" xmlns="" id="{40A3B400-2265-457A-A573-D92D2B6C5A00}"/>
+                <a16:creationId xmlns="" xmlns:a16="http://schemas.microsoft.com/office/drawing/2014/main" id="{40A3B400-2265-457A-A573-D92D2B6C5A00}"/>
               </a:ext>
             </a:extLst>
           </p:cNvPr>
@@ -780,7 +780,7 @@
           <p:cNvPr id="2" name="Title 1">
             <a:extLst>
               <a:ext uri="{FF2B5EF4-FFF2-40B4-BE49-F238E27FC236}">
-                <a16:creationId xmlns:a16="http://schemas.microsoft.com/office/drawing/2014/main" xmlns="" id="{F5421E64-D888-436A-9D27-22CBA88D8407}"/>
+                <a16:creationId xmlns="" xmlns:a16="http://schemas.microsoft.com/office/drawing/2014/main" id="{F5421E64-D888-436A-9D27-22CBA88D8407}"/>
               </a:ext>
             </a:extLst>
           </p:cNvPr>
@@ -809,7 +809,7 @@
           <p:cNvPr id="3" name="Content Placeholder 2">
             <a:extLst>
               <a:ext uri="{FF2B5EF4-FFF2-40B4-BE49-F238E27FC236}">
-                <a16:creationId xmlns:a16="http://schemas.microsoft.com/office/drawing/2014/main" xmlns="" id="{7AD1B751-8DD9-4978-A827-596A57E95954}"/>
+                <a16:creationId xmlns="" xmlns:a16="http://schemas.microsoft.com/office/drawing/2014/main" id="{7AD1B751-8DD9-4978-A827-596A57E95954}"/>
               </a:ext>
             </a:extLst>
           </p:cNvPr>
@@ -867,7 +867,7 @@
           <p:cNvPr id="4" name="Date Placeholder 3">
             <a:extLst>
               <a:ext uri="{FF2B5EF4-FFF2-40B4-BE49-F238E27FC236}">
-                <a16:creationId xmlns:a16="http://schemas.microsoft.com/office/drawing/2014/main" xmlns="" id="{C97A56F8-1BFC-4287-ADE5-BE823EA25727}"/>
+                <a16:creationId xmlns="" xmlns:a16="http://schemas.microsoft.com/office/drawing/2014/main" id="{C97A56F8-1BFC-4287-ADE5-BE823EA25727}"/>
               </a:ext>
             </a:extLst>
           </p:cNvPr>
@@ -885,7 +885,7 @@
           <a:p>
             <a:fld id="{28CEC29F-4B23-4B58-A511-B488B9A97879}" type="datetimeFigureOut">
               <a:rPr lang="zh-CN" altLang="en-US" smtClean="0"/>
-              <a:t>2017/7/28</a:t>
+              <a:t>2017/10/18</a:t>
             </a:fld>
             <a:endParaRPr lang="zh-CN" altLang="en-US"/>
           </a:p>
@@ -896,7 +896,7 @@
           <p:cNvPr id="5" name="Footer Placeholder 4">
             <a:extLst>
               <a:ext uri="{FF2B5EF4-FFF2-40B4-BE49-F238E27FC236}">
-                <a16:creationId xmlns:a16="http://schemas.microsoft.com/office/drawing/2014/main" xmlns="" id="{24817AF5-80AF-4857-B545-52ABDA4E9F7E}"/>
+                <a16:creationId xmlns="" xmlns:a16="http://schemas.microsoft.com/office/drawing/2014/main" id="{24817AF5-80AF-4857-B545-52ABDA4E9F7E}"/>
               </a:ext>
             </a:extLst>
           </p:cNvPr>
@@ -921,7 +921,7 @@
           <p:cNvPr id="6" name="Slide Number Placeholder 5">
             <a:extLst>
               <a:ext uri="{FF2B5EF4-FFF2-40B4-BE49-F238E27FC236}">
-                <a16:creationId xmlns:a16="http://schemas.microsoft.com/office/drawing/2014/main" xmlns="" id="{A8969CB4-B22B-4FA8-B5CB-C506BD060641}"/>
+                <a16:creationId xmlns="" xmlns:a16="http://schemas.microsoft.com/office/drawing/2014/main" id="{A8969CB4-B22B-4FA8-B5CB-C506BD060641}"/>
               </a:ext>
             </a:extLst>
           </p:cNvPr>
@@ -980,7 +980,7 @@
           <p:cNvPr id="2" name="Title 1">
             <a:extLst>
               <a:ext uri="{FF2B5EF4-FFF2-40B4-BE49-F238E27FC236}">
-                <a16:creationId xmlns:a16="http://schemas.microsoft.com/office/drawing/2014/main" xmlns="" id="{95F84119-15D8-457B-B0FB-5E018423BCF2}"/>
+                <a16:creationId xmlns="" xmlns:a16="http://schemas.microsoft.com/office/drawing/2014/main" id="{95F84119-15D8-457B-B0FB-5E018423BCF2}"/>
               </a:ext>
             </a:extLst>
           </p:cNvPr>
@@ -1018,7 +1018,7 @@
           <p:cNvPr id="3" name="Text Placeholder 2">
             <a:extLst>
               <a:ext uri="{FF2B5EF4-FFF2-40B4-BE49-F238E27FC236}">
-                <a16:creationId xmlns:a16="http://schemas.microsoft.com/office/drawing/2014/main" xmlns="" id="{923E3244-8424-4475-B6B0-178B0593CC71}"/>
+                <a16:creationId xmlns="" xmlns:a16="http://schemas.microsoft.com/office/drawing/2014/main" id="{923E3244-8424-4475-B6B0-178B0593CC71}"/>
               </a:ext>
             </a:extLst>
           </p:cNvPr>
@@ -1143,7 +1143,7 @@
           <p:cNvPr id="4" name="Date Placeholder 3">
             <a:extLst>
               <a:ext uri="{FF2B5EF4-FFF2-40B4-BE49-F238E27FC236}">
-                <a16:creationId xmlns:a16="http://schemas.microsoft.com/office/drawing/2014/main" xmlns="" id="{A705FDA2-F3E9-4692-8383-40DFC177FC91}"/>
+                <a16:creationId xmlns="" xmlns:a16="http://schemas.microsoft.com/office/drawing/2014/main" id="{A705FDA2-F3E9-4692-8383-40DFC177FC91}"/>
               </a:ext>
             </a:extLst>
           </p:cNvPr>
@@ -1161,7 +1161,7 @@
           <a:p>
             <a:fld id="{28CEC29F-4B23-4B58-A511-B488B9A97879}" type="datetimeFigureOut">
               <a:rPr lang="zh-CN" altLang="en-US" smtClean="0"/>
-              <a:t>2017/7/28</a:t>
+              <a:t>2017/10/18</a:t>
             </a:fld>
             <a:endParaRPr lang="zh-CN" altLang="en-US"/>
           </a:p>
@@ -1172,7 +1172,7 @@
           <p:cNvPr id="5" name="Footer Placeholder 4">
             <a:extLst>
               <a:ext uri="{FF2B5EF4-FFF2-40B4-BE49-F238E27FC236}">
-                <a16:creationId xmlns:a16="http://schemas.microsoft.com/office/drawing/2014/main" xmlns="" id="{036C04AA-71B6-4B82-B1D6-A5460948956D}"/>
+                <a16:creationId xmlns="" xmlns:a16="http://schemas.microsoft.com/office/drawing/2014/main" id="{036C04AA-71B6-4B82-B1D6-A5460948956D}"/>
               </a:ext>
             </a:extLst>
           </p:cNvPr>
@@ -1197,7 +1197,7 @@
           <p:cNvPr id="6" name="Slide Number Placeholder 5">
             <a:extLst>
               <a:ext uri="{FF2B5EF4-FFF2-40B4-BE49-F238E27FC236}">
-                <a16:creationId xmlns:a16="http://schemas.microsoft.com/office/drawing/2014/main" xmlns="" id="{2BC555BD-7DB8-4409-AB78-6600583EBD0A}"/>
+                <a16:creationId xmlns="" xmlns:a16="http://schemas.microsoft.com/office/drawing/2014/main" id="{2BC555BD-7DB8-4409-AB78-6600583EBD0A}"/>
               </a:ext>
             </a:extLst>
           </p:cNvPr>
@@ -1256,7 +1256,7 @@
           <p:cNvPr id="2" name="Title 1">
             <a:extLst>
               <a:ext uri="{FF2B5EF4-FFF2-40B4-BE49-F238E27FC236}">
-                <a16:creationId xmlns:a16="http://schemas.microsoft.com/office/drawing/2014/main" xmlns="" id="{CFDE51A8-D135-4C23-98BF-0A58CDAD1AD8}"/>
+                <a16:creationId xmlns="" xmlns:a16="http://schemas.microsoft.com/office/drawing/2014/main" id="{CFDE51A8-D135-4C23-98BF-0A58CDAD1AD8}"/>
               </a:ext>
             </a:extLst>
           </p:cNvPr>
@@ -1285,7 +1285,7 @@
           <p:cNvPr id="3" name="Content Placeholder 2">
             <a:extLst>
               <a:ext uri="{FF2B5EF4-FFF2-40B4-BE49-F238E27FC236}">
-                <a16:creationId xmlns:a16="http://schemas.microsoft.com/office/drawing/2014/main" xmlns="" id="{43DE1461-A68F-48B9-AEF8-2B7A0475B5F5}"/>
+                <a16:creationId xmlns="" xmlns:a16="http://schemas.microsoft.com/office/drawing/2014/main" id="{43DE1461-A68F-48B9-AEF8-2B7A0475B5F5}"/>
               </a:ext>
             </a:extLst>
           </p:cNvPr>
@@ -1348,7 +1348,7 @@
           <p:cNvPr id="4" name="Content Placeholder 3">
             <a:extLst>
               <a:ext uri="{FF2B5EF4-FFF2-40B4-BE49-F238E27FC236}">
-                <a16:creationId xmlns:a16="http://schemas.microsoft.com/office/drawing/2014/main" xmlns="" id="{AFAEB23E-2CF7-44DD-ABA5-3C201C584D35}"/>
+                <a16:creationId xmlns="" xmlns:a16="http://schemas.microsoft.com/office/drawing/2014/main" id="{AFAEB23E-2CF7-44DD-ABA5-3C201C584D35}"/>
               </a:ext>
             </a:extLst>
           </p:cNvPr>
@@ -1411,7 +1411,7 @@
           <p:cNvPr id="5" name="Date Placeholder 4">
             <a:extLst>
               <a:ext uri="{FF2B5EF4-FFF2-40B4-BE49-F238E27FC236}">
-                <a16:creationId xmlns:a16="http://schemas.microsoft.com/office/drawing/2014/main" xmlns="" id="{AE2D1C40-EAA6-4829-B21D-C47218C3A0B9}"/>
+                <a16:creationId xmlns="" xmlns:a16="http://schemas.microsoft.com/office/drawing/2014/main" id="{AE2D1C40-EAA6-4829-B21D-C47218C3A0B9}"/>
               </a:ext>
             </a:extLst>
           </p:cNvPr>
@@ -1429,7 +1429,7 @@
           <a:p>
             <a:fld id="{28CEC29F-4B23-4B58-A511-B488B9A97879}" type="datetimeFigureOut">
               <a:rPr lang="zh-CN" altLang="en-US" smtClean="0"/>
-              <a:t>2017/7/28</a:t>
+              <a:t>2017/10/18</a:t>
             </a:fld>
             <a:endParaRPr lang="zh-CN" altLang="en-US"/>
           </a:p>
@@ -1440,7 +1440,7 @@
           <p:cNvPr id="6" name="Footer Placeholder 5">
             <a:extLst>
               <a:ext uri="{FF2B5EF4-FFF2-40B4-BE49-F238E27FC236}">
-                <a16:creationId xmlns:a16="http://schemas.microsoft.com/office/drawing/2014/main" xmlns="" id="{48A2C480-D165-473B-8D22-A8E8D16B0F00}"/>
+                <a16:creationId xmlns="" xmlns:a16="http://schemas.microsoft.com/office/drawing/2014/main" id="{48A2C480-D165-473B-8D22-A8E8D16B0F00}"/>
               </a:ext>
             </a:extLst>
           </p:cNvPr>
@@ -1465,7 +1465,7 @@
           <p:cNvPr id="7" name="Slide Number Placeholder 6">
             <a:extLst>
               <a:ext uri="{FF2B5EF4-FFF2-40B4-BE49-F238E27FC236}">
-                <a16:creationId xmlns:a16="http://schemas.microsoft.com/office/drawing/2014/main" xmlns="" id="{1D9957FE-AB03-4695-87C4-22BF3344F359}"/>
+                <a16:creationId xmlns="" xmlns:a16="http://schemas.microsoft.com/office/drawing/2014/main" id="{1D9957FE-AB03-4695-87C4-22BF3344F359}"/>
               </a:ext>
             </a:extLst>
           </p:cNvPr>
@@ -1524,7 +1524,7 @@
           <p:cNvPr id="2" name="Title 1">
             <a:extLst>
               <a:ext uri="{FF2B5EF4-FFF2-40B4-BE49-F238E27FC236}">
-                <a16:creationId xmlns:a16="http://schemas.microsoft.com/office/drawing/2014/main" xmlns="" id="{516E8653-AE2C-42C4-85BF-9E22A32355F2}"/>
+                <a16:creationId xmlns="" xmlns:a16="http://schemas.microsoft.com/office/drawing/2014/main" id="{516E8653-AE2C-42C4-85BF-9E22A32355F2}"/>
               </a:ext>
             </a:extLst>
           </p:cNvPr>
@@ -1558,7 +1558,7 @@
           <p:cNvPr id="3" name="Text Placeholder 2">
             <a:extLst>
               <a:ext uri="{FF2B5EF4-FFF2-40B4-BE49-F238E27FC236}">
-                <a16:creationId xmlns:a16="http://schemas.microsoft.com/office/drawing/2014/main" xmlns="" id="{51F7B730-C8A7-4335-8EC3-052F0D8AF7AC}"/>
+                <a16:creationId xmlns="" xmlns:a16="http://schemas.microsoft.com/office/drawing/2014/main" id="{51F7B730-C8A7-4335-8EC3-052F0D8AF7AC}"/>
               </a:ext>
             </a:extLst>
           </p:cNvPr>
@@ -1629,7 +1629,7 @@
           <p:cNvPr id="4" name="Content Placeholder 3">
             <a:extLst>
               <a:ext uri="{FF2B5EF4-FFF2-40B4-BE49-F238E27FC236}">
-                <a16:creationId xmlns:a16="http://schemas.microsoft.com/office/drawing/2014/main" xmlns="" id="{68C41B95-CA52-43B0-B719-0FB363D6DEB1}"/>
+                <a16:creationId xmlns="" xmlns:a16="http://schemas.microsoft.com/office/drawing/2014/main" id="{68C41B95-CA52-43B0-B719-0FB363D6DEB1}"/>
               </a:ext>
             </a:extLst>
           </p:cNvPr>
@@ -1692,7 +1692,7 @@
           <p:cNvPr id="5" name="Text Placeholder 4">
             <a:extLst>
               <a:ext uri="{FF2B5EF4-FFF2-40B4-BE49-F238E27FC236}">
-                <a16:creationId xmlns:a16="http://schemas.microsoft.com/office/drawing/2014/main" xmlns="" id="{A37E900C-BB72-4C7B-B7D1-F885DF92A38C}"/>
+                <a16:creationId xmlns="" xmlns:a16="http://schemas.microsoft.com/office/drawing/2014/main" id="{A37E900C-BB72-4C7B-B7D1-F885DF92A38C}"/>
               </a:ext>
             </a:extLst>
           </p:cNvPr>
@@ -1763,7 +1763,7 @@
           <p:cNvPr id="6" name="Content Placeholder 5">
             <a:extLst>
               <a:ext uri="{FF2B5EF4-FFF2-40B4-BE49-F238E27FC236}">
-                <a16:creationId xmlns:a16="http://schemas.microsoft.com/office/drawing/2014/main" xmlns="" id="{5ABCD83F-C802-48A3-8F38-F86432A22D4A}"/>
+                <a16:creationId xmlns="" xmlns:a16="http://schemas.microsoft.com/office/drawing/2014/main" id="{5ABCD83F-C802-48A3-8F38-F86432A22D4A}"/>
               </a:ext>
             </a:extLst>
           </p:cNvPr>
@@ -1826,7 +1826,7 @@
           <p:cNvPr id="7" name="Date Placeholder 6">
             <a:extLst>
               <a:ext uri="{FF2B5EF4-FFF2-40B4-BE49-F238E27FC236}">
-                <a16:creationId xmlns:a16="http://schemas.microsoft.com/office/drawing/2014/main" xmlns="" id="{6FDCEAD7-6F64-4CAE-B2FC-AD92C81B5A4C}"/>
+                <a16:creationId xmlns="" xmlns:a16="http://schemas.microsoft.com/office/drawing/2014/main" id="{6FDCEAD7-6F64-4CAE-B2FC-AD92C81B5A4C}"/>
               </a:ext>
             </a:extLst>
           </p:cNvPr>
@@ -1844,7 +1844,7 @@
           <a:p>
             <a:fld id="{28CEC29F-4B23-4B58-A511-B488B9A97879}" type="datetimeFigureOut">
               <a:rPr lang="zh-CN" altLang="en-US" smtClean="0"/>
-              <a:t>2017/7/28</a:t>
+              <a:t>2017/10/18</a:t>
             </a:fld>
             <a:endParaRPr lang="zh-CN" altLang="en-US"/>
           </a:p>
@@ -1855,7 +1855,7 @@
           <p:cNvPr id="8" name="Footer Placeholder 7">
             <a:extLst>
               <a:ext uri="{FF2B5EF4-FFF2-40B4-BE49-F238E27FC236}">
-                <a16:creationId xmlns:a16="http://schemas.microsoft.com/office/drawing/2014/main" xmlns="" id="{C2B6EA69-744D-4098-A256-5337A6838D65}"/>
+                <a16:creationId xmlns="" xmlns:a16="http://schemas.microsoft.com/office/drawing/2014/main" id="{C2B6EA69-744D-4098-A256-5337A6838D65}"/>
               </a:ext>
             </a:extLst>
           </p:cNvPr>
@@ -1880,7 +1880,7 @@
           <p:cNvPr id="9" name="Slide Number Placeholder 8">
             <a:extLst>
               <a:ext uri="{FF2B5EF4-FFF2-40B4-BE49-F238E27FC236}">
-                <a16:creationId xmlns:a16="http://schemas.microsoft.com/office/drawing/2014/main" xmlns="" id="{0D5EE82F-A90B-491E-B122-B57E32B8D7EF}"/>
+                <a16:creationId xmlns="" xmlns:a16="http://schemas.microsoft.com/office/drawing/2014/main" id="{0D5EE82F-A90B-491E-B122-B57E32B8D7EF}"/>
               </a:ext>
             </a:extLst>
           </p:cNvPr>
@@ -1939,7 +1939,7 @@
           <p:cNvPr id="2" name="Title 1">
             <a:extLst>
               <a:ext uri="{FF2B5EF4-FFF2-40B4-BE49-F238E27FC236}">
-                <a16:creationId xmlns:a16="http://schemas.microsoft.com/office/drawing/2014/main" xmlns="" id="{B51E28B3-BC3E-46E9-A58D-09F613B1B889}"/>
+                <a16:creationId xmlns="" xmlns:a16="http://schemas.microsoft.com/office/drawing/2014/main" id="{B51E28B3-BC3E-46E9-A58D-09F613B1B889}"/>
               </a:ext>
             </a:extLst>
           </p:cNvPr>
@@ -1968,7 +1968,7 @@
           <p:cNvPr id="3" name="Date Placeholder 2">
             <a:extLst>
               <a:ext uri="{FF2B5EF4-FFF2-40B4-BE49-F238E27FC236}">
-                <a16:creationId xmlns:a16="http://schemas.microsoft.com/office/drawing/2014/main" xmlns="" id="{2F3181C9-D3CC-4858-AFD6-432E6825C8B7}"/>
+                <a16:creationId xmlns="" xmlns:a16="http://schemas.microsoft.com/office/drawing/2014/main" id="{2F3181C9-D3CC-4858-AFD6-432E6825C8B7}"/>
               </a:ext>
             </a:extLst>
           </p:cNvPr>
@@ -1986,7 +1986,7 @@
           <a:p>
             <a:fld id="{28CEC29F-4B23-4B58-A511-B488B9A97879}" type="datetimeFigureOut">
               <a:rPr lang="zh-CN" altLang="en-US" smtClean="0"/>
-              <a:t>2017/7/28</a:t>
+              <a:t>2017/10/18</a:t>
             </a:fld>
             <a:endParaRPr lang="zh-CN" altLang="en-US"/>
           </a:p>
@@ -1997,7 +1997,7 @@
           <p:cNvPr id="4" name="Footer Placeholder 3">
             <a:extLst>
               <a:ext uri="{FF2B5EF4-FFF2-40B4-BE49-F238E27FC236}">
-                <a16:creationId xmlns:a16="http://schemas.microsoft.com/office/drawing/2014/main" xmlns="" id="{57F4266B-084A-477B-A7E2-13DCF8B7F104}"/>
+                <a16:creationId xmlns="" xmlns:a16="http://schemas.microsoft.com/office/drawing/2014/main" id="{57F4266B-084A-477B-A7E2-13DCF8B7F104}"/>
               </a:ext>
             </a:extLst>
           </p:cNvPr>
@@ -2022,7 +2022,7 @@
           <p:cNvPr id="5" name="Slide Number Placeholder 4">
             <a:extLst>
               <a:ext uri="{FF2B5EF4-FFF2-40B4-BE49-F238E27FC236}">
-                <a16:creationId xmlns:a16="http://schemas.microsoft.com/office/drawing/2014/main" xmlns="" id="{1DDB911C-24AF-4C68-8FE7-1792C03B83AA}"/>
+                <a16:creationId xmlns="" xmlns:a16="http://schemas.microsoft.com/office/drawing/2014/main" id="{1DDB911C-24AF-4C68-8FE7-1792C03B83AA}"/>
               </a:ext>
             </a:extLst>
           </p:cNvPr>
@@ -2081,7 +2081,7 @@
           <p:cNvPr id="2" name="Date Placeholder 1">
             <a:extLst>
               <a:ext uri="{FF2B5EF4-FFF2-40B4-BE49-F238E27FC236}">
-                <a16:creationId xmlns:a16="http://schemas.microsoft.com/office/drawing/2014/main" xmlns="" id="{A18EF031-625B-498D-B8D4-242062790169}"/>
+                <a16:creationId xmlns="" xmlns:a16="http://schemas.microsoft.com/office/drawing/2014/main" id="{A18EF031-625B-498D-B8D4-242062790169}"/>
               </a:ext>
             </a:extLst>
           </p:cNvPr>
@@ -2099,7 +2099,7 @@
           <a:p>
             <a:fld id="{28CEC29F-4B23-4B58-A511-B488B9A97879}" type="datetimeFigureOut">
               <a:rPr lang="zh-CN" altLang="en-US" smtClean="0"/>
-              <a:t>2017/7/28</a:t>
+              <a:t>2017/10/18</a:t>
             </a:fld>
             <a:endParaRPr lang="zh-CN" altLang="en-US"/>
           </a:p>
@@ -2110,7 +2110,7 @@
           <p:cNvPr id="3" name="Footer Placeholder 2">
             <a:extLst>
               <a:ext uri="{FF2B5EF4-FFF2-40B4-BE49-F238E27FC236}">
-                <a16:creationId xmlns:a16="http://schemas.microsoft.com/office/drawing/2014/main" xmlns="" id="{3EAF3BB1-84A7-4F0C-B50D-FC13C4E7D915}"/>
+                <a16:creationId xmlns="" xmlns:a16="http://schemas.microsoft.com/office/drawing/2014/main" id="{3EAF3BB1-84A7-4F0C-B50D-FC13C4E7D915}"/>
               </a:ext>
             </a:extLst>
           </p:cNvPr>
@@ -2135,7 +2135,7 @@
           <p:cNvPr id="4" name="Slide Number Placeholder 3">
             <a:extLst>
               <a:ext uri="{FF2B5EF4-FFF2-40B4-BE49-F238E27FC236}">
-                <a16:creationId xmlns:a16="http://schemas.microsoft.com/office/drawing/2014/main" xmlns="" id="{18AB711B-8084-47FD-9F26-E0CF9F5DC2F0}"/>
+                <a16:creationId xmlns="" xmlns:a16="http://schemas.microsoft.com/office/drawing/2014/main" id="{18AB711B-8084-47FD-9F26-E0CF9F5DC2F0}"/>
               </a:ext>
             </a:extLst>
           </p:cNvPr>
@@ -2194,7 +2194,7 @@
           <p:cNvPr id="2" name="Title 1">
             <a:extLst>
               <a:ext uri="{FF2B5EF4-FFF2-40B4-BE49-F238E27FC236}">
-                <a16:creationId xmlns:a16="http://schemas.microsoft.com/office/drawing/2014/main" xmlns="" id="{79C16187-5F6E-48F4-B590-D577FE88F923}"/>
+                <a16:creationId xmlns="" xmlns:a16="http://schemas.microsoft.com/office/drawing/2014/main" id="{79C16187-5F6E-48F4-B590-D577FE88F923}"/>
               </a:ext>
             </a:extLst>
           </p:cNvPr>
@@ -2232,7 +2232,7 @@
           <p:cNvPr id="3" name="Content Placeholder 2">
             <a:extLst>
               <a:ext uri="{FF2B5EF4-FFF2-40B4-BE49-F238E27FC236}">
-                <a16:creationId xmlns:a16="http://schemas.microsoft.com/office/drawing/2014/main" xmlns="" id="{2BE10C2D-53F1-449A-9835-541780F73B08}"/>
+                <a16:creationId xmlns="" xmlns:a16="http://schemas.microsoft.com/office/drawing/2014/main" id="{2BE10C2D-53F1-449A-9835-541780F73B08}"/>
               </a:ext>
             </a:extLst>
           </p:cNvPr>
@@ -2323,7 +2323,7 @@
           <p:cNvPr id="4" name="Text Placeholder 3">
             <a:extLst>
               <a:ext uri="{FF2B5EF4-FFF2-40B4-BE49-F238E27FC236}">
-                <a16:creationId xmlns:a16="http://schemas.microsoft.com/office/drawing/2014/main" xmlns="" id="{B3019F80-3DE6-4987-889E-21F002ADE6E3}"/>
+                <a16:creationId xmlns="" xmlns:a16="http://schemas.microsoft.com/office/drawing/2014/main" id="{B3019F80-3DE6-4987-889E-21F002ADE6E3}"/>
               </a:ext>
             </a:extLst>
           </p:cNvPr>
@@ -2394,7 +2394,7 @@
           <p:cNvPr id="5" name="Date Placeholder 4">
             <a:extLst>
               <a:ext uri="{FF2B5EF4-FFF2-40B4-BE49-F238E27FC236}">
-                <a16:creationId xmlns:a16="http://schemas.microsoft.com/office/drawing/2014/main" xmlns="" id="{EA6C3599-3C8D-48AB-B3C7-7E74004E6E22}"/>
+                <a16:creationId xmlns="" xmlns:a16="http://schemas.microsoft.com/office/drawing/2014/main" id="{EA6C3599-3C8D-48AB-B3C7-7E74004E6E22}"/>
               </a:ext>
             </a:extLst>
           </p:cNvPr>
@@ -2412,7 +2412,7 @@
           <a:p>
             <a:fld id="{28CEC29F-4B23-4B58-A511-B488B9A97879}" type="datetimeFigureOut">
               <a:rPr lang="zh-CN" altLang="en-US" smtClean="0"/>
-              <a:t>2017/7/28</a:t>
+              <a:t>2017/10/18</a:t>
             </a:fld>
             <a:endParaRPr lang="zh-CN" altLang="en-US"/>
           </a:p>
@@ -2423,7 +2423,7 @@
           <p:cNvPr id="6" name="Footer Placeholder 5">
             <a:extLst>
               <a:ext uri="{FF2B5EF4-FFF2-40B4-BE49-F238E27FC236}">
-                <a16:creationId xmlns:a16="http://schemas.microsoft.com/office/drawing/2014/main" xmlns="" id="{3C617F1B-ACAB-4A10-9B6B-746B956BDC2B}"/>
+                <a16:creationId xmlns="" xmlns:a16="http://schemas.microsoft.com/office/drawing/2014/main" id="{3C617F1B-ACAB-4A10-9B6B-746B956BDC2B}"/>
               </a:ext>
             </a:extLst>
           </p:cNvPr>
@@ -2448,7 +2448,7 @@
           <p:cNvPr id="7" name="Slide Number Placeholder 6">
             <a:extLst>
               <a:ext uri="{FF2B5EF4-FFF2-40B4-BE49-F238E27FC236}">
-                <a16:creationId xmlns:a16="http://schemas.microsoft.com/office/drawing/2014/main" xmlns="" id="{9503C266-CF03-4ECD-AD20-8126374375E8}"/>
+                <a16:creationId xmlns="" xmlns:a16="http://schemas.microsoft.com/office/drawing/2014/main" id="{9503C266-CF03-4ECD-AD20-8126374375E8}"/>
               </a:ext>
             </a:extLst>
           </p:cNvPr>
@@ -2507,7 +2507,7 @@
           <p:cNvPr id="2" name="Title 1">
             <a:extLst>
               <a:ext uri="{FF2B5EF4-FFF2-40B4-BE49-F238E27FC236}">
-                <a16:creationId xmlns:a16="http://schemas.microsoft.com/office/drawing/2014/main" xmlns="" id="{4DCB0060-CA18-49B0-A373-386C29015D97}"/>
+                <a16:creationId xmlns="" xmlns:a16="http://schemas.microsoft.com/office/drawing/2014/main" id="{4DCB0060-CA18-49B0-A373-386C29015D97}"/>
               </a:ext>
             </a:extLst>
           </p:cNvPr>
@@ -2545,7 +2545,7 @@
           <p:cNvPr id="3" name="Picture Placeholder 2">
             <a:extLst>
               <a:ext uri="{FF2B5EF4-FFF2-40B4-BE49-F238E27FC236}">
-                <a16:creationId xmlns:a16="http://schemas.microsoft.com/office/drawing/2014/main" xmlns="" id="{33966810-DEEC-4E4C-A2BA-04EAAC133F1B}"/>
+                <a16:creationId xmlns="" xmlns:a16="http://schemas.microsoft.com/office/drawing/2014/main" id="{33966810-DEEC-4E4C-A2BA-04EAAC133F1B}"/>
               </a:ext>
             </a:extLst>
           </p:cNvPr>
@@ -2612,7 +2612,7 @@
           <p:cNvPr id="4" name="Text Placeholder 3">
             <a:extLst>
               <a:ext uri="{FF2B5EF4-FFF2-40B4-BE49-F238E27FC236}">
-                <a16:creationId xmlns:a16="http://schemas.microsoft.com/office/drawing/2014/main" xmlns="" id="{58D35E9D-D682-4F66-91F4-B5B96D8E4284}"/>
+                <a16:creationId xmlns="" xmlns:a16="http://schemas.microsoft.com/office/drawing/2014/main" id="{58D35E9D-D682-4F66-91F4-B5B96D8E4284}"/>
               </a:ext>
             </a:extLst>
           </p:cNvPr>
@@ -2683,7 +2683,7 @@
           <p:cNvPr id="5" name="Date Placeholder 4">
             <a:extLst>
               <a:ext uri="{FF2B5EF4-FFF2-40B4-BE49-F238E27FC236}">
-                <a16:creationId xmlns:a16="http://schemas.microsoft.com/office/drawing/2014/main" xmlns="" id="{EDB7CFBE-6EBD-4530-AFB3-B3DF2998E61B}"/>
+                <a16:creationId xmlns="" xmlns:a16="http://schemas.microsoft.com/office/drawing/2014/main" id="{EDB7CFBE-6EBD-4530-AFB3-B3DF2998E61B}"/>
               </a:ext>
             </a:extLst>
           </p:cNvPr>
@@ -2701,7 +2701,7 @@
           <a:p>
             <a:fld id="{28CEC29F-4B23-4B58-A511-B488B9A97879}" type="datetimeFigureOut">
               <a:rPr lang="zh-CN" altLang="en-US" smtClean="0"/>
-              <a:t>2017/7/28</a:t>
+              <a:t>2017/10/18</a:t>
             </a:fld>
             <a:endParaRPr lang="zh-CN" altLang="en-US"/>
           </a:p>
@@ -2712,7 +2712,7 @@
           <p:cNvPr id="6" name="Footer Placeholder 5">
             <a:extLst>
               <a:ext uri="{FF2B5EF4-FFF2-40B4-BE49-F238E27FC236}">
-                <a16:creationId xmlns:a16="http://schemas.microsoft.com/office/drawing/2014/main" xmlns="" id="{632A8B2F-2D6F-4AA1-BF43-E613C5A15C4B}"/>
+                <a16:creationId xmlns="" xmlns:a16="http://schemas.microsoft.com/office/drawing/2014/main" id="{632A8B2F-2D6F-4AA1-BF43-E613C5A15C4B}"/>
               </a:ext>
             </a:extLst>
           </p:cNvPr>
@@ -2737,7 +2737,7 @@
           <p:cNvPr id="7" name="Slide Number Placeholder 6">
             <a:extLst>
               <a:ext uri="{FF2B5EF4-FFF2-40B4-BE49-F238E27FC236}">
-                <a16:creationId xmlns:a16="http://schemas.microsoft.com/office/drawing/2014/main" xmlns="" id="{19A9C0F2-6FD7-41DF-8B45-BF65BFC8B829}"/>
+                <a16:creationId xmlns="" xmlns:a16="http://schemas.microsoft.com/office/drawing/2014/main" id="{19A9C0F2-6FD7-41DF-8B45-BF65BFC8B829}"/>
               </a:ext>
             </a:extLst>
           </p:cNvPr>
@@ -2804,7 +2804,7 @@
           <p:cNvPr id="2" name="Title Placeholder 1">
             <a:extLst>
               <a:ext uri="{FF2B5EF4-FFF2-40B4-BE49-F238E27FC236}">
-                <a16:creationId xmlns:a16="http://schemas.microsoft.com/office/drawing/2014/main" xmlns="" id="{ADE0F7D7-6830-466A-A518-C8756616D96E}"/>
+                <a16:creationId xmlns="" xmlns:a16="http://schemas.microsoft.com/office/drawing/2014/main" id="{ADE0F7D7-6830-466A-A518-C8756616D96E}"/>
               </a:ext>
             </a:extLst>
           </p:cNvPr>
@@ -2843,7 +2843,7 @@
           <p:cNvPr id="3" name="Text Placeholder 2">
             <a:extLst>
               <a:ext uri="{FF2B5EF4-FFF2-40B4-BE49-F238E27FC236}">
-                <a16:creationId xmlns:a16="http://schemas.microsoft.com/office/drawing/2014/main" xmlns="" id="{590EFAC6-59A7-46E4-B345-2E5B3E1ECFD0}"/>
+                <a16:creationId xmlns="" xmlns:a16="http://schemas.microsoft.com/office/drawing/2014/main" id="{590EFAC6-59A7-46E4-B345-2E5B3E1ECFD0}"/>
               </a:ext>
             </a:extLst>
           </p:cNvPr>
@@ -2911,7 +2911,7 @@
           <p:cNvPr id="4" name="Date Placeholder 3">
             <a:extLst>
               <a:ext uri="{FF2B5EF4-FFF2-40B4-BE49-F238E27FC236}">
-                <a16:creationId xmlns:a16="http://schemas.microsoft.com/office/drawing/2014/main" xmlns="" id="{3E48ED92-83DD-4CCB-9DD1-05EC20BA5F3D}"/>
+                <a16:creationId xmlns="" xmlns:a16="http://schemas.microsoft.com/office/drawing/2014/main" id="{3E48ED92-83DD-4CCB-9DD1-05EC20BA5F3D}"/>
               </a:ext>
             </a:extLst>
           </p:cNvPr>
@@ -2947,7 +2947,7 @@
           <a:p>
             <a:fld id="{28CEC29F-4B23-4B58-A511-B488B9A97879}" type="datetimeFigureOut">
               <a:rPr lang="zh-CN" altLang="en-US" smtClean="0"/>
-              <a:t>2017/7/28</a:t>
+              <a:t>2017/10/18</a:t>
             </a:fld>
             <a:endParaRPr lang="zh-CN" altLang="en-US"/>
           </a:p>
@@ -2958,7 +2958,7 @@
           <p:cNvPr id="5" name="Footer Placeholder 4">
             <a:extLst>
               <a:ext uri="{FF2B5EF4-FFF2-40B4-BE49-F238E27FC236}">
-                <a16:creationId xmlns:a16="http://schemas.microsoft.com/office/drawing/2014/main" xmlns="" id="{E6DA5770-D0E8-4987-9A7C-808B0AE49C76}"/>
+                <a16:creationId xmlns="" xmlns:a16="http://schemas.microsoft.com/office/drawing/2014/main" id="{E6DA5770-D0E8-4987-9A7C-808B0AE49C76}"/>
               </a:ext>
             </a:extLst>
           </p:cNvPr>
@@ -3001,7 +3001,7 @@
           <p:cNvPr id="6" name="Slide Number Placeholder 5">
             <a:extLst>
               <a:ext uri="{FF2B5EF4-FFF2-40B4-BE49-F238E27FC236}">
-                <a16:creationId xmlns:a16="http://schemas.microsoft.com/office/drawing/2014/main" xmlns="" id="{23B941C0-5A80-4820-8DEC-2B85AC8D6556}"/>
+                <a16:creationId xmlns="" xmlns:a16="http://schemas.microsoft.com/office/drawing/2014/main" id="{23B941C0-5A80-4820-8DEC-2B85AC8D6556}"/>
               </a:ext>
             </a:extLst>
           </p:cNvPr>
@@ -3369,7 +3369,7 @@
           <p:cNvPr id="2" name="Title 1">
             <a:extLst>
               <a:ext uri="{FF2B5EF4-FFF2-40B4-BE49-F238E27FC236}">
-                <a16:creationId xmlns:a16="http://schemas.microsoft.com/office/drawing/2014/main" xmlns="" id="{ADDC5375-CE02-4A6D-BDEB-689CA3A31589}"/>
+                <a16:creationId xmlns="" xmlns:a16="http://schemas.microsoft.com/office/drawing/2014/main" id="{ADDC5375-CE02-4A6D-BDEB-689CA3A31589}"/>
               </a:ext>
             </a:extLst>
           </p:cNvPr>
@@ -3433,7 +3433,7 @@
           <p:cNvPr id="3" name="Subtitle 2">
             <a:extLst>
               <a:ext uri="{FF2B5EF4-FFF2-40B4-BE49-F238E27FC236}">
-                <a16:creationId xmlns:a16="http://schemas.microsoft.com/office/drawing/2014/main" xmlns="" id="{3966C0AA-F93A-490B-AE55-FFB8DD74C254}"/>
+                <a16:creationId xmlns="" xmlns:a16="http://schemas.microsoft.com/office/drawing/2014/main" id="{3966C0AA-F93A-490B-AE55-FFB8DD74C254}"/>
               </a:ext>
             </a:extLst>
           </p:cNvPr>
@@ -3567,7 +3567,7 @@
           <p:cNvPr id="5" name="Title 1">
             <a:extLst>
               <a:ext uri="{FF2B5EF4-FFF2-40B4-BE49-F238E27FC236}">
-                <a16:creationId xmlns:a16="http://schemas.microsoft.com/office/drawing/2014/main" xmlns="" id="{ADDC5375-CE02-4A6D-BDEB-689CA3A31589}"/>
+                <a16:creationId xmlns="" xmlns:a16="http://schemas.microsoft.com/office/drawing/2014/main" id="{ADDC5375-CE02-4A6D-BDEB-689CA3A31589}"/>
               </a:ext>
             </a:extLst>
           </p:cNvPr>
@@ -3762,11 +3762,6 @@
               </a:rPr>
               <a:t>https://www.socialexplorer.com/</a:t>
             </a:r>
-            <a:endParaRPr lang="en-US" dirty="0">
-              <a:solidFill>
-                <a:srgbClr val="0070C0"/>
-              </a:solidFill>
-            </a:endParaRPr>
           </a:p>
         </p:txBody>
       </p:sp>
@@ -3883,7 +3878,7 @@
           <p:cNvPr id="5" name="Title 1">
             <a:extLst>
               <a:ext uri="{FF2B5EF4-FFF2-40B4-BE49-F238E27FC236}">
-                <a16:creationId xmlns:a16="http://schemas.microsoft.com/office/drawing/2014/main" xmlns="" id="{ADDC5375-CE02-4A6D-BDEB-689CA3A31589}"/>
+                <a16:creationId xmlns="" xmlns:a16="http://schemas.microsoft.com/office/drawing/2014/main" id="{ADDC5375-CE02-4A6D-BDEB-689CA3A31589}"/>
               </a:ext>
             </a:extLst>
           </p:cNvPr>
@@ -4134,7 +4129,7 @@
           <p:cNvPr id="6" name="Title 1">
             <a:extLst>
               <a:ext uri="{FF2B5EF4-FFF2-40B4-BE49-F238E27FC236}">
-                <a16:creationId xmlns:a16="http://schemas.microsoft.com/office/drawing/2014/main" xmlns="" id="{ADDC5375-CE02-4A6D-BDEB-689CA3A31589}"/>
+                <a16:creationId xmlns="" xmlns:a16="http://schemas.microsoft.com/office/drawing/2014/main" id="{ADDC5375-CE02-4A6D-BDEB-689CA3A31589}"/>
               </a:ext>
             </a:extLst>
           </p:cNvPr>
@@ -4317,7 +4312,7 @@
           <p:cNvPr id="5" name="Title 1">
             <a:extLst>
               <a:ext uri="{FF2B5EF4-FFF2-40B4-BE49-F238E27FC236}">
-                <a16:creationId xmlns:a16="http://schemas.microsoft.com/office/drawing/2014/main" xmlns="" id="{ADDC5375-CE02-4A6D-BDEB-689CA3A31589}"/>
+                <a16:creationId xmlns="" xmlns:a16="http://schemas.microsoft.com/office/drawing/2014/main" id="{ADDC5375-CE02-4A6D-BDEB-689CA3A31589}"/>
               </a:ext>
             </a:extLst>
           </p:cNvPr>
@@ -4450,11 +4445,6 @@
               </a:rPr>
               <a:t>https://www.mapbox.com/bites/00224/</a:t>
             </a:r>
-            <a:endParaRPr lang="en-US" dirty="0">
-              <a:solidFill>
-                <a:srgbClr val="0070C0"/>
-              </a:solidFill>
-            </a:endParaRPr>
           </a:p>
         </p:txBody>
       </p:sp>
@@ -4596,11 +4586,6 @@
               </a:rPr>
               <a:t>https://lavamap.com/property/46-East-7th-Street-New-York-NY-10003/1004620022-0</a:t>
             </a:r>
-            <a:endParaRPr lang="en-US" dirty="0">
-              <a:solidFill>
-                <a:srgbClr val="0070C0"/>
-              </a:solidFill>
-            </a:endParaRPr>
           </a:p>
         </p:txBody>
       </p:sp>
@@ -4730,7 +4715,7 @@
           <p:cNvPr id="5" name="Title 1">
             <a:extLst>
               <a:ext uri="{FF2B5EF4-FFF2-40B4-BE49-F238E27FC236}">
-                <a16:creationId xmlns:a16="http://schemas.microsoft.com/office/drawing/2014/main" xmlns="" id="{ADDC5375-CE02-4A6D-BDEB-689CA3A31589}"/>
+                <a16:creationId xmlns="" xmlns:a16="http://schemas.microsoft.com/office/drawing/2014/main" id="{ADDC5375-CE02-4A6D-BDEB-689CA3A31589}"/>
               </a:ext>
             </a:extLst>
           </p:cNvPr>
@@ -4822,7 +4807,7 @@
           <p:cNvPr id="5" name="Title 1">
             <a:extLst>
               <a:ext uri="{FF2B5EF4-FFF2-40B4-BE49-F238E27FC236}">
-                <a16:creationId xmlns:a16="http://schemas.microsoft.com/office/drawing/2014/main" xmlns="" id="{ADDC5375-CE02-4A6D-BDEB-689CA3A31589}"/>
+                <a16:creationId xmlns="" xmlns:a16="http://schemas.microsoft.com/office/drawing/2014/main" id="{ADDC5375-CE02-4A6D-BDEB-689CA3A31589}"/>
               </a:ext>
             </a:extLst>
           </p:cNvPr>
@@ -4932,7 +4917,7 @@
           <p:cNvPr id="4" name="Rectangle: Rounded Corners 3">
             <a:extLst>
               <a:ext uri="{FF2B5EF4-FFF2-40B4-BE49-F238E27FC236}">
-                <a16:creationId xmlns:a16="http://schemas.microsoft.com/office/drawing/2014/main" xmlns="" id="{7AE6D3E8-429A-4DBC-8186-66C97006A05C}"/>
+                <a16:creationId xmlns="" xmlns:a16="http://schemas.microsoft.com/office/drawing/2014/main" id="{7AE6D3E8-429A-4DBC-8186-66C97006A05C}"/>
               </a:ext>
             </a:extLst>
           </p:cNvPr>
@@ -4994,7 +4979,7 @@
           <p:cNvPr id="5" name="Rectangle: Rounded Corners 4">
             <a:extLst>
               <a:ext uri="{FF2B5EF4-FFF2-40B4-BE49-F238E27FC236}">
-                <a16:creationId xmlns:a16="http://schemas.microsoft.com/office/drawing/2014/main" xmlns="" id="{1C29E29A-B106-4624-8F79-E2513BCDB066}"/>
+                <a16:creationId xmlns="" xmlns:a16="http://schemas.microsoft.com/office/drawing/2014/main" id="{1C29E29A-B106-4624-8F79-E2513BCDB066}"/>
               </a:ext>
             </a:extLst>
           </p:cNvPr>
@@ -5056,7 +5041,7 @@
           <p:cNvPr id="8" name="Straight Connector 7">
             <a:extLst>
               <a:ext uri="{FF2B5EF4-FFF2-40B4-BE49-F238E27FC236}">
-                <a16:creationId xmlns:a16="http://schemas.microsoft.com/office/drawing/2014/main" xmlns="" id="{8AB7AB37-5E71-4790-9163-6E2D8F06C5D2}"/>
+                <a16:creationId xmlns="" xmlns:a16="http://schemas.microsoft.com/office/drawing/2014/main" id="{8AB7AB37-5E71-4790-9163-6E2D8F06C5D2}"/>
               </a:ext>
             </a:extLst>
           </p:cNvPr>
@@ -5103,7 +5088,7 @@
           <p:cNvPr id="9" name="Rectangle: Rounded Corners 8">
             <a:extLst>
               <a:ext uri="{FF2B5EF4-FFF2-40B4-BE49-F238E27FC236}">
-                <a16:creationId xmlns:a16="http://schemas.microsoft.com/office/drawing/2014/main" xmlns="" id="{34D76A11-4FE5-4354-AC0D-0B4C5928A35D}"/>
+                <a16:creationId xmlns="" xmlns:a16="http://schemas.microsoft.com/office/drawing/2014/main" id="{34D76A11-4FE5-4354-AC0D-0B4C5928A35D}"/>
               </a:ext>
             </a:extLst>
           </p:cNvPr>
@@ -5171,7 +5156,7 @@
           <p:cNvPr id="11" name="Title 1">
             <a:extLst>
               <a:ext uri="{FF2B5EF4-FFF2-40B4-BE49-F238E27FC236}">
-                <a16:creationId xmlns:a16="http://schemas.microsoft.com/office/drawing/2014/main" xmlns="" id="{19349C77-5D66-4769-8D49-C3950C04267F}"/>
+                <a16:creationId xmlns="" xmlns:a16="http://schemas.microsoft.com/office/drawing/2014/main" id="{19349C77-5D66-4769-8D49-C3950C04267F}"/>
               </a:ext>
             </a:extLst>
           </p:cNvPr>
@@ -5239,7 +5224,7 @@
           <p:cNvPr id="13" name="Rectangle: Rounded Corners 12">
             <a:extLst>
               <a:ext uri="{FF2B5EF4-FFF2-40B4-BE49-F238E27FC236}">
-                <a16:creationId xmlns:a16="http://schemas.microsoft.com/office/drawing/2014/main" xmlns="" id="{A4384464-3997-4DC6-B88B-C88D7ECD0F93}"/>
+                <a16:creationId xmlns="" xmlns:a16="http://schemas.microsoft.com/office/drawing/2014/main" id="{A4384464-3997-4DC6-B88B-C88D7ECD0F93}"/>
               </a:ext>
             </a:extLst>
           </p:cNvPr>
@@ -5301,7 +5286,7 @@
           <p:cNvPr id="14" name="Rectangle: Rounded Corners 13">
             <a:extLst>
               <a:ext uri="{FF2B5EF4-FFF2-40B4-BE49-F238E27FC236}">
-                <a16:creationId xmlns:a16="http://schemas.microsoft.com/office/drawing/2014/main" xmlns="" id="{5AB64382-4D54-4A20-985E-F85D6B4A85F3}"/>
+                <a16:creationId xmlns="" xmlns:a16="http://schemas.microsoft.com/office/drawing/2014/main" id="{5AB64382-4D54-4A20-985E-F85D6B4A85F3}"/>
               </a:ext>
             </a:extLst>
           </p:cNvPr>
@@ -5364,7 +5349,7 @@
           <p:cNvPr id="15" name="Rectangle: Rounded Corners 14">
             <a:extLst>
               <a:ext uri="{FF2B5EF4-FFF2-40B4-BE49-F238E27FC236}">
-                <a16:creationId xmlns:a16="http://schemas.microsoft.com/office/drawing/2014/main" xmlns="" id="{955330A8-4B39-4E27-9FE5-32642B1CCDDB}"/>
+                <a16:creationId xmlns="" xmlns:a16="http://schemas.microsoft.com/office/drawing/2014/main" id="{955330A8-4B39-4E27-9FE5-32642B1CCDDB}"/>
               </a:ext>
             </a:extLst>
           </p:cNvPr>
@@ -5426,7 +5411,7 @@
           <p:cNvPr id="18" name="Straight Connector 17">
             <a:extLst>
               <a:ext uri="{FF2B5EF4-FFF2-40B4-BE49-F238E27FC236}">
-                <a16:creationId xmlns:a16="http://schemas.microsoft.com/office/drawing/2014/main" xmlns="" id="{EA42D686-110F-4639-A0AB-2E0A96A5365C}"/>
+                <a16:creationId xmlns="" xmlns:a16="http://schemas.microsoft.com/office/drawing/2014/main" id="{EA42D686-110F-4639-A0AB-2E0A96A5365C}"/>
               </a:ext>
             </a:extLst>
           </p:cNvPr>
@@ -5473,7 +5458,7 @@
           <p:cNvPr id="20" name="Title 1">
             <a:extLst>
               <a:ext uri="{FF2B5EF4-FFF2-40B4-BE49-F238E27FC236}">
-                <a16:creationId xmlns:a16="http://schemas.microsoft.com/office/drawing/2014/main" xmlns="" id="{2C468AAE-A447-49A8-8C28-230BDAE26D13}"/>
+                <a16:creationId xmlns="" xmlns:a16="http://schemas.microsoft.com/office/drawing/2014/main" id="{2C468AAE-A447-49A8-8C28-230BDAE26D13}"/>
               </a:ext>
             </a:extLst>
           </p:cNvPr>
@@ -5557,7 +5542,7 @@
           <p:cNvPr id="23" name="Straight Connector 22">
             <a:extLst>
               <a:ext uri="{FF2B5EF4-FFF2-40B4-BE49-F238E27FC236}">
-                <a16:creationId xmlns:a16="http://schemas.microsoft.com/office/drawing/2014/main" xmlns="" id="{7E10A8ED-5CF3-44AA-93B0-6083B56F5BCE}"/>
+                <a16:creationId xmlns="" xmlns:a16="http://schemas.microsoft.com/office/drawing/2014/main" id="{7E10A8ED-5CF3-44AA-93B0-6083B56F5BCE}"/>
               </a:ext>
             </a:extLst>
           </p:cNvPr>
@@ -5604,7 +5589,7 @@
           <p:cNvPr id="25" name="Title 1">
             <a:extLst>
               <a:ext uri="{FF2B5EF4-FFF2-40B4-BE49-F238E27FC236}">
-                <a16:creationId xmlns:a16="http://schemas.microsoft.com/office/drawing/2014/main" xmlns="" id="{110E16D8-6FC5-4D1B-B102-30F7497A62EE}"/>
+                <a16:creationId xmlns="" xmlns:a16="http://schemas.microsoft.com/office/drawing/2014/main" id="{110E16D8-6FC5-4D1B-B102-30F7497A62EE}"/>
               </a:ext>
             </a:extLst>
           </p:cNvPr>
@@ -5684,7 +5669,7 @@
           <p:cNvPr id="42" name="Straight Connector 41">
             <a:extLst>
               <a:ext uri="{FF2B5EF4-FFF2-40B4-BE49-F238E27FC236}">
-                <a16:creationId xmlns:a16="http://schemas.microsoft.com/office/drawing/2014/main" xmlns="" id="{3375B066-8289-4792-B281-6D9D7ACE5F6D}"/>
+                <a16:creationId xmlns="" xmlns:a16="http://schemas.microsoft.com/office/drawing/2014/main" id="{3375B066-8289-4792-B281-6D9D7ACE5F6D}"/>
               </a:ext>
             </a:extLst>
           </p:cNvPr>
@@ -5731,7 +5716,7 @@
           <p:cNvPr id="46" name="Straight Connector 45">
             <a:extLst>
               <a:ext uri="{FF2B5EF4-FFF2-40B4-BE49-F238E27FC236}">
-                <a16:creationId xmlns:a16="http://schemas.microsoft.com/office/drawing/2014/main" xmlns="" id="{D223C2CE-78B5-4C3C-86AD-E0953AD4A1AD}"/>
+                <a16:creationId xmlns="" xmlns:a16="http://schemas.microsoft.com/office/drawing/2014/main" id="{D223C2CE-78B5-4C3C-86AD-E0953AD4A1AD}"/>
               </a:ext>
             </a:extLst>
           </p:cNvPr>
@@ -5778,7 +5763,7 @@
           <p:cNvPr id="62" name="Rectangle: Rounded Corners 61">
             <a:extLst>
               <a:ext uri="{FF2B5EF4-FFF2-40B4-BE49-F238E27FC236}">
-                <a16:creationId xmlns:a16="http://schemas.microsoft.com/office/drawing/2014/main" xmlns="" id="{E3D4FE25-5F4C-4FF5-A3AB-5D9E0304B0EB}"/>
+                <a16:creationId xmlns="" xmlns:a16="http://schemas.microsoft.com/office/drawing/2014/main" id="{E3D4FE25-5F4C-4FF5-A3AB-5D9E0304B0EB}"/>
               </a:ext>
             </a:extLst>
           </p:cNvPr>
@@ -5840,7 +5825,7 @@
           <p:cNvPr id="63" name="Straight Connector 62">
             <a:extLst>
               <a:ext uri="{FF2B5EF4-FFF2-40B4-BE49-F238E27FC236}">
-                <a16:creationId xmlns:a16="http://schemas.microsoft.com/office/drawing/2014/main" xmlns="" id="{B0BFD3EA-DDF7-4CA9-8296-3A4C72115579}"/>
+                <a16:creationId xmlns="" xmlns:a16="http://schemas.microsoft.com/office/drawing/2014/main" id="{B0BFD3EA-DDF7-4CA9-8296-3A4C72115579}"/>
               </a:ext>
             </a:extLst>
           </p:cNvPr>
@@ -5917,7 +5902,7 @@
           <p:cNvPr id="4" name="Rectangle: Rounded Corners 3">
             <a:extLst>
               <a:ext uri="{FF2B5EF4-FFF2-40B4-BE49-F238E27FC236}">
-                <a16:creationId xmlns:a16="http://schemas.microsoft.com/office/drawing/2014/main" xmlns="" id="{7AE6D3E8-429A-4DBC-8186-66C97006A05C}"/>
+                <a16:creationId xmlns="" xmlns:a16="http://schemas.microsoft.com/office/drawing/2014/main" id="{7AE6D3E8-429A-4DBC-8186-66C97006A05C}"/>
               </a:ext>
             </a:extLst>
           </p:cNvPr>
@@ -5985,7 +5970,7 @@
           <p:cNvPr id="5" name="Straight Connector 4">
             <a:extLst>
               <a:ext uri="{FF2B5EF4-FFF2-40B4-BE49-F238E27FC236}">
-                <a16:creationId xmlns:a16="http://schemas.microsoft.com/office/drawing/2014/main" xmlns="" id="{8AB7AB37-5E71-4790-9163-6E2D8F06C5D2}"/>
+                <a16:creationId xmlns="" xmlns:a16="http://schemas.microsoft.com/office/drawing/2014/main" id="{8AB7AB37-5E71-4790-9163-6E2D8F06C5D2}"/>
               </a:ext>
             </a:extLst>
           </p:cNvPr>
@@ -6072,7 +6057,7 @@
           <p:cNvPr id="9" name="Straight Connector 8">
             <a:extLst>
               <a:ext uri="{FF2B5EF4-FFF2-40B4-BE49-F238E27FC236}">
-                <a16:creationId xmlns:a16="http://schemas.microsoft.com/office/drawing/2014/main" xmlns="" id="{8AB7AB37-5E71-4790-9163-6E2D8F06C5D2}"/>
+                <a16:creationId xmlns="" xmlns:a16="http://schemas.microsoft.com/office/drawing/2014/main" id="{8AB7AB37-5E71-4790-9163-6E2D8F06C5D2}"/>
               </a:ext>
             </a:extLst>
           </p:cNvPr>
@@ -6118,7 +6103,7 @@
           <p:cNvPr id="11" name="Straight Connector 10">
             <a:extLst>
               <a:ext uri="{FF2B5EF4-FFF2-40B4-BE49-F238E27FC236}">
-                <a16:creationId xmlns:a16="http://schemas.microsoft.com/office/drawing/2014/main" xmlns="" id="{8AB7AB37-5E71-4790-9163-6E2D8F06C5D2}"/>
+                <a16:creationId xmlns="" xmlns:a16="http://schemas.microsoft.com/office/drawing/2014/main" id="{8AB7AB37-5E71-4790-9163-6E2D8F06C5D2}"/>
               </a:ext>
             </a:extLst>
           </p:cNvPr>
@@ -6164,7 +6149,7 @@
           <p:cNvPr id="14" name="Rectangle: Rounded Corners 3">
             <a:extLst>
               <a:ext uri="{FF2B5EF4-FFF2-40B4-BE49-F238E27FC236}">
-                <a16:creationId xmlns:a16="http://schemas.microsoft.com/office/drawing/2014/main" xmlns="" id="{7AE6D3E8-429A-4DBC-8186-66C97006A05C}"/>
+                <a16:creationId xmlns="" xmlns:a16="http://schemas.microsoft.com/office/drawing/2014/main" id="{7AE6D3E8-429A-4DBC-8186-66C97006A05C}"/>
               </a:ext>
             </a:extLst>
           </p:cNvPr>
@@ -6226,7 +6211,7 @@
           <p:cNvPr id="15" name="Rectangle: Rounded Corners 3">
             <a:extLst>
               <a:ext uri="{FF2B5EF4-FFF2-40B4-BE49-F238E27FC236}">
-                <a16:creationId xmlns:a16="http://schemas.microsoft.com/office/drawing/2014/main" xmlns="" id="{7AE6D3E8-429A-4DBC-8186-66C97006A05C}"/>
+                <a16:creationId xmlns="" xmlns:a16="http://schemas.microsoft.com/office/drawing/2014/main" id="{7AE6D3E8-429A-4DBC-8186-66C97006A05C}"/>
               </a:ext>
             </a:extLst>
           </p:cNvPr>
@@ -6288,7 +6273,7 @@
           <p:cNvPr id="16" name="Rectangle: Rounded Corners 3">
             <a:extLst>
               <a:ext uri="{FF2B5EF4-FFF2-40B4-BE49-F238E27FC236}">
-                <a16:creationId xmlns:a16="http://schemas.microsoft.com/office/drawing/2014/main" xmlns="" id="{7AE6D3E8-429A-4DBC-8186-66C97006A05C}"/>
+                <a16:creationId xmlns="" xmlns:a16="http://schemas.microsoft.com/office/drawing/2014/main" id="{7AE6D3E8-429A-4DBC-8186-66C97006A05C}"/>
               </a:ext>
             </a:extLst>
           </p:cNvPr>
@@ -6350,7 +6335,7 @@
           <p:cNvPr id="17" name="Rectangle: Rounded Corners 3">
             <a:extLst>
               <a:ext uri="{FF2B5EF4-FFF2-40B4-BE49-F238E27FC236}">
-                <a16:creationId xmlns:a16="http://schemas.microsoft.com/office/drawing/2014/main" xmlns="" id="{7AE6D3E8-429A-4DBC-8186-66C97006A05C}"/>
+                <a16:creationId xmlns="" xmlns:a16="http://schemas.microsoft.com/office/drawing/2014/main" id="{7AE6D3E8-429A-4DBC-8186-66C97006A05C}"/>
               </a:ext>
             </a:extLst>
           </p:cNvPr>
@@ -6412,7 +6397,7 @@
           <p:cNvPr id="18" name="Rectangle: Rounded Corners 3">
             <a:extLst>
               <a:ext uri="{FF2B5EF4-FFF2-40B4-BE49-F238E27FC236}">
-                <a16:creationId xmlns:a16="http://schemas.microsoft.com/office/drawing/2014/main" xmlns="" id="{7AE6D3E8-429A-4DBC-8186-66C97006A05C}"/>
+                <a16:creationId xmlns="" xmlns:a16="http://schemas.microsoft.com/office/drawing/2014/main" id="{7AE6D3E8-429A-4DBC-8186-66C97006A05C}"/>
               </a:ext>
             </a:extLst>
           </p:cNvPr>
@@ -6515,7 +6500,7 @@
           <p:cNvPr id="19" name="Rectangle: Rounded Corners 3">
             <a:extLst>
               <a:ext uri="{FF2B5EF4-FFF2-40B4-BE49-F238E27FC236}">
-                <a16:creationId xmlns:a16="http://schemas.microsoft.com/office/drawing/2014/main" xmlns="" id="{7AE6D3E8-429A-4DBC-8186-66C97006A05C}"/>
+                <a16:creationId xmlns="" xmlns:a16="http://schemas.microsoft.com/office/drawing/2014/main" id="{7AE6D3E8-429A-4DBC-8186-66C97006A05C}"/>
               </a:ext>
             </a:extLst>
           </p:cNvPr>
@@ -6577,7 +6562,7 @@
           <p:cNvPr id="20" name="Straight Connector 19">
             <a:extLst>
               <a:ext uri="{FF2B5EF4-FFF2-40B4-BE49-F238E27FC236}">
-                <a16:creationId xmlns:a16="http://schemas.microsoft.com/office/drawing/2014/main" xmlns="" id="{8AB7AB37-5E71-4790-9163-6E2D8F06C5D2}"/>
+                <a16:creationId xmlns="" xmlns:a16="http://schemas.microsoft.com/office/drawing/2014/main" id="{8AB7AB37-5E71-4790-9163-6E2D8F06C5D2}"/>
               </a:ext>
             </a:extLst>
           </p:cNvPr>
@@ -6624,7 +6609,7 @@
           <p:cNvPr id="24" name="Straight Connector 23">
             <a:extLst>
               <a:ext uri="{FF2B5EF4-FFF2-40B4-BE49-F238E27FC236}">
-                <a16:creationId xmlns:a16="http://schemas.microsoft.com/office/drawing/2014/main" xmlns="" id="{8AB7AB37-5E71-4790-9163-6E2D8F06C5D2}"/>
+                <a16:creationId xmlns="" xmlns:a16="http://schemas.microsoft.com/office/drawing/2014/main" id="{8AB7AB37-5E71-4790-9163-6E2D8F06C5D2}"/>
               </a:ext>
             </a:extLst>
           </p:cNvPr>
@@ -6671,7 +6656,7 @@
           <p:cNvPr id="27" name="Straight Connector 26">
             <a:extLst>
               <a:ext uri="{FF2B5EF4-FFF2-40B4-BE49-F238E27FC236}">
-                <a16:creationId xmlns:a16="http://schemas.microsoft.com/office/drawing/2014/main" xmlns="" id="{8AB7AB37-5E71-4790-9163-6E2D8F06C5D2}"/>
+                <a16:creationId xmlns="" xmlns:a16="http://schemas.microsoft.com/office/drawing/2014/main" id="{8AB7AB37-5E71-4790-9163-6E2D8F06C5D2}"/>
               </a:ext>
             </a:extLst>
           </p:cNvPr>
@@ -6748,7 +6733,7 @@
           <p:cNvPr id="75" name="Rectangle: Rounded Corners 3">
             <a:extLst>
               <a:ext uri="{FF2B5EF4-FFF2-40B4-BE49-F238E27FC236}">
-                <a16:creationId xmlns:a16="http://schemas.microsoft.com/office/drawing/2014/main" xmlns="" id="{7AE6D3E8-429A-4DBC-8186-66C97006A05C}"/>
+                <a16:creationId xmlns="" xmlns:a16="http://schemas.microsoft.com/office/drawing/2014/main" id="{7AE6D3E8-429A-4DBC-8186-66C97006A05C}"/>
               </a:ext>
             </a:extLst>
           </p:cNvPr>
@@ -6820,7 +6805,7 @@
           <p:cNvPr id="5" name="Straight Connector 4">
             <a:extLst>
               <a:ext uri="{FF2B5EF4-FFF2-40B4-BE49-F238E27FC236}">
-                <a16:creationId xmlns:a16="http://schemas.microsoft.com/office/drawing/2014/main" xmlns="" id="{8AB7AB37-5E71-4790-9163-6E2D8F06C5D2}"/>
+                <a16:creationId xmlns="" xmlns:a16="http://schemas.microsoft.com/office/drawing/2014/main" id="{8AB7AB37-5E71-4790-9163-6E2D8F06C5D2}"/>
               </a:ext>
             </a:extLst>
           </p:cNvPr>
@@ -6909,7 +6894,7 @@
           <p:cNvPr id="14" name="Rectangle: Rounded Corners 3">
             <a:extLst>
               <a:ext uri="{FF2B5EF4-FFF2-40B4-BE49-F238E27FC236}">
-                <a16:creationId xmlns:a16="http://schemas.microsoft.com/office/drawing/2014/main" xmlns="" id="{7AE6D3E8-429A-4DBC-8186-66C97006A05C}"/>
+                <a16:creationId xmlns="" xmlns:a16="http://schemas.microsoft.com/office/drawing/2014/main" id="{7AE6D3E8-429A-4DBC-8186-66C97006A05C}"/>
               </a:ext>
             </a:extLst>
           </p:cNvPr>
@@ -6981,7 +6966,7 @@
           <p:cNvPr id="23" name="Rectangle: Rounded Corners 3">
             <a:extLst>
               <a:ext uri="{FF2B5EF4-FFF2-40B4-BE49-F238E27FC236}">
-                <a16:creationId xmlns:a16="http://schemas.microsoft.com/office/drawing/2014/main" xmlns="" id="{7AE6D3E8-429A-4DBC-8186-66C97006A05C}"/>
+                <a16:creationId xmlns="" xmlns:a16="http://schemas.microsoft.com/office/drawing/2014/main" id="{7AE6D3E8-429A-4DBC-8186-66C97006A05C}"/>
               </a:ext>
             </a:extLst>
           </p:cNvPr>
@@ -7053,7 +7038,7 @@
           <p:cNvPr id="25" name="Rectangle: Rounded Corners 3">
             <a:extLst>
               <a:ext uri="{FF2B5EF4-FFF2-40B4-BE49-F238E27FC236}">
-                <a16:creationId xmlns:a16="http://schemas.microsoft.com/office/drawing/2014/main" xmlns="" id="{7AE6D3E8-429A-4DBC-8186-66C97006A05C}"/>
+                <a16:creationId xmlns="" xmlns:a16="http://schemas.microsoft.com/office/drawing/2014/main" id="{7AE6D3E8-429A-4DBC-8186-66C97006A05C}"/>
               </a:ext>
             </a:extLst>
           </p:cNvPr>
@@ -7189,7 +7174,7 @@
           <p:cNvPr id="28" name="Rectangle: Rounded Corners 3">
             <a:extLst>
               <a:ext uri="{FF2B5EF4-FFF2-40B4-BE49-F238E27FC236}">
-                <a16:creationId xmlns:a16="http://schemas.microsoft.com/office/drawing/2014/main" xmlns="" id="{7AE6D3E8-429A-4DBC-8186-66C97006A05C}"/>
+                <a16:creationId xmlns="" xmlns:a16="http://schemas.microsoft.com/office/drawing/2014/main" id="{7AE6D3E8-429A-4DBC-8186-66C97006A05C}"/>
               </a:ext>
             </a:extLst>
           </p:cNvPr>
@@ -7290,7 +7275,7 @@
           <p:cNvPr id="30" name="Rectangle: Rounded Corners 3">
             <a:extLst>
               <a:ext uri="{FF2B5EF4-FFF2-40B4-BE49-F238E27FC236}">
-                <a16:creationId xmlns:a16="http://schemas.microsoft.com/office/drawing/2014/main" xmlns="" id="{7AE6D3E8-429A-4DBC-8186-66C97006A05C}"/>
+                <a16:creationId xmlns="" xmlns:a16="http://schemas.microsoft.com/office/drawing/2014/main" id="{7AE6D3E8-429A-4DBC-8186-66C97006A05C}"/>
               </a:ext>
             </a:extLst>
           </p:cNvPr>
@@ -7441,7 +7426,7 @@
           <p:cNvPr id="47" name="Rectangle: Rounded Corners 3">
             <a:extLst>
               <a:ext uri="{FF2B5EF4-FFF2-40B4-BE49-F238E27FC236}">
-                <a16:creationId xmlns:a16="http://schemas.microsoft.com/office/drawing/2014/main" xmlns="" id="{7AE6D3E8-429A-4DBC-8186-66C97006A05C}"/>
+                <a16:creationId xmlns="" xmlns:a16="http://schemas.microsoft.com/office/drawing/2014/main" id="{7AE6D3E8-429A-4DBC-8186-66C97006A05C}"/>
               </a:ext>
             </a:extLst>
           </p:cNvPr>
@@ -7559,7 +7544,7 @@
           <p:cNvPr id="64" name="Straight Connector 63">
             <a:extLst>
               <a:ext uri="{FF2B5EF4-FFF2-40B4-BE49-F238E27FC236}">
-                <a16:creationId xmlns:a16="http://schemas.microsoft.com/office/drawing/2014/main" xmlns="" id="{8AB7AB37-5E71-4790-9163-6E2D8F06C5D2}"/>
+                <a16:creationId xmlns="" xmlns:a16="http://schemas.microsoft.com/office/drawing/2014/main" id="{8AB7AB37-5E71-4790-9163-6E2D8F06C5D2}"/>
               </a:ext>
             </a:extLst>
           </p:cNvPr>
@@ -7606,7 +7591,7 @@
           <p:cNvPr id="80" name="Rectangle: Rounded Corners 3">
             <a:extLst>
               <a:ext uri="{FF2B5EF4-FFF2-40B4-BE49-F238E27FC236}">
-                <a16:creationId xmlns:a16="http://schemas.microsoft.com/office/drawing/2014/main" xmlns="" id="{7AE6D3E8-429A-4DBC-8186-66C97006A05C}"/>
+                <a16:creationId xmlns="" xmlns:a16="http://schemas.microsoft.com/office/drawing/2014/main" id="{7AE6D3E8-429A-4DBC-8186-66C97006A05C}"/>
               </a:ext>
             </a:extLst>
           </p:cNvPr>
@@ -7678,7 +7663,7 @@
           <p:cNvPr id="81" name="Straight Connector 80">
             <a:extLst>
               <a:ext uri="{FF2B5EF4-FFF2-40B4-BE49-F238E27FC236}">
-                <a16:creationId xmlns:a16="http://schemas.microsoft.com/office/drawing/2014/main" xmlns="" id="{8AB7AB37-5E71-4790-9163-6E2D8F06C5D2}"/>
+                <a16:creationId xmlns="" xmlns:a16="http://schemas.microsoft.com/office/drawing/2014/main" id="{8AB7AB37-5E71-4790-9163-6E2D8F06C5D2}"/>
               </a:ext>
             </a:extLst>
           </p:cNvPr>
@@ -7725,7 +7710,7 @@
           <p:cNvPr id="85" name="Rectangle: Rounded Corners 3">
             <a:extLst>
               <a:ext uri="{FF2B5EF4-FFF2-40B4-BE49-F238E27FC236}">
-                <a16:creationId xmlns:a16="http://schemas.microsoft.com/office/drawing/2014/main" xmlns="" id="{7AE6D3E8-429A-4DBC-8186-66C97006A05C}"/>
+                <a16:creationId xmlns="" xmlns:a16="http://schemas.microsoft.com/office/drawing/2014/main" id="{7AE6D3E8-429A-4DBC-8186-66C97006A05C}"/>
               </a:ext>
             </a:extLst>
           </p:cNvPr>
@@ -7797,7 +7782,7 @@
           <p:cNvPr id="86" name="Straight Connector 85">
             <a:extLst>
               <a:ext uri="{FF2B5EF4-FFF2-40B4-BE49-F238E27FC236}">
-                <a16:creationId xmlns:a16="http://schemas.microsoft.com/office/drawing/2014/main" xmlns="" id="{8AB7AB37-5E71-4790-9163-6E2D8F06C5D2}"/>
+                <a16:creationId xmlns="" xmlns:a16="http://schemas.microsoft.com/office/drawing/2014/main" id="{8AB7AB37-5E71-4790-9163-6E2D8F06C5D2}"/>
               </a:ext>
             </a:extLst>
           </p:cNvPr>
@@ -7844,7 +7829,7 @@
           <p:cNvPr id="100" name="Straight Connector 99">
             <a:extLst>
               <a:ext uri="{FF2B5EF4-FFF2-40B4-BE49-F238E27FC236}">
-                <a16:creationId xmlns:a16="http://schemas.microsoft.com/office/drawing/2014/main" xmlns="" id="{8AB7AB37-5E71-4790-9163-6E2D8F06C5D2}"/>
+                <a16:creationId xmlns="" xmlns:a16="http://schemas.microsoft.com/office/drawing/2014/main" id="{8AB7AB37-5E71-4790-9163-6E2D8F06C5D2}"/>
               </a:ext>
             </a:extLst>
           </p:cNvPr>
@@ -7891,7 +7876,7 @@
           <p:cNvPr id="102" name="Rectangle: Rounded Corners 3">
             <a:extLst>
               <a:ext uri="{FF2B5EF4-FFF2-40B4-BE49-F238E27FC236}">
-                <a16:creationId xmlns:a16="http://schemas.microsoft.com/office/drawing/2014/main" xmlns="" id="{7AE6D3E8-429A-4DBC-8186-66C97006A05C}"/>
+                <a16:creationId xmlns="" xmlns:a16="http://schemas.microsoft.com/office/drawing/2014/main" id="{7AE6D3E8-429A-4DBC-8186-66C97006A05C}"/>
               </a:ext>
             </a:extLst>
           </p:cNvPr>
@@ -7963,7 +7948,7 @@
           <p:cNvPr id="103" name="Straight Connector 102">
             <a:extLst>
               <a:ext uri="{FF2B5EF4-FFF2-40B4-BE49-F238E27FC236}">
-                <a16:creationId xmlns:a16="http://schemas.microsoft.com/office/drawing/2014/main" xmlns="" id="{8AB7AB37-5E71-4790-9163-6E2D8F06C5D2}"/>
+                <a16:creationId xmlns="" xmlns:a16="http://schemas.microsoft.com/office/drawing/2014/main" id="{8AB7AB37-5E71-4790-9163-6E2D8F06C5D2}"/>
               </a:ext>
             </a:extLst>
           </p:cNvPr>
@@ -8160,7 +8145,7 @@
           <p:cNvPr id="113" name="Straight Connector 112">
             <a:extLst>
               <a:ext uri="{FF2B5EF4-FFF2-40B4-BE49-F238E27FC236}">
-                <a16:creationId xmlns:a16="http://schemas.microsoft.com/office/drawing/2014/main" xmlns="" id="{8AB7AB37-5E71-4790-9163-6E2D8F06C5D2}"/>
+                <a16:creationId xmlns="" xmlns:a16="http://schemas.microsoft.com/office/drawing/2014/main" id="{8AB7AB37-5E71-4790-9163-6E2D8F06C5D2}"/>
               </a:ext>
             </a:extLst>
           </p:cNvPr>
@@ -8453,7 +8438,7 @@
           <p:cNvPr id="14" name="Rectangle: Rounded Corners 3">
             <a:extLst>
               <a:ext uri="{FF2B5EF4-FFF2-40B4-BE49-F238E27FC236}">
-                <a16:creationId xmlns:a16="http://schemas.microsoft.com/office/drawing/2014/main" xmlns="" id="{7AE6D3E8-429A-4DBC-8186-66C97006A05C}"/>
+                <a16:creationId xmlns="" xmlns:a16="http://schemas.microsoft.com/office/drawing/2014/main" id="{7AE6D3E8-429A-4DBC-8186-66C97006A05C}"/>
               </a:ext>
             </a:extLst>
           </p:cNvPr>
@@ -8687,7 +8672,7 @@
           <p:cNvPr id="42" name="Straight Connector 41">
             <a:extLst>
               <a:ext uri="{FF2B5EF4-FFF2-40B4-BE49-F238E27FC236}">
-                <a16:creationId xmlns:a16="http://schemas.microsoft.com/office/drawing/2014/main" xmlns="" id="{8AB7AB37-5E71-4790-9163-6E2D8F06C5D2}"/>
+                <a16:creationId xmlns="" xmlns:a16="http://schemas.microsoft.com/office/drawing/2014/main" id="{8AB7AB37-5E71-4790-9163-6E2D8F06C5D2}"/>
               </a:ext>
             </a:extLst>
           </p:cNvPr>
@@ -8732,7 +8717,7 @@
           <p:cNvPr id="58" name="Straight Connector 57">
             <a:extLst>
               <a:ext uri="{FF2B5EF4-FFF2-40B4-BE49-F238E27FC236}">
-                <a16:creationId xmlns:a16="http://schemas.microsoft.com/office/drawing/2014/main" xmlns="" id="{8AB7AB37-5E71-4790-9163-6E2D8F06C5D2}"/>
+                <a16:creationId xmlns="" xmlns:a16="http://schemas.microsoft.com/office/drawing/2014/main" id="{8AB7AB37-5E71-4790-9163-6E2D8F06C5D2}"/>
               </a:ext>
             </a:extLst>
           </p:cNvPr>
@@ -8931,7 +8916,7 @@
           <p:cNvPr id="77" name="Rectangle: Rounded Corners 3">
             <a:extLst>
               <a:ext uri="{FF2B5EF4-FFF2-40B4-BE49-F238E27FC236}">
-                <a16:creationId xmlns:a16="http://schemas.microsoft.com/office/drawing/2014/main" xmlns="" id="{7AE6D3E8-429A-4DBC-8186-66C97006A05C}"/>
+                <a16:creationId xmlns="" xmlns:a16="http://schemas.microsoft.com/office/drawing/2014/main" id="{7AE6D3E8-429A-4DBC-8186-66C97006A05C}"/>
               </a:ext>
             </a:extLst>
           </p:cNvPr>
@@ -9003,7 +8988,7 @@
           <p:cNvPr id="78" name="Straight Connector 77">
             <a:extLst>
               <a:ext uri="{FF2B5EF4-FFF2-40B4-BE49-F238E27FC236}">
-                <a16:creationId xmlns:a16="http://schemas.microsoft.com/office/drawing/2014/main" xmlns="" id="{8AB7AB37-5E71-4790-9163-6E2D8F06C5D2}"/>
+                <a16:creationId xmlns="" xmlns:a16="http://schemas.microsoft.com/office/drawing/2014/main" id="{8AB7AB37-5E71-4790-9163-6E2D8F06C5D2}"/>
               </a:ext>
             </a:extLst>
           </p:cNvPr>
@@ -9050,7 +9035,7 @@
           <p:cNvPr id="79" name="Rectangle: Rounded Corners 3">
             <a:extLst>
               <a:ext uri="{FF2B5EF4-FFF2-40B4-BE49-F238E27FC236}">
-                <a16:creationId xmlns:a16="http://schemas.microsoft.com/office/drawing/2014/main" xmlns="" id="{7AE6D3E8-429A-4DBC-8186-66C97006A05C}"/>
+                <a16:creationId xmlns="" xmlns:a16="http://schemas.microsoft.com/office/drawing/2014/main" id="{7AE6D3E8-429A-4DBC-8186-66C97006A05C}"/>
               </a:ext>
             </a:extLst>
           </p:cNvPr>
@@ -9122,7 +9107,7 @@
           <p:cNvPr id="82" name="Rectangle: Rounded Corners 3">
             <a:extLst>
               <a:ext uri="{FF2B5EF4-FFF2-40B4-BE49-F238E27FC236}">
-                <a16:creationId xmlns:a16="http://schemas.microsoft.com/office/drawing/2014/main" xmlns="" id="{7AE6D3E8-429A-4DBC-8186-66C97006A05C}"/>
+                <a16:creationId xmlns="" xmlns:a16="http://schemas.microsoft.com/office/drawing/2014/main" id="{7AE6D3E8-429A-4DBC-8186-66C97006A05C}"/>
               </a:ext>
             </a:extLst>
           </p:cNvPr>
@@ -9222,7 +9207,7 @@
           <p:cNvPr id="84" name="Rectangle: Rounded Corners 3">
             <a:extLst>
               <a:ext uri="{FF2B5EF4-FFF2-40B4-BE49-F238E27FC236}">
-                <a16:creationId xmlns:a16="http://schemas.microsoft.com/office/drawing/2014/main" xmlns="" id="{7AE6D3E8-429A-4DBC-8186-66C97006A05C}"/>
+                <a16:creationId xmlns="" xmlns:a16="http://schemas.microsoft.com/office/drawing/2014/main" id="{7AE6D3E8-429A-4DBC-8186-66C97006A05C}"/>
               </a:ext>
             </a:extLst>
           </p:cNvPr>
@@ -9323,7 +9308,7 @@
           <p:cNvPr id="88" name="Rectangle: Rounded Corners 3">
             <a:extLst>
               <a:ext uri="{FF2B5EF4-FFF2-40B4-BE49-F238E27FC236}">
-                <a16:creationId xmlns:a16="http://schemas.microsoft.com/office/drawing/2014/main" xmlns="" id="{7AE6D3E8-429A-4DBC-8186-66C97006A05C}"/>
+                <a16:creationId xmlns="" xmlns:a16="http://schemas.microsoft.com/office/drawing/2014/main" id="{7AE6D3E8-429A-4DBC-8186-66C97006A05C}"/>
               </a:ext>
             </a:extLst>
           </p:cNvPr>
@@ -9426,7 +9411,7 @@
           <p:cNvPr id="90" name="Rectangle: Rounded Corners 3">
             <a:extLst>
               <a:ext uri="{FF2B5EF4-FFF2-40B4-BE49-F238E27FC236}">
-                <a16:creationId xmlns:a16="http://schemas.microsoft.com/office/drawing/2014/main" xmlns="" id="{7AE6D3E8-429A-4DBC-8186-66C97006A05C}"/>
+                <a16:creationId xmlns="" xmlns:a16="http://schemas.microsoft.com/office/drawing/2014/main" id="{7AE6D3E8-429A-4DBC-8186-66C97006A05C}"/>
               </a:ext>
             </a:extLst>
           </p:cNvPr>
@@ -9544,7 +9529,7 @@
           <p:cNvPr id="92" name="Straight Connector 91">
             <a:extLst>
               <a:ext uri="{FF2B5EF4-FFF2-40B4-BE49-F238E27FC236}">
-                <a16:creationId xmlns:a16="http://schemas.microsoft.com/office/drawing/2014/main" xmlns="" id="{8AB7AB37-5E71-4790-9163-6E2D8F06C5D2}"/>
+                <a16:creationId xmlns="" xmlns:a16="http://schemas.microsoft.com/office/drawing/2014/main" id="{8AB7AB37-5E71-4790-9163-6E2D8F06C5D2}"/>
               </a:ext>
             </a:extLst>
           </p:cNvPr>
@@ -9591,7 +9576,7 @@
           <p:cNvPr id="93" name="Rectangle: Rounded Corners 3">
             <a:extLst>
               <a:ext uri="{FF2B5EF4-FFF2-40B4-BE49-F238E27FC236}">
-                <a16:creationId xmlns:a16="http://schemas.microsoft.com/office/drawing/2014/main" xmlns="" id="{7AE6D3E8-429A-4DBC-8186-66C97006A05C}"/>
+                <a16:creationId xmlns="" xmlns:a16="http://schemas.microsoft.com/office/drawing/2014/main" id="{7AE6D3E8-429A-4DBC-8186-66C97006A05C}"/>
               </a:ext>
             </a:extLst>
           </p:cNvPr>
@@ -9663,7 +9648,7 @@
           <p:cNvPr id="94" name="Straight Connector 93">
             <a:extLst>
               <a:ext uri="{FF2B5EF4-FFF2-40B4-BE49-F238E27FC236}">
-                <a16:creationId xmlns:a16="http://schemas.microsoft.com/office/drawing/2014/main" xmlns="" id="{8AB7AB37-5E71-4790-9163-6E2D8F06C5D2}"/>
+                <a16:creationId xmlns="" xmlns:a16="http://schemas.microsoft.com/office/drawing/2014/main" id="{8AB7AB37-5E71-4790-9163-6E2D8F06C5D2}"/>
               </a:ext>
             </a:extLst>
           </p:cNvPr>
@@ -9710,7 +9695,7 @@
           <p:cNvPr id="95" name="Rectangle: Rounded Corners 3">
             <a:extLst>
               <a:ext uri="{FF2B5EF4-FFF2-40B4-BE49-F238E27FC236}">
-                <a16:creationId xmlns:a16="http://schemas.microsoft.com/office/drawing/2014/main" xmlns="" id="{7AE6D3E8-429A-4DBC-8186-66C97006A05C}"/>
+                <a16:creationId xmlns="" xmlns:a16="http://schemas.microsoft.com/office/drawing/2014/main" id="{7AE6D3E8-429A-4DBC-8186-66C97006A05C}"/>
               </a:ext>
             </a:extLst>
           </p:cNvPr>
@@ -9782,7 +9767,7 @@
           <p:cNvPr id="96" name="Straight Connector 95">
             <a:extLst>
               <a:ext uri="{FF2B5EF4-FFF2-40B4-BE49-F238E27FC236}">
-                <a16:creationId xmlns:a16="http://schemas.microsoft.com/office/drawing/2014/main" xmlns="" id="{8AB7AB37-5E71-4790-9163-6E2D8F06C5D2}"/>
+                <a16:creationId xmlns="" xmlns:a16="http://schemas.microsoft.com/office/drawing/2014/main" id="{8AB7AB37-5E71-4790-9163-6E2D8F06C5D2}"/>
               </a:ext>
             </a:extLst>
           </p:cNvPr>
@@ -9829,7 +9814,7 @@
           <p:cNvPr id="97" name="Straight Connector 96">
             <a:extLst>
               <a:ext uri="{FF2B5EF4-FFF2-40B4-BE49-F238E27FC236}">
-                <a16:creationId xmlns:a16="http://schemas.microsoft.com/office/drawing/2014/main" xmlns="" id="{8AB7AB37-5E71-4790-9163-6E2D8F06C5D2}"/>
+                <a16:creationId xmlns="" xmlns:a16="http://schemas.microsoft.com/office/drawing/2014/main" id="{8AB7AB37-5E71-4790-9163-6E2D8F06C5D2}"/>
               </a:ext>
             </a:extLst>
           </p:cNvPr>
@@ -9876,7 +9861,7 @@
           <p:cNvPr id="98" name="Rectangle: Rounded Corners 3">
             <a:extLst>
               <a:ext uri="{FF2B5EF4-FFF2-40B4-BE49-F238E27FC236}">
-                <a16:creationId xmlns:a16="http://schemas.microsoft.com/office/drawing/2014/main" xmlns="" id="{7AE6D3E8-429A-4DBC-8186-66C97006A05C}"/>
+                <a16:creationId xmlns="" xmlns:a16="http://schemas.microsoft.com/office/drawing/2014/main" id="{7AE6D3E8-429A-4DBC-8186-66C97006A05C}"/>
               </a:ext>
             </a:extLst>
           </p:cNvPr>
@@ -9948,7 +9933,7 @@
           <p:cNvPr id="99" name="Straight Connector 98">
             <a:extLst>
               <a:ext uri="{FF2B5EF4-FFF2-40B4-BE49-F238E27FC236}">
-                <a16:creationId xmlns:a16="http://schemas.microsoft.com/office/drawing/2014/main" xmlns="" id="{8AB7AB37-5E71-4790-9163-6E2D8F06C5D2}"/>
+                <a16:creationId xmlns="" xmlns:a16="http://schemas.microsoft.com/office/drawing/2014/main" id="{8AB7AB37-5E71-4790-9163-6E2D8F06C5D2}"/>
               </a:ext>
             </a:extLst>
           </p:cNvPr>
@@ -10145,7 +10130,7 @@
           <p:cNvPr id="108" name="Straight Connector 107">
             <a:extLst>
               <a:ext uri="{FF2B5EF4-FFF2-40B4-BE49-F238E27FC236}">
-                <a16:creationId xmlns:a16="http://schemas.microsoft.com/office/drawing/2014/main" xmlns="" id="{8AB7AB37-5E71-4790-9163-6E2D8F06C5D2}"/>
+                <a16:creationId xmlns="" xmlns:a16="http://schemas.microsoft.com/office/drawing/2014/main" id="{8AB7AB37-5E71-4790-9163-6E2D8F06C5D2}"/>
               </a:ext>
             </a:extLst>
           </p:cNvPr>
@@ -10278,7 +10263,7 @@
           <p:cNvPr id="112" name="Straight Connector 111">
             <a:extLst>
               <a:ext uri="{FF2B5EF4-FFF2-40B4-BE49-F238E27FC236}">
-                <a16:creationId xmlns:a16="http://schemas.microsoft.com/office/drawing/2014/main" xmlns="" id="{8AB7AB37-5E71-4790-9163-6E2D8F06C5D2}"/>
+                <a16:creationId xmlns="" xmlns:a16="http://schemas.microsoft.com/office/drawing/2014/main" id="{8AB7AB37-5E71-4790-9163-6E2D8F06C5D2}"/>
               </a:ext>
             </a:extLst>
           </p:cNvPr>
@@ -10762,7 +10747,7 @@
           <p:cNvPr id="5" name="Title 1">
             <a:extLst>
               <a:ext uri="{FF2B5EF4-FFF2-40B4-BE49-F238E27FC236}">
-                <a16:creationId xmlns:a16="http://schemas.microsoft.com/office/drawing/2014/main" xmlns="" id="{ADDC5375-CE02-4A6D-BDEB-689CA3A31589}"/>
+                <a16:creationId xmlns="" xmlns:a16="http://schemas.microsoft.com/office/drawing/2014/main" id="{ADDC5375-CE02-4A6D-BDEB-689CA3A31589}"/>
               </a:ext>
             </a:extLst>
           </p:cNvPr>
@@ -11139,7 +11124,7 @@
   <a:extraClrSchemeLst/>
   <a:extLst>
     <a:ext uri="{05A4C25C-085E-4340-85A3-A5531E510DB2}">
-      <thm15:themeFamily xmlns:thm15="http://schemas.microsoft.com/office/thememl/2012/main" xmlns="" name="Office Theme" id="{62F939B6-93AF-4DB8-9C6B-D6C7DFDC589F}" vid="{4A3C46E8-61CC-4603-A589-7422A47A8E4A}"/>
+      <thm15:themeFamily xmlns="" xmlns:thm15="http://schemas.microsoft.com/office/thememl/2012/main" name="Office Theme" id="{62F939B6-93AF-4DB8-9C6B-D6C7DFDC589F}" vid="{4A3C46E8-61CC-4603-A589-7422A47A8E4A}"/>
     </a:ext>
   </a:extLst>
 </a:theme>
